--- a/논문 자료/한국정보처리학회 2020년 춘계학술발표대회/KIPS 학술발표대회 논문 포스터.pptx
+++ b/논문 자료/한국정보처리학회 2020년 춘계학술발표대회/KIPS 학술발표대회 논문 포스터.pptx
@@ -2760,13 +2760,13 @@
             </a:pPr>
             <a:r>
               <a:rPr lang="ko-KR" altLang="en-US" sz="2800" dirty="0">
-                <a:latin typeface="Calibri" pitchFamily="34" charset="0"/>
+                <a:latin typeface="+mn-ea"/>
               </a:rPr>
               <a:t>길이 좁고 차도와 인도의 구분이 없는 골목길의 특성상 사각지대가 많고 보행자의 동선을 예측하기 힘들어 교통사고가 많이 발생하고 있다</a:t>
             </a:r>
             <a:r>
               <a:rPr lang="en-US" altLang="ko-KR" sz="2800" dirty="0">
-                <a:latin typeface="Calibri" pitchFamily="34" charset="0"/>
+                <a:latin typeface="+mn-ea"/>
               </a:rPr>
               <a:t>. </a:t>
             </a:r>
@@ -2774,7 +2774,7 @@
           <a:p>
             <a:pPr eaLnBrk="1" hangingPunct="1"/>
             <a:endParaRPr lang="en-US" altLang="ko-KR" sz="2800" dirty="0">
-              <a:latin typeface="Calibri" pitchFamily="34" charset="0"/>
+              <a:latin typeface="+mn-ea"/>
             </a:endParaRPr>
           </a:p>
           <a:p>
@@ -2784,37 +2784,37 @@
             </a:pPr>
             <a:r>
               <a:rPr lang="ko-KR" altLang="en-US" sz="2800" dirty="0">
-                <a:latin typeface="Calibri" pitchFamily="34" charset="0"/>
+                <a:latin typeface="+mn-ea"/>
               </a:rPr>
               <a:t>본 논문에서는 </a:t>
             </a:r>
             <a:r>
               <a:rPr lang="en-US" altLang="ko-KR" sz="2800" dirty="0">
-                <a:latin typeface="Calibri" pitchFamily="34" charset="0"/>
+                <a:latin typeface="+mn-ea"/>
               </a:rPr>
               <a:t>AI</a:t>
             </a:r>
             <a:r>
               <a:rPr lang="ko-KR" altLang="en-US" sz="2800" dirty="0">
-                <a:latin typeface="Calibri" pitchFamily="34" charset="0"/>
+                <a:latin typeface="+mn-ea"/>
               </a:rPr>
               <a:t>를 활용</a:t>
             </a:r>
             <a:r>
               <a:rPr lang="en-US" altLang="ko-KR" sz="2800" dirty="0">
-                <a:latin typeface="Calibri" pitchFamily="34" charset="0"/>
+                <a:latin typeface="+mn-ea"/>
               </a:rPr>
               <a:t>, </a:t>
             </a:r>
             <a:r>
               <a:rPr lang="ko-KR" altLang="en-US" sz="2800" dirty="0">
-                <a:latin typeface="Calibri" pitchFamily="34" charset="0"/>
+                <a:latin typeface="+mn-ea"/>
               </a:rPr>
               <a:t>영상 내 사물을 추적하여 골목길에서의 사고를 예방하는 시스템을 제안한다</a:t>
             </a:r>
             <a:r>
               <a:rPr lang="en-US" altLang="ko-KR" sz="2800" dirty="0">
-                <a:latin typeface="Calibri" pitchFamily="34" charset="0"/>
+                <a:latin typeface="+mn-ea"/>
               </a:rPr>
               <a:t>.</a:t>
             </a:r>
@@ -2822,7 +2822,7 @@
           <a:p>
             <a:pPr eaLnBrk="1" hangingPunct="1"/>
             <a:endParaRPr lang="en-US" altLang="ko-KR" sz="2800" dirty="0">
-              <a:latin typeface="Calibri" pitchFamily="34" charset="0"/>
+              <a:latin typeface="+mn-ea"/>
             </a:endParaRPr>
           </a:p>
           <a:p>
@@ -2832,37 +2832,37 @@
             </a:pPr>
             <a:r>
               <a:rPr lang="ko-KR" altLang="en-US" sz="2800" dirty="0">
-                <a:latin typeface="Calibri" pitchFamily="34" charset="0"/>
+                <a:latin typeface="+mn-ea"/>
               </a:rPr>
               <a:t>해당 시스템은 </a:t>
             </a:r>
             <a:r>
               <a:rPr lang="en-US" altLang="ko-KR" sz="2800" dirty="0">
-                <a:latin typeface="Calibri" pitchFamily="34" charset="0"/>
+                <a:latin typeface="+mn-ea"/>
               </a:rPr>
               <a:t>Object - Detection &amp; Tracking</a:t>
             </a:r>
             <a:r>
               <a:rPr lang="ko-KR" altLang="en-US" sz="2800" dirty="0">
-                <a:latin typeface="Calibri" pitchFamily="34" charset="0"/>
+                <a:latin typeface="+mn-ea"/>
               </a:rPr>
               <a:t>을 사용하여 보행자 및 차량을 </a:t>
             </a:r>
             <a:r>
               <a:rPr lang="ko-KR" altLang="en-US" sz="2800" dirty="0" err="1">
-                <a:latin typeface="Calibri" pitchFamily="34" charset="0"/>
+                <a:latin typeface="+mn-ea"/>
               </a:rPr>
               <a:t>식별ㆍ추적하여</a:t>
             </a:r>
             <a:r>
               <a:rPr lang="ko-KR" altLang="en-US" sz="2800" dirty="0">
-                <a:latin typeface="Calibri" pitchFamily="34" charset="0"/>
+                <a:latin typeface="+mn-ea"/>
               </a:rPr>
               <a:t> 두 개 이상의 사물이 동시에 교차로에 접근 시 사고 예방 알람을 발생시킨다</a:t>
             </a:r>
             <a:r>
               <a:rPr lang="en-US" altLang="ko-KR" sz="2800" dirty="0">
-                <a:latin typeface="Calibri" pitchFamily="34" charset="0"/>
+                <a:latin typeface="+mn-ea"/>
               </a:rPr>
               <a:t>.</a:t>
             </a:r>
@@ -2870,7 +2870,7 @@
           <a:p>
             <a:pPr eaLnBrk="1" hangingPunct="1"/>
             <a:endParaRPr lang="en-US" altLang="ko-KR" sz="2800" dirty="0">
-              <a:latin typeface="Calibri" pitchFamily="34" charset="0"/>
+              <a:latin typeface="+mn-ea"/>
             </a:endParaRPr>
           </a:p>
           <a:p>
@@ -2880,25 +2880,25 @@
             </a:pPr>
             <a:r>
               <a:rPr lang="ko-KR" altLang="en-US" sz="2800" dirty="0">
-                <a:latin typeface="Calibri" pitchFamily="34" charset="0"/>
+                <a:latin typeface="+mn-ea"/>
               </a:rPr>
               <a:t>이 시스템을 전국에 설치되어 있는 </a:t>
             </a:r>
             <a:r>
               <a:rPr lang="en-US" altLang="ko-KR" sz="2800" dirty="0">
-                <a:latin typeface="Calibri" pitchFamily="34" charset="0"/>
+                <a:latin typeface="+mn-ea"/>
               </a:rPr>
               <a:t>CCTV</a:t>
             </a:r>
             <a:r>
               <a:rPr lang="ko-KR" altLang="en-US" sz="2800" dirty="0">
-                <a:latin typeface="Calibri" pitchFamily="34" charset="0"/>
+                <a:latin typeface="+mn-ea"/>
               </a:rPr>
               <a:t>에 활용하면 추가적인 비용과 설치 시간에 제한 받지 않고 전국적으로 응용할 수 있을 것으로 기대된다</a:t>
             </a:r>
             <a:r>
               <a:rPr lang="en-US" altLang="ko-KR" sz="2800" dirty="0">
-                <a:latin typeface="Calibri" pitchFamily="34" charset="0"/>
+                <a:latin typeface="+mn-ea"/>
               </a:rPr>
               <a:t>.</a:t>
             </a:r>
@@ -2970,8 +2970,8 @@
         </p:nvSpPr>
         <p:spPr bwMode="auto">
           <a:xfrm>
-            <a:off x="15711437" y="13643350"/>
-            <a:ext cx="12706576" cy="720609"/>
+            <a:off x="15678523" y="8628290"/>
+            <a:ext cx="12801742" cy="9830795"/>
           </a:xfrm>
           <a:prstGeom prst="rect">
             <a:avLst/>
@@ -3095,9 +3095,423 @@
               <a:buFont typeface="Wingdings" panose="05000000000000000000" pitchFamily="2" charset="2"/>
               <a:buChar char="§"/>
             </a:pPr>
-            <a:endParaRPr lang="en-US" altLang="ko-KR" sz="2400" dirty="0">
+            <a:r>
+              <a:rPr lang="en-US" altLang="ko-KR" sz="2800" dirty="0" err="1">
+                <a:latin typeface="+mn-ea"/>
+              </a:rPr>
+              <a:t>openCV</a:t>
+            </a:r>
+            <a:r>
+              <a:rPr lang="ko-KR" altLang="en-US" sz="2800" dirty="0">
+                <a:latin typeface="+mn-ea"/>
+              </a:rPr>
+              <a:t>를 활용하여 스트리밍 데이터를 프레임 단위로 처리한다</a:t>
+            </a:r>
+            <a:r>
+              <a:rPr lang="en-US" altLang="ko-KR" sz="2800" dirty="0">
+                <a:latin typeface="+mn-ea"/>
+              </a:rPr>
+              <a:t>. </a:t>
+            </a:r>
+            <a:r>
+              <a:rPr lang="ko-KR" altLang="en-US" sz="2800" dirty="0">
+                <a:latin typeface="+mn-ea"/>
+              </a:rPr>
+              <a:t>프레임 별로 </a:t>
+            </a:r>
+            <a:r>
+              <a:rPr lang="en-US" altLang="ko-KR" sz="2800" dirty="0" err="1">
+                <a:latin typeface="+mn-ea"/>
+              </a:rPr>
+              <a:t>Tensorflow</a:t>
+            </a:r>
+            <a:r>
+              <a:rPr lang="ko-KR" altLang="en-US" sz="2800" dirty="0">
+                <a:latin typeface="+mn-ea"/>
+              </a:rPr>
+              <a:t>의 </a:t>
+            </a:r>
+            <a:r>
+              <a:rPr lang="en-US" altLang="ko-KR" sz="2800" dirty="0">
+                <a:latin typeface="+mn-ea"/>
+              </a:rPr>
+              <a:t>Object-Detection </a:t>
+            </a:r>
+            <a:r>
+              <a:rPr lang="ko-KR" altLang="en-US" sz="2800" dirty="0">
+                <a:latin typeface="+mn-ea"/>
+              </a:rPr>
+              <a:t>기능을 활용하여 프레임 내에서 인식되는 객체 중 사람과 차량만을 추출한다</a:t>
+            </a:r>
+            <a:r>
+              <a:rPr lang="en-US" altLang="ko-KR" sz="2800" dirty="0">
+                <a:latin typeface="+mn-ea"/>
+              </a:rPr>
+              <a:t>.</a:t>
+            </a:r>
+          </a:p>
+          <a:p>
+            <a:pPr marL="457200" indent="-457200" eaLnBrk="1" hangingPunct="1">
+              <a:buFont typeface="Wingdings" panose="05000000000000000000" pitchFamily="2" charset="2"/>
+              <a:buChar char="§"/>
+            </a:pPr>
+            <a:endParaRPr lang="en-US" altLang="ko-KR" sz="2800" dirty="0">
               <a:latin typeface="+mn-ea"/>
             </a:endParaRPr>
+          </a:p>
+          <a:p>
+            <a:pPr marL="457200" indent="-457200" eaLnBrk="1" hangingPunct="1">
+              <a:buFont typeface="Wingdings" panose="05000000000000000000" pitchFamily="2" charset="2"/>
+              <a:buChar char="§"/>
+            </a:pPr>
+            <a:r>
+              <a:rPr lang="ko-KR" altLang="en-US" sz="2800" dirty="0">
+                <a:latin typeface="+mn-ea"/>
+              </a:rPr>
+              <a:t>객체가 사고 발생 가능 범위 내로 진입함을 인식하기 위해서</a:t>
+            </a:r>
+            <a:r>
+              <a:rPr lang="en-US" altLang="ko-KR" sz="2800" dirty="0">
+                <a:latin typeface="+mn-ea"/>
+              </a:rPr>
+              <a:t> </a:t>
+            </a:r>
+            <a:r>
+              <a:rPr lang="ko-KR" altLang="en-US" sz="2800" dirty="0">
+                <a:latin typeface="+mn-ea"/>
+              </a:rPr>
+              <a:t>사용자가 설정한 기준선에서부터 인식된 객체의 중심점까지의 이차원 평면에서의 </a:t>
+            </a:r>
+            <a:r>
+              <a:rPr lang="ko-KR" altLang="en-US" sz="2800" dirty="0" err="1">
+                <a:latin typeface="+mn-ea"/>
+              </a:rPr>
+              <a:t>유클리디안</a:t>
+            </a:r>
+            <a:r>
+              <a:rPr lang="ko-KR" altLang="en-US" sz="2800" dirty="0">
+                <a:latin typeface="+mn-ea"/>
+              </a:rPr>
+              <a:t> 거리 </a:t>
+            </a:r>
+            <a:r>
+              <a:rPr lang="en-US" altLang="ko-KR" sz="2800" dirty="0">
+                <a:latin typeface="+mn-ea"/>
+              </a:rPr>
+              <a:t>(</a:t>
+            </a:r>
+            <a:r>
+              <a:rPr lang="ko-KR" altLang="en-US" sz="2800" dirty="0">
+                <a:latin typeface="+mn-ea"/>
+              </a:rPr>
+              <a:t>그림</a:t>
+            </a:r>
+            <a:r>
+              <a:rPr lang="en-US" altLang="ko-KR" sz="2800" dirty="0">
+                <a:latin typeface="+mn-ea"/>
+              </a:rPr>
+              <a:t>2-2)</a:t>
+            </a:r>
+            <a:r>
+              <a:rPr lang="ko-KR" altLang="en-US" sz="2800" dirty="0">
+                <a:latin typeface="+mn-ea"/>
+              </a:rPr>
+              <a:t>를 계산하여 차이를 측정하여 </a:t>
+            </a:r>
+            <a:r>
+              <a:rPr lang="en-US" altLang="ko-KR" sz="2800" dirty="0">
+                <a:latin typeface="+mn-ea"/>
+              </a:rPr>
+              <a:t>Object–Tracking </a:t>
+            </a:r>
+            <a:r>
+              <a:rPr lang="ko-KR" altLang="en-US" sz="2800" dirty="0">
+                <a:latin typeface="+mn-ea"/>
+              </a:rPr>
+              <a:t>기능을 구현한다</a:t>
+            </a:r>
+            <a:r>
+              <a:rPr lang="en-US" altLang="ko-KR" sz="2800" dirty="0">
+                <a:latin typeface="+mn-ea"/>
+              </a:rPr>
+              <a:t>.</a:t>
+            </a:r>
+          </a:p>
+          <a:p>
+            <a:pPr marL="457200" indent="-457200" eaLnBrk="1" hangingPunct="1">
+              <a:buFont typeface="Wingdings" panose="05000000000000000000" pitchFamily="2" charset="2"/>
+              <a:buChar char="§"/>
+            </a:pPr>
+            <a:endParaRPr lang="en-US" altLang="ko-KR" sz="2800" dirty="0">
+              <a:latin typeface="+mn-ea"/>
+            </a:endParaRPr>
+          </a:p>
+          <a:p>
+            <a:pPr marL="457200" indent="-457200" eaLnBrk="1" hangingPunct="1">
+              <a:buFont typeface="Wingdings" panose="05000000000000000000" pitchFamily="2" charset="2"/>
+              <a:buChar char="§"/>
+            </a:pPr>
+            <a:r>
+              <a:rPr lang="ko-KR" altLang="en-US" sz="2800" dirty="0">
+                <a:latin typeface="+mn-ea"/>
+              </a:rPr>
+              <a:t>영상 내에서 인식된 객체별로 </a:t>
+            </a:r>
+            <a:r>
+              <a:rPr lang="en-US" altLang="ko-KR" sz="2800" dirty="0">
+                <a:latin typeface="+mn-ea"/>
+              </a:rPr>
+              <a:t>&lt;</a:t>
+            </a:r>
+            <a:r>
+              <a:rPr lang="ko-KR" altLang="en-US" sz="2800" dirty="0">
+                <a:latin typeface="+mn-ea"/>
+              </a:rPr>
+              <a:t>표</a:t>
+            </a:r>
+            <a:r>
+              <a:rPr lang="en-US" altLang="ko-KR" sz="2800" dirty="0">
+                <a:latin typeface="+mn-ea"/>
+              </a:rPr>
+              <a:t>1&gt; </a:t>
+            </a:r>
+            <a:r>
+              <a:rPr lang="ko-KR" altLang="en-US" sz="2800" dirty="0">
+                <a:latin typeface="+mn-ea"/>
+              </a:rPr>
+              <a:t>에 해당되는 </a:t>
+            </a:r>
+            <a:r>
+              <a:rPr lang="en-US" altLang="ko-KR" sz="2800" dirty="0">
+                <a:latin typeface="+mn-ea"/>
+              </a:rPr>
+              <a:t>Value </a:t>
+            </a:r>
+            <a:r>
+              <a:rPr lang="ko-KR" altLang="en-US" sz="2800" dirty="0">
+                <a:latin typeface="+mn-ea"/>
+              </a:rPr>
+              <a:t>값을 설정한다</a:t>
+            </a:r>
+            <a:r>
+              <a:rPr lang="en-US" altLang="ko-KR" sz="2800" dirty="0">
+                <a:latin typeface="+mn-ea"/>
+              </a:rPr>
+              <a:t>. </a:t>
+            </a:r>
+            <a:r>
+              <a:rPr lang="ko-KR" altLang="en-US" sz="2800" dirty="0">
+                <a:latin typeface="+mn-ea"/>
+              </a:rPr>
+              <a:t>해당 </a:t>
+            </a:r>
+            <a:r>
+              <a:rPr lang="en-US" altLang="ko-KR" sz="2800" dirty="0">
+                <a:latin typeface="+mn-ea"/>
+              </a:rPr>
+              <a:t>Value </a:t>
+            </a:r>
+            <a:r>
+              <a:rPr lang="ko-KR" altLang="en-US" sz="2800" dirty="0">
+                <a:latin typeface="+mn-ea"/>
+              </a:rPr>
+              <a:t>값과 함께 영상을 촬영한 카메라 고유의 </a:t>
+            </a:r>
+            <a:r>
+              <a:rPr lang="en-US" altLang="ko-KR" sz="2800" dirty="0">
+                <a:latin typeface="+mn-ea"/>
+              </a:rPr>
+              <a:t>ID </a:t>
+            </a:r>
+            <a:r>
+              <a:rPr lang="ko-KR" altLang="en-US" sz="2800" dirty="0">
+                <a:latin typeface="+mn-ea"/>
+              </a:rPr>
+              <a:t>값을 </a:t>
+            </a:r>
+            <a:r>
+              <a:rPr lang="en-US" altLang="ko-KR" sz="2800" dirty="0">
+                <a:latin typeface="+mn-ea"/>
+              </a:rPr>
+              <a:t>JSON </a:t>
+            </a:r>
+            <a:r>
+              <a:rPr lang="ko-KR" altLang="en-US" sz="2800" dirty="0">
+                <a:latin typeface="+mn-ea"/>
+              </a:rPr>
+              <a:t>형식으로 데이터를 정제하여 서버로 전송한다</a:t>
+            </a:r>
+            <a:r>
+              <a:rPr lang="en-US" altLang="ko-KR" sz="2800" dirty="0">
+                <a:latin typeface="+mn-ea"/>
+              </a:rPr>
+              <a:t>.</a:t>
+            </a:r>
+          </a:p>
+          <a:p>
+            <a:pPr eaLnBrk="1" hangingPunct="1"/>
+            <a:endParaRPr lang="en-US" altLang="ko-KR" sz="2800" dirty="0">
+              <a:latin typeface="+mn-ea"/>
+            </a:endParaRPr>
+          </a:p>
+          <a:p>
+            <a:pPr marL="457200" indent="-457200" eaLnBrk="1" hangingPunct="1">
+              <a:buFont typeface="Wingdings" panose="05000000000000000000" pitchFamily="2" charset="2"/>
+              <a:buChar char="§"/>
+            </a:pPr>
+            <a:r>
+              <a:rPr lang="en-US" altLang="ko-KR" sz="2800" dirty="0" err="1">
+                <a:latin typeface="+mn-ea"/>
+              </a:rPr>
+              <a:t>Tensorflow</a:t>
+            </a:r>
+            <a:r>
+              <a:rPr lang="ko-KR" altLang="en-US" sz="2800" dirty="0">
+                <a:latin typeface="+mn-ea"/>
+              </a:rPr>
+              <a:t>의 </a:t>
+            </a:r>
+            <a:r>
+              <a:rPr lang="en-US" altLang="ko-KR" sz="2800" dirty="0">
+                <a:latin typeface="+mn-ea"/>
+              </a:rPr>
+              <a:t>Object-Detection </a:t>
+            </a:r>
+            <a:r>
+              <a:rPr lang="ko-KR" altLang="en-US" sz="2800" dirty="0">
+                <a:latin typeface="+mn-ea"/>
+              </a:rPr>
+              <a:t>기능은 모델의 성능과 환경에 따라서 인식률의 차이가 존재하기 때문에 객체를 지속적으로 인식하지 못하는 한계점이 존재한다</a:t>
+            </a:r>
+            <a:r>
+              <a:rPr lang="en-US" altLang="ko-KR" sz="2800" dirty="0">
+                <a:latin typeface="+mn-ea"/>
+              </a:rPr>
+              <a:t>. (</a:t>
+            </a:r>
+            <a:r>
+              <a:rPr lang="ko-KR" altLang="en-US" sz="2800" dirty="0">
+                <a:latin typeface="+mn-ea"/>
+              </a:rPr>
+              <a:t>그림 </a:t>
+            </a:r>
+            <a:r>
+              <a:rPr lang="en-US" altLang="ko-KR" sz="2800" dirty="0">
+                <a:latin typeface="+mn-ea"/>
+              </a:rPr>
+              <a:t>3</a:t>
+            </a:r>
+            <a:r>
+              <a:rPr lang="ko-KR" altLang="en-US" sz="2800" dirty="0">
+                <a:latin typeface="+mn-ea"/>
+              </a:rPr>
+              <a:t>의 왼쪽 그림 참고</a:t>
+            </a:r>
+            <a:r>
+              <a:rPr lang="en-US" altLang="ko-KR" sz="2800" dirty="0">
+                <a:latin typeface="+mn-ea"/>
+              </a:rPr>
+              <a:t>) </a:t>
+            </a:r>
+          </a:p>
+          <a:p>
+            <a:pPr marL="457200" indent="-457200" eaLnBrk="1" hangingPunct="1">
+              <a:buFont typeface="Wingdings" panose="05000000000000000000" pitchFamily="2" charset="2"/>
+              <a:buChar char="§"/>
+            </a:pPr>
+            <a:endParaRPr lang="en-US" altLang="ko-KR" sz="2800" dirty="0">
+              <a:latin typeface="+mn-ea"/>
+            </a:endParaRPr>
+          </a:p>
+          <a:p>
+            <a:pPr marL="457200" indent="-457200" eaLnBrk="1" hangingPunct="1">
+              <a:buFont typeface="Wingdings" panose="05000000000000000000" pitchFamily="2" charset="2"/>
+              <a:buChar char="§"/>
+            </a:pPr>
+            <a:r>
+              <a:rPr lang="ko-KR" altLang="en-US" sz="2800" dirty="0">
+                <a:latin typeface="+mn-ea"/>
+              </a:rPr>
+              <a:t>따라서 클라이언트는 </a:t>
+            </a:r>
+            <a:r>
+              <a:rPr lang="en-US" altLang="ko-KR" sz="2800" dirty="0">
+                <a:latin typeface="+mn-ea"/>
+              </a:rPr>
+              <a:t>Value </a:t>
+            </a:r>
+            <a:r>
+              <a:rPr lang="ko-KR" altLang="en-US" sz="2800" dirty="0">
+                <a:latin typeface="+mn-ea"/>
+              </a:rPr>
+              <a:t>값의 크기에 따라 우선순위를 설정하여 일정시간 내에 감지되는 우선순위가 제일 높은 </a:t>
+            </a:r>
+            <a:r>
+              <a:rPr lang="en-US" altLang="ko-KR" sz="2800" dirty="0">
+                <a:latin typeface="+mn-ea"/>
+              </a:rPr>
+              <a:t>Value </a:t>
+            </a:r>
+            <a:r>
+              <a:rPr lang="ko-KR" altLang="en-US" sz="2800" dirty="0">
+                <a:latin typeface="+mn-ea"/>
+              </a:rPr>
+              <a:t>값을 서버로 전송한다</a:t>
+            </a:r>
+            <a:r>
+              <a:rPr lang="en-US" altLang="ko-KR" sz="2800" dirty="0">
+                <a:latin typeface="+mn-ea"/>
+              </a:rPr>
+              <a:t>. </a:t>
+            </a:r>
+            <a:r>
+              <a:rPr lang="ko-KR" altLang="en-US" sz="2800" dirty="0">
+                <a:latin typeface="+mn-ea"/>
+              </a:rPr>
+              <a:t>클라이언트는 서버로 데이터를 전송하는 중에 지속적으로 영상 내의 객체를 인식하여 우선순위가 더 높은 객체가 인식될 경우 </a:t>
+            </a:r>
+            <a:r>
+              <a:rPr lang="en-US" altLang="ko-KR" sz="2800" dirty="0">
+                <a:latin typeface="+mn-ea"/>
+              </a:rPr>
+              <a:t>Value </a:t>
+            </a:r>
+            <a:r>
+              <a:rPr lang="ko-KR" altLang="en-US" sz="2800" dirty="0">
+                <a:latin typeface="+mn-ea"/>
+              </a:rPr>
+              <a:t>값을 변경하고 전송시간을 다시 초기화한다</a:t>
+            </a:r>
+            <a:r>
+              <a:rPr lang="en-US" altLang="ko-KR" sz="2800" dirty="0">
+                <a:latin typeface="+mn-ea"/>
+              </a:rPr>
+              <a:t>. (</a:t>
+            </a:r>
+            <a:r>
+              <a:rPr lang="ko-KR" altLang="en-US" sz="2800" dirty="0">
+                <a:latin typeface="+mn-ea"/>
+              </a:rPr>
+              <a:t>그림</a:t>
+            </a:r>
+            <a:r>
+              <a:rPr lang="en-US" altLang="ko-KR" sz="2800" dirty="0">
+                <a:latin typeface="+mn-ea"/>
+              </a:rPr>
+              <a:t>3</a:t>
+            </a:r>
+            <a:r>
+              <a:rPr lang="ko-KR" altLang="en-US" sz="2800" dirty="0">
+                <a:latin typeface="+mn-ea"/>
+              </a:rPr>
+              <a:t>의 오른쪽 그림 참고</a:t>
+            </a:r>
+            <a:r>
+              <a:rPr lang="en-US" altLang="ko-KR" sz="2800" dirty="0">
+                <a:latin typeface="+mn-ea"/>
+              </a:rPr>
+              <a:t>)</a:t>
+            </a:r>
           </a:p>
         </p:txBody>
       </p:sp>
@@ -3714,7 +4128,7 @@
         </p:nvSpPr>
         <p:spPr>
           <a:xfrm>
-            <a:off x="15651676" y="5612446"/>
+            <a:off x="15687896" y="5696299"/>
             <a:ext cx="12801742" cy="808336"/>
           </a:xfrm>
           <a:prstGeom prst="rect">
@@ -3748,7 +4162,7 @@
           <a:p>
             <a:pPr algn="ctr"/>
             <a:r>
-              <a:rPr lang="en-US" sz="5400" b="1" dirty="0">
+              <a:rPr lang="en-US" altLang="ko-KR" sz="5400" b="1" dirty="0">
                 <a:solidFill>
                   <a:schemeClr val="accent3">
                     <a:lumMod val="20000"/>
@@ -3756,7 +4170,7 @@
                   </a:schemeClr>
                 </a:solidFill>
               </a:rPr>
-              <a:t>Methods and Materials</a:t>
+              <a:t>Client Process</a:t>
             </a:r>
           </a:p>
         </p:txBody>
@@ -3849,7 +4263,6 @@
                 </a:bodyPr>
                 <a:lstStyle/>
                 <a:p>
-                  <a:pPr/>
                   <a:endParaRPr lang="ko-KR" altLang="en-US" sz="4000" dirty="0"/>
                 </a:p>
               </p:txBody>
@@ -3882,7 +4295,6 @@
                 </a:bodyPr>
                 <a:lstStyle/>
                 <a:p>
-                  <a:pPr/>
                   <a:endParaRPr lang="ko-KR" altLang="en-US" sz="4000" dirty="0"/>
                 </a:p>
               </p:txBody>
@@ -3915,7 +4327,6 @@
                 </a:bodyPr>
                 <a:lstStyle/>
                 <a:p>
-                  <a:pPr/>
                   <a:endParaRPr lang="ko-KR" altLang="en-US" sz="4000" dirty="0"/>
                 </a:p>
               </p:txBody>
@@ -5266,8 +5677,8 @@
         </p:nvSpPr>
         <p:spPr bwMode="auto">
           <a:xfrm>
-            <a:off x="15651676" y="23646665"/>
-            <a:ext cx="12874325" cy="12404054"/>
+            <a:off x="15651676" y="29121314"/>
+            <a:ext cx="12801600" cy="6871041"/>
           </a:xfrm>
           <a:prstGeom prst="rect">
             <a:avLst/>
@@ -5386,6 +5797,414 @@
               </a:defRPr>
             </a:lvl9pPr>
           </a:lstStyle>
+          <a:p>
+            <a:pPr marL="457200" indent="-457200" eaLnBrk="1" hangingPunct="1">
+              <a:buFont typeface="Wingdings" panose="05000000000000000000" pitchFamily="2" charset="2"/>
+              <a:buChar char="§"/>
+            </a:pPr>
+            <a:r>
+              <a:rPr lang="ko-KR" altLang="en-US" sz="2800" dirty="0">
+                <a:latin typeface="Calibri" pitchFamily="34" charset="0"/>
+              </a:rPr>
+              <a:t>서버는 </a:t>
+            </a:r>
+            <a:r>
+              <a:rPr lang="en-US" altLang="ko-KR" sz="2800" dirty="0">
+                <a:latin typeface="Calibri" pitchFamily="34" charset="0"/>
+              </a:rPr>
+              <a:t>&lt;</a:t>
+            </a:r>
+            <a:r>
+              <a:rPr lang="ko-KR" altLang="en-US" sz="2800" dirty="0">
+                <a:latin typeface="Calibri" pitchFamily="34" charset="0"/>
+              </a:rPr>
+              <a:t>표 </a:t>
+            </a:r>
+            <a:r>
+              <a:rPr lang="en-US" altLang="ko-KR" sz="2800" dirty="0">
+                <a:latin typeface="Calibri" pitchFamily="34" charset="0"/>
+              </a:rPr>
+              <a:t>1&gt;</a:t>
+            </a:r>
+            <a:r>
+              <a:rPr lang="ko-KR" altLang="en-US" sz="2800" dirty="0">
+                <a:latin typeface="Calibri" pitchFamily="34" charset="0"/>
+              </a:rPr>
+              <a:t>의 정보를 카메라 고유 </a:t>
+            </a:r>
+            <a:r>
+              <a:rPr lang="en-US" altLang="ko-KR" sz="2800" dirty="0">
+                <a:latin typeface="Calibri" pitchFamily="34" charset="0"/>
+              </a:rPr>
+              <a:t>ID</a:t>
+            </a:r>
+            <a:r>
+              <a:rPr lang="ko-KR" altLang="en-US" sz="2800" dirty="0">
+                <a:latin typeface="Calibri" pitchFamily="34" charset="0"/>
+              </a:rPr>
+              <a:t>와 함께 전달받으며 검출 데이터가 발생했을 시 이를 데이터베이스에서 대조하여 같은 구역인지 판단한다</a:t>
+            </a:r>
+            <a:r>
+              <a:rPr lang="en-US" altLang="ko-KR" sz="2800" dirty="0">
+                <a:latin typeface="Calibri" pitchFamily="34" charset="0"/>
+              </a:rPr>
+              <a:t>. </a:t>
+            </a:r>
+            <a:r>
+              <a:rPr lang="ko-KR" altLang="en-US" sz="2800" dirty="0">
+                <a:latin typeface="Calibri" pitchFamily="34" charset="0"/>
+              </a:rPr>
+              <a:t>같은 구역에서의 데이터를 </a:t>
+            </a:r>
+            <a:r>
+              <a:rPr lang="en-US" altLang="ko-KR" sz="2800" dirty="0">
+                <a:latin typeface="Calibri" pitchFamily="34" charset="0"/>
+              </a:rPr>
+              <a:t>2</a:t>
+            </a:r>
+            <a:r>
+              <a:rPr lang="ko-KR" altLang="en-US" sz="2800" dirty="0">
+                <a:latin typeface="Calibri" pitchFamily="34" charset="0"/>
+              </a:rPr>
+              <a:t>개 이상 수신하고 검출 데이터의 합이 </a:t>
+            </a:r>
+            <a:r>
+              <a:rPr lang="en-US" altLang="ko-KR" sz="2800" dirty="0">
+                <a:latin typeface="Calibri" pitchFamily="34" charset="0"/>
+              </a:rPr>
+              <a:t>1</a:t>
+            </a:r>
+            <a:r>
+              <a:rPr lang="ko-KR" altLang="en-US" sz="2800" dirty="0">
+                <a:latin typeface="Calibri" pitchFamily="34" charset="0"/>
+              </a:rPr>
+              <a:t>을 넘기게 되면 </a:t>
+            </a:r>
+            <a:r>
+              <a:rPr lang="en-US" altLang="ko-KR" sz="2800" dirty="0">
+                <a:latin typeface="Calibri" pitchFamily="34" charset="0"/>
+              </a:rPr>
+              <a:t>&lt;</a:t>
+            </a:r>
+            <a:r>
+              <a:rPr lang="ko-KR" altLang="en-US" sz="2800" dirty="0">
+                <a:latin typeface="Calibri" pitchFamily="34" charset="0"/>
+              </a:rPr>
+              <a:t>표 </a:t>
+            </a:r>
+            <a:r>
+              <a:rPr lang="en-US" altLang="ko-KR" sz="2800" dirty="0">
+                <a:latin typeface="Calibri" pitchFamily="34" charset="0"/>
+              </a:rPr>
+              <a:t>2&gt; </a:t>
+            </a:r>
+            <a:r>
+              <a:rPr lang="ko-KR" altLang="en-US" sz="2800" dirty="0">
+                <a:latin typeface="Calibri" pitchFamily="34" charset="0"/>
+              </a:rPr>
+              <a:t>와 같이 위험 상황으로 판단</a:t>
+            </a:r>
+            <a:r>
+              <a:rPr lang="en-US" altLang="ko-KR" sz="2800" dirty="0">
+                <a:latin typeface="Calibri" pitchFamily="34" charset="0"/>
+              </a:rPr>
+              <a:t>, </a:t>
+            </a:r>
+            <a:r>
+              <a:rPr lang="ko-KR" altLang="en-US" sz="2800" dirty="0">
+                <a:latin typeface="Calibri" pitchFamily="34" charset="0"/>
+              </a:rPr>
+              <a:t>해당 구역 알람에 신호를 전송한다</a:t>
+            </a:r>
+            <a:endParaRPr lang="en-US" altLang="ko-KR" sz="2800" dirty="0">
+              <a:latin typeface="Calibri" pitchFamily="34" charset="0"/>
+            </a:endParaRPr>
+          </a:p>
+          <a:p>
+            <a:pPr marL="457200" indent="-457200" eaLnBrk="1" hangingPunct="1">
+              <a:buFont typeface="Wingdings" panose="05000000000000000000" pitchFamily="2" charset="2"/>
+              <a:buChar char="§"/>
+            </a:pPr>
+            <a:endParaRPr lang="en-US" altLang="ko-KR" sz="2800" dirty="0">
+              <a:latin typeface="Calibri" pitchFamily="34" charset="0"/>
+            </a:endParaRPr>
+          </a:p>
+          <a:p>
+            <a:pPr marL="457200" indent="-457200" eaLnBrk="1" hangingPunct="1">
+              <a:buFont typeface="Wingdings" panose="05000000000000000000" pitchFamily="2" charset="2"/>
+              <a:buChar char="§"/>
+            </a:pPr>
+            <a:r>
+              <a:rPr lang="ko-KR" altLang="en-US" sz="2800" dirty="0">
+                <a:latin typeface="Calibri" pitchFamily="34" charset="0"/>
+              </a:rPr>
+              <a:t>서버와 연동된 데이터베이스는 각 카메라별 고유 </a:t>
+            </a:r>
+            <a:r>
+              <a:rPr lang="en-US" altLang="ko-KR" sz="2800" dirty="0">
+                <a:latin typeface="Calibri" pitchFamily="34" charset="0"/>
+              </a:rPr>
+              <a:t>ID </a:t>
+            </a:r>
+            <a:r>
+              <a:rPr lang="ko-KR" altLang="en-US" sz="2800" dirty="0">
+                <a:latin typeface="Calibri" pitchFamily="34" charset="0"/>
+              </a:rPr>
+              <a:t>와 구역별 </a:t>
+            </a:r>
+            <a:r>
+              <a:rPr lang="en-US" altLang="ko-KR" sz="2800" dirty="0">
+                <a:latin typeface="Calibri" pitchFamily="34" charset="0"/>
+              </a:rPr>
+              <a:t>ID, </a:t>
+            </a:r>
+            <a:r>
+              <a:rPr lang="ko-KR" altLang="en-US" sz="2800" dirty="0">
+                <a:latin typeface="Calibri" pitchFamily="34" charset="0"/>
+              </a:rPr>
+              <a:t>알람 </a:t>
+            </a:r>
+            <a:r>
+              <a:rPr lang="en-US" altLang="ko-KR" sz="2800" dirty="0">
+                <a:latin typeface="Calibri" pitchFamily="34" charset="0"/>
+              </a:rPr>
+              <a:t>LED ID </a:t>
+            </a:r>
+            <a:r>
+              <a:rPr lang="ko-KR" altLang="en-US" sz="2800" dirty="0">
+                <a:latin typeface="Calibri" pitchFamily="34" charset="0"/>
+              </a:rPr>
+              <a:t>를 관리한다</a:t>
+            </a:r>
+            <a:r>
+              <a:rPr lang="en-US" altLang="ko-KR" sz="2800" dirty="0">
+                <a:latin typeface="Calibri" pitchFamily="34" charset="0"/>
+              </a:rPr>
+              <a:t>. </a:t>
+            </a:r>
+            <a:r>
+              <a:rPr lang="ko-KR" altLang="en-US" sz="2800" dirty="0">
+                <a:latin typeface="Calibri" pitchFamily="34" charset="0"/>
+              </a:rPr>
+              <a:t>해당 데이터베이스는 </a:t>
+            </a:r>
+            <a:r>
+              <a:rPr lang="en-US" altLang="ko-KR" sz="2800" dirty="0">
+                <a:latin typeface="Calibri" pitchFamily="34" charset="0"/>
+              </a:rPr>
+              <a:t>Camera </a:t>
+            </a:r>
+            <a:r>
+              <a:rPr lang="ko-KR" altLang="en-US" sz="2800" dirty="0">
+                <a:latin typeface="Calibri" pitchFamily="34" charset="0"/>
+              </a:rPr>
+              <a:t>테이블과 </a:t>
+            </a:r>
+            <a:r>
+              <a:rPr lang="en-US" altLang="ko-KR" sz="2800" dirty="0">
+                <a:latin typeface="Calibri" pitchFamily="34" charset="0"/>
+              </a:rPr>
+              <a:t>Alarm </a:t>
+            </a:r>
+            <a:r>
+              <a:rPr lang="ko-KR" altLang="en-US" sz="2800" dirty="0">
+                <a:latin typeface="Calibri" pitchFamily="34" charset="0"/>
+              </a:rPr>
+              <a:t>테이블로 구성된다</a:t>
+            </a:r>
+            <a:r>
+              <a:rPr lang="en-US" altLang="ko-KR" sz="2800" dirty="0">
+                <a:latin typeface="Calibri" pitchFamily="34" charset="0"/>
+              </a:rPr>
+              <a:t>.</a:t>
+            </a:r>
+          </a:p>
+          <a:p>
+            <a:pPr marL="457200" indent="-457200" eaLnBrk="1" hangingPunct="1">
+              <a:buFont typeface="Wingdings" panose="05000000000000000000" pitchFamily="2" charset="2"/>
+              <a:buChar char="§"/>
+            </a:pPr>
+            <a:endParaRPr lang="en-US" altLang="ko-KR" sz="2800" dirty="0">
+              <a:latin typeface="Calibri" pitchFamily="34" charset="0"/>
+            </a:endParaRPr>
+          </a:p>
+          <a:p>
+            <a:pPr marL="457200" indent="-457200" eaLnBrk="1" hangingPunct="1">
+              <a:buFont typeface="Wingdings" panose="05000000000000000000" pitchFamily="2" charset="2"/>
+              <a:buChar char="§"/>
+            </a:pPr>
+            <a:r>
+              <a:rPr lang="en-US" altLang="ko-KR" sz="2800" dirty="0">
+                <a:latin typeface="Calibri" pitchFamily="34" charset="0"/>
+              </a:rPr>
+              <a:t>Camera </a:t>
+            </a:r>
+            <a:r>
+              <a:rPr lang="ko-KR" altLang="en-US" sz="2800" dirty="0">
+                <a:latin typeface="Calibri" pitchFamily="34" charset="0"/>
+              </a:rPr>
+              <a:t>테이블은 각 카메라 </a:t>
+            </a:r>
+            <a:r>
+              <a:rPr lang="en-US" altLang="ko-KR" sz="2800" dirty="0">
+                <a:latin typeface="Calibri" pitchFamily="34" charset="0"/>
+              </a:rPr>
+              <a:t>ID</a:t>
+            </a:r>
+            <a:r>
+              <a:rPr lang="ko-KR" altLang="en-US" sz="2800" dirty="0">
+                <a:latin typeface="Calibri" pitchFamily="34" charset="0"/>
+              </a:rPr>
+              <a:t>와 구역 </a:t>
+            </a:r>
+            <a:r>
+              <a:rPr lang="en-US" altLang="ko-KR" sz="2800" dirty="0">
+                <a:latin typeface="Calibri" pitchFamily="34" charset="0"/>
+              </a:rPr>
+              <a:t>ID</a:t>
+            </a:r>
+            <a:r>
+              <a:rPr lang="ko-KR" altLang="en-US" sz="2800" dirty="0">
+                <a:latin typeface="Calibri" pitchFamily="34" charset="0"/>
+              </a:rPr>
+              <a:t> 에 관련된 정보를 포함하고 있다</a:t>
+            </a:r>
+            <a:r>
+              <a:rPr lang="en-US" altLang="ko-KR" sz="2800" dirty="0">
+                <a:latin typeface="Calibri" pitchFamily="34" charset="0"/>
+              </a:rPr>
+              <a:t>. </a:t>
+            </a:r>
+          </a:p>
+          <a:p>
+            <a:pPr marL="457200" indent="-457200" eaLnBrk="1" hangingPunct="1">
+              <a:buFont typeface="Wingdings" panose="05000000000000000000" pitchFamily="2" charset="2"/>
+              <a:buChar char="§"/>
+            </a:pPr>
+            <a:endParaRPr lang="en-US" altLang="ko-KR" sz="2800" dirty="0">
+              <a:latin typeface="Calibri" pitchFamily="34" charset="0"/>
+            </a:endParaRPr>
+          </a:p>
+          <a:p>
+            <a:pPr marL="457200" indent="-457200" eaLnBrk="1" hangingPunct="1">
+              <a:buFont typeface="Wingdings" panose="05000000000000000000" pitchFamily="2" charset="2"/>
+              <a:buChar char="§"/>
+            </a:pPr>
+            <a:r>
+              <a:rPr lang="en-US" altLang="ko-KR" sz="2800" dirty="0">
+                <a:latin typeface="Calibri" pitchFamily="34" charset="0"/>
+              </a:rPr>
+              <a:t>Alarm </a:t>
+            </a:r>
+            <a:r>
+              <a:rPr lang="ko-KR" altLang="en-US" sz="2800" dirty="0">
+                <a:latin typeface="Calibri" pitchFamily="34" charset="0"/>
+              </a:rPr>
+              <a:t>테이블은 구역 </a:t>
+            </a:r>
+            <a:r>
+              <a:rPr lang="en-US" altLang="ko-KR" sz="2800" dirty="0">
+                <a:latin typeface="Calibri" pitchFamily="34" charset="0"/>
+              </a:rPr>
+              <a:t>ID</a:t>
+            </a:r>
+            <a:r>
+              <a:rPr lang="ko-KR" altLang="en-US" sz="2800" dirty="0">
+                <a:latin typeface="Calibri" pitchFamily="34" charset="0"/>
+              </a:rPr>
+              <a:t>와 알람 </a:t>
+            </a:r>
+            <a:r>
+              <a:rPr lang="en-US" altLang="ko-KR" sz="2800" dirty="0">
+                <a:latin typeface="Calibri" pitchFamily="34" charset="0"/>
+              </a:rPr>
+              <a:t>LED ID </a:t>
+            </a:r>
+            <a:r>
+              <a:rPr lang="ko-KR" altLang="en-US" sz="2800" dirty="0">
+                <a:latin typeface="Calibri" pitchFamily="34" charset="0"/>
+              </a:rPr>
+              <a:t>에 관련된</a:t>
+            </a:r>
+            <a:r>
+              <a:rPr lang="en-US" altLang="ko-KR" sz="2800" dirty="0">
+                <a:latin typeface="Calibri" pitchFamily="34" charset="0"/>
+              </a:rPr>
+              <a:t> </a:t>
+            </a:r>
+            <a:r>
+              <a:rPr lang="ko-KR" altLang="en-US" sz="2800" dirty="0">
+                <a:latin typeface="Calibri" pitchFamily="34" charset="0"/>
+              </a:rPr>
+              <a:t>정보를 포함하고 있다</a:t>
+            </a:r>
+            <a:r>
+              <a:rPr lang="en-US" altLang="ko-KR" sz="2800" dirty="0">
+                <a:latin typeface="Calibri" pitchFamily="34" charset="0"/>
+              </a:rPr>
+              <a:t>.</a:t>
+            </a:r>
+          </a:p>
+          <a:p>
+            <a:pPr marL="457200" indent="-457200" eaLnBrk="1" hangingPunct="1">
+              <a:buFont typeface="Wingdings" panose="05000000000000000000" pitchFamily="2" charset="2"/>
+              <a:buChar char="§"/>
+            </a:pPr>
+            <a:endParaRPr lang="en-US" altLang="ko-KR" sz="2800" dirty="0">
+              <a:latin typeface="Calibri" pitchFamily="34" charset="0"/>
+            </a:endParaRPr>
+          </a:p>
+          <a:p>
+            <a:pPr marL="457200" indent="-457200" eaLnBrk="1" hangingPunct="1">
+              <a:buFont typeface="Wingdings" panose="05000000000000000000" pitchFamily="2" charset="2"/>
+              <a:buChar char="§"/>
+            </a:pPr>
+            <a:r>
+              <a:rPr lang="ko-KR" altLang="en-US" sz="2800" dirty="0">
+                <a:latin typeface="Calibri" pitchFamily="34" charset="0"/>
+              </a:rPr>
+              <a:t>서버는 데이터베이스 내의 </a:t>
+            </a:r>
+            <a:r>
+              <a:rPr lang="en-US" altLang="ko-KR" sz="2800" dirty="0">
+                <a:latin typeface="Calibri" pitchFamily="34" charset="0"/>
+              </a:rPr>
+              <a:t>Camera </a:t>
+            </a:r>
+            <a:r>
+              <a:rPr lang="ko-KR" altLang="en-US" sz="2800" dirty="0">
+                <a:latin typeface="Calibri" pitchFamily="34" charset="0"/>
+              </a:rPr>
+              <a:t>테이블로부터 정보를 받아와서  카메라의 구역을 판단하고</a:t>
+            </a:r>
+            <a:r>
+              <a:rPr lang="en-US" altLang="ko-KR" sz="2800" dirty="0">
+                <a:latin typeface="Calibri" pitchFamily="34" charset="0"/>
+              </a:rPr>
+              <a:t>, Alarm </a:t>
+            </a:r>
+            <a:r>
+              <a:rPr lang="ko-KR" altLang="en-US" sz="2800" dirty="0">
+                <a:latin typeface="Calibri" pitchFamily="34" charset="0"/>
+              </a:rPr>
+              <a:t>테이블로부터 정보를 받아 해당 구역의 위험 알림을 전달한다</a:t>
+            </a:r>
+            <a:r>
+              <a:rPr lang="en-US" altLang="ko-KR" sz="2800" dirty="0">
+                <a:latin typeface="Calibri" pitchFamily="34" charset="0"/>
+              </a:rPr>
+              <a:t>.</a:t>
+            </a:r>
+          </a:p>
+          <a:p>
+            <a:pPr marL="457200" indent="-457200" eaLnBrk="1" hangingPunct="1">
+              <a:buFont typeface="Wingdings" panose="05000000000000000000" pitchFamily="2" charset="2"/>
+              <a:buChar char="§"/>
+            </a:pPr>
+            <a:endParaRPr lang="en-US" altLang="ko-KR" sz="2800" dirty="0">
+              <a:latin typeface="Calibri" pitchFamily="34" charset="0"/>
+            </a:endParaRPr>
+          </a:p>
           <a:p>
             <a:pPr marL="457200" indent="-457200" eaLnBrk="1" hangingPunct="1">
               <a:buFont typeface="Wingdings" panose="05000000000000000000" pitchFamily="2" charset="2"/>
@@ -5411,8 +6230,8 @@
         </p:nvSpPr>
         <p:spPr>
           <a:xfrm>
-            <a:off x="15651676" y="22693398"/>
-            <a:ext cx="12874325" cy="993242"/>
+            <a:off x="15688038" y="24597519"/>
+            <a:ext cx="12801600" cy="810000"/>
           </a:xfrm>
           <a:prstGeom prst="rect">
             <a:avLst/>
@@ -5453,7 +6272,7 @@
                   </a:schemeClr>
                 </a:solidFill>
               </a:rPr>
-              <a:t>Testing</a:t>
+              <a:t>Server Process</a:t>
             </a:r>
           </a:p>
         </p:txBody>
@@ -5520,7 +6339,7 @@
         <p:spPr>
           <a:xfrm>
             <a:off x="15659614" y="36459052"/>
-            <a:ext cx="12874324" cy="918500"/>
+            <a:ext cx="12801600" cy="918500"/>
           </a:xfrm>
           <a:prstGeom prst="rect">
             <a:avLst/>
@@ -5583,7 +6402,7 @@
         <p:spPr bwMode="auto">
           <a:xfrm>
             <a:off x="15659614" y="37339421"/>
-            <a:ext cx="12874324" cy="782164"/>
+            <a:ext cx="12801600" cy="782164"/>
           </a:xfrm>
           <a:prstGeom prst="rect">
             <a:avLst/>
@@ -5860,6 +6679,2285 @@
           </a:ln>
         </p:spPr>
       </p:pic>
+      <mc:AlternateContent xmlns:mc="http://schemas.openxmlformats.org/markup-compatibility/2006">
+        <mc:Choice xmlns:a14="http://schemas.microsoft.com/office/drawing/2010/main" Requires="a14">
+          <p:sp>
+            <p:nvSpPr>
+              <p:cNvPr id="3" name="직사각형 2">
+                <a:extLst>
+                  <a:ext uri="{FF2B5EF4-FFF2-40B4-BE49-F238E27FC236}">
+                    <a16:creationId xmlns:a16="http://schemas.microsoft.com/office/drawing/2014/main" id="{099B2F42-EBD8-4B89-9FA3-CB3F0BE1AB40}"/>
+                  </a:ext>
+                </a:extLst>
+              </p:cNvPr>
+              <p:cNvSpPr/>
+              <p:nvPr/>
+            </p:nvSpPr>
+            <p:spPr>
+              <a:xfrm>
+                <a:off x="2088635" y="37567590"/>
+                <a:ext cx="9122800" cy="1268424"/>
+              </a:xfrm>
+              <a:prstGeom prst="rect">
+                <a:avLst/>
+              </a:prstGeom>
+            </p:spPr>
+            <p:txBody>
+              <a:bodyPr wrap="square">
+                <a:spAutoFit/>
+              </a:bodyPr>
+              <a:lstStyle/>
+              <a:p>
+                <a14:m>
+                  <m:oMathPara xmlns:m="http://schemas.openxmlformats.org/officeDocument/2006/math">
+                    <m:oMathParaPr>
+                      <m:jc m:val="centerGroup"/>
+                    </m:oMathParaPr>
+                    <m:oMath xmlns:m="http://schemas.openxmlformats.org/officeDocument/2006/math">
+                      <m:r>
+                        <a:rPr lang="ko-KR" altLang="en-US" sz="2400" i="1" smtClean="0">
+                          <a:latin typeface="Cambria Math" panose="02040503050406030204" pitchFamily="18" charset="0"/>
+                        </a:rPr>
+                        <m:t>𝑑</m:t>
+                      </m:r>
+                      <m:r>
+                        <a:rPr lang="ko-KR" altLang="en-US" sz="2400" i="0">
+                          <a:latin typeface="Cambria Math" panose="02040503050406030204" pitchFamily="18" charset="0"/>
+                        </a:rPr>
+                        <m:t> = </m:t>
+                      </m:r>
+                      <m:f>
+                        <m:fPr>
+                          <m:ctrlPr>
+                            <a:rPr lang="ko-KR" altLang="en-US" sz="2400" i="1">
+                              <a:latin typeface="Cambria Math" panose="02040503050406030204" pitchFamily="18" charset="0"/>
+                            </a:rPr>
+                          </m:ctrlPr>
+                        </m:fPr>
+                        <m:num>
+                          <m:d>
+                            <m:dPr>
+                              <m:begChr m:val="|"/>
+                              <m:endChr m:val="|"/>
+                              <m:ctrlPr>
+                                <a:rPr lang="ko-KR" altLang="en-US" sz="2400" i="1">
+                                  <a:latin typeface="Cambria Math" panose="02040503050406030204" pitchFamily="18" charset="0"/>
+                                </a:rPr>
+                              </m:ctrlPr>
+                            </m:dPr>
+                            <m:e>
+                              <m:d>
+                                <m:dPr>
+                                  <m:ctrlPr>
+                                    <a:rPr lang="ko-KR" altLang="en-US" sz="2400" i="1">
+                                      <a:latin typeface="Cambria Math" panose="02040503050406030204" pitchFamily="18" charset="0"/>
+                                    </a:rPr>
+                                  </m:ctrlPr>
+                                </m:dPr>
+                                <m:e>
+                                  <m:r>
+                                    <a:rPr lang="ko-KR" altLang="en-US" sz="2400" i="1">
+                                      <a:latin typeface="Cambria Math" panose="02040503050406030204" pitchFamily="18" charset="0"/>
+                                    </a:rPr>
+                                    <m:t>𝑦</m:t>
+                                  </m:r>
+                                  <m:r>
+                                    <a:rPr lang="ko-KR" altLang="en-US" sz="2400" i="0">
+                                      <a:latin typeface="Cambria Math" panose="02040503050406030204" pitchFamily="18" charset="0"/>
+                                    </a:rPr>
+                                    <m:t>2 − </m:t>
+                                  </m:r>
+                                  <m:r>
+                                    <a:rPr lang="ko-KR" altLang="en-US" sz="2400" i="1">
+                                      <a:latin typeface="Cambria Math" panose="02040503050406030204" pitchFamily="18" charset="0"/>
+                                    </a:rPr>
+                                    <m:t>𝑦</m:t>
+                                  </m:r>
+                                  <m:r>
+                                    <a:rPr lang="ko-KR" altLang="en-US" sz="2400" i="0">
+                                      <a:latin typeface="Cambria Math" panose="02040503050406030204" pitchFamily="18" charset="0"/>
+                                    </a:rPr>
+                                    <m:t>1) ∗ </m:t>
+                                  </m:r>
+                                  <m:r>
+                                    <a:rPr lang="ko-KR" altLang="en-US" sz="2400" i="1">
+                                      <a:latin typeface="Cambria Math" panose="02040503050406030204" pitchFamily="18" charset="0"/>
+                                    </a:rPr>
+                                    <m:t>𝐴</m:t>
+                                  </m:r>
+                                  <m:r>
+                                    <a:rPr lang="ko-KR" altLang="en-US" sz="2400" i="0">
+                                      <a:latin typeface="Cambria Math" panose="02040503050406030204" pitchFamily="18" charset="0"/>
+                                    </a:rPr>
+                                    <m:t> + (</m:t>
+                                  </m:r>
+                                  <m:r>
+                                    <a:rPr lang="ko-KR" altLang="en-US" sz="2400" i="1">
+                                      <a:latin typeface="Cambria Math" panose="02040503050406030204" pitchFamily="18" charset="0"/>
+                                    </a:rPr>
+                                    <m:t>𝑥</m:t>
+                                  </m:r>
+                                  <m:r>
+                                    <a:rPr lang="ko-KR" altLang="en-US" sz="2400" i="0">
+                                      <a:latin typeface="Cambria Math" panose="02040503050406030204" pitchFamily="18" charset="0"/>
+                                    </a:rPr>
+                                    <m:t>1 − </m:t>
+                                  </m:r>
+                                  <m:r>
+                                    <a:rPr lang="ko-KR" altLang="en-US" sz="2400" i="1">
+                                      <a:latin typeface="Cambria Math" panose="02040503050406030204" pitchFamily="18" charset="0"/>
+                                    </a:rPr>
+                                    <m:t>𝑥</m:t>
+                                  </m:r>
+                                  <m:r>
+                                    <a:rPr lang="ko-KR" altLang="en-US" sz="2400" i="0">
+                                      <a:latin typeface="Cambria Math" panose="02040503050406030204" pitchFamily="18" charset="0"/>
+                                    </a:rPr>
+                                    <m:t>2) ∗ </m:t>
+                                  </m:r>
+                                  <m:r>
+                                    <a:rPr lang="ko-KR" altLang="en-US" sz="2400" i="1">
+                                      <a:latin typeface="Cambria Math" panose="02040503050406030204" pitchFamily="18" charset="0"/>
+                                    </a:rPr>
+                                    <m:t>𝐵</m:t>
+                                  </m:r>
+                                  <m:r>
+                                    <a:rPr lang="ko-KR" altLang="en-US" sz="2400" i="0">
+                                      <a:latin typeface="Cambria Math" panose="02040503050406030204" pitchFamily="18" charset="0"/>
+                                    </a:rPr>
+                                    <m:t> + (</m:t>
+                                  </m:r>
+                                  <m:r>
+                                    <a:rPr lang="ko-KR" altLang="en-US" sz="2400" i="1">
+                                      <a:latin typeface="Cambria Math" panose="02040503050406030204" pitchFamily="18" charset="0"/>
+                                    </a:rPr>
+                                    <m:t>𝑥</m:t>
+                                  </m:r>
+                                  <m:r>
+                                    <a:rPr lang="ko-KR" altLang="en-US" sz="2400" i="0">
+                                      <a:latin typeface="Cambria Math" panose="02040503050406030204" pitchFamily="18" charset="0"/>
+                                    </a:rPr>
+                                    <m:t>2 ∗ </m:t>
+                                  </m:r>
+                                  <m:r>
+                                    <a:rPr lang="ko-KR" altLang="en-US" sz="2400" i="1">
+                                      <a:latin typeface="Cambria Math" panose="02040503050406030204" pitchFamily="18" charset="0"/>
+                                    </a:rPr>
+                                    <m:t>𝑦</m:t>
+                                  </m:r>
+                                  <m:r>
+                                    <a:rPr lang="ko-KR" altLang="en-US" sz="2400" i="0">
+                                      <a:latin typeface="Cambria Math" panose="02040503050406030204" pitchFamily="18" charset="0"/>
+                                    </a:rPr>
+                                    <m:t>1 − </m:t>
+                                  </m:r>
+                                  <m:r>
+                                    <a:rPr lang="ko-KR" altLang="en-US" sz="2400" i="1">
+                                      <a:latin typeface="Cambria Math" panose="02040503050406030204" pitchFamily="18" charset="0"/>
+                                    </a:rPr>
+                                    <m:t>𝑥</m:t>
+                                  </m:r>
+                                  <m:r>
+                                    <a:rPr lang="ko-KR" altLang="en-US" sz="2400" i="0">
+                                      <a:latin typeface="Cambria Math" panose="02040503050406030204" pitchFamily="18" charset="0"/>
+                                    </a:rPr>
+                                    <m:t>1 ∗ </m:t>
+                                  </m:r>
+                                  <m:r>
+                                    <a:rPr lang="ko-KR" altLang="en-US" sz="2400" i="1">
+                                      <a:latin typeface="Cambria Math" panose="02040503050406030204" pitchFamily="18" charset="0"/>
+                                    </a:rPr>
+                                    <m:t>𝑦</m:t>
+                                  </m:r>
+                                  <m:r>
+                                    <a:rPr lang="ko-KR" altLang="en-US" sz="2400" i="0">
+                                      <a:latin typeface="Cambria Math" panose="02040503050406030204" pitchFamily="18" charset="0"/>
+                                    </a:rPr>
+                                    <m:t>2</m:t>
+                                  </m:r>
+                                </m:e>
+                              </m:d>
+                            </m:e>
+                          </m:d>
+                        </m:num>
+                        <m:den>
+                          <m:rad>
+                            <m:radPr>
+                              <m:degHide m:val="on"/>
+                              <m:ctrlPr>
+                                <a:rPr lang="ko-KR" altLang="en-US" sz="2400" i="1">
+                                  <a:latin typeface="Cambria Math" panose="02040503050406030204" pitchFamily="18" charset="0"/>
+                                </a:rPr>
+                              </m:ctrlPr>
+                            </m:radPr>
+                            <m:deg/>
+                            <m:e>
+                              <m:d>
+                                <m:dPr>
+                                  <m:endChr m:val=""/>
+                                  <m:ctrlPr>
+                                    <a:rPr lang="ko-KR" altLang="en-US" sz="2400" i="1">
+                                      <a:latin typeface="Cambria Math" panose="02040503050406030204" pitchFamily="18" charset="0"/>
+                                    </a:rPr>
+                                  </m:ctrlPr>
+                                </m:dPr>
+                                <m:e>
+                                  <m:r>
+                                    <a:rPr lang="ko-KR" altLang="en-US" sz="2400" i="1">
+                                      <a:latin typeface="Cambria Math" panose="02040503050406030204" pitchFamily="18" charset="0"/>
+                                    </a:rPr>
+                                    <m:t>𝑦</m:t>
+                                  </m:r>
+                                  <m:r>
+                                    <a:rPr lang="ko-KR" altLang="en-US" sz="2400" i="0">
+                                      <a:latin typeface="Cambria Math" panose="02040503050406030204" pitchFamily="18" charset="0"/>
+                                    </a:rPr>
+                                    <m:t>2 − </m:t>
+                                  </m:r>
+                                  <m:r>
+                                    <a:rPr lang="ko-KR" altLang="en-US" sz="2400" i="1">
+                                      <a:latin typeface="Cambria Math" panose="02040503050406030204" pitchFamily="18" charset="0"/>
+                                    </a:rPr>
+                                    <m:t>𝑦</m:t>
+                                  </m:r>
+                                  <m:r>
+                                    <a:rPr lang="ko-KR" altLang="en-US" sz="2400" i="0">
+                                      <a:latin typeface="Cambria Math" panose="02040503050406030204" pitchFamily="18" charset="0"/>
+                                    </a:rPr>
+                                    <m:t>1</m:t>
+                                  </m:r>
+                                  <m:sSup>
+                                    <m:sSupPr>
+                                      <m:ctrlPr>
+                                        <a:rPr lang="ko-KR" altLang="en-US" sz="2400" i="1">
+                                          <a:latin typeface="Cambria Math" panose="02040503050406030204" pitchFamily="18" charset="0"/>
+                                        </a:rPr>
+                                      </m:ctrlPr>
+                                    </m:sSupPr>
+                                    <m:e>
+                                      <m:d>
+                                        <m:dPr>
+                                          <m:begChr m:val=")"/>
+                                          <m:endChr m:val=""/>
+                                          <m:ctrlPr>
+                                            <a:rPr lang="ko-KR" altLang="en-US" sz="2400" i="1">
+                                              <a:latin typeface="Cambria Math" panose="02040503050406030204" pitchFamily="18" charset="0"/>
+                                            </a:rPr>
+                                          </m:ctrlPr>
+                                        </m:dPr>
+                                        <m:e/>
+                                      </m:d>
+                                    </m:e>
+                                    <m:sup>
+                                      <m:r>
+                                        <a:rPr lang="ko-KR" altLang="en-US" sz="2400" i="0">
+                                          <a:latin typeface="Cambria Math" panose="02040503050406030204" pitchFamily="18" charset="0"/>
+                                        </a:rPr>
+                                        <m:t>2</m:t>
+                                      </m:r>
+                                    </m:sup>
+                                  </m:sSup>
+                                  <m:r>
+                                    <a:rPr lang="ko-KR" altLang="en-US" sz="2400" i="0">
+                                      <a:latin typeface="Cambria Math" panose="02040503050406030204" pitchFamily="18" charset="0"/>
+                                    </a:rPr>
+                                    <m:t> + (</m:t>
+                                  </m:r>
+                                  <m:r>
+                                    <a:rPr lang="ko-KR" altLang="en-US" sz="2400" i="1">
+                                      <a:latin typeface="Cambria Math" panose="02040503050406030204" pitchFamily="18" charset="0"/>
+                                    </a:rPr>
+                                    <m:t>𝑥</m:t>
+                                  </m:r>
+                                  <m:r>
+                                    <a:rPr lang="ko-KR" altLang="en-US" sz="2400" i="0">
+                                      <a:latin typeface="Cambria Math" panose="02040503050406030204" pitchFamily="18" charset="0"/>
+                                    </a:rPr>
+                                    <m:t>1 − </m:t>
+                                  </m:r>
+                                  <m:r>
+                                    <a:rPr lang="ko-KR" altLang="en-US" sz="2400" i="1">
+                                      <a:latin typeface="Cambria Math" panose="02040503050406030204" pitchFamily="18" charset="0"/>
+                                    </a:rPr>
+                                    <m:t>𝑥</m:t>
+                                  </m:r>
+                                </m:e>
+                              </m:d>
+                            </m:e>
+                          </m:rad>
+                          <m:r>
+                            <a:rPr lang="ko-KR" altLang="en-US" sz="2400" i="0">
+                              <a:latin typeface="Cambria Math" panose="02040503050406030204" pitchFamily="18" charset="0"/>
+                            </a:rPr>
+                            <m:t>2</m:t>
+                          </m:r>
+                          <m:sSup>
+                            <m:sSupPr>
+                              <m:ctrlPr>
+                                <a:rPr lang="ko-KR" altLang="en-US" sz="2400" i="1">
+                                  <a:latin typeface="Cambria Math" panose="02040503050406030204" pitchFamily="18" charset="0"/>
+                                </a:rPr>
+                              </m:ctrlPr>
+                            </m:sSupPr>
+                            <m:e>
+                              <m:d>
+                                <m:dPr>
+                                  <m:begChr m:val=")"/>
+                                  <m:endChr m:val=""/>
+                                  <m:ctrlPr>
+                                    <a:rPr lang="ko-KR" altLang="en-US" sz="2400" i="1">
+                                      <a:latin typeface="Cambria Math" panose="02040503050406030204" pitchFamily="18" charset="0"/>
+                                    </a:rPr>
+                                  </m:ctrlPr>
+                                </m:dPr>
+                                <m:e/>
+                              </m:d>
+                            </m:e>
+                            <m:sup>
+                              <m:r>
+                                <a:rPr lang="ko-KR" altLang="en-US" sz="2400" i="0">
+                                  <a:latin typeface="Cambria Math" panose="02040503050406030204" pitchFamily="18" charset="0"/>
+                                </a:rPr>
+                                <m:t>2</m:t>
+                              </m:r>
+                            </m:sup>
+                          </m:sSup>
+                        </m:den>
+                      </m:f>
+                    </m:oMath>
+                  </m:oMathPara>
+                </a14:m>
+                <a:endParaRPr lang="ko-KR" altLang="en-US" sz="2400" dirty="0"/>
+              </a:p>
+            </p:txBody>
+          </p:sp>
+        </mc:Choice>
+        <mc:Fallback>
+          <p:sp>
+            <p:nvSpPr>
+              <p:cNvPr id="3" name="직사각형 2">
+                <a:extLst>
+                  <a:ext uri="{FF2B5EF4-FFF2-40B4-BE49-F238E27FC236}">
+                    <a16:creationId xmlns:a16="http://schemas.microsoft.com/office/drawing/2014/main" id="{099B2F42-EBD8-4B89-9FA3-CB3F0BE1AB40}"/>
+                  </a:ext>
+                </a:extLst>
+              </p:cNvPr>
+              <p:cNvSpPr>
+                <a:spLocks noRot="1" noChangeAspect="1" noMove="1" noResize="1" noEditPoints="1" noAdjustHandles="1" noChangeArrowheads="1" noChangeShapeType="1" noTextEdit="1"/>
+              </p:cNvSpPr>
+              <p:nvPr/>
+            </p:nvSpPr>
+            <p:spPr>
+              <a:xfrm>
+                <a:off x="2088635" y="37567590"/>
+                <a:ext cx="9122800" cy="1268424"/>
+              </a:xfrm>
+              <a:prstGeom prst="rect">
+                <a:avLst/>
+              </a:prstGeom>
+              <a:blipFill>
+                <a:blip r:embed="rId5"/>
+                <a:stretch>
+                  <a:fillRect/>
+                </a:stretch>
+              </a:blipFill>
+            </p:spPr>
+            <p:txBody>
+              <a:bodyPr/>
+              <a:lstStyle/>
+              <a:p>
+                <a:r>
+                  <a:rPr lang="ko-KR" altLang="en-US">
+                    <a:noFill/>
+                  </a:rPr>
+                  <a:t> </a:t>
+                </a:r>
+              </a:p>
+            </p:txBody>
+          </p:sp>
+        </mc:Fallback>
+      </mc:AlternateContent>
+      <p:sp>
+        <p:nvSpPr>
+          <p:cNvPr id="45" name="Text Box 180">
+            <a:extLst>
+              <a:ext uri="{FF2B5EF4-FFF2-40B4-BE49-F238E27FC236}">
+                <a16:creationId xmlns:a16="http://schemas.microsoft.com/office/drawing/2014/main" id="{EABFD9C2-82F2-4A4B-87A6-6F0ECEBE1ECF}"/>
+              </a:ext>
+            </a:extLst>
+          </p:cNvPr>
+          <p:cNvSpPr txBox="1">
+            <a:spLocks noChangeArrowheads="1"/>
+          </p:cNvSpPr>
+          <p:nvPr/>
+        </p:nvSpPr>
+        <p:spPr bwMode="auto">
+          <a:xfrm>
+            <a:off x="15631325" y="7829775"/>
+            <a:ext cx="2291715" cy="457151"/>
+          </a:xfrm>
+          <a:prstGeom prst="rect">
+            <a:avLst/>
+          </a:prstGeom>
+          <a:noFill/>
+          <a:ln>
+            <a:noFill/>
+          </a:ln>
+          <a:effectLst/>
+          <a:extLst>
+            <a:ext uri="{909E8E84-426E-40DD-AFC4-6F175D3DCCD1}">
+              <a14:hiddenFill xmlns:a14="http://schemas.microsoft.com/office/drawing/2010/main">
+                <a:solidFill>
+                  <a:schemeClr val="accent1"/>
+                </a:solidFill>
+              </a14:hiddenFill>
+            </a:ext>
+            <a:ext uri="{91240B29-F687-4F45-9708-019B960494DF}">
+              <a14:hiddenLine xmlns:a14="http://schemas.microsoft.com/office/drawing/2010/main" w="9525">
+                <a:solidFill>
+                  <a:schemeClr val="tx1"/>
+                </a:solidFill>
+                <a:miter lim="800000"/>
+                <a:headEnd/>
+                <a:tailEnd/>
+              </a14:hiddenLine>
+            </a:ext>
+            <a:ext uri="{AF507438-7753-43E0-B8FC-AC1667EBCBE1}">
+              <a14:hiddenEffects xmlns:a14="http://schemas.microsoft.com/office/drawing/2010/main">
+                <a:effectLst>
+                  <a:outerShdw dist="35921" dir="2700000" algn="ctr" rotWithShape="0">
+                    <a:schemeClr val="bg2"/>
+                  </a:outerShdw>
+                </a:effectLst>
+              </a14:hiddenEffects>
+            </a:ext>
+          </a:extLst>
+        </p:spPr>
+        <p:txBody>
+          <a:bodyPr wrap="square" lIns="86970" tIns="43485" rIns="86970" bIns="43485">
+            <a:spAutoFit/>
+          </a:bodyPr>
+          <a:lstStyle>
+            <a:lvl1pPr defTabSz="4389438" eaLnBrk="0" hangingPunct="0">
+              <a:defRPr sz="2200">
+                <a:solidFill>
+                  <a:schemeClr val="tx1"/>
+                </a:solidFill>
+                <a:latin typeface="Arial" charset="0"/>
+              </a:defRPr>
+            </a:lvl1pPr>
+            <a:lvl2pPr marL="742950" indent="-285750" defTabSz="4389438" eaLnBrk="0" hangingPunct="0">
+              <a:defRPr sz="2200">
+                <a:solidFill>
+                  <a:schemeClr val="tx1"/>
+                </a:solidFill>
+                <a:latin typeface="Arial" charset="0"/>
+              </a:defRPr>
+            </a:lvl2pPr>
+            <a:lvl3pPr marL="1143000" indent="-228600" defTabSz="4389438" eaLnBrk="0" hangingPunct="0">
+              <a:defRPr sz="2200">
+                <a:solidFill>
+                  <a:schemeClr val="tx1"/>
+                </a:solidFill>
+                <a:latin typeface="Arial" charset="0"/>
+              </a:defRPr>
+            </a:lvl3pPr>
+            <a:lvl4pPr marL="1600200" indent="-228600" defTabSz="4389438" eaLnBrk="0" hangingPunct="0">
+              <a:defRPr sz="2200">
+                <a:solidFill>
+                  <a:schemeClr val="tx1"/>
+                </a:solidFill>
+                <a:latin typeface="Arial" charset="0"/>
+              </a:defRPr>
+            </a:lvl4pPr>
+            <a:lvl5pPr marL="2057400" indent="-228600" defTabSz="4389438" eaLnBrk="0" hangingPunct="0">
+              <a:defRPr sz="2200">
+                <a:solidFill>
+                  <a:schemeClr val="tx1"/>
+                </a:solidFill>
+                <a:latin typeface="Arial" charset="0"/>
+              </a:defRPr>
+            </a:lvl5pPr>
+            <a:lvl6pPr marL="2514600" indent="-228600" defTabSz="4389438" eaLnBrk="0" fontAlgn="base" hangingPunct="0">
+              <a:spcBef>
+                <a:spcPct val="0"/>
+              </a:spcBef>
+              <a:spcAft>
+                <a:spcPct val="0"/>
+              </a:spcAft>
+              <a:defRPr sz="2200">
+                <a:solidFill>
+                  <a:schemeClr val="tx1"/>
+                </a:solidFill>
+                <a:latin typeface="Arial" charset="0"/>
+              </a:defRPr>
+            </a:lvl6pPr>
+            <a:lvl7pPr marL="2971800" indent="-228600" defTabSz="4389438" eaLnBrk="0" fontAlgn="base" hangingPunct="0">
+              <a:spcBef>
+                <a:spcPct val="0"/>
+              </a:spcBef>
+              <a:spcAft>
+                <a:spcPct val="0"/>
+              </a:spcAft>
+              <a:defRPr sz="2200">
+                <a:solidFill>
+                  <a:schemeClr val="tx1"/>
+                </a:solidFill>
+                <a:latin typeface="Arial" charset="0"/>
+              </a:defRPr>
+            </a:lvl7pPr>
+            <a:lvl8pPr marL="3429000" indent="-228600" defTabSz="4389438" eaLnBrk="0" fontAlgn="base" hangingPunct="0">
+              <a:spcBef>
+                <a:spcPct val="0"/>
+              </a:spcBef>
+              <a:spcAft>
+                <a:spcPct val="0"/>
+              </a:spcAft>
+              <a:defRPr sz="2200">
+                <a:solidFill>
+                  <a:schemeClr val="tx1"/>
+                </a:solidFill>
+                <a:latin typeface="Arial" charset="0"/>
+              </a:defRPr>
+            </a:lvl8pPr>
+            <a:lvl9pPr marL="3886200" indent="-228600" defTabSz="4389438" eaLnBrk="0" fontAlgn="base" hangingPunct="0">
+              <a:spcBef>
+                <a:spcPct val="0"/>
+              </a:spcBef>
+              <a:spcAft>
+                <a:spcPct val="0"/>
+              </a:spcAft>
+              <a:defRPr sz="2200">
+                <a:solidFill>
+                  <a:schemeClr val="tx1"/>
+                </a:solidFill>
+                <a:latin typeface="Arial" charset="0"/>
+              </a:defRPr>
+            </a:lvl9pPr>
+          </a:lstStyle>
+          <a:p>
+            <a:pPr algn="ctr" eaLnBrk="1" hangingPunct="1"/>
+            <a:r>
+              <a:rPr lang="ko-KR" altLang="en-US" sz="2400" b="1" dirty="0">
+                <a:latin typeface="Calibri" pitchFamily="34" charset="0"/>
+              </a:rPr>
+              <a:t>표 </a:t>
+            </a:r>
+            <a:r>
+              <a:rPr lang="en-US" altLang="ko-KR" sz="2400" b="1" dirty="0">
+                <a:latin typeface="Calibri" pitchFamily="34" charset="0"/>
+              </a:rPr>
+              <a:t>1</a:t>
+            </a:r>
+            <a:r>
+              <a:rPr lang="en-US" sz="2400" b="1" dirty="0">
+                <a:latin typeface="Calibri" pitchFamily="34" charset="0"/>
+              </a:rPr>
+              <a:t>.</a:t>
+            </a:r>
+            <a:r>
+              <a:rPr lang="en-US" sz="2400" dirty="0">
+                <a:latin typeface="Calibri" pitchFamily="34" charset="0"/>
+              </a:rPr>
+              <a:t> </a:t>
+            </a:r>
+            <a:r>
+              <a:rPr lang="ko-KR" altLang="en-US" sz="2400" dirty="0">
+                <a:latin typeface="Calibri" pitchFamily="34" charset="0"/>
+              </a:rPr>
+              <a:t>감지신호</a:t>
+            </a:r>
+            <a:r>
+              <a:rPr lang="en-US" sz="2400" dirty="0">
+                <a:latin typeface="Calibri" pitchFamily="34" charset="0"/>
+              </a:rPr>
+              <a:t>.</a:t>
+            </a:r>
+          </a:p>
+        </p:txBody>
+      </p:sp>
+      <p:graphicFrame>
+        <p:nvGraphicFramePr>
+          <p:cNvPr id="17" name="표 17">
+            <a:extLst>
+              <a:ext uri="{FF2B5EF4-FFF2-40B4-BE49-F238E27FC236}">
+                <a16:creationId xmlns:a16="http://schemas.microsoft.com/office/drawing/2014/main" id="{A26ACCAE-B4C7-4E5C-AFA6-D430A964DD92}"/>
+              </a:ext>
+            </a:extLst>
+          </p:cNvPr>
+          <p:cNvGraphicFramePr>
+            <a:graphicFrameLocks noGrp="1"/>
+          </p:cNvGraphicFramePr>
+          <p:nvPr>
+            <p:extLst>
+              <p:ext uri="{D42A27DB-BD31-4B8C-83A1-F6EECF244321}">
+                <p14:modId xmlns:p14="http://schemas.microsoft.com/office/powerpoint/2010/main" val="4077961420"/>
+              </p:ext>
+            </p:extLst>
+          </p:nvPr>
+        </p:nvGraphicFramePr>
+        <p:xfrm>
+          <a:off x="15688038" y="6665217"/>
+          <a:ext cx="12801600" cy="1172622"/>
+        </p:xfrm>
+        <a:graphic>
+          <a:graphicData uri="http://schemas.openxmlformats.org/drawingml/2006/table">
+            <a:tbl>
+              <a:tblPr firstRow="1" bandRow="1">
+                <a:tableStyleId>{21E4AEA4-8DFA-4A89-87EB-49C32662AFE0}</a:tableStyleId>
+              </a:tblPr>
+              <a:tblGrid>
+                <a:gridCol w="4267200">
+                  <a:extLst>
+                    <a:ext uri="{9D8B030D-6E8A-4147-A177-3AD203B41FA5}">
+                      <a16:colId xmlns:a16="http://schemas.microsoft.com/office/drawing/2014/main" val="2111459064"/>
+                    </a:ext>
+                  </a:extLst>
+                </a:gridCol>
+                <a:gridCol w="4267200">
+                  <a:extLst>
+                    <a:ext uri="{9D8B030D-6E8A-4147-A177-3AD203B41FA5}">
+                      <a16:colId xmlns:a16="http://schemas.microsoft.com/office/drawing/2014/main" val="3767747850"/>
+                    </a:ext>
+                  </a:extLst>
+                </a:gridCol>
+                <a:gridCol w="4267200">
+                  <a:extLst>
+                    <a:ext uri="{9D8B030D-6E8A-4147-A177-3AD203B41FA5}">
+                      <a16:colId xmlns:a16="http://schemas.microsoft.com/office/drawing/2014/main" val="2131450329"/>
+                    </a:ext>
+                  </a:extLst>
+                </a:gridCol>
+              </a:tblGrid>
+              <a:tr h="654462">
+                <a:tc>
+                  <a:txBody>
+                    <a:bodyPr/>
+                    <a:lstStyle/>
+                    <a:p>
+                      <a:pPr algn="ctr" latinLnBrk="1"/>
+                      <a:r>
+                        <a:rPr lang="ko-KR" altLang="en-US" sz="2800" dirty="0" err="1"/>
+                        <a:t>미검출</a:t>
+                      </a:r>
+                      <a:endParaRPr lang="ko-KR" altLang="en-US" sz="2800" dirty="0"/>
+                    </a:p>
+                  </a:txBody>
+                  <a:tcPr anchor="ctr">
+                    <a:lnL w="12700" cap="flat" cmpd="sng" algn="ctr">
+                      <a:solidFill>
+                        <a:schemeClr val="tx1"/>
+                      </a:solidFill>
+                      <a:prstDash val="solid"/>
+                      <a:round/>
+                      <a:headEnd type="none" w="med" len="med"/>
+                      <a:tailEnd type="none" w="med" len="med"/>
+                    </a:lnL>
+                    <a:lnT w="12700" cap="flat" cmpd="sng" algn="ctr">
+                      <a:solidFill>
+                        <a:schemeClr val="tx1"/>
+                      </a:solidFill>
+                      <a:prstDash val="solid"/>
+                      <a:round/>
+                      <a:headEnd type="none" w="med" len="med"/>
+                      <a:tailEnd type="none" w="med" len="med"/>
+                    </a:lnT>
+                    <a:lnB w="12700" cap="flat" cmpd="sng" algn="ctr">
+                      <a:solidFill>
+                        <a:schemeClr val="tx1"/>
+                      </a:solidFill>
+                      <a:prstDash val="solid"/>
+                      <a:round/>
+                      <a:headEnd type="none" w="med" len="med"/>
+                      <a:tailEnd type="none" w="med" len="med"/>
+                    </a:lnB>
+                    <a:solidFill>
+                      <a:srgbClr val="9E3611"/>
+                    </a:solidFill>
+                  </a:tcPr>
+                </a:tc>
+                <a:tc>
+                  <a:txBody>
+                    <a:bodyPr/>
+                    <a:lstStyle/>
+                    <a:p>
+                      <a:pPr algn="ctr" latinLnBrk="1"/>
+                      <a:r>
+                        <a:rPr lang="ko-KR" altLang="en-US" sz="2800" dirty="0"/>
+                        <a:t>보행자 접근</a:t>
+                      </a:r>
+                    </a:p>
+                  </a:txBody>
+                  <a:tcPr anchor="ctr">
+                    <a:lnT w="12700" cap="flat" cmpd="sng" algn="ctr">
+                      <a:solidFill>
+                        <a:schemeClr val="tx1"/>
+                      </a:solidFill>
+                      <a:prstDash val="solid"/>
+                      <a:round/>
+                      <a:headEnd type="none" w="med" len="med"/>
+                      <a:tailEnd type="none" w="med" len="med"/>
+                    </a:lnT>
+                    <a:lnB w="12700" cap="flat" cmpd="sng" algn="ctr">
+                      <a:solidFill>
+                        <a:schemeClr val="tx1"/>
+                      </a:solidFill>
+                      <a:prstDash val="solid"/>
+                      <a:round/>
+                      <a:headEnd type="none" w="med" len="med"/>
+                      <a:tailEnd type="none" w="med" len="med"/>
+                    </a:lnB>
+                    <a:solidFill>
+                      <a:srgbClr val="9E3611"/>
+                    </a:solidFill>
+                  </a:tcPr>
+                </a:tc>
+                <a:tc>
+                  <a:txBody>
+                    <a:bodyPr/>
+                    <a:lstStyle/>
+                    <a:p>
+                      <a:pPr algn="ctr" latinLnBrk="1"/>
+                      <a:r>
+                        <a:rPr lang="ko-KR" altLang="en-US" sz="2800" dirty="0"/>
+                        <a:t>차량 접근</a:t>
+                      </a:r>
+                    </a:p>
+                  </a:txBody>
+                  <a:tcPr anchor="ctr">
+                    <a:lnR w="12700" cap="flat" cmpd="sng" algn="ctr">
+                      <a:solidFill>
+                        <a:schemeClr val="tx1"/>
+                      </a:solidFill>
+                      <a:prstDash val="solid"/>
+                      <a:round/>
+                      <a:headEnd type="none" w="med" len="med"/>
+                      <a:tailEnd type="none" w="med" len="med"/>
+                    </a:lnR>
+                    <a:lnT w="12700" cap="flat" cmpd="sng" algn="ctr">
+                      <a:solidFill>
+                        <a:schemeClr val="tx1"/>
+                      </a:solidFill>
+                      <a:prstDash val="solid"/>
+                      <a:round/>
+                      <a:headEnd type="none" w="med" len="med"/>
+                      <a:tailEnd type="none" w="med" len="med"/>
+                    </a:lnT>
+                    <a:lnB w="12700" cap="flat" cmpd="sng" algn="ctr">
+                      <a:solidFill>
+                        <a:schemeClr val="tx1"/>
+                      </a:solidFill>
+                      <a:prstDash val="solid"/>
+                      <a:round/>
+                      <a:headEnd type="none" w="med" len="med"/>
+                      <a:tailEnd type="none" w="med" len="med"/>
+                    </a:lnB>
+                    <a:solidFill>
+                      <a:srgbClr val="9E3611"/>
+                    </a:solidFill>
+                  </a:tcPr>
+                </a:tc>
+                <a:extLst>
+                  <a:ext uri="{0D108BD9-81ED-4DB2-BD59-A6C34878D82A}">
+                    <a16:rowId xmlns:a16="http://schemas.microsoft.com/office/drawing/2014/main" val="590918076"/>
+                  </a:ext>
+                </a:extLst>
+              </a:tr>
+              <a:tr h="338780">
+                <a:tc>
+                  <a:txBody>
+                    <a:bodyPr/>
+                    <a:lstStyle/>
+                    <a:p>
+                      <a:pPr algn="ctr" latinLnBrk="1"/>
+                      <a:r>
+                        <a:rPr lang="en-US" altLang="ko-KR" sz="2800" dirty="0"/>
+                        <a:t>-1</a:t>
+                      </a:r>
+                      <a:endParaRPr lang="ko-KR" altLang="en-US" sz="2800" dirty="0"/>
+                    </a:p>
+                  </a:txBody>
+                  <a:tcPr anchor="ctr">
+                    <a:lnL w="12700" cap="flat" cmpd="sng" algn="ctr">
+                      <a:solidFill>
+                        <a:schemeClr val="tx1"/>
+                      </a:solidFill>
+                      <a:prstDash val="solid"/>
+                      <a:round/>
+                      <a:headEnd type="none" w="med" len="med"/>
+                      <a:tailEnd type="none" w="med" len="med"/>
+                    </a:lnL>
+                    <a:lnR w="12700" cap="flat" cmpd="sng" algn="ctr">
+                      <a:solidFill>
+                        <a:schemeClr val="tx1"/>
+                      </a:solidFill>
+                      <a:prstDash val="solid"/>
+                      <a:round/>
+                      <a:headEnd type="none" w="med" len="med"/>
+                      <a:tailEnd type="none" w="med" len="med"/>
+                    </a:lnR>
+                    <a:lnT w="12700" cap="flat" cmpd="sng" algn="ctr">
+                      <a:solidFill>
+                        <a:schemeClr val="tx1"/>
+                      </a:solidFill>
+                      <a:prstDash val="solid"/>
+                      <a:round/>
+                      <a:headEnd type="none" w="med" len="med"/>
+                      <a:tailEnd type="none" w="med" len="med"/>
+                    </a:lnT>
+                    <a:lnB w="12700" cap="flat" cmpd="sng" algn="ctr">
+                      <a:solidFill>
+                        <a:schemeClr val="tx1"/>
+                      </a:solidFill>
+                      <a:prstDash val="solid"/>
+                      <a:round/>
+                      <a:headEnd type="none" w="med" len="med"/>
+                      <a:tailEnd type="none" w="med" len="med"/>
+                    </a:lnB>
+                    <a:solidFill>
+                      <a:schemeClr val="bg1"/>
+                    </a:solidFill>
+                  </a:tcPr>
+                </a:tc>
+                <a:tc>
+                  <a:txBody>
+                    <a:bodyPr/>
+                    <a:lstStyle/>
+                    <a:p>
+                      <a:pPr algn="ctr" latinLnBrk="1"/>
+                      <a:r>
+                        <a:rPr lang="en-US" altLang="ko-KR" sz="2800" dirty="0"/>
+                        <a:t>0</a:t>
+                      </a:r>
+                      <a:endParaRPr lang="ko-KR" altLang="en-US" sz="2800" dirty="0"/>
+                    </a:p>
+                  </a:txBody>
+                  <a:tcPr anchor="ctr">
+                    <a:lnL w="12700" cap="flat" cmpd="sng" algn="ctr">
+                      <a:solidFill>
+                        <a:schemeClr val="tx1"/>
+                      </a:solidFill>
+                      <a:prstDash val="solid"/>
+                      <a:round/>
+                      <a:headEnd type="none" w="med" len="med"/>
+                      <a:tailEnd type="none" w="med" len="med"/>
+                    </a:lnL>
+                    <a:lnR w="12700" cap="flat" cmpd="sng" algn="ctr">
+                      <a:solidFill>
+                        <a:schemeClr val="tx1"/>
+                      </a:solidFill>
+                      <a:prstDash val="solid"/>
+                      <a:round/>
+                      <a:headEnd type="none" w="med" len="med"/>
+                      <a:tailEnd type="none" w="med" len="med"/>
+                    </a:lnR>
+                    <a:lnT w="12700" cap="flat" cmpd="sng" algn="ctr">
+                      <a:solidFill>
+                        <a:schemeClr val="tx1"/>
+                      </a:solidFill>
+                      <a:prstDash val="solid"/>
+                      <a:round/>
+                      <a:headEnd type="none" w="med" len="med"/>
+                      <a:tailEnd type="none" w="med" len="med"/>
+                    </a:lnT>
+                    <a:lnB w="12700" cap="flat" cmpd="sng" algn="ctr">
+                      <a:solidFill>
+                        <a:schemeClr val="tx1"/>
+                      </a:solidFill>
+                      <a:prstDash val="solid"/>
+                      <a:round/>
+                      <a:headEnd type="none" w="med" len="med"/>
+                      <a:tailEnd type="none" w="med" len="med"/>
+                    </a:lnB>
+                    <a:solidFill>
+                      <a:schemeClr val="bg1"/>
+                    </a:solidFill>
+                  </a:tcPr>
+                </a:tc>
+                <a:tc>
+                  <a:txBody>
+                    <a:bodyPr/>
+                    <a:lstStyle/>
+                    <a:p>
+                      <a:pPr algn="ctr" latinLnBrk="1"/>
+                      <a:r>
+                        <a:rPr lang="en-US" altLang="ko-KR" sz="2800" dirty="0"/>
+                        <a:t>1</a:t>
+                      </a:r>
+                      <a:endParaRPr lang="ko-KR" altLang="en-US" sz="2800" dirty="0"/>
+                    </a:p>
+                  </a:txBody>
+                  <a:tcPr anchor="ctr">
+                    <a:lnL w="12700" cap="flat" cmpd="sng" algn="ctr">
+                      <a:solidFill>
+                        <a:schemeClr val="tx1"/>
+                      </a:solidFill>
+                      <a:prstDash val="solid"/>
+                      <a:round/>
+                      <a:headEnd type="none" w="med" len="med"/>
+                      <a:tailEnd type="none" w="med" len="med"/>
+                    </a:lnL>
+                    <a:lnR w="12700" cap="flat" cmpd="sng" algn="ctr">
+                      <a:solidFill>
+                        <a:schemeClr val="tx1"/>
+                      </a:solidFill>
+                      <a:prstDash val="solid"/>
+                      <a:round/>
+                      <a:headEnd type="none" w="med" len="med"/>
+                      <a:tailEnd type="none" w="med" len="med"/>
+                    </a:lnR>
+                    <a:lnT w="12700" cap="flat" cmpd="sng" algn="ctr">
+                      <a:solidFill>
+                        <a:schemeClr val="tx1"/>
+                      </a:solidFill>
+                      <a:prstDash val="solid"/>
+                      <a:round/>
+                      <a:headEnd type="none" w="med" len="med"/>
+                      <a:tailEnd type="none" w="med" len="med"/>
+                    </a:lnT>
+                    <a:lnB w="12700" cap="flat" cmpd="sng" algn="ctr">
+                      <a:solidFill>
+                        <a:schemeClr val="tx1"/>
+                      </a:solidFill>
+                      <a:prstDash val="solid"/>
+                      <a:round/>
+                      <a:headEnd type="none" w="med" len="med"/>
+                      <a:tailEnd type="none" w="med" len="med"/>
+                    </a:lnB>
+                    <a:solidFill>
+                      <a:schemeClr val="bg1"/>
+                    </a:solidFill>
+                  </a:tcPr>
+                </a:tc>
+                <a:extLst>
+                  <a:ext uri="{0D108BD9-81ED-4DB2-BD59-A6C34878D82A}">
+                    <a16:rowId xmlns:a16="http://schemas.microsoft.com/office/drawing/2014/main" val="1067371450"/>
+                  </a:ext>
+                </a:extLst>
+              </a:tr>
+            </a:tbl>
+          </a:graphicData>
+        </a:graphic>
+      </p:graphicFrame>
+      <p:graphicFrame>
+        <p:nvGraphicFramePr>
+          <p:cNvPr id="52" name="표 17">
+            <a:extLst>
+              <a:ext uri="{FF2B5EF4-FFF2-40B4-BE49-F238E27FC236}">
+                <a16:creationId xmlns:a16="http://schemas.microsoft.com/office/drawing/2014/main" id="{96A974B1-B59F-4F42-A8AA-2998ACB34C55}"/>
+              </a:ext>
+            </a:extLst>
+          </p:cNvPr>
+          <p:cNvGraphicFramePr>
+            <a:graphicFrameLocks noGrp="1"/>
+          </p:cNvGraphicFramePr>
+          <p:nvPr>
+            <p:extLst>
+              <p:ext uri="{D42A27DB-BD31-4B8C-83A1-F6EECF244321}">
+                <p14:modId xmlns:p14="http://schemas.microsoft.com/office/powerpoint/2010/main" val="4092503237"/>
+              </p:ext>
+            </p:extLst>
+          </p:nvPr>
+        </p:nvGraphicFramePr>
+        <p:xfrm>
+          <a:off x="15688038" y="25575617"/>
+          <a:ext cx="12792228" cy="2727102"/>
+        </p:xfrm>
+        <a:graphic>
+          <a:graphicData uri="http://schemas.openxmlformats.org/drawingml/2006/table">
+            <a:tbl>
+              <a:tblPr firstRow="1" bandRow="1">
+                <a:tableStyleId>{21E4AEA4-8DFA-4A89-87EB-49C32662AFE0}</a:tableStyleId>
+              </a:tblPr>
+              <a:tblGrid>
+                <a:gridCol w="4264076">
+                  <a:extLst>
+                    <a:ext uri="{9D8B030D-6E8A-4147-A177-3AD203B41FA5}">
+                      <a16:colId xmlns:a16="http://schemas.microsoft.com/office/drawing/2014/main" val="2111459064"/>
+                    </a:ext>
+                  </a:extLst>
+                </a:gridCol>
+                <a:gridCol w="4264076">
+                  <a:extLst>
+                    <a:ext uri="{9D8B030D-6E8A-4147-A177-3AD203B41FA5}">
+                      <a16:colId xmlns:a16="http://schemas.microsoft.com/office/drawing/2014/main" val="3767747850"/>
+                    </a:ext>
+                  </a:extLst>
+                </a:gridCol>
+                <a:gridCol w="4264076">
+                  <a:extLst>
+                    <a:ext uri="{9D8B030D-6E8A-4147-A177-3AD203B41FA5}">
+                      <a16:colId xmlns:a16="http://schemas.microsoft.com/office/drawing/2014/main" val="2131450329"/>
+                    </a:ext>
+                  </a:extLst>
+                </a:gridCol>
+              </a:tblGrid>
+              <a:tr h="654462">
+                <a:tc>
+                  <a:txBody>
+                    <a:bodyPr/>
+                    <a:lstStyle/>
+                    <a:p>
+                      <a:pPr algn="ctr" latinLnBrk="1"/>
+                      <a:r>
+                        <a:rPr lang="en-US" altLang="ko-KR" sz="2800" dirty="0"/>
+                        <a:t>Data 1</a:t>
+                      </a:r>
+                      <a:endParaRPr lang="ko-KR" altLang="en-US" sz="2800" dirty="0"/>
+                    </a:p>
+                  </a:txBody>
+                  <a:tcPr anchor="ctr">
+                    <a:lnL w="12700" cap="flat" cmpd="sng" algn="ctr">
+                      <a:solidFill>
+                        <a:schemeClr val="tx1"/>
+                      </a:solidFill>
+                      <a:prstDash val="solid"/>
+                      <a:round/>
+                      <a:headEnd type="none" w="med" len="med"/>
+                      <a:tailEnd type="none" w="med" len="med"/>
+                    </a:lnL>
+                    <a:lnT w="12700" cap="flat" cmpd="sng" algn="ctr">
+                      <a:solidFill>
+                        <a:schemeClr val="tx1"/>
+                      </a:solidFill>
+                      <a:prstDash val="solid"/>
+                      <a:round/>
+                      <a:headEnd type="none" w="med" len="med"/>
+                      <a:tailEnd type="none" w="med" len="med"/>
+                    </a:lnT>
+                    <a:lnB w="12700" cap="flat" cmpd="sng" algn="ctr">
+                      <a:solidFill>
+                        <a:schemeClr val="tx1"/>
+                      </a:solidFill>
+                      <a:prstDash val="solid"/>
+                      <a:round/>
+                      <a:headEnd type="none" w="med" len="med"/>
+                      <a:tailEnd type="none" w="med" len="med"/>
+                    </a:lnB>
+                    <a:solidFill>
+                      <a:srgbClr val="9E3611"/>
+                    </a:solidFill>
+                  </a:tcPr>
+                </a:tc>
+                <a:tc>
+                  <a:txBody>
+                    <a:bodyPr/>
+                    <a:lstStyle/>
+                    <a:p>
+                      <a:pPr algn="ctr" latinLnBrk="1"/>
+                      <a:r>
+                        <a:rPr lang="en-US" altLang="ko-KR" sz="2800" dirty="0"/>
+                        <a:t>Data 2</a:t>
+                      </a:r>
+                      <a:endParaRPr lang="ko-KR" altLang="en-US" sz="2800" dirty="0"/>
+                    </a:p>
+                  </a:txBody>
+                  <a:tcPr anchor="ctr">
+                    <a:lnT w="12700" cap="flat" cmpd="sng" algn="ctr">
+                      <a:solidFill>
+                        <a:schemeClr val="tx1"/>
+                      </a:solidFill>
+                      <a:prstDash val="solid"/>
+                      <a:round/>
+                      <a:headEnd type="none" w="med" len="med"/>
+                      <a:tailEnd type="none" w="med" len="med"/>
+                    </a:lnT>
+                    <a:lnB w="12700" cap="flat" cmpd="sng" algn="ctr">
+                      <a:solidFill>
+                        <a:schemeClr val="tx1"/>
+                      </a:solidFill>
+                      <a:prstDash val="solid"/>
+                      <a:round/>
+                      <a:headEnd type="none" w="med" len="med"/>
+                      <a:tailEnd type="none" w="med" len="med"/>
+                    </a:lnB>
+                    <a:solidFill>
+                      <a:srgbClr val="9E3611"/>
+                    </a:solidFill>
+                  </a:tcPr>
+                </a:tc>
+                <a:tc>
+                  <a:txBody>
+                    <a:bodyPr/>
+                    <a:lstStyle/>
+                    <a:p>
+                      <a:pPr algn="ctr" latinLnBrk="1"/>
+                      <a:r>
+                        <a:rPr lang="ko-KR" altLang="en-US" sz="2800" dirty="0"/>
+                        <a:t>합</a:t>
+                      </a:r>
+                    </a:p>
+                  </a:txBody>
+                  <a:tcPr anchor="ctr">
+                    <a:lnR w="12700" cap="flat" cmpd="sng" algn="ctr">
+                      <a:solidFill>
+                        <a:schemeClr val="tx1"/>
+                      </a:solidFill>
+                      <a:prstDash val="solid"/>
+                      <a:round/>
+                      <a:headEnd type="none" w="med" len="med"/>
+                      <a:tailEnd type="none" w="med" len="med"/>
+                    </a:lnR>
+                    <a:lnT w="12700" cap="flat" cmpd="sng" algn="ctr">
+                      <a:solidFill>
+                        <a:schemeClr val="tx1"/>
+                      </a:solidFill>
+                      <a:prstDash val="solid"/>
+                      <a:round/>
+                      <a:headEnd type="none" w="med" len="med"/>
+                      <a:tailEnd type="none" w="med" len="med"/>
+                    </a:lnT>
+                    <a:lnB w="12700" cap="flat" cmpd="sng" algn="ctr">
+                      <a:solidFill>
+                        <a:schemeClr val="tx1"/>
+                      </a:solidFill>
+                      <a:prstDash val="solid"/>
+                      <a:round/>
+                      <a:headEnd type="none" w="med" len="med"/>
+                      <a:tailEnd type="none" w="med" len="med"/>
+                    </a:lnB>
+                    <a:solidFill>
+                      <a:srgbClr val="9E3611"/>
+                    </a:solidFill>
+                  </a:tcPr>
+                </a:tc>
+                <a:extLst>
+                  <a:ext uri="{0D108BD9-81ED-4DB2-BD59-A6C34878D82A}">
+                    <a16:rowId xmlns:a16="http://schemas.microsoft.com/office/drawing/2014/main" val="590918076"/>
+                  </a:ext>
+                </a:extLst>
+              </a:tr>
+              <a:tr h="338780">
+                <a:tc>
+                  <a:txBody>
+                    <a:bodyPr/>
+                    <a:lstStyle/>
+                    <a:p>
+                      <a:pPr algn="ctr" latinLnBrk="1"/>
+                      <a:r>
+                        <a:rPr lang="en-US" altLang="ko-KR" sz="2800" dirty="0"/>
+                        <a:t>0</a:t>
+                      </a:r>
+                      <a:endParaRPr lang="ko-KR" altLang="en-US" sz="2800" dirty="0"/>
+                    </a:p>
+                  </a:txBody>
+                  <a:tcPr anchor="ctr">
+                    <a:lnL w="12700" cap="flat" cmpd="sng" algn="ctr">
+                      <a:solidFill>
+                        <a:schemeClr val="tx1"/>
+                      </a:solidFill>
+                      <a:prstDash val="solid"/>
+                      <a:round/>
+                      <a:headEnd type="none" w="med" len="med"/>
+                      <a:tailEnd type="none" w="med" len="med"/>
+                    </a:lnL>
+                    <a:lnR w="12700" cap="flat" cmpd="sng" algn="ctr">
+                      <a:solidFill>
+                        <a:schemeClr val="tx1"/>
+                      </a:solidFill>
+                      <a:prstDash val="solid"/>
+                      <a:round/>
+                      <a:headEnd type="none" w="med" len="med"/>
+                      <a:tailEnd type="none" w="med" len="med"/>
+                    </a:lnR>
+                    <a:lnT w="12700" cap="flat" cmpd="sng" algn="ctr">
+                      <a:solidFill>
+                        <a:schemeClr val="tx1"/>
+                      </a:solidFill>
+                      <a:prstDash val="solid"/>
+                      <a:round/>
+                      <a:headEnd type="none" w="med" len="med"/>
+                      <a:tailEnd type="none" w="med" len="med"/>
+                    </a:lnT>
+                    <a:lnB w="12700" cap="flat" cmpd="sng" algn="ctr">
+                      <a:solidFill>
+                        <a:schemeClr val="tx1"/>
+                      </a:solidFill>
+                      <a:prstDash val="solid"/>
+                      <a:round/>
+                      <a:headEnd type="none" w="med" len="med"/>
+                      <a:tailEnd type="none" w="med" len="med"/>
+                    </a:lnB>
+                    <a:solidFill>
+                      <a:schemeClr val="bg1"/>
+                    </a:solidFill>
+                  </a:tcPr>
+                </a:tc>
+                <a:tc>
+                  <a:txBody>
+                    <a:bodyPr/>
+                    <a:lstStyle/>
+                    <a:p>
+                      <a:pPr algn="ctr" latinLnBrk="1"/>
+                      <a:r>
+                        <a:rPr lang="en-US" altLang="ko-KR" sz="2800" dirty="0"/>
+                        <a:t>0</a:t>
+                      </a:r>
+                      <a:endParaRPr lang="ko-KR" altLang="en-US" sz="2800" dirty="0"/>
+                    </a:p>
+                  </a:txBody>
+                  <a:tcPr anchor="ctr">
+                    <a:lnL w="12700" cap="flat" cmpd="sng" algn="ctr">
+                      <a:solidFill>
+                        <a:schemeClr val="tx1"/>
+                      </a:solidFill>
+                      <a:prstDash val="solid"/>
+                      <a:round/>
+                      <a:headEnd type="none" w="med" len="med"/>
+                      <a:tailEnd type="none" w="med" len="med"/>
+                    </a:lnL>
+                    <a:lnR w="12700" cap="flat" cmpd="sng" algn="ctr">
+                      <a:solidFill>
+                        <a:schemeClr val="tx1"/>
+                      </a:solidFill>
+                      <a:prstDash val="solid"/>
+                      <a:round/>
+                      <a:headEnd type="none" w="med" len="med"/>
+                      <a:tailEnd type="none" w="med" len="med"/>
+                    </a:lnR>
+                    <a:lnT w="12700" cap="flat" cmpd="sng" algn="ctr">
+                      <a:solidFill>
+                        <a:schemeClr val="tx1"/>
+                      </a:solidFill>
+                      <a:prstDash val="solid"/>
+                      <a:round/>
+                      <a:headEnd type="none" w="med" len="med"/>
+                      <a:tailEnd type="none" w="med" len="med"/>
+                    </a:lnT>
+                    <a:lnB w="12700" cap="flat" cmpd="sng" algn="ctr">
+                      <a:solidFill>
+                        <a:schemeClr val="tx1"/>
+                      </a:solidFill>
+                      <a:prstDash val="solid"/>
+                      <a:round/>
+                      <a:headEnd type="none" w="med" len="med"/>
+                      <a:tailEnd type="none" w="med" len="med"/>
+                    </a:lnB>
+                    <a:solidFill>
+                      <a:schemeClr val="bg1"/>
+                    </a:solidFill>
+                  </a:tcPr>
+                </a:tc>
+                <a:tc>
+                  <a:txBody>
+                    <a:bodyPr/>
+                    <a:lstStyle/>
+                    <a:p>
+                      <a:pPr algn="ctr" latinLnBrk="1"/>
+                      <a:r>
+                        <a:rPr lang="en-US" altLang="ko-KR" sz="2800" dirty="0"/>
+                        <a:t>0</a:t>
+                      </a:r>
+                      <a:endParaRPr lang="ko-KR" altLang="en-US" sz="2800" dirty="0"/>
+                    </a:p>
+                  </a:txBody>
+                  <a:tcPr anchor="ctr">
+                    <a:lnL w="12700" cap="flat" cmpd="sng" algn="ctr">
+                      <a:solidFill>
+                        <a:schemeClr val="tx1"/>
+                      </a:solidFill>
+                      <a:prstDash val="solid"/>
+                      <a:round/>
+                      <a:headEnd type="none" w="med" len="med"/>
+                      <a:tailEnd type="none" w="med" len="med"/>
+                    </a:lnL>
+                    <a:lnR w="12700" cap="flat" cmpd="sng" algn="ctr">
+                      <a:solidFill>
+                        <a:schemeClr val="tx1"/>
+                      </a:solidFill>
+                      <a:prstDash val="solid"/>
+                      <a:round/>
+                      <a:headEnd type="none" w="med" len="med"/>
+                      <a:tailEnd type="none" w="med" len="med"/>
+                    </a:lnR>
+                    <a:lnT w="12700" cap="flat" cmpd="sng" algn="ctr">
+                      <a:solidFill>
+                        <a:schemeClr val="tx1"/>
+                      </a:solidFill>
+                      <a:prstDash val="solid"/>
+                      <a:round/>
+                      <a:headEnd type="none" w="med" len="med"/>
+                      <a:tailEnd type="none" w="med" len="med"/>
+                    </a:lnT>
+                    <a:lnB w="12700" cap="flat" cmpd="sng" algn="ctr">
+                      <a:solidFill>
+                        <a:schemeClr val="tx1"/>
+                      </a:solidFill>
+                      <a:prstDash val="solid"/>
+                      <a:round/>
+                      <a:headEnd type="none" w="med" len="med"/>
+                      <a:tailEnd type="none" w="med" len="med"/>
+                    </a:lnB>
+                    <a:solidFill>
+                      <a:schemeClr val="bg1"/>
+                    </a:solidFill>
+                  </a:tcPr>
+                </a:tc>
+                <a:extLst>
+                  <a:ext uri="{0D108BD9-81ED-4DB2-BD59-A6C34878D82A}">
+                    <a16:rowId xmlns:a16="http://schemas.microsoft.com/office/drawing/2014/main" val="1067371450"/>
+                  </a:ext>
+                </a:extLst>
+              </a:tr>
+              <a:tr h="338780">
+                <a:tc>
+                  <a:txBody>
+                    <a:bodyPr/>
+                    <a:lstStyle/>
+                    <a:p>
+                      <a:pPr algn="ctr" latinLnBrk="1"/>
+                      <a:r>
+                        <a:rPr lang="en-US" altLang="ko-KR" sz="2800" dirty="0"/>
+                        <a:t>0</a:t>
+                      </a:r>
+                      <a:endParaRPr lang="ko-KR" altLang="en-US" sz="2800" dirty="0"/>
+                    </a:p>
+                  </a:txBody>
+                  <a:tcPr anchor="ctr">
+                    <a:lnL w="12700" cap="flat" cmpd="sng" algn="ctr">
+                      <a:solidFill>
+                        <a:schemeClr val="tx1"/>
+                      </a:solidFill>
+                      <a:prstDash val="solid"/>
+                      <a:round/>
+                      <a:headEnd type="none" w="med" len="med"/>
+                      <a:tailEnd type="none" w="med" len="med"/>
+                    </a:lnL>
+                    <a:lnR w="12700" cap="flat" cmpd="sng" algn="ctr">
+                      <a:solidFill>
+                        <a:schemeClr val="tx1"/>
+                      </a:solidFill>
+                      <a:prstDash val="solid"/>
+                      <a:round/>
+                      <a:headEnd type="none" w="med" len="med"/>
+                      <a:tailEnd type="none" w="med" len="med"/>
+                    </a:lnR>
+                    <a:lnT w="12700" cap="flat" cmpd="sng" algn="ctr">
+                      <a:solidFill>
+                        <a:schemeClr val="tx1"/>
+                      </a:solidFill>
+                      <a:prstDash val="solid"/>
+                      <a:round/>
+                      <a:headEnd type="none" w="med" len="med"/>
+                      <a:tailEnd type="none" w="med" len="med"/>
+                    </a:lnT>
+                    <a:lnB w="12700" cap="flat" cmpd="sng" algn="ctr">
+                      <a:solidFill>
+                        <a:schemeClr val="tx1"/>
+                      </a:solidFill>
+                      <a:prstDash val="solid"/>
+                      <a:round/>
+                      <a:headEnd type="none" w="med" len="med"/>
+                      <a:tailEnd type="none" w="med" len="med"/>
+                    </a:lnB>
+                    <a:solidFill>
+                      <a:schemeClr val="bg1"/>
+                    </a:solidFill>
+                  </a:tcPr>
+                </a:tc>
+                <a:tc>
+                  <a:txBody>
+                    <a:bodyPr/>
+                    <a:lstStyle/>
+                    <a:p>
+                      <a:pPr algn="ctr" latinLnBrk="1"/>
+                      <a:r>
+                        <a:rPr lang="en-US" altLang="ko-KR" sz="2800" dirty="0"/>
+                        <a:t>1</a:t>
+                      </a:r>
+                      <a:endParaRPr lang="ko-KR" altLang="en-US" sz="2800" dirty="0"/>
+                    </a:p>
+                  </a:txBody>
+                  <a:tcPr anchor="ctr">
+                    <a:lnL w="12700" cap="flat" cmpd="sng" algn="ctr">
+                      <a:solidFill>
+                        <a:schemeClr val="tx1"/>
+                      </a:solidFill>
+                      <a:prstDash val="solid"/>
+                      <a:round/>
+                      <a:headEnd type="none" w="med" len="med"/>
+                      <a:tailEnd type="none" w="med" len="med"/>
+                    </a:lnL>
+                    <a:lnR w="12700" cap="flat" cmpd="sng" algn="ctr">
+                      <a:solidFill>
+                        <a:schemeClr val="tx1"/>
+                      </a:solidFill>
+                      <a:prstDash val="solid"/>
+                      <a:round/>
+                      <a:headEnd type="none" w="med" len="med"/>
+                      <a:tailEnd type="none" w="med" len="med"/>
+                    </a:lnR>
+                    <a:lnT w="12700" cap="flat" cmpd="sng" algn="ctr">
+                      <a:solidFill>
+                        <a:schemeClr val="tx1"/>
+                      </a:solidFill>
+                      <a:prstDash val="solid"/>
+                      <a:round/>
+                      <a:headEnd type="none" w="med" len="med"/>
+                      <a:tailEnd type="none" w="med" len="med"/>
+                    </a:lnT>
+                    <a:lnB w="12700" cap="flat" cmpd="sng" algn="ctr">
+                      <a:solidFill>
+                        <a:schemeClr val="tx1"/>
+                      </a:solidFill>
+                      <a:prstDash val="solid"/>
+                      <a:round/>
+                      <a:headEnd type="none" w="med" len="med"/>
+                      <a:tailEnd type="none" w="med" len="med"/>
+                    </a:lnB>
+                    <a:solidFill>
+                      <a:schemeClr val="bg1"/>
+                    </a:solidFill>
+                  </a:tcPr>
+                </a:tc>
+                <a:tc>
+                  <a:txBody>
+                    <a:bodyPr/>
+                    <a:lstStyle/>
+                    <a:p>
+                      <a:pPr algn="ctr" latinLnBrk="1"/>
+                      <a:r>
+                        <a:rPr lang="en-US" altLang="ko-KR" sz="2800" dirty="0"/>
+                        <a:t>1 (Danger)</a:t>
+                      </a:r>
+                      <a:endParaRPr lang="ko-KR" altLang="en-US" sz="2800" dirty="0"/>
+                    </a:p>
+                  </a:txBody>
+                  <a:tcPr anchor="ctr">
+                    <a:lnL w="12700" cap="flat" cmpd="sng" algn="ctr">
+                      <a:solidFill>
+                        <a:schemeClr val="tx1"/>
+                      </a:solidFill>
+                      <a:prstDash val="solid"/>
+                      <a:round/>
+                      <a:headEnd type="none" w="med" len="med"/>
+                      <a:tailEnd type="none" w="med" len="med"/>
+                    </a:lnL>
+                    <a:lnR w="12700" cap="flat" cmpd="sng" algn="ctr">
+                      <a:solidFill>
+                        <a:schemeClr val="tx1"/>
+                      </a:solidFill>
+                      <a:prstDash val="solid"/>
+                      <a:round/>
+                      <a:headEnd type="none" w="med" len="med"/>
+                      <a:tailEnd type="none" w="med" len="med"/>
+                    </a:lnR>
+                    <a:lnT w="12700" cap="flat" cmpd="sng" algn="ctr">
+                      <a:solidFill>
+                        <a:schemeClr val="tx1"/>
+                      </a:solidFill>
+                      <a:prstDash val="solid"/>
+                      <a:round/>
+                      <a:headEnd type="none" w="med" len="med"/>
+                      <a:tailEnd type="none" w="med" len="med"/>
+                    </a:lnT>
+                    <a:lnB w="12700" cap="flat" cmpd="sng" algn="ctr">
+                      <a:solidFill>
+                        <a:schemeClr val="tx1"/>
+                      </a:solidFill>
+                      <a:prstDash val="solid"/>
+                      <a:round/>
+                      <a:headEnd type="none" w="med" len="med"/>
+                      <a:tailEnd type="none" w="med" len="med"/>
+                    </a:lnB>
+                    <a:solidFill>
+                      <a:schemeClr val="bg1"/>
+                    </a:solidFill>
+                  </a:tcPr>
+                </a:tc>
+                <a:extLst>
+                  <a:ext uri="{0D108BD9-81ED-4DB2-BD59-A6C34878D82A}">
+                    <a16:rowId xmlns:a16="http://schemas.microsoft.com/office/drawing/2014/main" val="2016616379"/>
+                  </a:ext>
+                </a:extLst>
+              </a:tr>
+              <a:tr h="338780">
+                <a:tc>
+                  <a:txBody>
+                    <a:bodyPr/>
+                    <a:lstStyle/>
+                    <a:p>
+                      <a:pPr algn="ctr" latinLnBrk="1"/>
+                      <a:r>
+                        <a:rPr lang="en-US" altLang="ko-KR" sz="2800" dirty="0"/>
+                        <a:t>1</a:t>
+                      </a:r>
+                      <a:endParaRPr lang="ko-KR" altLang="en-US" sz="2800" dirty="0"/>
+                    </a:p>
+                  </a:txBody>
+                  <a:tcPr anchor="ctr">
+                    <a:lnL w="12700" cap="flat" cmpd="sng" algn="ctr">
+                      <a:solidFill>
+                        <a:schemeClr val="tx1"/>
+                      </a:solidFill>
+                      <a:prstDash val="solid"/>
+                      <a:round/>
+                      <a:headEnd type="none" w="med" len="med"/>
+                      <a:tailEnd type="none" w="med" len="med"/>
+                    </a:lnL>
+                    <a:lnR w="12700" cap="flat" cmpd="sng" algn="ctr">
+                      <a:solidFill>
+                        <a:schemeClr val="tx1"/>
+                      </a:solidFill>
+                      <a:prstDash val="solid"/>
+                      <a:round/>
+                      <a:headEnd type="none" w="med" len="med"/>
+                      <a:tailEnd type="none" w="med" len="med"/>
+                    </a:lnR>
+                    <a:lnT w="12700" cap="flat" cmpd="sng" algn="ctr">
+                      <a:solidFill>
+                        <a:schemeClr val="tx1"/>
+                      </a:solidFill>
+                      <a:prstDash val="solid"/>
+                      <a:round/>
+                      <a:headEnd type="none" w="med" len="med"/>
+                      <a:tailEnd type="none" w="med" len="med"/>
+                    </a:lnT>
+                    <a:lnB w="12700" cap="flat" cmpd="sng" algn="ctr">
+                      <a:solidFill>
+                        <a:schemeClr val="tx1"/>
+                      </a:solidFill>
+                      <a:prstDash val="solid"/>
+                      <a:round/>
+                      <a:headEnd type="none" w="med" len="med"/>
+                      <a:tailEnd type="none" w="med" len="med"/>
+                    </a:lnB>
+                    <a:solidFill>
+                      <a:schemeClr val="bg1"/>
+                    </a:solidFill>
+                  </a:tcPr>
+                </a:tc>
+                <a:tc>
+                  <a:txBody>
+                    <a:bodyPr/>
+                    <a:lstStyle/>
+                    <a:p>
+                      <a:pPr algn="ctr" latinLnBrk="1"/>
+                      <a:r>
+                        <a:rPr lang="en-US" altLang="ko-KR" sz="2800" dirty="0"/>
+                        <a:t>0</a:t>
+                      </a:r>
+                      <a:endParaRPr lang="ko-KR" altLang="en-US" sz="2800" dirty="0"/>
+                    </a:p>
+                  </a:txBody>
+                  <a:tcPr anchor="ctr">
+                    <a:lnL w="12700" cap="flat" cmpd="sng" algn="ctr">
+                      <a:solidFill>
+                        <a:schemeClr val="tx1"/>
+                      </a:solidFill>
+                      <a:prstDash val="solid"/>
+                      <a:round/>
+                      <a:headEnd type="none" w="med" len="med"/>
+                      <a:tailEnd type="none" w="med" len="med"/>
+                    </a:lnL>
+                    <a:lnR w="12700" cap="flat" cmpd="sng" algn="ctr">
+                      <a:solidFill>
+                        <a:schemeClr val="tx1"/>
+                      </a:solidFill>
+                      <a:prstDash val="solid"/>
+                      <a:round/>
+                      <a:headEnd type="none" w="med" len="med"/>
+                      <a:tailEnd type="none" w="med" len="med"/>
+                    </a:lnR>
+                    <a:lnT w="12700" cap="flat" cmpd="sng" algn="ctr">
+                      <a:solidFill>
+                        <a:schemeClr val="tx1"/>
+                      </a:solidFill>
+                      <a:prstDash val="solid"/>
+                      <a:round/>
+                      <a:headEnd type="none" w="med" len="med"/>
+                      <a:tailEnd type="none" w="med" len="med"/>
+                    </a:lnT>
+                    <a:lnB w="12700" cap="flat" cmpd="sng" algn="ctr">
+                      <a:solidFill>
+                        <a:schemeClr val="tx1"/>
+                      </a:solidFill>
+                      <a:prstDash val="solid"/>
+                      <a:round/>
+                      <a:headEnd type="none" w="med" len="med"/>
+                      <a:tailEnd type="none" w="med" len="med"/>
+                    </a:lnB>
+                    <a:solidFill>
+                      <a:schemeClr val="bg1"/>
+                    </a:solidFill>
+                  </a:tcPr>
+                </a:tc>
+                <a:tc>
+                  <a:txBody>
+                    <a:bodyPr/>
+                    <a:lstStyle/>
+                    <a:p>
+                      <a:pPr algn="ctr" latinLnBrk="1"/>
+                      <a:r>
+                        <a:rPr lang="en-US" altLang="ko-KR" sz="2800" dirty="0"/>
+                        <a:t>1 (Danger)</a:t>
+                      </a:r>
+                      <a:endParaRPr lang="ko-KR" altLang="en-US" sz="2800" dirty="0"/>
+                    </a:p>
+                  </a:txBody>
+                  <a:tcPr anchor="ctr">
+                    <a:lnL w="12700" cap="flat" cmpd="sng" algn="ctr">
+                      <a:solidFill>
+                        <a:schemeClr val="tx1"/>
+                      </a:solidFill>
+                      <a:prstDash val="solid"/>
+                      <a:round/>
+                      <a:headEnd type="none" w="med" len="med"/>
+                      <a:tailEnd type="none" w="med" len="med"/>
+                    </a:lnL>
+                    <a:lnR w="12700" cap="flat" cmpd="sng" algn="ctr">
+                      <a:solidFill>
+                        <a:schemeClr val="tx1"/>
+                      </a:solidFill>
+                      <a:prstDash val="solid"/>
+                      <a:round/>
+                      <a:headEnd type="none" w="med" len="med"/>
+                      <a:tailEnd type="none" w="med" len="med"/>
+                    </a:lnR>
+                    <a:lnT w="12700" cap="flat" cmpd="sng" algn="ctr">
+                      <a:solidFill>
+                        <a:schemeClr val="tx1"/>
+                      </a:solidFill>
+                      <a:prstDash val="solid"/>
+                      <a:round/>
+                      <a:headEnd type="none" w="med" len="med"/>
+                      <a:tailEnd type="none" w="med" len="med"/>
+                    </a:lnT>
+                    <a:lnB w="12700" cap="flat" cmpd="sng" algn="ctr">
+                      <a:solidFill>
+                        <a:schemeClr val="tx1"/>
+                      </a:solidFill>
+                      <a:prstDash val="solid"/>
+                      <a:round/>
+                      <a:headEnd type="none" w="med" len="med"/>
+                      <a:tailEnd type="none" w="med" len="med"/>
+                    </a:lnB>
+                    <a:solidFill>
+                      <a:schemeClr val="bg1"/>
+                    </a:solidFill>
+                  </a:tcPr>
+                </a:tc>
+                <a:extLst>
+                  <a:ext uri="{0D108BD9-81ED-4DB2-BD59-A6C34878D82A}">
+                    <a16:rowId xmlns:a16="http://schemas.microsoft.com/office/drawing/2014/main" val="4112519404"/>
+                  </a:ext>
+                </a:extLst>
+              </a:tr>
+              <a:tr h="338780">
+                <a:tc>
+                  <a:txBody>
+                    <a:bodyPr/>
+                    <a:lstStyle/>
+                    <a:p>
+                      <a:pPr algn="ctr" latinLnBrk="1"/>
+                      <a:r>
+                        <a:rPr lang="en-US" altLang="ko-KR" sz="2800" dirty="0"/>
+                        <a:t>1</a:t>
+                      </a:r>
+                      <a:endParaRPr lang="ko-KR" altLang="en-US" sz="2800" dirty="0"/>
+                    </a:p>
+                  </a:txBody>
+                  <a:tcPr anchor="ctr">
+                    <a:lnL w="12700" cap="flat" cmpd="sng" algn="ctr">
+                      <a:solidFill>
+                        <a:schemeClr val="tx1"/>
+                      </a:solidFill>
+                      <a:prstDash val="solid"/>
+                      <a:round/>
+                      <a:headEnd type="none" w="med" len="med"/>
+                      <a:tailEnd type="none" w="med" len="med"/>
+                    </a:lnL>
+                    <a:lnR w="12700" cap="flat" cmpd="sng" algn="ctr">
+                      <a:solidFill>
+                        <a:schemeClr val="tx1"/>
+                      </a:solidFill>
+                      <a:prstDash val="solid"/>
+                      <a:round/>
+                      <a:headEnd type="none" w="med" len="med"/>
+                      <a:tailEnd type="none" w="med" len="med"/>
+                    </a:lnR>
+                    <a:lnT w="12700" cap="flat" cmpd="sng" algn="ctr">
+                      <a:solidFill>
+                        <a:schemeClr val="tx1"/>
+                      </a:solidFill>
+                      <a:prstDash val="solid"/>
+                      <a:round/>
+                      <a:headEnd type="none" w="med" len="med"/>
+                      <a:tailEnd type="none" w="med" len="med"/>
+                    </a:lnT>
+                    <a:lnB w="12700" cap="flat" cmpd="sng" algn="ctr">
+                      <a:solidFill>
+                        <a:schemeClr val="tx1"/>
+                      </a:solidFill>
+                      <a:prstDash val="solid"/>
+                      <a:round/>
+                      <a:headEnd type="none" w="med" len="med"/>
+                      <a:tailEnd type="none" w="med" len="med"/>
+                    </a:lnB>
+                    <a:solidFill>
+                      <a:schemeClr val="bg1"/>
+                    </a:solidFill>
+                  </a:tcPr>
+                </a:tc>
+                <a:tc>
+                  <a:txBody>
+                    <a:bodyPr/>
+                    <a:lstStyle/>
+                    <a:p>
+                      <a:pPr algn="ctr" latinLnBrk="1"/>
+                      <a:r>
+                        <a:rPr lang="en-US" altLang="ko-KR" sz="2800" dirty="0"/>
+                        <a:t>1</a:t>
+                      </a:r>
+                      <a:endParaRPr lang="ko-KR" altLang="en-US" sz="2800" dirty="0"/>
+                    </a:p>
+                  </a:txBody>
+                  <a:tcPr anchor="ctr">
+                    <a:lnL w="12700" cap="flat" cmpd="sng" algn="ctr">
+                      <a:solidFill>
+                        <a:schemeClr val="tx1"/>
+                      </a:solidFill>
+                      <a:prstDash val="solid"/>
+                      <a:round/>
+                      <a:headEnd type="none" w="med" len="med"/>
+                      <a:tailEnd type="none" w="med" len="med"/>
+                    </a:lnL>
+                    <a:lnR w="12700" cap="flat" cmpd="sng" algn="ctr">
+                      <a:solidFill>
+                        <a:schemeClr val="tx1"/>
+                      </a:solidFill>
+                      <a:prstDash val="solid"/>
+                      <a:round/>
+                      <a:headEnd type="none" w="med" len="med"/>
+                      <a:tailEnd type="none" w="med" len="med"/>
+                    </a:lnR>
+                    <a:lnT w="12700" cap="flat" cmpd="sng" algn="ctr">
+                      <a:solidFill>
+                        <a:schemeClr val="tx1"/>
+                      </a:solidFill>
+                      <a:prstDash val="solid"/>
+                      <a:round/>
+                      <a:headEnd type="none" w="med" len="med"/>
+                      <a:tailEnd type="none" w="med" len="med"/>
+                    </a:lnT>
+                    <a:lnB w="12700" cap="flat" cmpd="sng" algn="ctr">
+                      <a:solidFill>
+                        <a:schemeClr val="tx1"/>
+                      </a:solidFill>
+                      <a:prstDash val="solid"/>
+                      <a:round/>
+                      <a:headEnd type="none" w="med" len="med"/>
+                      <a:tailEnd type="none" w="med" len="med"/>
+                    </a:lnB>
+                    <a:solidFill>
+                      <a:schemeClr val="bg1"/>
+                    </a:solidFill>
+                  </a:tcPr>
+                </a:tc>
+                <a:tc>
+                  <a:txBody>
+                    <a:bodyPr/>
+                    <a:lstStyle/>
+                    <a:p>
+                      <a:pPr algn="ctr" latinLnBrk="1"/>
+                      <a:r>
+                        <a:rPr lang="en-US" altLang="ko-KR" sz="2800" dirty="0"/>
+                        <a:t>2 (Danger)</a:t>
+                      </a:r>
+                      <a:endParaRPr lang="ko-KR" altLang="en-US" sz="2800" dirty="0"/>
+                    </a:p>
+                  </a:txBody>
+                  <a:tcPr anchor="ctr">
+                    <a:lnL w="12700" cap="flat" cmpd="sng" algn="ctr">
+                      <a:solidFill>
+                        <a:schemeClr val="tx1"/>
+                      </a:solidFill>
+                      <a:prstDash val="solid"/>
+                      <a:round/>
+                      <a:headEnd type="none" w="med" len="med"/>
+                      <a:tailEnd type="none" w="med" len="med"/>
+                    </a:lnL>
+                    <a:lnR w="12700" cap="flat" cmpd="sng" algn="ctr">
+                      <a:solidFill>
+                        <a:schemeClr val="tx1"/>
+                      </a:solidFill>
+                      <a:prstDash val="solid"/>
+                      <a:round/>
+                      <a:headEnd type="none" w="med" len="med"/>
+                      <a:tailEnd type="none" w="med" len="med"/>
+                    </a:lnR>
+                    <a:lnT w="12700" cap="flat" cmpd="sng" algn="ctr">
+                      <a:solidFill>
+                        <a:schemeClr val="tx1"/>
+                      </a:solidFill>
+                      <a:prstDash val="solid"/>
+                      <a:round/>
+                      <a:headEnd type="none" w="med" len="med"/>
+                      <a:tailEnd type="none" w="med" len="med"/>
+                    </a:lnT>
+                    <a:lnB w="12700" cap="flat" cmpd="sng" algn="ctr">
+                      <a:solidFill>
+                        <a:schemeClr val="tx1"/>
+                      </a:solidFill>
+                      <a:prstDash val="solid"/>
+                      <a:round/>
+                      <a:headEnd type="none" w="med" len="med"/>
+                      <a:tailEnd type="none" w="med" len="med"/>
+                    </a:lnB>
+                    <a:solidFill>
+                      <a:schemeClr val="bg1"/>
+                    </a:solidFill>
+                  </a:tcPr>
+                </a:tc>
+                <a:extLst>
+                  <a:ext uri="{0D108BD9-81ED-4DB2-BD59-A6C34878D82A}">
+                    <a16:rowId xmlns:a16="http://schemas.microsoft.com/office/drawing/2014/main" val="1105355188"/>
+                  </a:ext>
+                </a:extLst>
+              </a:tr>
+            </a:tbl>
+          </a:graphicData>
+        </a:graphic>
+      </p:graphicFrame>
+      <p:sp>
+        <p:nvSpPr>
+          <p:cNvPr id="53" name="Text Box 180">
+            <a:extLst>
+              <a:ext uri="{FF2B5EF4-FFF2-40B4-BE49-F238E27FC236}">
+                <a16:creationId xmlns:a16="http://schemas.microsoft.com/office/drawing/2014/main" id="{20254F9E-8B61-446A-A973-32B4304AD3F8}"/>
+              </a:ext>
+            </a:extLst>
+          </p:cNvPr>
+          <p:cNvSpPr txBox="1">
+            <a:spLocks noChangeArrowheads="1"/>
+          </p:cNvSpPr>
+          <p:nvPr/>
+        </p:nvSpPr>
+        <p:spPr bwMode="auto">
+          <a:xfrm>
+            <a:off x="15671093" y="28306863"/>
+            <a:ext cx="3577344" cy="457151"/>
+          </a:xfrm>
+          <a:prstGeom prst="rect">
+            <a:avLst/>
+          </a:prstGeom>
+          <a:noFill/>
+          <a:ln>
+            <a:noFill/>
+          </a:ln>
+          <a:effectLst/>
+          <a:extLst>
+            <a:ext uri="{909E8E84-426E-40DD-AFC4-6F175D3DCCD1}">
+              <a14:hiddenFill xmlns:a14="http://schemas.microsoft.com/office/drawing/2010/main">
+                <a:solidFill>
+                  <a:schemeClr val="accent1"/>
+                </a:solidFill>
+              </a14:hiddenFill>
+            </a:ext>
+            <a:ext uri="{91240B29-F687-4F45-9708-019B960494DF}">
+              <a14:hiddenLine xmlns:a14="http://schemas.microsoft.com/office/drawing/2010/main" w="9525">
+                <a:solidFill>
+                  <a:schemeClr val="tx1"/>
+                </a:solidFill>
+                <a:miter lim="800000"/>
+                <a:headEnd/>
+                <a:tailEnd/>
+              </a14:hiddenLine>
+            </a:ext>
+            <a:ext uri="{AF507438-7753-43E0-B8FC-AC1667EBCBE1}">
+              <a14:hiddenEffects xmlns:a14="http://schemas.microsoft.com/office/drawing/2010/main">
+                <a:effectLst>
+                  <a:outerShdw dist="35921" dir="2700000" algn="ctr" rotWithShape="0">
+                    <a:schemeClr val="bg2"/>
+                  </a:outerShdw>
+                </a:effectLst>
+              </a14:hiddenEffects>
+            </a:ext>
+          </a:extLst>
+        </p:spPr>
+        <p:txBody>
+          <a:bodyPr wrap="square" lIns="86970" tIns="43485" rIns="86970" bIns="43485">
+            <a:spAutoFit/>
+          </a:bodyPr>
+          <a:lstStyle>
+            <a:lvl1pPr defTabSz="4389438" eaLnBrk="0" hangingPunct="0">
+              <a:defRPr sz="2200">
+                <a:solidFill>
+                  <a:schemeClr val="tx1"/>
+                </a:solidFill>
+                <a:latin typeface="Arial" charset="0"/>
+              </a:defRPr>
+            </a:lvl1pPr>
+            <a:lvl2pPr marL="742950" indent="-285750" defTabSz="4389438" eaLnBrk="0" hangingPunct="0">
+              <a:defRPr sz="2200">
+                <a:solidFill>
+                  <a:schemeClr val="tx1"/>
+                </a:solidFill>
+                <a:latin typeface="Arial" charset="0"/>
+              </a:defRPr>
+            </a:lvl2pPr>
+            <a:lvl3pPr marL="1143000" indent="-228600" defTabSz="4389438" eaLnBrk="0" hangingPunct="0">
+              <a:defRPr sz="2200">
+                <a:solidFill>
+                  <a:schemeClr val="tx1"/>
+                </a:solidFill>
+                <a:latin typeface="Arial" charset="0"/>
+              </a:defRPr>
+            </a:lvl3pPr>
+            <a:lvl4pPr marL="1600200" indent="-228600" defTabSz="4389438" eaLnBrk="0" hangingPunct="0">
+              <a:defRPr sz="2200">
+                <a:solidFill>
+                  <a:schemeClr val="tx1"/>
+                </a:solidFill>
+                <a:latin typeface="Arial" charset="0"/>
+              </a:defRPr>
+            </a:lvl4pPr>
+            <a:lvl5pPr marL="2057400" indent="-228600" defTabSz="4389438" eaLnBrk="0" hangingPunct="0">
+              <a:defRPr sz="2200">
+                <a:solidFill>
+                  <a:schemeClr val="tx1"/>
+                </a:solidFill>
+                <a:latin typeface="Arial" charset="0"/>
+              </a:defRPr>
+            </a:lvl5pPr>
+            <a:lvl6pPr marL="2514600" indent="-228600" defTabSz="4389438" eaLnBrk="0" fontAlgn="base" hangingPunct="0">
+              <a:spcBef>
+                <a:spcPct val="0"/>
+              </a:spcBef>
+              <a:spcAft>
+                <a:spcPct val="0"/>
+              </a:spcAft>
+              <a:defRPr sz="2200">
+                <a:solidFill>
+                  <a:schemeClr val="tx1"/>
+                </a:solidFill>
+                <a:latin typeface="Arial" charset="0"/>
+              </a:defRPr>
+            </a:lvl6pPr>
+            <a:lvl7pPr marL="2971800" indent="-228600" defTabSz="4389438" eaLnBrk="0" fontAlgn="base" hangingPunct="0">
+              <a:spcBef>
+                <a:spcPct val="0"/>
+              </a:spcBef>
+              <a:spcAft>
+                <a:spcPct val="0"/>
+              </a:spcAft>
+              <a:defRPr sz="2200">
+                <a:solidFill>
+                  <a:schemeClr val="tx1"/>
+                </a:solidFill>
+                <a:latin typeface="Arial" charset="0"/>
+              </a:defRPr>
+            </a:lvl7pPr>
+            <a:lvl8pPr marL="3429000" indent="-228600" defTabSz="4389438" eaLnBrk="0" fontAlgn="base" hangingPunct="0">
+              <a:spcBef>
+                <a:spcPct val="0"/>
+              </a:spcBef>
+              <a:spcAft>
+                <a:spcPct val="0"/>
+              </a:spcAft>
+              <a:defRPr sz="2200">
+                <a:solidFill>
+                  <a:schemeClr val="tx1"/>
+                </a:solidFill>
+                <a:latin typeface="Arial" charset="0"/>
+              </a:defRPr>
+            </a:lvl8pPr>
+            <a:lvl9pPr marL="3886200" indent="-228600" defTabSz="4389438" eaLnBrk="0" fontAlgn="base" hangingPunct="0">
+              <a:spcBef>
+                <a:spcPct val="0"/>
+              </a:spcBef>
+              <a:spcAft>
+                <a:spcPct val="0"/>
+              </a:spcAft>
+              <a:defRPr sz="2200">
+                <a:solidFill>
+                  <a:schemeClr val="tx1"/>
+                </a:solidFill>
+                <a:latin typeface="Arial" charset="0"/>
+              </a:defRPr>
+            </a:lvl9pPr>
+          </a:lstStyle>
+          <a:p>
+            <a:pPr algn="ctr" eaLnBrk="1" hangingPunct="1"/>
+            <a:r>
+              <a:rPr lang="ko-KR" altLang="en-US" sz="2400" b="1" dirty="0">
+                <a:latin typeface="Calibri" pitchFamily="34" charset="0"/>
+              </a:rPr>
+              <a:t>표 </a:t>
+            </a:r>
+            <a:r>
+              <a:rPr lang="en-US" altLang="ko-KR" sz="2400" b="1" dirty="0">
+                <a:latin typeface="Calibri" pitchFamily="34" charset="0"/>
+              </a:rPr>
+              <a:t>2</a:t>
+            </a:r>
+            <a:r>
+              <a:rPr lang="en-US" sz="2400" b="1" dirty="0">
+                <a:latin typeface="Calibri" pitchFamily="34" charset="0"/>
+              </a:rPr>
+              <a:t>.</a:t>
+            </a:r>
+            <a:r>
+              <a:rPr lang="en-US" sz="2400" dirty="0">
+                <a:latin typeface="Calibri" pitchFamily="34" charset="0"/>
+              </a:rPr>
+              <a:t> </a:t>
+            </a:r>
+            <a:r>
+              <a:rPr lang="ko-KR" altLang="en-US" sz="2400" dirty="0">
+                <a:latin typeface="Calibri" pitchFamily="34" charset="0"/>
+              </a:rPr>
+              <a:t>위험 상황 감지 방식</a:t>
+            </a:r>
+            <a:r>
+              <a:rPr lang="en-US" sz="2400" dirty="0">
+                <a:latin typeface="Calibri" pitchFamily="34" charset="0"/>
+              </a:rPr>
+              <a:t>.</a:t>
+            </a:r>
+          </a:p>
+        </p:txBody>
+      </p:sp>
+      <p:pic>
+        <p:nvPicPr>
+          <p:cNvPr id="54" name="그림 53">
+            <a:extLst>
+              <a:ext uri="{FF2B5EF4-FFF2-40B4-BE49-F238E27FC236}">
+                <a16:creationId xmlns:a16="http://schemas.microsoft.com/office/drawing/2014/main" id="{3221EE41-015F-433A-8133-62A06249E2CF}"/>
+              </a:ext>
+            </a:extLst>
+          </p:cNvPr>
+          <p:cNvPicPr/>
+          <p:nvPr/>
+        </p:nvPicPr>
+        <p:blipFill>
+          <a:blip r:embed="rId6" cstate="print">
+            <a:extLst>
+              <a:ext uri="{28A0092B-C50C-407E-A947-70E740481C1C}">
+                <a14:useLocalDpi xmlns:a14="http://schemas.microsoft.com/office/drawing/2010/main" val="0"/>
+              </a:ext>
+            </a:extLst>
+          </a:blip>
+          <a:srcRect/>
+          <a:stretch>
+            <a:fillRect/>
+          </a:stretch>
+        </p:blipFill>
+        <p:spPr bwMode="auto">
+          <a:xfrm>
+            <a:off x="15678523" y="18600641"/>
+            <a:ext cx="12801742" cy="4853878"/>
+          </a:xfrm>
+          <a:prstGeom prst="rect">
+            <a:avLst/>
+          </a:prstGeom>
+          <a:noFill/>
+          <a:ln>
+            <a:solidFill>
+              <a:schemeClr val="accent1"/>
+            </a:solidFill>
+          </a:ln>
+        </p:spPr>
+      </p:pic>
+      <p:sp>
+        <p:nvSpPr>
+          <p:cNvPr id="58" name="Text Box 180">
+            <a:extLst>
+              <a:ext uri="{FF2B5EF4-FFF2-40B4-BE49-F238E27FC236}">
+                <a16:creationId xmlns:a16="http://schemas.microsoft.com/office/drawing/2014/main" id="{0592C670-6D2A-482A-8F0A-4FB00C24EF50}"/>
+              </a:ext>
+            </a:extLst>
+          </p:cNvPr>
+          <p:cNvSpPr txBox="1">
+            <a:spLocks noChangeArrowheads="1"/>
+          </p:cNvSpPr>
+          <p:nvPr/>
+        </p:nvSpPr>
+        <p:spPr bwMode="auto">
+          <a:xfrm>
+            <a:off x="15687896" y="23454519"/>
+            <a:ext cx="3845712" cy="457151"/>
+          </a:xfrm>
+          <a:prstGeom prst="rect">
+            <a:avLst/>
+          </a:prstGeom>
+          <a:noFill/>
+          <a:ln>
+            <a:noFill/>
+          </a:ln>
+          <a:effectLst/>
+          <a:extLst>
+            <a:ext uri="{909E8E84-426E-40DD-AFC4-6F175D3DCCD1}">
+              <a14:hiddenFill xmlns:a14="http://schemas.microsoft.com/office/drawing/2010/main">
+                <a:solidFill>
+                  <a:schemeClr val="accent1"/>
+                </a:solidFill>
+              </a14:hiddenFill>
+            </a:ext>
+            <a:ext uri="{91240B29-F687-4F45-9708-019B960494DF}">
+              <a14:hiddenLine xmlns:a14="http://schemas.microsoft.com/office/drawing/2010/main" w="9525">
+                <a:solidFill>
+                  <a:schemeClr val="tx1"/>
+                </a:solidFill>
+                <a:miter lim="800000"/>
+                <a:headEnd/>
+                <a:tailEnd/>
+              </a14:hiddenLine>
+            </a:ext>
+            <a:ext uri="{AF507438-7753-43E0-B8FC-AC1667EBCBE1}">
+              <a14:hiddenEffects xmlns:a14="http://schemas.microsoft.com/office/drawing/2010/main">
+                <a:effectLst>
+                  <a:outerShdw dist="35921" dir="2700000" algn="ctr" rotWithShape="0">
+                    <a:schemeClr val="bg2"/>
+                  </a:outerShdw>
+                </a:effectLst>
+              </a14:hiddenEffects>
+            </a:ext>
+          </a:extLst>
+        </p:spPr>
+        <p:txBody>
+          <a:bodyPr wrap="square" lIns="86970" tIns="43485" rIns="86970" bIns="43485">
+            <a:spAutoFit/>
+          </a:bodyPr>
+          <a:lstStyle>
+            <a:lvl1pPr defTabSz="4389438" eaLnBrk="0" hangingPunct="0">
+              <a:defRPr sz="2200">
+                <a:solidFill>
+                  <a:schemeClr val="tx1"/>
+                </a:solidFill>
+                <a:latin typeface="Arial" charset="0"/>
+              </a:defRPr>
+            </a:lvl1pPr>
+            <a:lvl2pPr marL="742950" indent="-285750" defTabSz="4389438" eaLnBrk="0" hangingPunct="0">
+              <a:defRPr sz="2200">
+                <a:solidFill>
+                  <a:schemeClr val="tx1"/>
+                </a:solidFill>
+                <a:latin typeface="Arial" charset="0"/>
+              </a:defRPr>
+            </a:lvl2pPr>
+            <a:lvl3pPr marL="1143000" indent="-228600" defTabSz="4389438" eaLnBrk="0" hangingPunct="0">
+              <a:defRPr sz="2200">
+                <a:solidFill>
+                  <a:schemeClr val="tx1"/>
+                </a:solidFill>
+                <a:latin typeface="Arial" charset="0"/>
+              </a:defRPr>
+            </a:lvl3pPr>
+            <a:lvl4pPr marL="1600200" indent="-228600" defTabSz="4389438" eaLnBrk="0" hangingPunct="0">
+              <a:defRPr sz="2200">
+                <a:solidFill>
+                  <a:schemeClr val="tx1"/>
+                </a:solidFill>
+                <a:latin typeface="Arial" charset="0"/>
+              </a:defRPr>
+            </a:lvl4pPr>
+            <a:lvl5pPr marL="2057400" indent="-228600" defTabSz="4389438" eaLnBrk="0" hangingPunct="0">
+              <a:defRPr sz="2200">
+                <a:solidFill>
+                  <a:schemeClr val="tx1"/>
+                </a:solidFill>
+                <a:latin typeface="Arial" charset="0"/>
+              </a:defRPr>
+            </a:lvl5pPr>
+            <a:lvl6pPr marL="2514600" indent="-228600" defTabSz="4389438" eaLnBrk="0" fontAlgn="base" hangingPunct="0">
+              <a:spcBef>
+                <a:spcPct val="0"/>
+              </a:spcBef>
+              <a:spcAft>
+                <a:spcPct val="0"/>
+              </a:spcAft>
+              <a:defRPr sz="2200">
+                <a:solidFill>
+                  <a:schemeClr val="tx1"/>
+                </a:solidFill>
+                <a:latin typeface="Arial" charset="0"/>
+              </a:defRPr>
+            </a:lvl6pPr>
+            <a:lvl7pPr marL="2971800" indent="-228600" defTabSz="4389438" eaLnBrk="0" fontAlgn="base" hangingPunct="0">
+              <a:spcBef>
+                <a:spcPct val="0"/>
+              </a:spcBef>
+              <a:spcAft>
+                <a:spcPct val="0"/>
+              </a:spcAft>
+              <a:defRPr sz="2200">
+                <a:solidFill>
+                  <a:schemeClr val="tx1"/>
+                </a:solidFill>
+                <a:latin typeface="Arial" charset="0"/>
+              </a:defRPr>
+            </a:lvl7pPr>
+            <a:lvl8pPr marL="3429000" indent="-228600" defTabSz="4389438" eaLnBrk="0" fontAlgn="base" hangingPunct="0">
+              <a:spcBef>
+                <a:spcPct val="0"/>
+              </a:spcBef>
+              <a:spcAft>
+                <a:spcPct val="0"/>
+              </a:spcAft>
+              <a:defRPr sz="2200">
+                <a:solidFill>
+                  <a:schemeClr val="tx1"/>
+                </a:solidFill>
+                <a:latin typeface="Arial" charset="0"/>
+              </a:defRPr>
+            </a:lvl8pPr>
+            <a:lvl9pPr marL="3886200" indent="-228600" defTabSz="4389438" eaLnBrk="0" fontAlgn="base" hangingPunct="0">
+              <a:spcBef>
+                <a:spcPct val="0"/>
+              </a:spcBef>
+              <a:spcAft>
+                <a:spcPct val="0"/>
+              </a:spcAft>
+              <a:defRPr sz="2200">
+                <a:solidFill>
+                  <a:schemeClr val="tx1"/>
+                </a:solidFill>
+                <a:latin typeface="Arial" charset="0"/>
+              </a:defRPr>
+            </a:lvl9pPr>
+          </a:lstStyle>
+          <a:p>
+            <a:pPr algn="ctr" eaLnBrk="1" hangingPunct="1"/>
+            <a:r>
+              <a:rPr lang="ko-KR" altLang="en-US" sz="2400" b="1" dirty="0">
+                <a:latin typeface="Calibri" pitchFamily="34" charset="0"/>
+              </a:rPr>
+              <a:t>그림 </a:t>
+            </a:r>
+            <a:r>
+              <a:rPr lang="en-US" altLang="ko-KR" sz="2400" b="1" dirty="0">
+                <a:latin typeface="Calibri" pitchFamily="34" charset="0"/>
+              </a:rPr>
+              <a:t>3</a:t>
+            </a:r>
+            <a:r>
+              <a:rPr lang="en-US" sz="2400" b="1" dirty="0">
+                <a:latin typeface="Calibri" pitchFamily="34" charset="0"/>
+              </a:rPr>
+              <a:t>.</a:t>
+            </a:r>
+            <a:r>
+              <a:rPr lang="en-US" sz="2400" dirty="0">
+                <a:latin typeface="Calibri" pitchFamily="34" charset="0"/>
+              </a:rPr>
+              <a:t> </a:t>
+            </a:r>
+            <a:r>
+              <a:rPr lang="ko-KR" altLang="en-US" sz="2400" dirty="0">
+                <a:latin typeface="Calibri" pitchFamily="34" charset="0"/>
+              </a:rPr>
+              <a:t>신호 지속 알고리즘</a:t>
+            </a:r>
+            <a:r>
+              <a:rPr lang="en-US" sz="2400" dirty="0">
+                <a:latin typeface="Calibri" pitchFamily="34" charset="0"/>
+              </a:rPr>
+              <a:t>.</a:t>
+            </a:r>
+          </a:p>
+        </p:txBody>
+      </p:sp>
     </p:spTree>
     <p:extLst>
       <p:ext uri="{BB962C8B-B14F-4D97-AF65-F5344CB8AC3E}">

--- a/논문 자료/한국정보처리학회 2020년 춘계학술발표대회/KIPS 학술발표대회 논문 포스터.pptx
+++ b/논문 자료/한국정보처리학회 2020년 춘계학술발표대회/KIPS 학술발표대회 논문 포스터.pptx
@@ -106,7 +106,7 @@
   </p:defaultTextStyle>
   <p:extLst>
     <p:ext uri="{EFAFB233-063F-42B5-8137-9DF3F51BA10A}">
-      <p15:sldGuideLst xmlns:p15="http://schemas.microsoft.com/office/powerpoint/2012/main">
+      <p15:sldGuideLst xmlns:p15="http://schemas.microsoft.com/office/powerpoint/2012/main" xmlns="">
         <p15:guide id="1" orient="horz" pos="13479">
           <p15:clr>
             <a:srgbClr val="A4A3A4"/>
@@ -128,7 +128,7 @@
   <p:cmAuthor id="1" name="Dohyung Kim" initials="DK" lastIdx="1" clrIdx="0">
     <p:extLst>
       <p:ext uri="{19B8F6BF-5375-455C-9EA6-DF929625EA0E}">
-        <p15:presenceInfo xmlns:p15="http://schemas.microsoft.com/office/powerpoint/2012/main" userId="2cc31e357a4f0f91" providerId="Windows Live"/>
+        <p15:presenceInfo xmlns:p15="http://schemas.microsoft.com/office/powerpoint/2012/main" xmlns="" userId="2cc31e357a4f0f91" providerId="Windows Live"/>
       </p:ext>
     </p:extLst>
   </p:cmAuthor>
@@ -856,6 +856,16 @@
                 <a:spcPts val="2282"/>
               </a:spcAft>
             </a:pPr>
+            <a:r>
+              <a:rPr lang="en-US" sz="4400" dirty="0">
+                <a:solidFill>
+                  <a:srgbClr val="7F7F7F"/>
+                </a:solidFill>
+                <a:latin typeface="Calibri" pitchFamily="34" charset="0"/>
+                <a:cs typeface="Calibri" panose="020F0502020204030204" pitchFamily="34" charset="0"/>
+              </a:rPr>
+              <a:t/>
+            </a:r>
             <a:br>
               <a:rPr lang="en-US" sz="4400" dirty="0">
                 <a:solidFill>
@@ -1577,6 +1587,18 @@
                   <a:spcPts val="0"/>
                 </a:spcAft>
               </a:pPr>
+              <a:r>
+                <a:rPr lang="en-US" sz="4400" dirty="0">
+                  <a:solidFill>
+                    <a:schemeClr val="bg1">
+                      <a:lumMod val="50000"/>
+                    </a:schemeClr>
+                  </a:solidFill>
+                  <a:latin typeface="Calibri" pitchFamily="34" charset="0"/>
+                  <a:cs typeface="Calibri" panose="020F0502020204030204" pitchFamily="34" charset="0"/>
+                </a:rPr>
+                <a:t/>
+              </a:r>
               <a:br>
                 <a:rPr lang="en-US" sz="4400" dirty="0">
                   <a:solidFill>
@@ -1784,7 +1806,7 @@
           <a:p>
             <a:fld id="{985D6BDF-9D0E-4E2B-85B8-D8F4790360C9}" type="datetimeFigureOut">
               <a:rPr lang="en-US" smtClean="0"/>
-              <a:t>5/20/2020</a:t>
+              <a:t>5/21/2020</a:t>
             </a:fld>
             <a:endParaRPr lang="en-US" dirty="0"/>
           </a:p>
@@ -1995,7 +2017,7 @@
           <a:p>
             <a:fld id="{985D6BDF-9D0E-4E2B-85B8-D8F4790360C9}" type="datetimeFigureOut">
               <a:rPr lang="en-US" smtClean="0"/>
-              <a:t>5/20/2020</a:t>
+              <a:t>5/21/2020</a:t>
             </a:fld>
             <a:endParaRPr lang="en-US" dirty="0"/>
           </a:p>
@@ -2374,7 +2396,7 @@
           <p:cNvPr id="9" name="직사각형 8">
             <a:extLst>
               <a:ext uri="{FF2B5EF4-FFF2-40B4-BE49-F238E27FC236}">
-                <a16:creationId xmlns:a16="http://schemas.microsoft.com/office/drawing/2014/main" id="{9FACBAED-6384-46E0-A8B9-49DA33AD57A4}"/>
+                <a16:creationId xmlns:a16="http://schemas.microsoft.com/office/drawing/2014/main" xmlns="" id="{9FACBAED-6384-46E0-A8B9-49DA33AD57A4}"/>
               </a:ext>
             </a:extLst>
           </p:cNvPr>
@@ -2760,13 +2782,13 @@
             </a:pPr>
             <a:r>
               <a:rPr lang="ko-KR" altLang="en-US" sz="2800" dirty="0">
-                <a:latin typeface="+mn-ea"/>
+                <a:latin typeface="Calibri" pitchFamily="34" charset="0"/>
               </a:rPr>
               <a:t>길이 좁고 차도와 인도의 구분이 없는 골목길의 특성상 사각지대가 많고 보행자의 동선을 예측하기 힘들어 교통사고가 많이 발생하고 있다</a:t>
             </a:r>
             <a:r>
               <a:rPr lang="en-US" altLang="ko-KR" sz="2800" dirty="0">
-                <a:latin typeface="+mn-ea"/>
+                <a:latin typeface="Calibri" pitchFamily="34" charset="0"/>
               </a:rPr>
               <a:t>. </a:t>
             </a:r>
@@ -2774,7 +2796,7 @@
           <a:p>
             <a:pPr eaLnBrk="1" hangingPunct="1"/>
             <a:endParaRPr lang="en-US" altLang="ko-KR" sz="2800" dirty="0">
-              <a:latin typeface="+mn-ea"/>
+              <a:latin typeface="Calibri" pitchFamily="34" charset="0"/>
             </a:endParaRPr>
           </a:p>
           <a:p>
@@ -2784,37 +2806,37 @@
             </a:pPr>
             <a:r>
               <a:rPr lang="ko-KR" altLang="en-US" sz="2800" dirty="0">
-                <a:latin typeface="+mn-ea"/>
+                <a:latin typeface="Calibri" pitchFamily="34" charset="0"/>
               </a:rPr>
               <a:t>본 논문에서는 </a:t>
             </a:r>
             <a:r>
               <a:rPr lang="en-US" altLang="ko-KR" sz="2800" dirty="0">
-                <a:latin typeface="+mn-ea"/>
+                <a:latin typeface="Calibri" pitchFamily="34" charset="0"/>
               </a:rPr>
               <a:t>AI</a:t>
             </a:r>
             <a:r>
               <a:rPr lang="ko-KR" altLang="en-US" sz="2800" dirty="0">
-                <a:latin typeface="+mn-ea"/>
+                <a:latin typeface="Calibri" pitchFamily="34" charset="0"/>
               </a:rPr>
               <a:t>를 활용</a:t>
             </a:r>
             <a:r>
               <a:rPr lang="en-US" altLang="ko-KR" sz="2800" dirty="0">
-                <a:latin typeface="+mn-ea"/>
+                <a:latin typeface="Calibri" pitchFamily="34" charset="0"/>
               </a:rPr>
               <a:t>, </a:t>
             </a:r>
             <a:r>
               <a:rPr lang="ko-KR" altLang="en-US" sz="2800" dirty="0">
-                <a:latin typeface="+mn-ea"/>
+                <a:latin typeface="Calibri" pitchFamily="34" charset="0"/>
               </a:rPr>
               <a:t>영상 내 사물을 추적하여 골목길에서의 사고를 예방하는 시스템을 제안한다</a:t>
             </a:r>
             <a:r>
               <a:rPr lang="en-US" altLang="ko-KR" sz="2800" dirty="0">
-                <a:latin typeface="+mn-ea"/>
+                <a:latin typeface="Calibri" pitchFamily="34" charset="0"/>
               </a:rPr>
               <a:t>.</a:t>
             </a:r>
@@ -2822,7 +2844,7 @@
           <a:p>
             <a:pPr eaLnBrk="1" hangingPunct="1"/>
             <a:endParaRPr lang="en-US" altLang="ko-KR" sz="2800" dirty="0">
-              <a:latin typeface="+mn-ea"/>
+              <a:latin typeface="Calibri" pitchFamily="34" charset="0"/>
             </a:endParaRPr>
           </a:p>
           <a:p>
@@ -2832,37 +2854,37 @@
             </a:pPr>
             <a:r>
               <a:rPr lang="ko-KR" altLang="en-US" sz="2800" dirty="0">
-                <a:latin typeface="+mn-ea"/>
+                <a:latin typeface="Calibri" pitchFamily="34" charset="0"/>
               </a:rPr>
               <a:t>해당 시스템은 </a:t>
             </a:r>
             <a:r>
               <a:rPr lang="en-US" altLang="ko-KR" sz="2800" dirty="0">
-                <a:latin typeface="+mn-ea"/>
+                <a:latin typeface="Calibri" pitchFamily="34" charset="0"/>
               </a:rPr>
               <a:t>Object - Detection &amp; Tracking</a:t>
             </a:r>
             <a:r>
               <a:rPr lang="ko-KR" altLang="en-US" sz="2800" dirty="0">
-                <a:latin typeface="+mn-ea"/>
+                <a:latin typeface="Calibri" pitchFamily="34" charset="0"/>
               </a:rPr>
               <a:t>을 사용하여 보행자 및 차량을 </a:t>
             </a:r>
             <a:r>
               <a:rPr lang="ko-KR" altLang="en-US" sz="2800" dirty="0" err="1">
-                <a:latin typeface="+mn-ea"/>
+                <a:latin typeface="Calibri" pitchFamily="34" charset="0"/>
               </a:rPr>
               <a:t>식별ㆍ추적하여</a:t>
             </a:r>
             <a:r>
               <a:rPr lang="ko-KR" altLang="en-US" sz="2800" dirty="0">
-                <a:latin typeface="+mn-ea"/>
+                <a:latin typeface="Calibri" pitchFamily="34" charset="0"/>
               </a:rPr>
               <a:t> 두 개 이상의 사물이 동시에 교차로에 접근 시 사고 예방 알람을 발생시킨다</a:t>
             </a:r>
             <a:r>
               <a:rPr lang="en-US" altLang="ko-KR" sz="2800" dirty="0">
-                <a:latin typeface="+mn-ea"/>
+                <a:latin typeface="Calibri" pitchFamily="34" charset="0"/>
               </a:rPr>
               <a:t>.</a:t>
             </a:r>
@@ -2870,7 +2892,7 @@
           <a:p>
             <a:pPr eaLnBrk="1" hangingPunct="1"/>
             <a:endParaRPr lang="en-US" altLang="ko-KR" sz="2800" dirty="0">
-              <a:latin typeface="+mn-ea"/>
+              <a:latin typeface="Calibri" pitchFamily="34" charset="0"/>
             </a:endParaRPr>
           </a:p>
           <a:p>
@@ -2880,25 +2902,25 @@
             </a:pPr>
             <a:r>
               <a:rPr lang="ko-KR" altLang="en-US" sz="2800" dirty="0">
-                <a:latin typeface="+mn-ea"/>
+                <a:latin typeface="Calibri" pitchFamily="34" charset="0"/>
               </a:rPr>
               <a:t>이 시스템을 전국에 설치되어 있는 </a:t>
             </a:r>
             <a:r>
               <a:rPr lang="en-US" altLang="ko-KR" sz="2800" dirty="0">
-                <a:latin typeface="+mn-ea"/>
+                <a:latin typeface="Calibri" pitchFamily="34" charset="0"/>
               </a:rPr>
               <a:t>CCTV</a:t>
             </a:r>
             <a:r>
               <a:rPr lang="ko-KR" altLang="en-US" sz="2800" dirty="0">
-                <a:latin typeface="+mn-ea"/>
+                <a:latin typeface="Calibri" pitchFamily="34" charset="0"/>
               </a:rPr>
               <a:t>에 활용하면 추가적인 비용과 설치 시간에 제한 받지 않고 전국적으로 응용할 수 있을 것으로 기대된다</a:t>
             </a:r>
             <a:r>
               <a:rPr lang="en-US" altLang="ko-KR" sz="2800" dirty="0">
-                <a:latin typeface="+mn-ea"/>
+                <a:latin typeface="Calibri" pitchFamily="34" charset="0"/>
               </a:rPr>
               <a:t>.</a:t>
             </a:r>
@@ -2962,7 +2984,7 @@
       </p:sp>
       <p:sp>
         <p:nvSpPr>
-          <p:cNvPr id="13" name="Text Box 192"/>
+          <p:cNvPr id="11" name="Text Box 190"/>
           <p:cNvSpPr txBox="1">
             <a:spLocks noChangeArrowheads="1"/>
           </p:cNvSpPr>
@@ -2970,8 +2992,8 @@
         </p:nvSpPr>
         <p:spPr bwMode="auto">
           <a:xfrm>
-            <a:off x="15678523" y="8628290"/>
-            <a:ext cx="12801742" cy="9830795"/>
+            <a:off x="1721859" y="27564618"/>
+            <a:ext cx="12874324" cy="8538134"/>
           </a:xfrm>
           <a:prstGeom prst="rect">
             <a:avLst/>
@@ -3096,52 +3118,34 @@
               <a:buChar char="§"/>
             </a:pPr>
             <a:r>
-              <a:rPr lang="en-US" altLang="ko-KR" sz="2800" dirty="0" err="1">
-                <a:latin typeface="+mn-ea"/>
-              </a:rPr>
-              <a:t>openCV</a:t>
-            </a:r>
-            <a:r>
               <a:rPr lang="ko-KR" altLang="en-US" sz="2800" dirty="0">
                 <a:latin typeface="+mn-ea"/>
               </a:rPr>
-              <a:t>를 활용하여 스트리밍 데이터를 프레임 단위로 처리한다</a:t>
+              <a:t>위험 상황을 감지하는 서버와 각 카메라와 구역의 정보를 저장하고 관리하는 데이터베이스</a:t>
             </a:r>
             <a:r>
               <a:rPr lang="en-US" altLang="ko-KR" sz="2800" dirty="0">
                 <a:latin typeface="+mn-ea"/>
               </a:rPr>
-              <a:t>. </a:t>
+              <a:t>, </a:t>
             </a:r>
             <a:r>
               <a:rPr lang="ko-KR" altLang="en-US" sz="2800" dirty="0">
                 <a:latin typeface="+mn-ea"/>
               </a:rPr>
-              <a:t>프레임 별로 </a:t>
-            </a:r>
-            <a:r>
-              <a:rPr lang="en-US" altLang="ko-KR" sz="2800" dirty="0" err="1">
-                <a:latin typeface="+mn-ea"/>
-              </a:rPr>
-              <a:t>Tensorflow</a:t>
+              <a:t>카메라 영상을 처리하고 서버와 통신하는 임베디드 보드</a:t>
+            </a:r>
+            <a:r>
+              <a:rPr lang="en-US" altLang="ko-KR" sz="2800" dirty="0">
+                <a:latin typeface="+mn-ea"/>
+              </a:rPr>
+              <a:t>, LED </a:t>
             </a:r>
             <a:r>
               <a:rPr lang="ko-KR" altLang="en-US" sz="2800" dirty="0">
                 <a:latin typeface="+mn-ea"/>
               </a:rPr>
-              <a:t>의 </a:t>
-            </a:r>
-            <a:r>
-              <a:rPr lang="en-US" altLang="ko-KR" sz="2800" dirty="0">
-                <a:latin typeface="+mn-ea"/>
-              </a:rPr>
-              <a:t>Object-Detection </a:t>
-            </a:r>
-            <a:r>
-              <a:rPr lang="ko-KR" altLang="en-US" sz="2800" dirty="0">
-                <a:latin typeface="+mn-ea"/>
-              </a:rPr>
-              <a:t>기능을 활용하여 프레임 내에서 인식되는 객체 중 사람과 차량만을 추출한다</a:t>
+              <a:t>알람으로 구성되어 있다</a:t>
             </a:r>
             <a:r>
               <a:rPr lang="en-US" altLang="ko-KR" sz="2800" dirty="0">
@@ -3168,67 +3172,103 @@
               <a:rPr lang="ko-KR" altLang="en-US" sz="2800" dirty="0">
                 <a:latin typeface="+mn-ea"/>
               </a:rPr>
-              <a:t>객체가 사고 발생 가능 범위 내로 진입함을 인식하기 위해서</a:t>
+              <a:t>서버는 각 클라이언트와의 연결과 데이터베이스의 제어를 담당한다</a:t>
             </a:r>
             <a:r>
               <a:rPr lang="en-US" altLang="ko-KR" sz="2800" dirty="0">
                 <a:latin typeface="+mn-ea"/>
               </a:rPr>
-              <a:t> </a:t>
+              <a:t>. </a:t>
             </a:r>
             <a:r>
               <a:rPr lang="ko-KR" altLang="en-US" sz="2800" dirty="0">
                 <a:latin typeface="+mn-ea"/>
               </a:rPr>
-              <a:t>사용자가 설정한 기준선에서부터 인식된 객체의 중심점까지의 이차원 평면에서의 </a:t>
-            </a:r>
-            <a:r>
-              <a:rPr lang="ko-KR" altLang="en-US" sz="2800" dirty="0" err="1">
-                <a:latin typeface="+mn-ea"/>
-              </a:rPr>
-              <a:t>유클리디안</a:t>
+              <a:t>클라이언트로부터 물체 접근 결과를 수신하며</a:t>
+            </a:r>
+            <a:r>
+              <a:rPr lang="en-US" altLang="ko-KR" sz="2800" dirty="0">
+                <a:latin typeface="+mn-ea"/>
+              </a:rPr>
+              <a:t>, </a:t>
             </a:r>
             <a:r>
               <a:rPr lang="ko-KR" altLang="en-US" sz="2800" dirty="0">
                 <a:latin typeface="+mn-ea"/>
               </a:rPr>
-              <a:t> 거리 </a:t>
+              <a:t>이를 데이터베이스와 대조하여 위험상황 시 해당 구역에 지정된 </a:t>
             </a:r>
             <a:r>
               <a:rPr lang="en-US" altLang="ko-KR" sz="2800" dirty="0">
                 <a:latin typeface="+mn-ea"/>
               </a:rPr>
-              <a:t>(</a:t>
+              <a:t>LED</a:t>
             </a:r>
             <a:r>
               <a:rPr lang="ko-KR" altLang="en-US" sz="2800" dirty="0">
                 <a:latin typeface="+mn-ea"/>
               </a:rPr>
-              <a:t>그림</a:t>
+              <a:t>에 알람을 전송한다</a:t>
             </a:r>
             <a:r>
               <a:rPr lang="en-US" altLang="ko-KR" sz="2800" dirty="0">
                 <a:latin typeface="+mn-ea"/>
               </a:rPr>
-              <a:t>2-2)</a:t>
-            </a:r>
+              <a:t>.</a:t>
+            </a:r>
+          </a:p>
+          <a:p>
+            <a:pPr eaLnBrk="1" hangingPunct="1"/>
+            <a:endParaRPr lang="en-US" altLang="ko-KR" sz="2800" dirty="0">
+              <a:latin typeface="+mn-ea"/>
+            </a:endParaRPr>
+          </a:p>
+          <a:p>
+            <a:pPr marL="457200" indent="-457200" eaLnBrk="1" hangingPunct="1">
+              <a:buFont typeface="Wingdings" panose="05000000000000000000" pitchFamily="2" charset="2"/>
+              <a:buChar char="§"/>
+            </a:pPr>
             <a:r>
               <a:rPr lang="ko-KR" altLang="en-US" sz="2800" dirty="0">
                 <a:latin typeface="+mn-ea"/>
               </a:rPr>
-              <a:t>를 계산하여 차이를 측정하여 </a:t>
+              <a:t>데이터베이스는 구역 정보</a:t>
             </a:r>
             <a:r>
               <a:rPr lang="en-US" altLang="ko-KR" sz="2800" dirty="0">
                 <a:latin typeface="+mn-ea"/>
               </a:rPr>
-              <a:t>Object–Tracking </a:t>
+              <a:t>, </a:t>
             </a:r>
             <a:r>
               <a:rPr lang="ko-KR" altLang="en-US" sz="2800" dirty="0">
                 <a:latin typeface="+mn-ea"/>
               </a:rPr>
-              <a:t>기능을 구현한다</a:t>
+              <a:t>구역별 카메라 정보</a:t>
+            </a:r>
+            <a:r>
+              <a:rPr lang="en-US" altLang="ko-KR" sz="2800" dirty="0">
+                <a:latin typeface="+mn-ea"/>
+              </a:rPr>
+              <a:t>, </a:t>
+            </a:r>
+            <a:r>
+              <a:rPr lang="ko-KR" altLang="en-US" sz="2800" dirty="0">
+                <a:latin typeface="+mn-ea"/>
+              </a:rPr>
+              <a:t>구역별 </a:t>
+            </a:r>
+            <a:r>
+              <a:rPr lang="en-US" altLang="ko-KR" sz="2800" dirty="0">
+                <a:latin typeface="+mn-ea"/>
+              </a:rPr>
+              <a:t>LED </a:t>
+            </a:r>
+            <a:r>
+              <a:rPr lang="ko-KR" altLang="en-US" sz="2800" dirty="0">
+                <a:latin typeface="+mn-ea"/>
+              </a:rPr>
+              <a:t>정보를 저장하며 관리한다</a:t>
             </a:r>
             <a:r>
               <a:rPr lang="en-US" altLang="ko-KR" sz="2800" dirty="0">
@@ -3255,163 +3295,49 @@
               <a:rPr lang="ko-KR" altLang="en-US" sz="2800" dirty="0">
                 <a:latin typeface="+mn-ea"/>
               </a:rPr>
-              <a:t>영상 내에서 인식된 객체별로 </a:t>
+              <a:t>각 임베디드 보드는 서버의 클라이언트에 해당하며</a:t>
             </a:r>
             <a:r>
               <a:rPr lang="en-US" altLang="ko-KR" sz="2800" dirty="0">
                 <a:latin typeface="+mn-ea"/>
               </a:rPr>
-              <a:t>&lt;</a:t>
+              <a:t>, </a:t>
             </a:r>
             <a:r>
               <a:rPr lang="ko-KR" altLang="en-US" sz="2800" dirty="0">
                 <a:latin typeface="+mn-ea"/>
               </a:rPr>
-              <a:t>표</a:t>
+              <a:t>내장된 카메라를 통하여 실시간으로 영상 스트림을 받아들인다</a:t>
             </a:r>
             <a:r>
               <a:rPr lang="en-US" altLang="ko-KR" sz="2800" dirty="0">
                 <a:latin typeface="+mn-ea"/>
               </a:rPr>
-              <a:t>1&gt; </a:t>
+              <a:t>. </a:t>
             </a:r>
             <a:r>
               <a:rPr lang="ko-KR" altLang="en-US" sz="2800" dirty="0">
                 <a:latin typeface="+mn-ea"/>
               </a:rPr>
-              <a:t>에 해당되는 </a:t>
+              <a:t>입력된 스트림에서 물체를 인식하여 접근 여부를 판별하고</a:t>
             </a:r>
             <a:r>
               <a:rPr lang="en-US" altLang="ko-KR" sz="2800" dirty="0">
                 <a:latin typeface="+mn-ea"/>
               </a:rPr>
-              <a:t>Value </a:t>
+              <a:t>, </a:t>
             </a:r>
             <a:r>
               <a:rPr lang="ko-KR" altLang="en-US" sz="2800" dirty="0">
                 <a:latin typeface="+mn-ea"/>
               </a:rPr>
-              <a:t>값을 설정한다</a:t>
+              <a:t>일정 거리 이하로 접근 시 서버로 접근 정보를 전달한다</a:t>
             </a:r>
             <a:r>
               <a:rPr lang="en-US" altLang="ko-KR" sz="2800" dirty="0">
                 <a:latin typeface="+mn-ea"/>
               </a:rPr>
-              <a:t>. </a:t>
-            </a:r>
-            <a:r>
-              <a:rPr lang="ko-KR" altLang="en-US" sz="2800" dirty="0">
-                <a:latin typeface="+mn-ea"/>
-              </a:rPr>
-              <a:t>해당 </a:t>
-            </a:r>
-            <a:r>
-              <a:rPr lang="en-US" altLang="ko-KR" sz="2800" dirty="0">
-                <a:latin typeface="+mn-ea"/>
-              </a:rPr>
-              <a:t>Value </a:t>
-            </a:r>
-            <a:r>
-              <a:rPr lang="ko-KR" altLang="en-US" sz="2800" dirty="0">
-                <a:latin typeface="+mn-ea"/>
-              </a:rPr>
-              <a:t>값과 함께 영상을 촬영한 카메라 고유의 </a:t>
-            </a:r>
-            <a:r>
-              <a:rPr lang="en-US" altLang="ko-KR" sz="2800" dirty="0">
-                <a:latin typeface="+mn-ea"/>
-              </a:rPr>
-              <a:t>ID </a:t>
-            </a:r>
-            <a:r>
-              <a:rPr lang="ko-KR" altLang="en-US" sz="2800" dirty="0">
-                <a:latin typeface="+mn-ea"/>
-              </a:rPr>
-              <a:t>값을 </a:t>
-            </a:r>
-            <a:r>
-              <a:rPr lang="en-US" altLang="ko-KR" sz="2800" dirty="0">
-                <a:latin typeface="+mn-ea"/>
-              </a:rPr>
-              <a:t>JSON </a:t>
-            </a:r>
-            <a:r>
-              <a:rPr lang="ko-KR" altLang="en-US" sz="2800" dirty="0">
-                <a:latin typeface="+mn-ea"/>
-              </a:rPr>
-              <a:t>형식으로 데이터를 정제하여 서버로 전송한다</a:t>
-            </a:r>
-            <a:r>
-              <a:rPr lang="en-US" altLang="ko-KR" sz="2800" dirty="0">
-                <a:latin typeface="+mn-ea"/>
-              </a:rPr>
               <a:t>.</a:t>
-            </a:r>
-          </a:p>
-          <a:p>
-            <a:pPr eaLnBrk="1" hangingPunct="1"/>
-            <a:endParaRPr lang="en-US" altLang="ko-KR" sz="2800" dirty="0">
-              <a:latin typeface="+mn-ea"/>
-            </a:endParaRPr>
-          </a:p>
-          <a:p>
-            <a:pPr marL="457200" indent="-457200" eaLnBrk="1" hangingPunct="1">
-              <a:buFont typeface="Wingdings" panose="05000000000000000000" pitchFamily="2" charset="2"/>
-              <a:buChar char="§"/>
-            </a:pPr>
-            <a:r>
-              <a:rPr lang="en-US" altLang="ko-KR" sz="2800" dirty="0" err="1">
-                <a:latin typeface="+mn-ea"/>
-              </a:rPr>
-              <a:t>Tensorflow</a:t>
-            </a:r>
-            <a:r>
-              <a:rPr lang="ko-KR" altLang="en-US" sz="2800" dirty="0">
-                <a:latin typeface="+mn-ea"/>
-              </a:rPr>
-              <a:t>의 </a:t>
-            </a:r>
-            <a:r>
-              <a:rPr lang="en-US" altLang="ko-KR" sz="2800" dirty="0">
-                <a:latin typeface="+mn-ea"/>
-              </a:rPr>
-              <a:t>Object-Detection </a:t>
-            </a:r>
-            <a:r>
-              <a:rPr lang="ko-KR" altLang="en-US" sz="2800" dirty="0">
-                <a:latin typeface="+mn-ea"/>
-              </a:rPr>
-              <a:t>기능은 모델의 성능과 환경에 따라서 인식률의 차이가 존재하기 때문에 객체를 지속적으로 인식하지 못하는 한계점이 존재한다</a:t>
-            </a:r>
-            <a:r>
-              <a:rPr lang="en-US" altLang="ko-KR" sz="2800" dirty="0">
-                <a:latin typeface="+mn-ea"/>
-              </a:rPr>
-              <a:t>. (</a:t>
-            </a:r>
-            <a:r>
-              <a:rPr lang="ko-KR" altLang="en-US" sz="2800" dirty="0">
-                <a:latin typeface="+mn-ea"/>
-              </a:rPr>
-              <a:t>그림 </a:t>
-            </a:r>
-            <a:r>
-              <a:rPr lang="en-US" altLang="ko-KR" sz="2800" dirty="0">
-                <a:latin typeface="+mn-ea"/>
-              </a:rPr>
-              <a:t>3</a:t>
-            </a:r>
-            <a:r>
-              <a:rPr lang="ko-KR" altLang="en-US" sz="2800" dirty="0">
-                <a:latin typeface="+mn-ea"/>
-              </a:rPr>
-              <a:t>의 왼쪽 그림 참고</a:t>
-            </a:r>
-            <a:r>
-              <a:rPr lang="en-US" altLang="ko-KR" sz="2800" dirty="0">
-                <a:latin typeface="+mn-ea"/>
-              </a:rPr>
-              <a:t>) </a:t>
             </a:r>
           </a:p>
           <a:p>
@@ -3429,633 +3355,24 @@
               <a:buChar char="§"/>
             </a:pPr>
             <a:r>
+              <a:rPr lang="en-US" altLang="ko-KR" sz="2800" dirty="0">
+                <a:latin typeface="+mn-ea"/>
+              </a:rPr>
+              <a:t>LED </a:t>
+            </a:r>
+            <a:r>
               <a:rPr lang="ko-KR" altLang="en-US" sz="2800" dirty="0">
                 <a:latin typeface="+mn-ea"/>
               </a:rPr>
-              <a:t>따라서 클라이언트는 </a:t>
+              <a:t>알람은 서버로부터 위험 상황 신호를 전달받으면 점멸하여 실제 해당 지점의 보행자 혹은 차량에게 모퉁이에서 다른 차량이 접근 중이라는 정보를 전달한다</a:t>
             </a:r>
             <a:r>
               <a:rPr lang="en-US" altLang="ko-KR" sz="2800" dirty="0">
                 <a:latin typeface="+mn-ea"/>
               </a:rPr>
-              <a:t>Value </a:t>
-            </a:r>
-            <a:r>
-              <a:rPr lang="ko-KR" altLang="en-US" sz="2800" dirty="0">
-                <a:latin typeface="+mn-ea"/>
-              </a:rPr>
-              <a:t>값의 크기에 따라 우선순위를 설정하여 일정시간 내에 감지되는 우선순위가 제일 높은 </a:t>
-            </a:r>
-            <a:r>
-              <a:rPr lang="en-US" altLang="ko-KR" sz="2800" dirty="0">
-                <a:latin typeface="+mn-ea"/>
-              </a:rPr>
-              <a:t>Value </a:t>
-            </a:r>
-            <a:r>
-              <a:rPr lang="ko-KR" altLang="en-US" sz="2800" dirty="0">
-                <a:latin typeface="+mn-ea"/>
-              </a:rPr>
-              <a:t>값을 서버로 전송한다</a:t>
-            </a:r>
-            <a:r>
-              <a:rPr lang="en-US" altLang="ko-KR" sz="2800" dirty="0">
-                <a:latin typeface="+mn-ea"/>
-              </a:rPr>
-              <a:t>. </a:t>
-            </a:r>
-            <a:r>
-              <a:rPr lang="ko-KR" altLang="en-US" sz="2800" dirty="0">
-                <a:latin typeface="+mn-ea"/>
-              </a:rPr>
-              <a:t>클라이언트는 서버로 데이터를 전송하는 중에 지속적으로 영상 내의 객체를 인식하여 우선순위가 더 높은 객체가 인식될 경우 </a:t>
-            </a:r>
-            <a:r>
-              <a:rPr lang="en-US" altLang="ko-KR" sz="2800" dirty="0">
-                <a:latin typeface="+mn-ea"/>
-              </a:rPr>
-              <a:t>Value </a:t>
-            </a:r>
-            <a:r>
-              <a:rPr lang="ko-KR" altLang="en-US" sz="2800" dirty="0">
-                <a:latin typeface="+mn-ea"/>
-              </a:rPr>
-              <a:t>값을 변경하고 전송시간을 다시 초기화한다</a:t>
-            </a:r>
-            <a:r>
-              <a:rPr lang="en-US" altLang="ko-KR" sz="2800" dirty="0">
-                <a:latin typeface="+mn-ea"/>
-              </a:rPr>
-              <a:t>. (</a:t>
-            </a:r>
-            <a:r>
-              <a:rPr lang="ko-KR" altLang="en-US" sz="2800" dirty="0">
-                <a:latin typeface="+mn-ea"/>
-              </a:rPr>
-              <a:t>그림</a:t>
-            </a:r>
-            <a:r>
-              <a:rPr lang="en-US" altLang="ko-KR" sz="2800" dirty="0">
-                <a:latin typeface="+mn-ea"/>
-              </a:rPr>
-              <a:t>3</a:t>
-            </a:r>
-            <a:r>
-              <a:rPr lang="ko-KR" altLang="en-US" sz="2800" dirty="0">
-                <a:latin typeface="+mn-ea"/>
-              </a:rPr>
-              <a:t>의 오른쪽 그림 참고</a:t>
-            </a:r>
-            <a:r>
-              <a:rPr lang="en-US" altLang="ko-KR" sz="2800" dirty="0">
-                <a:latin typeface="+mn-ea"/>
-              </a:rPr>
-              <a:t>)</a:t>
-            </a:r>
-          </a:p>
-        </p:txBody>
-      </p:sp>
-      <p:sp>
-        <p:nvSpPr>
-          <p:cNvPr id="11" name="Text Box 190"/>
-          <p:cNvSpPr txBox="1">
-            <a:spLocks noChangeArrowheads="1"/>
-          </p:cNvSpPr>
-          <p:nvPr/>
-        </p:nvSpPr>
-        <p:spPr bwMode="auto">
-          <a:xfrm>
-            <a:off x="1721859" y="27564618"/>
-            <a:ext cx="12874324" cy="8969021"/>
-          </a:xfrm>
-          <a:prstGeom prst="rect">
-            <a:avLst/>
-          </a:prstGeom>
-          <a:solidFill>
-            <a:schemeClr val="bg1"/>
-          </a:solidFill>
-          <a:ln w="12700">
-            <a:solidFill>
-              <a:schemeClr val="accent1">
-                <a:lumMod val="75000"/>
-              </a:schemeClr>
-            </a:solidFill>
-          </a:ln>
-          <a:effectLst/>
-        </p:spPr>
-        <p:txBody>
-          <a:bodyPr wrap="square" lIns="173940" tIns="173940" rIns="173940" bIns="173940">
-            <a:spAutoFit/>
-          </a:bodyPr>
-          <a:lstStyle>
-            <a:lvl1pPr eaLnBrk="0" hangingPunct="0">
-              <a:defRPr sz="2200">
-                <a:solidFill>
-                  <a:schemeClr val="tx1"/>
-                </a:solidFill>
-                <a:latin typeface="Arial" charset="0"/>
-              </a:defRPr>
-            </a:lvl1pPr>
-            <a:lvl2pPr marL="742950" indent="-285750" eaLnBrk="0" hangingPunct="0">
-              <a:defRPr sz="2200">
-                <a:solidFill>
-                  <a:schemeClr val="tx1"/>
-                </a:solidFill>
-                <a:latin typeface="Arial" charset="0"/>
-              </a:defRPr>
-            </a:lvl2pPr>
-            <a:lvl3pPr marL="1143000" indent="-228600" eaLnBrk="0" hangingPunct="0">
-              <a:defRPr sz="2200">
-                <a:solidFill>
-                  <a:schemeClr val="tx1"/>
-                </a:solidFill>
-                <a:latin typeface="Arial" charset="0"/>
-              </a:defRPr>
-            </a:lvl3pPr>
-            <a:lvl4pPr marL="1600200" indent="-228600" eaLnBrk="0" hangingPunct="0">
-              <a:defRPr sz="2200">
-                <a:solidFill>
-                  <a:schemeClr val="tx1"/>
-                </a:solidFill>
-                <a:latin typeface="Arial" charset="0"/>
-              </a:defRPr>
-            </a:lvl4pPr>
-            <a:lvl5pPr marL="2057400" indent="-228600" eaLnBrk="0" hangingPunct="0">
-              <a:defRPr sz="2200">
-                <a:solidFill>
-                  <a:schemeClr val="tx1"/>
-                </a:solidFill>
-                <a:latin typeface="Arial" charset="0"/>
-              </a:defRPr>
-            </a:lvl5pPr>
-            <a:lvl6pPr marL="2514600" indent="-228600" eaLnBrk="0" fontAlgn="base" hangingPunct="0">
-              <a:spcBef>
-                <a:spcPct val="0"/>
-              </a:spcBef>
-              <a:spcAft>
-                <a:spcPct val="0"/>
-              </a:spcAft>
-              <a:defRPr sz="2200">
-                <a:solidFill>
-                  <a:schemeClr val="tx1"/>
-                </a:solidFill>
-                <a:latin typeface="Arial" charset="0"/>
-              </a:defRPr>
-            </a:lvl6pPr>
-            <a:lvl7pPr marL="2971800" indent="-228600" eaLnBrk="0" fontAlgn="base" hangingPunct="0">
-              <a:spcBef>
-                <a:spcPct val="0"/>
-              </a:spcBef>
-              <a:spcAft>
-                <a:spcPct val="0"/>
-              </a:spcAft>
-              <a:defRPr sz="2200">
-                <a:solidFill>
-                  <a:schemeClr val="tx1"/>
-                </a:solidFill>
-                <a:latin typeface="Arial" charset="0"/>
-              </a:defRPr>
-            </a:lvl7pPr>
-            <a:lvl8pPr marL="3429000" indent="-228600" eaLnBrk="0" fontAlgn="base" hangingPunct="0">
-              <a:spcBef>
-                <a:spcPct val="0"/>
-              </a:spcBef>
-              <a:spcAft>
-                <a:spcPct val="0"/>
-              </a:spcAft>
-              <a:defRPr sz="2200">
-                <a:solidFill>
-                  <a:schemeClr val="tx1"/>
-                </a:solidFill>
-                <a:latin typeface="Arial" charset="0"/>
-              </a:defRPr>
-            </a:lvl8pPr>
-            <a:lvl9pPr marL="3886200" indent="-228600" eaLnBrk="0" fontAlgn="base" hangingPunct="0">
-              <a:spcBef>
-                <a:spcPct val="0"/>
-              </a:spcBef>
-              <a:spcAft>
-                <a:spcPct val="0"/>
-              </a:spcAft>
-              <a:defRPr sz="2200">
-                <a:solidFill>
-                  <a:schemeClr val="tx1"/>
-                </a:solidFill>
-                <a:latin typeface="Arial" charset="0"/>
-              </a:defRPr>
-            </a:lvl9pPr>
-          </a:lstStyle>
-          <a:p>
-            <a:pPr marL="457200" indent="-457200" eaLnBrk="1" hangingPunct="1">
-              <a:buFont typeface="Wingdings" panose="05000000000000000000" pitchFamily="2" charset="2"/>
-              <a:buChar char="§"/>
-            </a:pPr>
-            <a:r>
-              <a:rPr lang="ko-KR" altLang="en-US" sz="2800" dirty="0">
-                <a:latin typeface="+mn-ea"/>
-              </a:rPr>
-              <a:t>개발 시스템은 연산을 담당하고 데이터베이스를 관리하는 서버와 </a:t>
-            </a:r>
-            <a:r>
-              <a:rPr lang="en-US" altLang="ko-KR" sz="2800" dirty="0">
-                <a:latin typeface="+mn-ea"/>
-              </a:rPr>
-              <a:t>Fingerprinting data</a:t>
-            </a:r>
-            <a:r>
-              <a:rPr lang="ko-KR" altLang="en-US" sz="2800" dirty="0">
-                <a:latin typeface="+mn-ea"/>
-              </a:rPr>
-              <a:t>를 담고 있는 데이터베이스</a:t>
-            </a:r>
-            <a:r>
-              <a:rPr lang="en-US" altLang="ko-KR" sz="2800" dirty="0">
-                <a:latin typeface="+mn-ea"/>
-              </a:rPr>
-              <a:t>, </a:t>
-            </a:r>
-            <a:r>
-              <a:rPr lang="en-US" altLang="ko-KR" sz="2800" dirty="0" err="1">
-                <a:latin typeface="+mn-ea"/>
-              </a:rPr>
-              <a:t>WiFi</a:t>
-            </a:r>
-            <a:r>
-              <a:rPr lang="en-US" altLang="ko-KR" sz="2800" dirty="0">
-                <a:latin typeface="+mn-ea"/>
-              </a:rPr>
-              <a:t> AP </a:t>
-            </a:r>
-            <a:r>
-              <a:rPr lang="ko-KR" altLang="en-US" sz="2800" dirty="0">
-                <a:latin typeface="+mn-ea"/>
-              </a:rPr>
-              <a:t>정보를 전송하는 클라이언트 어플리케이션으로 구성된다</a:t>
-            </a:r>
-            <a:r>
-              <a:rPr lang="en-US" altLang="ko-KR" sz="2800" dirty="0">
-                <a:latin typeface="+mn-ea"/>
-              </a:rPr>
-              <a:t>. </a:t>
-            </a:r>
-            <a:r>
-              <a:rPr lang="ko-KR" altLang="en-US" sz="2800" dirty="0">
-                <a:latin typeface="+mn-ea"/>
-              </a:rPr>
-              <a:t> </a:t>
-            </a:r>
-            <a:endParaRPr lang="en-US" altLang="ko-KR" sz="2800" dirty="0">
-              <a:latin typeface="+mn-ea"/>
-            </a:endParaRPr>
-          </a:p>
-          <a:p>
-            <a:pPr marL="457200" indent="-457200" eaLnBrk="1" hangingPunct="1">
-              <a:buFont typeface="Wingdings" panose="05000000000000000000" pitchFamily="2" charset="2"/>
-              <a:buChar char="§"/>
-            </a:pPr>
-            <a:endParaRPr lang="en-US" altLang="ko-KR" sz="2800" dirty="0">
-              <a:latin typeface="+mn-ea"/>
-            </a:endParaRPr>
-          </a:p>
-          <a:p>
-            <a:pPr marL="457200" indent="-457200" eaLnBrk="1" hangingPunct="1">
-              <a:buFont typeface="Wingdings" panose="05000000000000000000" pitchFamily="2" charset="2"/>
-              <a:buChar char="§"/>
-            </a:pPr>
-            <a:r>
-              <a:rPr lang="ko-KR" altLang="en-US" sz="2800" dirty="0">
-                <a:latin typeface="+mn-ea"/>
-              </a:rPr>
-              <a:t>서버는 위치 </a:t>
-            </a:r>
-            <a:r>
-              <a:rPr lang="ko-KR" altLang="en-US" sz="2800" dirty="0" err="1">
-                <a:latin typeface="+mn-ea"/>
-              </a:rPr>
-              <a:t>측위를</a:t>
-            </a:r>
-            <a:r>
-              <a:rPr lang="ko-KR" altLang="en-US" sz="2800" dirty="0">
-                <a:latin typeface="+mn-ea"/>
-              </a:rPr>
-              <a:t> 위한 연산 및 데이터베이스의 제어를 하며</a:t>
-            </a:r>
-            <a:r>
-              <a:rPr lang="en-US" altLang="ko-KR" sz="2800" dirty="0">
-                <a:latin typeface="+mn-ea"/>
-              </a:rPr>
-              <a:t>, </a:t>
-            </a:r>
-            <a:r>
-              <a:rPr lang="ko-KR" altLang="en-US" sz="2800" dirty="0">
-                <a:latin typeface="+mn-ea"/>
-              </a:rPr>
-              <a:t>클라이언트와의 </a:t>
-            </a:r>
-            <a:r>
-              <a:rPr lang="en-US" altLang="ko-KR" sz="2800" dirty="0">
-                <a:latin typeface="+mn-ea"/>
-              </a:rPr>
-              <a:t>TCP </a:t>
-            </a:r>
-            <a:r>
-              <a:rPr lang="ko-KR" altLang="en-US" sz="2800" dirty="0">
-                <a:latin typeface="+mn-ea"/>
-              </a:rPr>
-              <a:t>통신을 통해 </a:t>
-            </a:r>
-            <a:r>
-              <a:rPr lang="en-US" altLang="ko-KR" sz="2800" dirty="0" err="1">
-                <a:latin typeface="+mn-ea"/>
-              </a:rPr>
-              <a:t>WiFi</a:t>
-            </a:r>
-            <a:r>
-              <a:rPr lang="en-US" altLang="ko-KR" sz="2800" dirty="0">
-                <a:latin typeface="+mn-ea"/>
-              </a:rPr>
-              <a:t> AP</a:t>
-            </a:r>
-            <a:r>
-              <a:rPr lang="ko-KR" altLang="en-US" sz="2800" dirty="0">
-                <a:latin typeface="+mn-ea"/>
-              </a:rPr>
-              <a:t> 리스트 및 세기 정보</a:t>
-            </a:r>
-            <a:r>
-              <a:rPr lang="en-US" altLang="ko-KR" sz="2800" dirty="0">
-                <a:latin typeface="+mn-ea"/>
-              </a:rPr>
-              <a:t>(dBm)</a:t>
-            </a:r>
-            <a:r>
-              <a:rPr lang="ko-KR" altLang="en-US" sz="2800" dirty="0">
-                <a:latin typeface="+mn-ea"/>
-              </a:rPr>
-              <a:t>를 수신한다</a:t>
-            </a:r>
-            <a:r>
-              <a:rPr lang="en-US" altLang="ko-KR" sz="2800" dirty="0">
-                <a:latin typeface="+mn-ea"/>
-              </a:rPr>
-              <a:t>. </a:t>
-            </a:r>
-            <a:r>
-              <a:rPr lang="ko-KR" altLang="en-US" sz="2800" dirty="0">
-                <a:latin typeface="+mn-ea"/>
-              </a:rPr>
-              <a:t>서버의 </a:t>
-            </a:r>
-            <a:r>
-              <a:rPr lang="en-US" altLang="ko-KR" sz="2800" dirty="0" err="1">
-                <a:latin typeface="+mn-ea"/>
-              </a:rPr>
-              <a:t>Client_handle</a:t>
-            </a:r>
-            <a:r>
-              <a:rPr lang="en-US" altLang="ko-KR" sz="2800" dirty="0">
-                <a:latin typeface="+mn-ea"/>
-              </a:rPr>
-              <a:t> thread</a:t>
-            </a:r>
-            <a:r>
-              <a:rPr lang="ko-KR" altLang="en-US" sz="2800" dirty="0">
-                <a:latin typeface="+mn-ea"/>
-              </a:rPr>
-              <a:t>는 통신 및 위치 계산을 담당하며</a:t>
-            </a:r>
-            <a:r>
-              <a:rPr lang="en-US" altLang="ko-KR" sz="2800" dirty="0">
-                <a:latin typeface="+mn-ea"/>
-              </a:rPr>
-              <a:t>, </a:t>
-            </a:r>
-            <a:r>
-              <a:rPr lang="en-US" altLang="ko-KR" sz="2800" dirty="0" err="1">
-                <a:latin typeface="+mn-ea"/>
-              </a:rPr>
-              <a:t>DB_handle</a:t>
-            </a:r>
-            <a:r>
-              <a:rPr lang="en-US" altLang="ko-KR" sz="2800" dirty="0">
-                <a:latin typeface="+mn-ea"/>
-              </a:rPr>
-              <a:t> thread</a:t>
-            </a:r>
-            <a:r>
-              <a:rPr lang="ko-KR" altLang="en-US" sz="2800" dirty="0">
-                <a:latin typeface="+mn-ea"/>
-              </a:rPr>
-              <a:t>는 데이터베이스 제어 및 사용자 위치를 </a:t>
-            </a:r>
-            <a:r>
-              <a:rPr lang="en-US" altLang="ko-KR" sz="2800" dirty="0">
-                <a:latin typeface="+mn-ea"/>
-              </a:rPr>
-              <a:t>UI</a:t>
-            </a:r>
-            <a:r>
-              <a:rPr lang="ko-KR" altLang="en-US" sz="2800" dirty="0">
-                <a:latin typeface="+mn-ea"/>
-              </a:rPr>
-              <a:t>에 업데이트하는 역할을 한다</a:t>
-            </a:r>
-            <a:r>
-              <a:rPr lang="en-US" altLang="ko-KR" sz="2800" dirty="0">
-                <a:latin typeface="+mn-ea"/>
-              </a:rPr>
               <a:t>.</a:t>
             </a:r>
-          </a:p>
-          <a:p>
-            <a:pPr eaLnBrk="1" hangingPunct="1"/>
-            <a:endParaRPr lang="en-US" altLang="ko-KR" sz="2800" dirty="0">
-              <a:latin typeface="+mn-ea"/>
-            </a:endParaRPr>
-          </a:p>
-          <a:p>
-            <a:pPr marL="457200" indent="-457200" eaLnBrk="1" hangingPunct="1">
-              <a:buFont typeface="Wingdings" panose="05000000000000000000" pitchFamily="2" charset="2"/>
-              <a:buChar char="§"/>
-            </a:pPr>
-            <a:r>
-              <a:rPr lang="ko-KR" altLang="en-US" sz="2800" dirty="0">
-                <a:latin typeface="+mn-ea"/>
-              </a:rPr>
-              <a:t>데이터베이스는 사용자 정보</a:t>
-            </a:r>
-            <a:r>
-              <a:rPr lang="en-US" altLang="ko-KR" sz="2800" dirty="0">
-                <a:latin typeface="+mn-ea"/>
-              </a:rPr>
-              <a:t>, </a:t>
-            </a:r>
-            <a:r>
-              <a:rPr lang="en-US" altLang="ko-KR" sz="2800" dirty="0" err="1">
-                <a:latin typeface="+mn-ea"/>
-              </a:rPr>
-              <a:t>WiFi</a:t>
-            </a:r>
-            <a:r>
-              <a:rPr lang="en-US" altLang="ko-KR" sz="2800" dirty="0">
-                <a:latin typeface="+mn-ea"/>
-              </a:rPr>
-              <a:t> AP</a:t>
-            </a:r>
-            <a:r>
-              <a:rPr lang="ko-KR" altLang="en-US" sz="2800" dirty="0">
-                <a:latin typeface="+mn-ea"/>
-              </a:rPr>
-              <a:t>의 리스트</a:t>
-            </a:r>
-            <a:r>
-              <a:rPr lang="en-US" altLang="ko-KR" sz="2800" dirty="0">
-                <a:latin typeface="+mn-ea"/>
-              </a:rPr>
-              <a:t>, </a:t>
-            </a:r>
-            <a:r>
-              <a:rPr lang="ko-KR" altLang="en-US" sz="2800" dirty="0">
-                <a:latin typeface="+mn-ea"/>
-              </a:rPr>
-              <a:t>건물</a:t>
-            </a:r>
-            <a:r>
-              <a:rPr lang="en-US" altLang="ko-KR" sz="2800" dirty="0">
-                <a:latin typeface="+mn-ea"/>
-              </a:rPr>
-              <a:t>, </a:t>
-            </a:r>
-            <a:r>
-              <a:rPr lang="ko-KR" altLang="en-US" sz="2800" dirty="0">
-                <a:latin typeface="+mn-ea"/>
-              </a:rPr>
-              <a:t>각 사무실</a:t>
-            </a:r>
-            <a:r>
-              <a:rPr lang="en-US" altLang="ko-KR" sz="2800" dirty="0">
-                <a:latin typeface="+mn-ea"/>
-              </a:rPr>
-              <a:t>, Fingerprinting point</a:t>
-            </a:r>
-            <a:r>
-              <a:rPr lang="ko-KR" altLang="en-US" sz="2800" dirty="0">
-                <a:latin typeface="+mn-ea"/>
-              </a:rPr>
-              <a:t>의 위치 및 해당 위치에서의 </a:t>
-            </a:r>
-            <a:r>
-              <a:rPr lang="en-US" altLang="ko-KR" sz="2800" dirty="0">
-                <a:latin typeface="+mn-ea"/>
-              </a:rPr>
-              <a:t>AP </a:t>
-            </a:r>
-            <a:r>
-              <a:rPr lang="ko-KR" altLang="en-US" sz="2800" dirty="0">
-                <a:latin typeface="+mn-ea"/>
-              </a:rPr>
-              <a:t>세기에 대한 데이터를 저장한다</a:t>
-            </a:r>
-            <a:r>
-              <a:rPr lang="en-US" altLang="ko-KR" sz="2800" dirty="0">
-                <a:latin typeface="+mn-ea"/>
-              </a:rPr>
-              <a:t>.</a:t>
-            </a:r>
-          </a:p>
-          <a:p>
-            <a:pPr marL="457200" indent="-457200" eaLnBrk="1" hangingPunct="1">
-              <a:buFont typeface="Wingdings" panose="05000000000000000000" pitchFamily="2" charset="2"/>
-              <a:buChar char="§"/>
-            </a:pPr>
-            <a:endParaRPr lang="en-US" altLang="ko-KR" sz="2800" dirty="0">
-              <a:latin typeface="+mn-ea"/>
-            </a:endParaRPr>
-          </a:p>
-          <a:p>
-            <a:pPr marL="457200" indent="-457200" eaLnBrk="1" hangingPunct="1">
-              <a:buFont typeface="Wingdings" panose="05000000000000000000" pitchFamily="2" charset="2"/>
-              <a:buChar char="§"/>
-            </a:pPr>
-            <a:r>
-              <a:rPr lang="ko-KR" altLang="en-US" sz="2800" dirty="0">
-                <a:latin typeface="+mn-ea"/>
-              </a:rPr>
-              <a:t>어플리케이션은 배터리 효율성 및 개인정보에 대한 보안성을 고려하여 단순한 측정 및 전송 기능만을 수행한다</a:t>
-            </a:r>
-            <a:r>
-              <a:rPr lang="en-US" altLang="ko-KR" sz="2800" dirty="0">
-                <a:latin typeface="+mn-ea"/>
-              </a:rPr>
-              <a:t>. </a:t>
-            </a:r>
-            <a:r>
-              <a:rPr lang="ko-KR" altLang="en-US" sz="2800" dirty="0">
-                <a:latin typeface="+mn-ea"/>
-              </a:rPr>
-              <a:t>배터리 효율을 위해 작업은 </a:t>
-            </a:r>
-            <a:r>
-              <a:rPr lang="en-US" altLang="ko-KR" sz="2800" dirty="0">
-                <a:latin typeface="+mn-ea"/>
-              </a:rPr>
-              <a:t>Background Service</a:t>
-            </a:r>
-            <a:r>
-              <a:rPr lang="ko-KR" altLang="en-US" sz="2800" dirty="0">
-                <a:latin typeface="+mn-ea"/>
-              </a:rPr>
-              <a:t>로 수행된다</a:t>
-            </a:r>
-            <a:r>
-              <a:rPr lang="en-US" altLang="ko-KR" sz="2800" dirty="0">
-                <a:latin typeface="+mn-ea"/>
-              </a:rPr>
-              <a:t>. </a:t>
-            </a:r>
-            <a:r>
-              <a:rPr lang="ko-KR" altLang="en-US" sz="2800" dirty="0">
-                <a:latin typeface="+mn-ea"/>
-              </a:rPr>
-              <a:t>어플리케이션은 설정된 시간 주기로 서버와 </a:t>
-            </a:r>
-            <a:r>
-              <a:rPr lang="en-US" altLang="ko-KR" sz="2800" dirty="0">
-                <a:latin typeface="+mn-ea"/>
-              </a:rPr>
-              <a:t>TCP </a:t>
-            </a:r>
-            <a:r>
-              <a:rPr lang="ko-KR" altLang="en-US" sz="2800" dirty="0">
-                <a:latin typeface="+mn-ea"/>
-              </a:rPr>
-              <a:t>통신을 통해 통신하는데</a:t>
-            </a:r>
-            <a:r>
-              <a:rPr lang="en-US" altLang="ko-KR" sz="2800" dirty="0">
-                <a:latin typeface="+mn-ea"/>
-              </a:rPr>
-              <a:t>, </a:t>
-            </a:r>
-            <a:r>
-              <a:rPr lang="ko-KR" altLang="en-US" sz="2800" dirty="0">
-                <a:latin typeface="+mn-ea"/>
-              </a:rPr>
-              <a:t>해당 주기의 전송이 끝나면 다음 전송까지 소켓 통신을 종료한 후 다음 전송까지 대기한다</a:t>
-            </a:r>
-            <a:r>
-              <a:rPr lang="en-US" altLang="ko-KR" sz="2800" dirty="0"/>
-              <a:t>.</a:t>
-            </a:r>
-          </a:p>
-          <a:p>
-            <a:pPr marL="457200" indent="-457200" eaLnBrk="1" hangingPunct="1">
-              <a:buFont typeface="Wingdings" panose="05000000000000000000" pitchFamily="2" charset="2"/>
-              <a:buChar char="§"/>
-            </a:pPr>
-            <a:endParaRPr lang="en-US" altLang="ko-KR" sz="2800" dirty="0">
-              <a:latin typeface="+mn-lt"/>
-            </a:endParaRPr>
+            <a:endParaRPr lang="en-US" altLang="ko-KR" sz="2800" dirty="0"/>
           </a:p>
         </p:txBody>
       </p:sp>
@@ -4064,7 +3381,7 @@
           <p:cNvPr id="72" name="Rectangle 44">
             <a:extLst>
               <a:ext uri="{FF2B5EF4-FFF2-40B4-BE49-F238E27FC236}">
-                <a16:creationId xmlns:a16="http://schemas.microsoft.com/office/drawing/2014/main" id="{25F105DF-1D0B-43D6-85A7-257BEC719D92}"/>
+                <a16:creationId xmlns:a16="http://schemas.microsoft.com/office/drawing/2014/main" xmlns="" id="{25F105DF-1D0B-43D6-85A7-257BEC719D92}"/>
               </a:ext>
             </a:extLst>
           </p:cNvPr>
@@ -4073,7 +3390,7 @@
         </p:nvSpPr>
         <p:spPr>
           <a:xfrm>
-            <a:off x="1721859" y="18199329"/>
+            <a:off x="1721859" y="17832391"/>
             <a:ext cx="12866893" cy="996543"/>
           </a:xfrm>
           <a:prstGeom prst="rect">
@@ -4120,67 +3437,12 @@
           </a:p>
         </p:txBody>
       </p:sp>
-      <p:sp>
-        <p:nvSpPr>
-          <p:cNvPr id="34" name="Rectangle 33"/>
-          <p:cNvSpPr/>
-          <p:nvPr/>
-        </p:nvSpPr>
-        <p:spPr>
-          <a:xfrm>
-            <a:off x="15687896" y="5696299"/>
-            <a:ext cx="12801742" cy="808336"/>
-          </a:xfrm>
-          <a:prstGeom prst="rect">
-            <a:avLst/>
-          </a:prstGeom>
-          <a:solidFill>
-            <a:schemeClr val="accent1">
-              <a:lumMod val="75000"/>
-            </a:schemeClr>
-          </a:solidFill>
-        </p:spPr>
-        <p:style>
-          <a:lnRef idx="2">
-            <a:schemeClr val="accent1">
-              <a:shade val="50000"/>
-            </a:schemeClr>
-          </a:lnRef>
-          <a:fillRef idx="1">
-            <a:schemeClr val="accent1"/>
-          </a:fillRef>
-          <a:effectRef idx="0">
-            <a:schemeClr val="accent1"/>
-          </a:effectRef>
-          <a:fontRef idx="minor">
-            <a:schemeClr val="lt1"/>
-          </a:fontRef>
-        </p:style>
-        <p:txBody>
-          <a:bodyPr lIns="86970" tIns="43485" rIns="86970" bIns="43485" rtlCol="0" anchor="ctr"/>
-          <a:lstStyle/>
-          <a:p>
-            <a:pPr algn="ctr"/>
-            <a:r>
-              <a:rPr lang="en-US" altLang="ko-KR" sz="5400" b="1" dirty="0">
-                <a:solidFill>
-                  <a:schemeClr val="accent3">
-                    <a:lumMod val="20000"/>
-                    <a:lumOff val="80000"/>
-                  </a:schemeClr>
-                </a:solidFill>
-              </a:rPr>
-              <a:t>Client Process</a:t>
-            </a:r>
-          </a:p>
-        </p:txBody>
-      </p:sp>
       <p:grpSp>
         <p:nvGrpSpPr>
           <p:cNvPr id="2" name="그룹 1">
             <a:extLst>
               <a:ext uri="{FF2B5EF4-FFF2-40B4-BE49-F238E27FC236}">
-                <a16:creationId xmlns:a16="http://schemas.microsoft.com/office/drawing/2014/main" id="{0C864CFB-D452-4B1F-A21C-B5CC6A4EEEDA}"/>
+                <a16:creationId xmlns:a16="http://schemas.microsoft.com/office/drawing/2014/main" xmlns="" id="{0C864CFB-D452-4B1F-A21C-B5CC6A4EEEDA}"/>
               </a:ext>
             </a:extLst>
           </p:cNvPr>
@@ -4189,10 +3451,10 @@
         </p:nvGrpSpPr>
         <p:grpSpPr>
           <a:xfrm>
-            <a:off x="1646110" y="37322919"/>
-            <a:ext cx="13985215" cy="4346360"/>
-            <a:chOff x="15681838" y="6433983"/>
-            <a:chExt cx="13985215" cy="4346360"/>
+            <a:off x="1703316" y="36889886"/>
+            <a:ext cx="14338362" cy="3816953"/>
+            <a:chOff x="15652071" y="6433983"/>
+            <a:chExt cx="14216327" cy="4427908"/>
           </a:xfrm>
         </p:grpSpPr>
         <p:grpSp>
@@ -4200,7 +3462,7 @@
             <p:cNvPr id="14" name="그룹 13">
               <a:extLst>
                 <a:ext uri="{FF2B5EF4-FFF2-40B4-BE49-F238E27FC236}">
-                  <a16:creationId xmlns:a16="http://schemas.microsoft.com/office/drawing/2014/main" id="{6937A271-3FBD-45F3-9852-4D47F3B56002}"/>
+                  <a16:creationId xmlns:a16="http://schemas.microsoft.com/office/drawing/2014/main" xmlns="" id="{6937A271-3FBD-45F3-9852-4D47F3B56002}"/>
                 </a:ext>
               </a:extLst>
             </p:cNvPr>
@@ -4209,187 +3471,70 @@
           </p:nvGrpSpPr>
           <p:grpSpPr>
             <a:xfrm>
-              <a:off x="15681838" y="6433983"/>
-              <a:ext cx="12736175" cy="4346360"/>
-              <a:chOff x="15681838" y="15094586"/>
-              <a:chExt cx="12736175" cy="4346360"/>
+              <a:off x="15652071" y="6433983"/>
+              <a:ext cx="12765942" cy="4427908"/>
+              <a:chOff x="15652071" y="15094586"/>
+              <a:chExt cx="12765942" cy="4427908"/>
             </a:xfrm>
           </p:grpSpPr>
-          <p:grpSp>
-            <p:nvGrpSpPr>
-              <p:cNvPr id="12" name="그룹 11">
+          <p:sp>
+            <p:nvSpPr>
+              <p:cNvPr id="8" name="직사각형 7">
                 <a:extLst>
                   <a:ext uri="{FF2B5EF4-FFF2-40B4-BE49-F238E27FC236}">
-                    <a16:creationId xmlns:a16="http://schemas.microsoft.com/office/drawing/2014/main" id="{09F039DC-7E3C-4E5A-86A4-6DA1B9ECC3E4}"/>
+                    <a16:creationId xmlns:a16="http://schemas.microsoft.com/office/drawing/2014/main" xmlns="" id="{CC9451A3-090C-4737-B37F-968AD06AB0B4}"/>
                   </a:ext>
                 </a:extLst>
               </p:cNvPr>
-              <p:cNvGrpSpPr/>
+              <p:cNvSpPr/>
               <p:nvPr/>
-            </p:nvGrpSpPr>
-            <p:grpSpPr>
+            </p:nvSpPr>
+            <p:spPr>
               <a:xfrm>
                 <a:off x="15681838" y="15094586"/>
                 <a:ext cx="12736175" cy="3820026"/>
-                <a:chOff x="15681838" y="14843919"/>
-                <a:chExt cx="12736175" cy="3820026"/>
               </a:xfrm>
-            </p:grpSpPr>
-            <p:sp>
-              <p:nvSpPr>
-                <p:cNvPr id="6" name="TextBox 5">
-                  <a:extLst>
-                    <a:ext uri="{FF2B5EF4-FFF2-40B4-BE49-F238E27FC236}">
-                      <a16:creationId xmlns:a16="http://schemas.microsoft.com/office/drawing/2014/main" id="{50E22901-B034-42D6-846D-54293FF1BF70}"/>
-                    </a:ext>
-                  </a:extLst>
-                </p:cNvPr>
-                <p:cNvSpPr txBox="1"/>
-                <p:nvPr/>
-              </p:nvSpPr>
-              <p:spPr>
-                <a:xfrm>
-                  <a:off x="15819438" y="16356448"/>
-                  <a:ext cx="65" cy="615553"/>
-                </a:xfrm>
-                <a:prstGeom prst="rect">
-                  <a:avLst/>
-                </a:prstGeom>
-                <a:noFill/>
-              </p:spPr>
-              <p:txBody>
-                <a:bodyPr wrap="none" lIns="0" tIns="0" rIns="0" bIns="0" rtlCol="0">
-                  <a:spAutoFit/>
-                </a:bodyPr>
-                <a:lstStyle/>
-                <a:p>
-                  <a:endParaRPr lang="ko-KR" altLang="en-US" sz="4000" dirty="0"/>
-                </a:p>
-              </p:txBody>
-            </p:sp>
-            <p:sp>
-              <p:nvSpPr>
-                <p:cNvPr id="21" name="TextBox 20">
-                  <a:extLst>
-                    <a:ext uri="{FF2B5EF4-FFF2-40B4-BE49-F238E27FC236}">
-                      <a16:creationId xmlns:a16="http://schemas.microsoft.com/office/drawing/2014/main" id="{EF428921-A884-4DDC-AE92-A24BEF5DE94A}"/>
-                    </a:ext>
-                  </a:extLst>
-                </p:cNvPr>
-                <p:cNvSpPr txBox="1"/>
-                <p:nvPr/>
-              </p:nvSpPr>
-              <p:spPr>
-                <a:xfrm>
-                  <a:off x="15894992" y="15233924"/>
-                  <a:ext cx="65" cy="615553"/>
-                </a:xfrm>
-                <a:prstGeom prst="rect">
-                  <a:avLst/>
-                </a:prstGeom>
-                <a:noFill/>
-              </p:spPr>
-              <p:txBody>
-                <a:bodyPr wrap="none" lIns="0" tIns="0" rIns="0" bIns="0" rtlCol="0">
-                  <a:spAutoFit/>
-                </a:bodyPr>
-                <a:lstStyle/>
-                <a:p>
-                  <a:endParaRPr lang="ko-KR" altLang="en-US" sz="4000" dirty="0"/>
-                </a:p>
-              </p:txBody>
-            </p:sp>
-            <p:sp>
-              <p:nvSpPr>
-                <p:cNvPr id="22" name="TextBox 21">
-                  <a:extLst>
-                    <a:ext uri="{FF2B5EF4-FFF2-40B4-BE49-F238E27FC236}">
-                      <a16:creationId xmlns:a16="http://schemas.microsoft.com/office/drawing/2014/main" id="{4D85E62A-169C-457D-8B8F-D3DBBA2DE67F}"/>
-                    </a:ext>
-                  </a:extLst>
-                </p:cNvPr>
-                <p:cNvSpPr txBox="1"/>
-                <p:nvPr/>
-              </p:nvSpPr>
-              <p:spPr>
-                <a:xfrm>
-                  <a:off x="15834239" y="17118447"/>
-                  <a:ext cx="65" cy="615553"/>
-                </a:xfrm>
-                <a:prstGeom prst="rect">
-                  <a:avLst/>
-                </a:prstGeom>
-                <a:noFill/>
-              </p:spPr>
-              <p:txBody>
-                <a:bodyPr wrap="none" lIns="0" tIns="0" rIns="0" bIns="0" rtlCol="0">
-                  <a:spAutoFit/>
-                </a:bodyPr>
-                <a:lstStyle/>
-                <a:p>
-                  <a:endParaRPr lang="ko-KR" altLang="en-US" sz="4000" dirty="0"/>
-                </a:p>
-              </p:txBody>
-            </p:sp>
-            <p:sp>
-              <p:nvSpPr>
-                <p:cNvPr id="8" name="직사각형 7">
-                  <a:extLst>
-                    <a:ext uri="{FF2B5EF4-FFF2-40B4-BE49-F238E27FC236}">
-                      <a16:creationId xmlns:a16="http://schemas.microsoft.com/office/drawing/2014/main" id="{CC9451A3-090C-4737-B37F-968AD06AB0B4}"/>
-                    </a:ext>
-                  </a:extLst>
-                </p:cNvPr>
-                <p:cNvSpPr/>
-                <p:nvPr/>
-              </p:nvSpPr>
-              <p:spPr>
-                <a:xfrm>
-                  <a:off x="15681838" y="14843919"/>
-                  <a:ext cx="12736175" cy="3820026"/>
-                </a:xfrm>
-                <a:prstGeom prst="rect">
-                  <a:avLst/>
-                </a:prstGeom>
-                <a:noFill/>
-                <a:ln w="47625">
-                  <a:solidFill>
-                    <a:schemeClr val="tx1"/>
-                  </a:solidFill>
-                </a:ln>
-              </p:spPr>
-              <p:style>
-                <a:lnRef idx="2">
-                  <a:schemeClr val="accent1">
-                    <a:shade val="50000"/>
-                  </a:schemeClr>
-                </a:lnRef>
-                <a:fillRef idx="1">
-                  <a:schemeClr val="accent1"/>
-                </a:fillRef>
-                <a:effectRef idx="0">
-                  <a:schemeClr val="accent1"/>
-                </a:effectRef>
-                <a:fontRef idx="minor">
-                  <a:schemeClr val="lt1"/>
-                </a:fontRef>
-              </p:style>
-              <p:txBody>
-                <a:bodyPr rtlCol="0" anchor="ctr"/>
-                <a:lstStyle/>
-                <a:p>
-                  <a:pPr algn="ctr"/>
-                  <a:endParaRPr lang="ko-KR" altLang="en-US"/>
-                </a:p>
-              </p:txBody>
-            </p:sp>
-          </p:grpSp>
+              <a:prstGeom prst="rect">
+                <a:avLst/>
+              </a:prstGeom>
+              <a:noFill/>
+              <a:ln w="47625">
+                <a:solidFill>
+                  <a:schemeClr val="tx1"/>
+                </a:solidFill>
+              </a:ln>
+            </p:spPr>
+            <p:style>
+              <a:lnRef idx="2">
+                <a:schemeClr val="accent1">
+                  <a:shade val="50000"/>
+                </a:schemeClr>
+              </a:lnRef>
+              <a:fillRef idx="1">
+                <a:schemeClr val="accent1"/>
+              </a:fillRef>
+              <a:effectRef idx="0">
+                <a:schemeClr val="accent1"/>
+              </a:effectRef>
+              <a:fontRef idx="minor">
+                <a:schemeClr val="lt1"/>
+              </a:fontRef>
+            </p:style>
+            <p:txBody>
+              <a:bodyPr rtlCol="0" anchor="ctr"/>
+              <a:lstStyle/>
+              <a:p>
+                <a:pPr algn="ctr"/>
+                <a:endParaRPr lang="ko-KR" altLang="en-US"/>
+              </a:p>
+            </p:txBody>
+          </p:sp>
           <p:sp>
             <p:nvSpPr>
               <p:cNvPr id="29" name="Text Box 180">
                 <a:extLst>
                   <a:ext uri="{FF2B5EF4-FFF2-40B4-BE49-F238E27FC236}">
-                    <a16:creationId xmlns:a16="http://schemas.microsoft.com/office/drawing/2014/main" id="{DF23DA32-B99D-4F00-B3A0-865A6509BDAA}"/>
+                    <a16:creationId xmlns:a16="http://schemas.microsoft.com/office/drawing/2014/main" xmlns="" id="{DF23DA32-B99D-4F00-B3A0-865A6509BDAA}"/>
                   </a:ext>
                 </a:extLst>
               </p:cNvPr>
@@ -4400,8 +3545,8 @@
             </p:nvSpPr>
             <p:spPr bwMode="auto">
               <a:xfrm>
-                <a:off x="18693080" y="18983795"/>
-                <a:ext cx="1243239" cy="457151"/>
+                <a:off x="15652071" y="18992170"/>
+                <a:ext cx="2818840" cy="530324"/>
               </a:xfrm>
               <a:prstGeom prst="rect">
                 <a:avLst/>
@@ -4545,29 +3690,38 @@
               <a:p>
                 <a:pPr algn="ctr" eaLnBrk="1" hangingPunct="1"/>
                 <a:r>
-                  <a:rPr lang="ko-KR" altLang="en-US" sz="2400" b="1" dirty="0">
+                  <a:rPr lang="ko-KR" altLang="en-US" sz="2400" b="1" dirty="0" smtClean="0">
                     <a:latin typeface="Calibri" pitchFamily="34" charset="0"/>
                   </a:rPr>
                   <a:t>그림 </a:t>
                 </a:r>
                 <a:r>
-                  <a:rPr lang="en-US" altLang="ko-KR" sz="2400" b="1" dirty="0">
+                  <a:rPr lang="en-US" altLang="ko-KR" sz="2400" b="1" dirty="0" smtClean="0">
                     <a:latin typeface="Calibri" pitchFamily="34" charset="0"/>
                   </a:rPr>
                   <a:t>2</a:t>
                 </a:r>
                 <a:r>
-                  <a:rPr lang="en-US" sz="2400" b="1" dirty="0">
-                    <a:latin typeface="Calibri" pitchFamily="34" charset="0"/>
-                  </a:rPr>
-                  <a:t>. </a:t>
-                </a:r>
-                <a:r>
-                  <a:rPr lang="en-US" sz="2400" dirty="0">
+                  <a:rPr lang="en-US" sz="2400" b="1" dirty="0" smtClean="0">
                     <a:latin typeface="Calibri" pitchFamily="34" charset="0"/>
                   </a:rPr>
                   <a:t>.</a:t>
                 </a:r>
+                <a:r>
+                  <a:rPr lang="en-US" sz="2400" dirty="0" smtClean="0">
+                    <a:latin typeface="Calibri" pitchFamily="34" charset="0"/>
+                  </a:rPr>
+                  <a:t> </a:t>
+                </a:r>
+                <a:r>
+                  <a:rPr lang="ko-KR" altLang="en-US" sz="2400" dirty="0">
+                    <a:latin typeface="Calibri" pitchFamily="34" charset="0"/>
+                  </a:rPr>
+                  <a:t>거리 계산 식</a:t>
+                </a:r>
+                <a:endParaRPr lang="en-US" sz="2400" dirty="0">
+                  <a:latin typeface="Calibri" pitchFamily="34" charset="0"/>
+                </a:endParaRPr>
               </a:p>
             </p:txBody>
           </p:sp>
@@ -4577,7 +3731,7 @@
             <p:cNvPr id="16" name="TextBox 15">
               <a:extLst>
                 <a:ext uri="{FF2B5EF4-FFF2-40B4-BE49-F238E27FC236}">
-                  <a16:creationId xmlns:a16="http://schemas.microsoft.com/office/drawing/2014/main" id="{F93FE8A5-F001-4909-AF04-54FF2E60DD6F}"/>
+                  <a16:creationId xmlns:a16="http://schemas.microsoft.com/office/drawing/2014/main" xmlns="" id="{F93FE8A5-F001-4909-AF04-54FF2E60DD6F}"/>
                 </a:ext>
               </a:extLst>
             </p:cNvPr>
@@ -4586,7 +3740,7 @@
           </p:nvSpPr>
           <p:spPr>
             <a:xfrm>
-              <a:off x="25687903" y="6808598"/>
+              <a:off x="27324740" y="7128747"/>
               <a:ext cx="2543658" cy="646331"/>
             </a:xfrm>
             <a:prstGeom prst="rect">
@@ -4613,7 +3767,7 @@
             <p:cNvPr id="33" name="TextBox 32">
               <a:extLst>
                 <a:ext uri="{FF2B5EF4-FFF2-40B4-BE49-F238E27FC236}">
-                  <a16:creationId xmlns:a16="http://schemas.microsoft.com/office/drawing/2014/main" id="{80CC509E-1148-4016-8052-B3D20C918AEC}"/>
+                  <a16:creationId xmlns:a16="http://schemas.microsoft.com/office/drawing/2014/main" xmlns="" id="{80CC509E-1148-4016-8052-B3D20C918AEC}"/>
                 </a:ext>
               </a:extLst>
             </p:cNvPr>
@@ -4622,7 +3776,7 @@
           </p:nvSpPr>
           <p:spPr>
             <a:xfrm>
-              <a:off x="27123395" y="7939350"/>
+              <a:off x="27324739" y="8610348"/>
               <a:ext cx="2543658" cy="646331"/>
             </a:xfrm>
             <a:prstGeom prst="rect">
@@ -4644,49 +3798,13 @@
             </a:p>
           </p:txBody>
         </p:sp>
-        <p:sp>
-          <p:nvSpPr>
-            <p:cNvPr id="35" name="TextBox 34">
-              <a:extLst>
-                <a:ext uri="{FF2B5EF4-FFF2-40B4-BE49-F238E27FC236}">
-                  <a16:creationId xmlns:a16="http://schemas.microsoft.com/office/drawing/2014/main" id="{E55C2387-CB08-42BE-98F5-5189A98E2709}"/>
-                </a:ext>
-              </a:extLst>
-            </p:cNvPr>
-            <p:cNvSpPr txBox="1"/>
-            <p:nvPr/>
-          </p:nvSpPr>
-          <p:spPr>
-            <a:xfrm>
-              <a:off x="26210925" y="9053646"/>
-              <a:ext cx="2543658" cy="646331"/>
-            </a:xfrm>
-            <a:prstGeom prst="rect">
-              <a:avLst/>
-            </a:prstGeom>
-            <a:noFill/>
-          </p:spPr>
-          <p:txBody>
-            <a:bodyPr wrap="square" rtlCol="0">
-              <a:spAutoFit/>
-            </a:bodyPr>
-            <a:lstStyle/>
-            <a:p>
-              <a:r>
-                <a:rPr lang="en-US" altLang="ko-KR" sz="3600" dirty="0"/>
-                <a:t>- (3)</a:t>
-              </a:r>
-              <a:endParaRPr lang="ko-KR" altLang="en-US" sz="3600" dirty="0"/>
-            </a:p>
-          </p:txBody>
-        </p:sp>
       </p:grpSp>
       <p:sp>
         <p:nvSpPr>
           <p:cNvPr id="36" name="Text Box 180">
             <a:extLst>
               <a:ext uri="{FF2B5EF4-FFF2-40B4-BE49-F238E27FC236}">
-                <a16:creationId xmlns:a16="http://schemas.microsoft.com/office/drawing/2014/main" id="{853C4F85-5E06-455E-89B8-3238120CB897}"/>
+                <a16:creationId xmlns:a16="http://schemas.microsoft.com/office/drawing/2014/main" xmlns="" id="{853C4F85-5E06-455E-89B8-3238120CB897}"/>
               </a:ext>
             </a:extLst>
           </p:cNvPr>
@@ -4697,7 +3815,7 @@
         </p:nvSpPr>
         <p:spPr bwMode="auto">
           <a:xfrm>
-            <a:off x="1605187" y="26793306"/>
+            <a:off x="1764009" y="26502568"/>
             <a:ext cx="3158828" cy="457151"/>
           </a:xfrm>
           <a:prstGeom prst="rect">
@@ -4885,7 +4003,7 @@
           <p:cNvPr id="37" name="Text Box 123">
             <a:extLst>
               <a:ext uri="{FF2B5EF4-FFF2-40B4-BE49-F238E27FC236}">
-                <a16:creationId xmlns:a16="http://schemas.microsoft.com/office/drawing/2014/main" id="{3B44C8CF-A9EB-4798-A66F-43FDFAAFEAFA}"/>
+                <a16:creationId xmlns:a16="http://schemas.microsoft.com/office/drawing/2014/main" xmlns="" id="{3B44C8CF-A9EB-4798-A66F-43FDFAAFEAFA}"/>
               </a:ext>
             </a:extLst>
           </p:cNvPr>
@@ -5330,7 +4448,7 @@
           <p:cNvPr id="38" name="Rectangle 32">
             <a:extLst>
               <a:ext uri="{FF2B5EF4-FFF2-40B4-BE49-F238E27FC236}">
-                <a16:creationId xmlns:a16="http://schemas.microsoft.com/office/drawing/2014/main" id="{CBAC2898-B387-45F3-8E05-1CC7BCBA9E32}"/>
+                <a16:creationId xmlns:a16="http://schemas.microsoft.com/office/drawing/2014/main" xmlns="" id="{CBAC2898-B387-45F3-8E05-1CC7BCBA9E32}"/>
               </a:ext>
             </a:extLst>
           </p:cNvPr>
@@ -5399,7 +4517,7 @@
           <p:cNvPr id="39" name="Text Box 190">
             <a:extLst>
               <a:ext uri="{FF2B5EF4-FFF2-40B4-BE49-F238E27FC236}">
-                <a16:creationId xmlns:a16="http://schemas.microsoft.com/office/drawing/2014/main" id="{05F39E30-417F-4D82-AAE4-309BFAA365C6}"/>
+                <a16:creationId xmlns:a16="http://schemas.microsoft.com/office/drawing/2014/main" xmlns="" id="{05F39E30-417F-4D82-AAE4-309BFAA365C6}"/>
               </a:ext>
             </a:extLst>
           </p:cNvPr>
@@ -5411,7 +4529,7 @@
         <p:spPr bwMode="auto">
           <a:xfrm>
             <a:off x="1721860" y="13636344"/>
-            <a:ext cx="12874324" cy="3798375"/>
+            <a:ext cx="12874324" cy="3367488"/>
           </a:xfrm>
           <a:prstGeom prst="rect">
             <a:avLst/>
@@ -5539,43 +4657,36 @@
               <a:rPr lang="ko-KR" altLang="en-US" sz="2800" dirty="0">
                 <a:latin typeface="+mn-lt"/>
               </a:rPr>
-              <a:t>기존 </a:t>
+              <a:t>교차로에서의 사고 방지를 위한 알람 시스템을 제안한다</a:t>
             </a:r>
             <a:r>
               <a:rPr lang="en-US" altLang="ko-KR" sz="2800" dirty="0">
                 <a:latin typeface="+mn-lt"/>
               </a:rPr>
-              <a:t>AP</a:t>
-            </a:r>
-            <a:r>
-              <a:rPr lang="ko-KR" altLang="en-US" sz="2800" dirty="0">
-                <a:latin typeface="+mn-lt"/>
-              </a:rPr>
-              <a:t>기기와 스마트폰 어플리케이션을 활용하여 담당자의 재부재를 확인하고</a:t>
-            </a:r>
-            <a:r>
-              <a:rPr lang="en-US" altLang="ko-KR" sz="2800" dirty="0">
-                <a:latin typeface="+mn-lt"/>
-              </a:rPr>
-              <a:t>, </a:t>
-            </a:r>
-            <a:r>
-              <a:rPr lang="ko-KR" altLang="en-US" sz="2800" dirty="0">
-                <a:latin typeface="+mn-lt"/>
-              </a:rPr>
-              <a:t>이를 통해 방문자에게 편리함을 제공함을 목적으로 함</a:t>
-            </a:r>
-            <a:r>
-              <a:rPr lang="en-US" altLang="ko-KR" sz="2800" dirty="0">
-                <a:latin typeface="+mn-lt"/>
-              </a:rPr>
-              <a:t> </a:t>
-            </a:r>
-            <a:r>
-              <a:rPr lang="ko-KR" altLang="en-US" sz="2800" dirty="0">
-                <a:latin typeface="+mn-lt"/>
-              </a:rPr>
-              <a:t> </a:t>
+              <a:t>.</a:t>
+            </a:r>
+          </a:p>
+          <a:p>
+            <a:pPr marL="457200" indent="-457200" eaLnBrk="1" hangingPunct="1">
+              <a:buFont typeface="Wingdings" panose="05000000000000000000" pitchFamily="2" charset="2"/>
+              <a:buChar char="§"/>
+            </a:pPr>
+            <a:endParaRPr lang="en-US" altLang="ko-KR" sz="2800" dirty="0">
+              <a:latin typeface="+mn-lt"/>
+            </a:endParaRPr>
+          </a:p>
+          <a:p>
+            <a:pPr marL="457200" indent="-457200" eaLnBrk="1" hangingPunct="1">
+              <a:buFont typeface="Wingdings" panose="05000000000000000000" pitchFamily="2" charset="2"/>
+              <a:buChar char="§"/>
+            </a:pPr>
+            <a:r>
+              <a:rPr lang="ko-KR" altLang="en-US" sz="2800" dirty="0"/>
+              <a:t>교차로 모퉁이에서 각각 사람과 차량 혹은 차량과 차량이 동시에 접근 시 이를 탐지하여 위험 알람을 표시하도록 한다</a:t>
+            </a:r>
+            <a:r>
+              <a:rPr lang="en-US" altLang="ko-KR" sz="2800" dirty="0"/>
+              <a:t>.</a:t>
             </a:r>
             <a:endParaRPr lang="en-US" altLang="ko-KR" sz="2800" dirty="0">
               <a:latin typeface="+mn-lt"/>
@@ -5599,629 +4710,35 @@
               <a:rPr lang="ko-KR" altLang="en-US" sz="2800" dirty="0">
                 <a:latin typeface="+mn-lt"/>
               </a:rPr>
-              <a:t>위치 </a:t>
-            </a:r>
-            <a:r>
-              <a:rPr lang="ko-KR" altLang="en-US" sz="2800" dirty="0" err="1">
+              <a:t>실제 현재의 교통 </a:t>
+            </a:r>
+            <a:r>
+              <a:rPr lang="en-US" altLang="ko-KR" sz="2800" dirty="0">
                 <a:latin typeface="+mn-lt"/>
               </a:rPr>
-              <a:t>측위의</a:t>
+              <a:t>CCTV</a:t>
             </a:r>
             <a:r>
               <a:rPr lang="ko-KR" altLang="en-US" sz="2800" dirty="0">
                 <a:latin typeface="+mn-lt"/>
               </a:rPr>
-              <a:t> 정확도와 더불어 기존에 존재하는 시설을 활용하여 효율적으로 </a:t>
-            </a:r>
-            <a:r>
-              <a:rPr lang="ko-KR" altLang="en-US" sz="2800" dirty="0" err="1">
-                <a:latin typeface="+mn-lt"/>
-              </a:rPr>
-              <a:t>측위를</a:t>
-            </a:r>
-            <a:r>
-              <a:rPr lang="ko-KR" altLang="en-US" sz="2800" dirty="0">
-                <a:latin typeface="+mn-lt"/>
-              </a:rPr>
-              <a:t> 하는 것이 중요</a:t>
+              <a:t> 시스템에도 확장할 수 있도록 유연한 시스템 개발을 중점으로 둔다</a:t>
             </a:r>
             <a:r>
               <a:rPr lang="en-US" altLang="ko-KR" sz="2800" dirty="0">
                 <a:latin typeface="+mn-lt"/>
               </a:rPr>
-              <a:t>. </a:t>
-            </a:r>
-          </a:p>
-          <a:p>
-            <a:pPr marL="457200" indent="-457200" eaLnBrk="1" hangingPunct="1">
-              <a:buFont typeface="Wingdings" panose="05000000000000000000" pitchFamily="2" charset="2"/>
-              <a:buChar char="§"/>
-            </a:pPr>
-            <a:endParaRPr lang="en-US" altLang="ko-KR" sz="2800" dirty="0">
-              <a:latin typeface="+mn-lt"/>
-            </a:endParaRPr>
-          </a:p>
-          <a:p>
-            <a:pPr marL="457200" indent="-457200" eaLnBrk="1" hangingPunct="1">
-              <a:buFont typeface="Wingdings" panose="05000000000000000000" pitchFamily="2" charset="2"/>
-              <a:buChar char="§"/>
-            </a:pPr>
-            <a:r>
-              <a:rPr lang="ko-KR" altLang="en-US" sz="2800" dirty="0">
-                <a:latin typeface="+mn-lt"/>
-              </a:rPr>
-              <a:t>배터리 소모량을 고려한 어플리케이션의 개발을 통해 실사용이 가능하도록 한다</a:t>
-            </a:r>
-            <a:r>
-              <a:rPr lang="en-US" altLang="ko-KR" sz="2800" dirty="0">
-                <a:latin typeface="+mn-lt"/>
-              </a:rPr>
-              <a:t>. </a:t>
+              <a:t>.</a:t>
             </a:r>
           </a:p>
         </p:txBody>
       </p:sp>
       <p:sp>
         <p:nvSpPr>
-          <p:cNvPr id="40" name="Text Box 189">
+          <p:cNvPr id="47" name="Rectangle 32">
             <a:extLst>
               <a:ext uri="{FF2B5EF4-FFF2-40B4-BE49-F238E27FC236}">
-                <a16:creationId xmlns:a16="http://schemas.microsoft.com/office/drawing/2014/main" id="{1D744B54-3D61-4A2E-AB76-17DA651BED75}"/>
-              </a:ext>
-            </a:extLst>
-          </p:cNvPr>
-          <p:cNvSpPr txBox="1">
-            <a:spLocks noChangeArrowheads="1"/>
-          </p:cNvSpPr>
-          <p:nvPr/>
-        </p:nvSpPr>
-        <p:spPr bwMode="auto">
-          <a:xfrm>
-            <a:off x="15651676" y="29121314"/>
-            <a:ext cx="12801600" cy="6871041"/>
-          </a:xfrm>
-          <a:prstGeom prst="rect">
-            <a:avLst/>
-          </a:prstGeom>
-          <a:solidFill>
-            <a:schemeClr val="bg1"/>
-          </a:solidFill>
-          <a:ln w="12700">
-            <a:solidFill>
-              <a:schemeClr val="accent1">
-                <a:lumMod val="75000"/>
-              </a:schemeClr>
-            </a:solidFill>
-          </a:ln>
-          <a:effectLst/>
-        </p:spPr>
-        <p:txBody>
-          <a:bodyPr wrap="square" lIns="173940" tIns="173940" rIns="173940" bIns="173940">
-            <a:noAutofit/>
-          </a:bodyPr>
-          <a:lstStyle>
-            <a:lvl1pPr eaLnBrk="0" hangingPunct="0">
-              <a:defRPr sz="2200">
-                <a:solidFill>
-                  <a:schemeClr val="tx1"/>
-                </a:solidFill>
-                <a:latin typeface="Arial" charset="0"/>
-              </a:defRPr>
-            </a:lvl1pPr>
-            <a:lvl2pPr marL="742950" indent="-285750" eaLnBrk="0" hangingPunct="0">
-              <a:defRPr sz="2200">
-                <a:solidFill>
-                  <a:schemeClr val="tx1"/>
-                </a:solidFill>
-                <a:latin typeface="Arial" charset="0"/>
-              </a:defRPr>
-            </a:lvl2pPr>
-            <a:lvl3pPr marL="1143000" indent="-228600" eaLnBrk="0" hangingPunct="0">
-              <a:defRPr sz="2200">
-                <a:solidFill>
-                  <a:schemeClr val="tx1"/>
-                </a:solidFill>
-                <a:latin typeface="Arial" charset="0"/>
-              </a:defRPr>
-            </a:lvl3pPr>
-            <a:lvl4pPr marL="1600200" indent="-228600" eaLnBrk="0" hangingPunct="0">
-              <a:defRPr sz="2200">
-                <a:solidFill>
-                  <a:schemeClr val="tx1"/>
-                </a:solidFill>
-                <a:latin typeface="Arial" charset="0"/>
-              </a:defRPr>
-            </a:lvl4pPr>
-            <a:lvl5pPr marL="2057400" indent="-228600" eaLnBrk="0" hangingPunct="0">
-              <a:defRPr sz="2200">
-                <a:solidFill>
-                  <a:schemeClr val="tx1"/>
-                </a:solidFill>
-                <a:latin typeface="Arial" charset="0"/>
-              </a:defRPr>
-            </a:lvl5pPr>
-            <a:lvl6pPr marL="2514600" indent="-228600" eaLnBrk="0" fontAlgn="base" hangingPunct="0">
-              <a:spcBef>
-                <a:spcPct val="0"/>
-              </a:spcBef>
-              <a:spcAft>
-                <a:spcPct val="0"/>
-              </a:spcAft>
-              <a:defRPr sz="2200">
-                <a:solidFill>
-                  <a:schemeClr val="tx1"/>
-                </a:solidFill>
-                <a:latin typeface="Arial" charset="0"/>
-              </a:defRPr>
-            </a:lvl6pPr>
-            <a:lvl7pPr marL="2971800" indent="-228600" eaLnBrk="0" fontAlgn="base" hangingPunct="0">
-              <a:spcBef>
-                <a:spcPct val="0"/>
-              </a:spcBef>
-              <a:spcAft>
-                <a:spcPct val="0"/>
-              </a:spcAft>
-              <a:defRPr sz="2200">
-                <a:solidFill>
-                  <a:schemeClr val="tx1"/>
-                </a:solidFill>
-                <a:latin typeface="Arial" charset="0"/>
-              </a:defRPr>
-            </a:lvl7pPr>
-            <a:lvl8pPr marL="3429000" indent="-228600" eaLnBrk="0" fontAlgn="base" hangingPunct="0">
-              <a:spcBef>
-                <a:spcPct val="0"/>
-              </a:spcBef>
-              <a:spcAft>
-                <a:spcPct val="0"/>
-              </a:spcAft>
-              <a:defRPr sz="2200">
-                <a:solidFill>
-                  <a:schemeClr val="tx1"/>
-                </a:solidFill>
-                <a:latin typeface="Arial" charset="0"/>
-              </a:defRPr>
-            </a:lvl8pPr>
-            <a:lvl9pPr marL="3886200" indent="-228600" eaLnBrk="0" fontAlgn="base" hangingPunct="0">
-              <a:spcBef>
-                <a:spcPct val="0"/>
-              </a:spcBef>
-              <a:spcAft>
-                <a:spcPct val="0"/>
-              </a:spcAft>
-              <a:defRPr sz="2200">
-                <a:solidFill>
-                  <a:schemeClr val="tx1"/>
-                </a:solidFill>
-                <a:latin typeface="Arial" charset="0"/>
-              </a:defRPr>
-            </a:lvl9pPr>
-          </a:lstStyle>
-          <a:p>
-            <a:pPr marL="457200" indent="-457200" eaLnBrk="1" hangingPunct="1">
-              <a:buFont typeface="Wingdings" panose="05000000000000000000" pitchFamily="2" charset="2"/>
-              <a:buChar char="§"/>
-            </a:pPr>
-            <a:r>
-              <a:rPr lang="ko-KR" altLang="en-US" sz="2800" dirty="0">
-                <a:latin typeface="Calibri" pitchFamily="34" charset="0"/>
-              </a:rPr>
-              <a:t>서버는 </a:t>
-            </a:r>
-            <a:r>
-              <a:rPr lang="en-US" altLang="ko-KR" sz="2800" dirty="0">
-                <a:latin typeface="Calibri" pitchFamily="34" charset="0"/>
-              </a:rPr>
-              <a:t>&lt;</a:t>
-            </a:r>
-            <a:r>
-              <a:rPr lang="ko-KR" altLang="en-US" sz="2800" dirty="0">
-                <a:latin typeface="Calibri" pitchFamily="34" charset="0"/>
-              </a:rPr>
-              <a:t>표 </a:t>
-            </a:r>
-            <a:r>
-              <a:rPr lang="en-US" altLang="ko-KR" sz="2800" dirty="0">
-                <a:latin typeface="Calibri" pitchFamily="34" charset="0"/>
-              </a:rPr>
-              <a:t>1&gt;</a:t>
-            </a:r>
-            <a:r>
-              <a:rPr lang="ko-KR" altLang="en-US" sz="2800" dirty="0">
-                <a:latin typeface="Calibri" pitchFamily="34" charset="0"/>
-              </a:rPr>
-              <a:t>의 정보를 카메라 고유 </a:t>
-            </a:r>
-            <a:r>
-              <a:rPr lang="en-US" altLang="ko-KR" sz="2800" dirty="0">
-                <a:latin typeface="Calibri" pitchFamily="34" charset="0"/>
-              </a:rPr>
-              <a:t>ID</a:t>
-            </a:r>
-            <a:r>
-              <a:rPr lang="ko-KR" altLang="en-US" sz="2800" dirty="0">
-                <a:latin typeface="Calibri" pitchFamily="34" charset="0"/>
-              </a:rPr>
-              <a:t>와 함께 전달받으며 검출 데이터가 발생했을 시 이를 데이터베이스에서 대조하여 같은 구역인지 판단한다</a:t>
-            </a:r>
-            <a:r>
-              <a:rPr lang="en-US" altLang="ko-KR" sz="2800" dirty="0">
-                <a:latin typeface="Calibri" pitchFamily="34" charset="0"/>
-              </a:rPr>
-              <a:t>. </a:t>
-            </a:r>
-            <a:r>
-              <a:rPr lang="ko-KR" altLang="en-US" sz="2800" dirty="0">
-                <a:latin typeface="Calibri" pitchFamily="34" charset="0"/>
-              </a:rPr>
-              <a:t>같은 구역에서의 데이터를 </a:t>
-            </a:r>
-            <a:r>
-              <a:rPr lang="en-US" altLang="ko-KR" sz="2800" dirty="0">
-                <a:latin typeface="Calibri" pitchFamily="34" charset="0"/>
-              </a:rPr>
-              <a:t>2</a:t>
-            </a:r>
-            <a:r>
-              <a:rPr lang="ko-KR" altLang="en-US" sz="2800" dirty="0">
-                <a:latin typeface="Calibri" pitchFamily="34" charset="0"/>
-              </a:rPr>
-              <a:t>개 이상 수신하고 검출 데이터의 합이 </a:t>
-            </a:r>
-            <a:r>
-              <a:rPr lang="en-US" altLang="ko-KR" sz="2800" dirty="0">
-                <a:latin typeface="Calibri" pitchFamily="34" charset="0"/>
-              </a:rPr>
-              <a:t>1</a:t>
-            </a:r>
-            <a:r>
-              <a:rPr lang="ko-KR" altLang="en-US" sz="2800" dirty="0">
-                <a:latin typeface="Calibri" pitchFamily="34" charset="0"/>
-              </a:rPr>
-              <a:t>을 넘기게 되면 </a:t>
-            </a:r>
-            <a:r>
-              <a:rPr lang="en-US" altLang="ko-KR" sz="2800" dirty="0">
-                <a:latin typeface="Calibri" pitchFamily="34" charset="0"/>
-              </a:rPr>
-              <a:t>&lt;</a:t>
-            </a:r>
-            <a:r>
-              <a:rPr lang="ko-KR" altLang="en-US" sz="2800" dirty="0">
-                <a:latin typeface="Calibri" pitchFamily="34" charset="0"/>
-              </a:rPr>
-              <a:t>표 </a:t>
-            </a:r>
-            <a:r>
-              <a:rPr lang="en-US" altLang="ko-KR" sz="2800" dirty="0">
-                <a:latin typeface="Calibri" pitchFamily="34" charset="0"/>
-              </a:rPr>
-              <a:t>2&gt; </a:t>
-            </a:r>
-            <a:r>
-              <a:rPr lang="ko-KR" altLang="en-US" sz="2800" dirty="0">
-                <a:latin typeface="Calibri" pitchFamily="34" charset="0"/>
-              </a:rPr>
-              <a:t>와 같이 위험 상황으로 판단</a:t>
-            </a:r>
-            <a:r>
-              <a:rPr lang="en-US" altLang="ko-KR" sz="2800" dirty="0">
-                <a:latin typeface="Calibri" pitchFamily="34" charset="0"/>
-              </a:rPr>
-              <a:t>, </a:t>
-            </a:r>
-            <a:r>
-              <a:rPr lang="ko-KR" altLang="en-US" sz="2800" dirty="0">
-                <a:latin typeface="Calibri" pitchFamily="34" charset="0"/>
-              </a:rPr>
-              <a:t>해당 구역 알람에 신호를 전송한다</a:t>
-            </a:r>
-            <a:endParaRPr lang="en-US" altLang="ko-KR" sz="2800" dirty="0">
-              <a:latin typeface="Calibri" pitchFamily="34" charset="0"/>
-            </a:endParaRPr>
-          </a:p>
-          <a:p>
-            <a:pPr marL="457200" indent="-457200" eaLnBrk="1" hangingPunct="1">
-              <a:buFont typeface="Wingdings" panose="05000000000000000000" pitchFamily="2" charset="2"/>
-              <a:buChar char="§"/>
-            </a:pPr>
-            <a:endParaRPr lang="en-US" altLang="ko-KR" sz="2800" dirty="0">
-              <a:latin typeface="Calibri" pitchFamily="34" charset="0"/>
-            </a:endParaRPr>
-          </a:p>
-          <a:p>
-            <a:pPr marL="457200" indent="-457200" eaLnBrk="1" hangingPunct="1">
-              <a:buFont typeface="Wingdings" panose="05000000000000000000" pitchFamily="2" charset="2"/>
-              <a:buChar char="§"/>
-            </a:pPr>
-            <a:r>
-              <a:rPr lang="ko-KR" altLang="en-US" sz="2800" dirty="0">
-                <a:latin typeface="Calibri" pitchFamily="34" charset="0"/>
-              </a:rPr>
-              <a:t>서버와 연동된 데이터베이스는 각 카메라별 고유 </a:t>
-            </a:r>
-            <a:r>
-              <a:rPr lang="en-US" altLang="ko-KR" sz="2800" dirty="0">
-                <a:latin typeface="Calibri" pitchFamily="34" charset="0"/>
-              </a:rPr>
-              <a:t>ID </a:t>
-            </a:r>
-            <a:r>
-              <a:rPr lang="ko-KR" altLang="en-US" sz="2800" dirty="0">
-                <a:latin typeface="Calibri" pitchFamily="34" charset="0"/>
-              </a:rPr>
-              <a:t>와 구역별 </a:t>
-            </a:r>
-            <a:r>
-              <a:rPr lang="en-US" altLang="ko-KR" sz="2800" dirty="0">
-                <a:latin typeface="Calibri" pitchFamily="34" charset="0"/>
-              </a:rPr>
-              <a:t>ID, </a:t>
-            </a:r>
-            <a:r>
-              <a:rPr lang="ko-KR" altLang="en-US" sz="2800" dirty="0">
-                <a:latin typeface="Calibri" pitchFamily="34" charset="0"/>
-              </a:rPr>
-              <a:t>알람 </a:t>
-            </a:r>
-            <a:r>
-              <a:rPr lang="en-US" altLang="ko-KR" sz="2800" dirty="0">
-                <a:latin typeface="Calibri" pitchFamily="34" charset="0"/>
-              </a:rPr>
-              <a:t>LED ID </a:t>
-            </a:r>
-            <a:r>
-              <a:rPr lang="ko-KR" altLang="en-US" sz="2800" dirty="0">
-                <a:latin typeface="Calibri" pitchFamily="34" charset="0"/>
-              </a:rPr>
-              <a:t>를 관리한다</a:t>
-            </a:r>
-            <a:r>
-              <a:rPr lang="en-US" altLang="ko-KR" sz="2800" dirty="0">
-                <a:latin typeface="Calibri" pitchFamily="34" charset="0"/>
-              </a:rPr>
-              <a:t>. </a:t>
-            </a:r>
-            <a:r>
-              <a:rPr lang="ko-KR" altLang="en-US" sz="2800" dirty="0">
-                <a:latin typeface="Calibri" pitchFamily="34" charset="0"/>
-              </a:rPr>
-              <a:t>해당 데이터베이스는 </a:t>
-            </a:r>
-            <a:r>
-              <a:rPr lang="en-US" altLang="ko-KR" sz="2800" dirty="0">
-                <a:latin typeface="Calibri" pitchFamily="34" charset="0"/>
-              </a:rPr>
-              <a:t>Camera </a:t>
-            </a:r>
-            <a:r>
-              <a:rPr lang="ko-KR" altLang="en-US" sz="2800" dirty="0">
-                <a:latin typeface="Calibri" pitchFamily="34" charset="0"/>
-              </a:rPr>
-              <a:t>테이블과 </a:t>
-            </a:r>
-            <a:r>
-              <a:rPr lang="en-US" altLang="ko-KR" sz="2800" dirty="0">
-                <a:latin typeface="Calibri" pitchFamily="34" charset="0"/>
-              </a:rPr>
-              <a:t>Alarm </a:t>
-            </a:r>
-            <a:r>
-              <a:rPr lang="ko-KR" altLang="en-US" sz="2800" dirty="0">
-                <a:latin typeface="Calibri" pitchFamily="34" charset="0"/>
-              </a:rPr>
-              <a:t>테이블로 구성된다</a:t>
-            </a:r>
-            <a:r>
-              <a:rPr lang="en-US" altLang="ko-KR" sz="2800" dirty="0">
-                <a:latin typeface="Calibri" pitchFamily="34" charset="0"/>
-              </a:rPr>
-              <a:t>.</a:t>
-            </a:r>
-          </a:p>
-          <a:p>
-            <a:pPr marL="457200" indent="-457200" eaLnBrk="1" hangingPunct="1">
-              <a:buFont typeface="Wingdings" panose="05000000000000000000" pitchFamily="2" charset="2"/>
-              <a:buChar char="§"/>
-            </a:pPr>
-            <a:endParaRPr lang="en-US" altLang="ko-KR" sz="2800" dirty="0">
-              <a:latin typeface="Calibri" pitchFamily="34" charset="0"/>
-            </a:endParaRPr>
-          </a:p>
-          <a:p>
-            <a:pPr marL="457200" indent="-457200" eaLnBrk="1" hangingPunct="1">
-              <a:buFont typeface="Wingdings" panose="05000000000000000000" pitchFamily="2" charset="2"/>
-              <a:buChar char="§"/>
-            </a:pPr>
-            <a:r>
-              <a:rPr lang="en-US" altLang="ko-KR" sz="2800" dirty="0">
-                <a:latin typeface="Calibri" pitchFamily="34" charset="0"/>
-              </a:rPr>
-              <a:t>Camera </a:t>
-            </a:r>
-            <a:r>
-              <a:rPr lang="ko-KR" altLang="en-US" sz="2800" dirty="0">
-                <a:latin typeface="Calibri" pitchFamily="34" charset="0"/>
-              </a:rPr>
-              <a:t>테이블은 각 카메라 </a:t>
-            </a:r>
-            <a:r>
-              <a:rPr lang="en-US" altLang="ko-KR" sz="2800" dirty="0">
-                <a:latin typeface="Calibri" pitchFamily="34" charset="0"/>
-              </a:rPr>
-              <a:t>ID</a:t>
-            </a:r>
-            <a:r>
-              <a:rPr lang="ko-KR" altLang="en-US" sz="2800" dirty="0">
-                <a:latin typeface="Calibri" pitchFamily="34" charset="0"/>
-              </a:rPr>
-              <a:t>와 구역 </a:t>
-            </a:r>
-            <a:r>
-              <a:rPr lang="en-US" altLang="ko-KR" sz="2800" dirty="0">
-                <a:latin typeface="Calibri" pitchFamily="34" charset="0"/>
-              </a:rPr>
-              <a:t>ID</a:t>
-            </a:r>
-            <a:r>
-              <a:rPr lang="ko-KR" altLang="en-US" sz="2800" dirty="0">
-                <a:latin typeface="Calibri" pitchFamily="34" charset="0"/>
-              </a:rPr>
-              <a:t> 에 관련된 정보를 포함하고 있다</a:t>
-            </a:r>
-            <a:r>
-              <a:rPr lang="en-US" altLang="ko-KR" sz="2800" dirty="0">
-                <a:latin typeface="Calibri" pitchFamily="34" charset="0"/>
-              </a:rPr>
-              <a:t>. </a:t>
-            </a:r>
-          </a:p>
-          <a:p>
-            <a:pPr marL="457200" indent="-457200" eaLnBrk="1" hangingPunct="1">
-              <a:buFont typeface="Wingdings" panose="05000000000000000000" pitchFamily="2" charset="2"/>
-              <a:buChar char="§"/>
-            </a:pPr>
-            <a:endParaRPr lang="en-US" altLang="ko-KR" sz="2800" dirty="0">
-              <a:latin typeface="Calibri" pitchFamily="34" charset="0"/>
-            </a:endParaRPr>
-          </a:p>
-          <a:p>
-            <a:pPr marL="457200" indent="-457200" eaLnBrk="1" hangingPunct="1">
-              <a:buFont typeface="Wingdings" panose="05000000000000000000" pitchFamily="2" charset="2"/>
-              <a:buChar char="§"/>
-            </a:pPr>
-            <a:r>
-              <a:rPr lang="en-US" altLang="ko-KR" sz="2800" dirty="0">
-                <a:latin typeface="Calibri" pitchFamily="34" charset="0"/>
-              </a:rPr>
-              <a:t>Alarm </a:t>
-            </a:r>
-            <a:r>
-              <a:rPr lang="ko-KR" altLang="en-US" sz="2800" dirty="0">
-                <a:latin typeface="Calibri" pitchFamily="34" charset="0"/>
-              </a:rPr>
-              <a:t>테이블은 구역 </a:t>
-            </a:r>
-            <a:r>
-              <a:rPr lang="en-US" altLang="ko-KR" sz="2800" dirty="0">
-                <a:latin typeface="Calibri" pitchFamily="34" charset="0"/>
-              </a:rPr>
-              <a:t>ID</a:t>
-            </a:r>
-            <a:r>
-              <a:rPr lang="ko-KR" altLang="en-US" sz="2800" dirty="0">
-                <a:latin typeface="Calibri" pitchFamily="34" charset="0"/>
-              </a:rPr>
-              <a:t>와 알람 </a:t>
-            </a:r>
-            <a:r>
-              <a:rPr lang="en-US" altLang="ko-KR" sz="2800" dirty="0">
-                <a:latin typeface="Calibri" pitchFamily="34" charset="0"/>
-              </a:rPr>
-              <a:t>LED ID </a:t>
-            </a:r>
-            <a:r>
-              <a:rPr lang="ko-KR" altLang="en-US" sz="2800" dirty="0">
-                <a:latin typeface="Calibri" pitchFamily="34" charset="0"/>
-              </a:rPr>
-              <a:t>에 관련된</a:t>
-            </a:r>
-            <a:r>
-              <a:rPr lang="en-US" altLang="ko-KR" sz="2800" dirty="0">
-                <a:latin typeface="Calibri" pitchFamily="34" charset="0"/>
-              </a:rPr>
-              <a:t> </a:t>
-            </a:r>
-            <a:r>
-              <a:rPr lang="ko-KR" altLang="en-US" sz="2800" dirty="0">
-                <a:latin typeface="Calibri" pitchFamily="34" charset="0"/>
-              </a:rPr>
-              <a:t>정보를 포함하고 있다</a:t>
-            </a:r>
-            <a:r>
-              <a:rPr lang="en-US" altLang="ko-KR" sz="2800" dirty="0">
-                <a:latin typeface="Calibri" pitchFamily="34" charset="0"/>
-              </a:rPr>
-              <a:t>.</a:t>
-            </a:r>
-          </a:p>
-          <a:p>
-            <a:pPr marL="457200" indent="-457200" eaLnBrk="1" hangingPunct="1">
-              <a:buFont typeface="Wingdings" panose="05000000000000000000" pitchFamily="2" charset="2"/>
-              <a:buChar char="§"/>
-            </a:pPr>
-            <a:endParaRPr lang="en-US" altLang="ko-KR" sz="2800" dirty="0">
-              <a:latin typeface="Calibri" pitchFamily="34" charset="0"/>
-            </a:endParaRPr>
-          </a:p>
-          <a:p>
-            <a:pPr marL="457200" indent="-457200" eaLnBrk="1" hangingPunct="1">
-              <a:buFont typeface="Wingdings" panose="05000000000000000000" pitchFamily="2" charset="2"/>
-              <a:buChar char="§"/>
-            </a:pPr>
-            <a:r>
-              <a:rPr lang="ko-KR" altLang="en-US" sz="2800" dirty="0">
-                <a:latin typeface="Calibri" pitchFamily="34" charset="0"/>
-              </a:rPr>
-              <a:t>서버는 데이터베이스 내의 </a:t>
-            </a:r>
-            <a:r>
-              <a:rPr lang="en-US" altLang="ko-KR" sz="2800" dirty="0">
-                <a:latin typeface="Calibri" pitchFamily="34" charset="0"/>
-              </a:rPr>
-              <a:t>Camera </a:t>
-            </a:r>
-            <a:r>
-              <a:rPr lang="ko-KR" altLang="en-US" sz="2800" dirty="0">
-                <a:latin typeface="Calibri" pitchFamily="34" charset="0"/>
-              </a:rPr>
-              <a:t>테이블로부터 정보를 받아와서  카메라의 구역을 판단하고</a:t>
-            </a:r>
-            <a:r>
-              <a:rPr lang="en-US" altLang="ko-KR" sz="2800" dirty="0">
-                <a:latin typeface="Calibri" pitchFamily="34" charset="0"/>
-              </a:rPr>
-              <a:t>, Alarm </a:t>
-            </a:r>
-            <a:r>
-              <a:rPr lang="ko-KR" altLang="en-US" sz="2800" dirty="0">
-                <a:latin typeface="Calibri" pitchFamily="34" charset="0"/>
-              </a:rPr>
-              <a:t>테이블로부터 정보를 받아 해당 구역의 위험 알림을 전달한다</a:t>
-            </a:r>
-            <a:r>
-              <a:rPr lang="en-US" altLang="ko-KR" sz="2800" dirty="0">
-                <a:latin typeface="Calibri" pitchFamily="34" charset="0"/>
-              </a:rPr>
-              <a:t>.</a:t>
-            </a:r>
-          </a:p>
-          <a:p>
-            <a:pPr marL="457200" indent="-457200" eaLnBrk="1" hangingPunct="1">
-              <a:buFont typeface="Wingdings" panose="05000000000000000000" pitchFamily="2" charset="2"/>
-              <a:buChar char="§"/>
-            </a:pPr>
-            <a:endParaRPr lang="en-US" altLang="ko-KR" sz="2800" dirty="0">
-              <a:latin typeface="Calibri" pitchFamily="34" charset="0"/>
-            </a:endParaRPr>
-          </a:p>
-          <a:p>
-            <a:pPr marL="457200" indent="-457200" eaLnBrk="1" hangingPunct="1">
-              <a:buFont typeface="Wingdings" panose="05000000000000000000" pitchFamily="2" charset="2"/>
-              <a:buChar char="§"/>
-            </a:pPr>
-            <a:endParaRPr lang="en-US" altLang="ko-KR" sz="2800" dirty="0">
-              <a:latin typeface="Calibri" pitchFamily="34" charset="0"/>
-            </a:endParaRPr>
-          </a:p>
-        </p:txBody>
-      </p:sp>
-      <p:sp>
-        <p:nvSpPr>
-          <p:cNvPr id="42" name="Rectangle 31">
-            <a:extLst>
-              <a:ext uri="{FF2B5EF4-FFF2-40B4-BE49-F238E27FC236}">
-                <a16:creationId xmlns:a16="http://schemas.microsoft.com/office/drawing/2014/main" id="{9C7BBADA-A133-4B98-8A58-230B2552C2E9}"/>
+                <a16:creationId xmlns:a16="http://schemas.microsoft.com/office/drawing/2014/main" xmlns="" id="{D8487CFE-AB8B-49E2-8DB5-31771C59C4A9}"/>
               </a:ext>
             </a:extLst>
           </p:cNvPr>
@@ -6230,8 +4747,8 @@
         </p:nvSpPr>
         <p:spPr>
           <a:xfrm>
-            <a:off x="15688038" y="24597519"/>
-            <a:ext cx="12801600" cy="810000"/>
+            <a:off x="15659614" y="36459052"/>
+            <a:ext cx="12793661" cy="918500"/>
           </a:xfrm>
           <a:prstGeom prst="rect">
             <a:avLst/>
@@ -6272,114 +4789,6 @@
                   </a:schemeClr>
                 </a:solidFill>
               </a:rPr>
-              <a:t>Server Process</a:t>
-            </a:r>
-          </a:p>
-        </p:txBody>
-      </p:sp>
-      <p:pic>
-        <p:nvPicPr>
-          <p:cNvPr id="44" name="_x229746984" descr="DRW00000c706368">
-            <a:extLst>
-              <a:ext uri="{FF2B5EF4-FFF2-40B4-BE49-F238E27FC236}">
-                <a16:creationId xmlns:a16="http://schemas.microsoft.com/office/drawing/2014/main" id="{939A67DD-BC42-4398-857E-069DFD794AFA}"/>
-              </a:ext>
-            </a:extLst>
-          </p:cNvPr>
-          <p:cNvPicPr>
-            <a:picLocks noChangeAspect="1" noChangeArrowheads="1"/>
-          </p:cNvPicPr>
-          <p:nvPr/>
-        </p:nvPicPr>
-        <p:blipFill>
-          <a:blip r:embed="rId2">
-            <a:extLst>
-              <a:ext uri="{28A0092B-C50C-407E-A947-70E740481C1C}">
-                <a14:useLocalDpi xmlns:a14="http://schemas.microsoft.com/office/drawing/2010/main" val="0"/>
-              </a:ext>
-            </a:extLst>
-          </a:blip>
-          <a:srcRect/>
-          <a:stretch>
-            <a:fillRect/>
-          </a:stretch>
-        </p:blipFill>
-        <p:spPr bwMode="auto">
-          <a:xfrm>
-            <a:off x="17877083" y="32113995"/>
-            <a:ext cx="85725" cy="127000"/>
-          </a:xfrm>
-          <a:prstGeom prst="rect">
-            <a:avLst/>
-          </a:prstGeom>
-          <a:noFill/>
-          <a:extLst>
-            <a:ext uri="{909E8E84-426E-40DD-AFC4-6F175D3DCCD1}">
-              <a14:hiddenFill xmlns:a14="http://schemas.microsoft.com/office/drawing/2010/main">
-                <a:solidFill>
-                  <a:srgbClr val="FFFFFF"/>
-                </a:solidFill>
-              </a14:hiddenFill>
-            </a:ext>
-          </a:extLst>
-        </p:spPr>
-      </p:pic>
-      <p:sp>
-        <p:nvSpPr>
-          <p:cNvPr id="47" name="Rectangle 32">
-            <a:extLst>
-              <a:ext uri="{FF2B5EF4-FFF2-40B4-BE49-F238E27FC236}">
-                <a16:creationId xmlns:a16="http://schemas.microsoft.com/office/drawing/2014/main" id="{D8487CFE-AB8B-49E2-8DB5-31771C59C4A9}"/>
-              </a:ext>
-            </a:extLst>
-          </p:cNvPr>
-          <p:cNvSpPr/>
-          <p:nvPr/>
-        </p:nvSpPr>
-        <p:spPr>
-          <a:xfrm>
-            <a:off x="15659614" y="36459052"/>
-            <a:ext cx="12801600" cy="918500"/>
-          </a:xfrm>
-          <a:prstGeom prst="rect">
-            <a:avLst/>
-          </a:prstGeom>
-          <a:solidFill>
-            <a:schemeClr val="accent1">
-              <a:lumMod val="75000"/>
-            </a:schemeClr>
-          </a:solidFill>
-        </p:spPr>
-        <p:style>
-          <a:lnRef idx="2">
-            <a:schemeClr val="accent1">
-              <a:shade val="50000"/>
-            </a:schemeClr>
-          </a:lnRef>
-          <a:fillRef idx="1">
-            <a:schemeClr val="accent1"/>
-          </a:fillRef>
-          <a:effectRef idx="0">
-            <a:schemeClr val="accent1"/>
-          </a:effectRef>
-          <a:fontRef idx="minor">
-            <a:schemeClr val="lt1"/>
-          </a:fontRef>
-        </p:style>
-        <p:txBody>
-          <a:bodyPr lIns="86970" tIns="43485" rIns="86970" bIns="43485" rtlCol="0" anchor="ctr"/>
-          <a:lstStyle/>
-          <a:p>
-            <a:pPr algn="ctr"/>
-            <a:r>
-              <a:rPr lang="en-US" sz="5400" b="1" dirty="0">
-                <a:solidFill>
-                  <a:schemeClr val="accent3">
-                    <a:lumMod val="20000"/>
-                    <a:lumOff val="80000"/>
-                  </a:schemeClr>
-                </a:solidFill>
-              </a:rPr>
               <a:t>Conclusion</a:t>
             </a:r>
           </a:p>
@@ -6390,7 +4799,7 @@
           <p:cNvPr id="48" name="Text Box 190">
             <a:extLst>
               <a:ext uri="{FF2B5EF4-FFF2-40B4-BE49-F238E27FC236}">
-                <a16:creationId xmlns:a16="http://schemas.microsoft.com/office/drawing/2014/main" id="{B80F7C73-729F-4563-8921-0C232C1F4AED}"/>
+                <a16:creationId xmlns:a16="http://schemas.microsoft.com/office/drawing/2014/main" xmlns="" id="{B80F7C73-729F-4563-8921-0C232C1F4AED}"/>
               </a:ext>
             </a:extLst>
           </p:cNvPr>
@@ -6402,7 +4811,7 @@
         <p:spPr bwMode="auto">
           <a:xfrm>
             <a:off x="15659614" y="37339421"/>
-            <a:ext cx="12801600" cy="782164"/>
+            <a:ext cx="12793661" cy="4660149"/>
           </a:xfrm>
           <a:prstGeom prst="rect">
             <a:avLst/>
@@ -6526,10 +4935,108 @@
               <a:buFont typeface="Wingdings" panose="05000000000000000000" pitchFamily="2" charset="2"/>
               <a:buChar char="§"/>
             </a:pPr>
+            <a:r>
+              <a:rPr lang="ko-KR" altLang="en-US" sz="2800" dirty="0">
+                <a:latin typeface="+mj-ea"/>
+                <a:ea typeface="+mj-ea"/>
+              </a:rPr>
+              <a:t>사각지대라는 보이지 않는 영역에서 발생할 수 있는 사고를 예방하는 시스템을 구축하여 예상치 못한 골목길 교통사고를 줄일 수 있다</a:t>
+            </a:r>
+            <a:r>
+              <a:rPr lang="en-US" altLang="ko-KR" sz="2800" dirty="0">
+                <a:latin typeface="+mj-ea"/>
+                <a:ea typeface="+mj-ea"/>
+              </a:rPr>
+              <a:t>.</a:t>
+            </a:r>
+          </a:p>
+          <a:p>
+            <a:pPr marL="457200" indent="-457200" eaLnBrk="1" hangingPunct="1">
+              <a:buFont typeface="Wingdings" panose="05000000000000000000" pitchFamily="2" charset="2"/>
+              <a:buChar char="§"/>
+            </a:pPr>
+            <a:endParaRPr lang="ko-KR" altLang="en-US" sz="2800" dirty="0">
+              <a:latin typeface="+mj-ea"/>
+              <a:ea typeface="+mj-ea"/>
+            </a:endParaRPr>
+          </a:p>
+          <a:p>
+            <a:pPr marL="457200" indent="-457200" eaLnBrk="1" hangingPunct="1">
+              <a:buFont typeface="Wingdings" panose="05000000000000000000" pitchFamily="2" charset="2"/>
+              <a:buChar char="§"/>
+            </a:pPr>
+            <a:r>
+              <a:rPr lang="ko-KR" altLang="en-US" sz="2800" dirty="0">
+                <a:latin typeface="+mj-ea"/>
+                <a:ea typeface="+mj-ea"/>
+              </a:rPr>
+              <a:t>기존에 설치된 </a:t>
+            </a:r>
+            <a:r>
+              <a:rPr lang="en-US" altLang="ko-KR" sz="2800" dirty="0">
+                <a:latin typeface="+mj-ea"/>
+                <a:ea typeface="+mj-ea"/>
+              </a:rPr>
+              <a:t>CCTV</a:t>
+            </a:r>
+            <a:r>
+              <a:rPr lang="ko-KR" altLang="en-US" sz="2800" dirty="0">
+                <a:latin typeface="+mj-ea"/>
+                <a:ea typeface="+mj-ea"/>
+              </a:rPr>
+              <a:t>를 활용하여 골목길의 영상을 확보하고</a:t>
+            </a:r>
+            <a:r>
+              <a:rPr lang="en-US" altLang="ko-KR" sz="2800" dirty="0">
+                <a:latin typeface="+mj-ea"/>
+                <a:ea typeface="+mj-ea"/>
+              </a:rPr>
+              <a:t>, </a:t>
+            </a:r>
+            <a:r>
+              <a:rPr lang="ko-KR" altLang="en-US" sz="2800" dirty="0">
+                <a:latin typeface="+mj-ea"/>
+                <a:ea typeface="+mj-ea"/>
+              </a:rPr>
+              <a:t>구현된 시스템으로 영상 정보를 처리할 수 있는 통합적인 환경을 제시함으로써 시장환경에 보다 효율적인 시스템서비스가 제공될 여지를 줄 수 있다</a:t>
+            </a:r>
+            <a:r>
+              <a:rPr lang="en-US" altLang="ko-KR" sz="2800" dirty="0">
+                <a:latin typeface="+mj-ea"/>
+                <a:ea typeface="+mj-ea"/>
+              </a:rPr>
+              <a:t>.</a:t>
+            </a:r>
+          </a:p>
+          <a:p>
+            <a:pPr marL="457200" indent="-457200" eaLnBrk="1" hangingPunct="1">
+              <a:buFont typeface="Wingdings" panose="05000000000000000000" pitchFamily="2" charset="2"/>
+              <a:buChar char="§"/>
+            </a:pPr>
             <a:endParaRPr lang="en-US" altLang="ko-KR" sz="2800" dirty="0">
               <a:latin typeface="+mj-ea"/>
               <a:ea typeface="+mj-ea"/>
             </a:endParaRPr>
+          </a:p>
+          <a:p>
+            <a:pPr marL="457200" indent="-457200" eaLnBrk="1" hangingPunct="1">
+              <a:buFont typeface="Wingdings" panose="05000000000000000000" pitchFamily="2" charset="2"/>
+              <a:buChar char="§"/>
+            </a:pPr>
+            <a:r>
+              <a:rPr lang="ko-KR" altLang="en-US" sz="2800" dirty="0">
+                <a:latin typeface="+mj-ea"/>
+                <a:ea typeface="+mj-ea"/>
+              </a:rPr>
+              <a:t>해당 시스템 구현을 통해 단기간 내에 골목길 안전 시스템 체계 구축을 가능하게 함으로써 전체적인 교통사고율 감소를 달성할 수 있음을 기대한다</a:t>
+            </a:r>
+            <a:r>
+              <a:rPr lang="en-US" altLang="ko-KR" sz="2800" dirty="0">
+                <a:latin typeface="+mj-ea"/>
+                <a:ea typeface="+mj-ea"/>
+              </a:rPr>
+              <a:t>.</a:t>
+            </a:r>
           </a:p>
         </p:txBody>
       </p:sp>
@@ -6538,7 +5045,7 @@
           <p:cNvPr id="46" name="Rectangle 4">
             <a:extLst>
               <a:ext uri="{FF2B5EF4-FFF2-40B4-BE49-F238E27FC236}">
-                <a16:creationId xmlns:a16="http://schemas.microsoft.com/office/drawing/2014/main" id="{5D1DCC7A-20AE-4159-B0D6-D2591C7F2200}"/>
+                <a16:creationId xmlns:a16="http://schemas.microsoft.com/office/drawing/2014/main" xmlns="" id="{5D1DCC7A-20AE-4159-B0D6-D2591C7F2200}"/>
               </a:ext>
             </a:extLst>
           </p:cNvPr>
@@ -6611,7 +5118,7 @@
           <p:nvPr/>
         </p:nvPicPr>
         <p:blipFill>
-          <a:blip r:embed="rId3">
+          <a:blip r:embed="rId2">
             <a:extLst>
               <a:ext uri="{28A0092B-C50C-407E-A947-70E740481C1C}">
                 <a14:useLocalDpi xmlns:a14="http://schemas.microsoft.com/office/drawing/2010/main" val="0"/>
@@ -6648,7 +5155,7 @@
           <p:cNvPr id="50" name="image1.png">
             <a:extLst>
               <a:ext uri="{FF2B5EF4-FFF2-40B4-BE49-F238E27FC236}">
-                <a16:creationId xmlns:a16="http://schemas.microsoft.com/office/drawing/2014/main" id="{7AC2C96B-7AB8-41D3-B74D-F281E446EAD5}"/>
+                <a16:creationId xmlns:a16="http://schemas.microsoft.com/office/drawing/2014/main" xmlns="" id="{7AC2C96B-7AB8-41D3-B74D-F281E446EAD5}"/>
               </a:ext>
             </a:extLst>
           </p:cNvPr>
@@ -6656,7 +5163,7 @@
           <p:nvPr/>
         </p:nvPicPr>
         <p:blipFill>
-          <a:blip r:embed="rId4"/>
+          <a:blip r:embed="rId3"/>
           <a:srcRect/>
           <a:stretch>
             <a:fillRect/>
@@ -6664,29 +5171,27 @@
         </p:blipFill>
         <p:spPr>
           <a:xfrm>
-            <a:off x="1741274" y="19204573"/>
+            <a:off x="1741274" y="18837635"/>
             <a:ext cx="12847479" cy="7588733"/>
           </a:xfrm>
           <a:prstGeom prst="rect">
             <a:avLst/>
           </a:prstGeom>
-          <a:ln w="9525">
+          <a:ln w="19050">
             <a:solidFill>
-              <a:schemeClr val="accent2">
-                <a:lumMod val="50000"/>
-              </a:schemeClr>
+              <a:srgbClr val="9E3611"/>
             </a:solidFill>
           </a:ln>
         </p:spPr>
       </p:pic>
-      <mc:AlternateContent xmlns:mc="http://schemas.openxmlformats.org/markup-compatibility/2006">
-        <mc:Choice xmlns:a14="http://schemas.microsoft.com/office/drawing/2010/main" Requires="a14">
+      <mc:AlternateContent xmlns:mc="http://schemas.openxmlformats.org/markup-compatibility/2006" xmlns:a14="http://schemas.microsoft.com/office/drawing/2010/main">
+        <mc:Choice Requires="a14">
           <p:sp>
             <p:nvSpPr>
               <p:cNvPr id="3" name="직사각형 2">
                 <a:extLst>
                   <a:ext uri="{FF2B5EF4-FFF2-40B4-BE49-F238E27FC236}">
-                    <a16:creationId xmlns:a16="http://schemas.microsoft.com/office/drawing/2014/main" id="{099B2F42-EBD8-4B89-9FA3-CB3F0BE1AB40}"/>
+                    <a16:creationId xmlns:a16="http://schemas.microsoft.com/office/drawing/2014/main" xmlns="" id="{5D4B123E-38B5-424C-82D8-2F26CDE051A4}"/>
                   </a:ext>
                 </a:extLst>
               </p:cNvPr>
@@ -6695,8 +5200,8 @@
             </p:nvSpPr>
             <p:spPr>
               <a:xfrm>
-                <a:off x="2088635" y="37567590"/>
-                <a:ext cx="9122800" cy="1268424"/>
+                <a:off x="1955277" y="37520505"/>
+                <a:ext cx="10980519" cy="553998"/>
               </a:xfrm>
               <a:prstGeom prst="rect">
                 <a:avLst/>
@@ -6708,6 +5213,228 @@
               </a:bodyPr>
               <a:lstStyle/>
               <a:p>
+                <a:pPr/>
+                <a14:m>
+                  <m:oMathPara xmlns:m="http://schemas.openxmlformats.org/officeDocument/2006/math">
+                    <m:oMathParaPr>
+                      <m:jc m:val="centerGroup"/>
+                    </m:oMathParaPr>
+                    <m:oMath xmlns:m="http://schemas.openxmlformats.org/officeDocument/2006/math">
+                      <m:d>
+                        <m:dPr>
+                          <m:endChr m:val=""/>
+                          <m:ctrlPr>
+                            <a:rPr lang="ko-KR" altLang="en-US" sz="3000" i="1">
+                              <a:latin typeface="Cambria Math"/>
+                            </a:rPr>
+                          </m:ctrlPr>
+                        </m:dPr>
+                        <m:e>
+                          <m:r>
+                            <a:rPr lang="ko-KR" altLang="en-US" sz="3000" i="1">
+                              <a:latin typeface="Cambria Math" panose="02040503050406030204" pitchFamily="18" charset="0"/>
+                            </a:rPr>
+                            <m:t>𝑦</m:t>
+                          </m:r>
+                          <m:r>
+                            <a:rPr lang="ko-KR" altLang="en-US" sz="3000" i="0">
+                              <a:latin typeface="Cambria Math" panose="02040503050406030204" pitchFamily="18" charset="0"/>
+                            </a:rPr>
+                            <m:t>2 − </m:t>
+                          </m:r>
+                          <m:r>
+                            <a:rPr lang="ko-KR" altLang="en-US" sz="3000" i="1">
+                              <a:latin typeface="Cambria Math" panose="02040503050406030204" pitchFamily="18" charset="0"/>
+                            </a:rPr>
+                            <m:t>𝑦</m:t>
+                          </m:r>
+                          <m:r>
+                            <a:rPr lang="ko-KR" altLang="en-US" sz="3000" i="0">
+                              <a:latin typeface="Cambria Math" panose="02040503050406030204" pitchFamily="18" charset="0"/>
+                            </a:rPr>
+                            <m:t>1) ∗ </m:t>
+                          </m:r>
+                          <m:r>
+                            <a:rPr lang="ko-KR" altLang="en-US" sz="3000" i="1">
+                              <a:latin typeface="Cambria Math" panose="02040503050406030204" pitchFamily="18" charset="0"/>
+                            </a:rPr>
+                            <m:t>𝑥</m:t>
+                          </m:r>
+                          <m:r>
+                            <a:rPr lang="ko-KR" altLang="en-US" sz="3000" i="0">
+                              <a:latin typeface="Cambria Math" panose="02040503050406030204" pitchFamily="18" charset="0"/>
+                            </a:rPr>
+                            <m:t> + (</m:t>
+                          </m:r>
+                          <m:r>
+                            <a:rPr lang="ko-KR" altLang="en-US" sz="3000" i="1">
+                              <a:latin typeface="Cambria Math" panose="02040503050406030204" pitchFamily="18" charset="0"/>
+                            </a:rPr>
+                            <m:t>𝑥</m:t>
+                          </m:r>
+                          <m:r>
+                            <a:rPr lang="ko-KR" altLang="en-US" sz="3000" i="0">
+                              <a:latin typeface="Cambria Math" panose="02040503050406030204" pitchFamily="18" charset="0"/>
+                            </a:rPr>
+                            <m:t>1 −</m:t>
+                          </m:r>
+                          <m:r>
+                            <a:rPr lang="ko-KR" altLang="en-US" sz="3000" i="1">
+                              <a:latin typeface="Cambria Math" panose="02040503050406030204" pitchFamily="18" charset="0"/>
+                            </a:rPr>
+                            <m:t>𝑥</m:t>
+                          </m:r>
+                          <m:r>
+                            <a:rPr lang="ko-KR" altLang="en-US" sz="3000" i="0">
+                              <a:latin typeface="Cambria Math" panose="02040503050406030204" pitchFamily="18" charset="0"/>
+                            </a:rPr>
+                            <m:t>2) ∗ </m:t>
+                          </m:r>
+                          <m:r>
+                            <a:rPr lang="ko-KR" altLang="en-US" sz="3000" i="1">
+                              <a:latin typeface="Cambria Math" panose="02040503050406030204" pitchFamily="18" charset="0"/>
+                            </a:rPr>
+                            <m:t>𝑦</m:t>
+                          </m:r>
+                          <m:r>
+                            <a:rPr lang="ko-KR" altLang="en-US" sz="3000" i="0">
+                              <a:latin typeface="Cambria Math" panose="02040503050406030204" pitchFamily="18" charset="0"/>
+                            </a:rPr>
+                            <m:t> + (</m:t>
+                          </m:r>
+                          <m:r>
+                            <a:rPr lang="ko-KR" altLang="en-US" sz="3000" i="1">
+                              <a:latin typeface="Cambria Math" panose="02040503050406030204" pitchFamily="18" charset="0"/>
+                            </a:rPr>
+                            <m:t>𝑥</m:t>
+                          </m:r>
+                          <m:r>
+                            <a:rPr lang="ko-KR" altLang="en-US" sz="3000" i="0">
+                              <a:latin typeface="Cambria Math" panose="02040503050406030204" pitchFamily="18" charset="0"/>
+                            </a:rPr>
+                            <m:t>2 ∗ </m:t>
+                          </m:r>
+                          <m:r>
+                            <a:rPr lang="ko-KR" altLang="en-US" sz="3000" i="1">
+                              <a:latin typeface="Cambria Math" panose="02040503050406030204" pitchFamily="18" charset="0"/>
+                            </a:rPr>
+                            <m:t>𝑦</m:t>
+                          </m:r>
+                          <m:r>
+                            <a:rPr lang="ko-KR" altLang="en-US" sz="3000" i="0">
+                              <a:latin typeface="Cambria Math" panose="02040503050406030204" pitchFamily="18" charset="0"/>
+                            </a:rPr>
+                            <m:t>1 − </m:t>
+                          </m:r>
+                          <m:r>
+                            <a:rPr lang="ko-KR" altLang="en-US" sz="3000" i="1">
+                              <a:latin typeface="Cambria Math" panose="02040503050406030204" pitchFamily="18" charset="0"/>
+                            </a:rPr>
+                            <m:t>𝑥</m:t>
+                          </m:r>
+                          <m:r>
+                            <a:rPr lang="ko-KR" altLang="en-US" sz="3000" i="0">
+                              <a:latin typeface="Cambria Math" panose="02040503050406030204" pitchFamily="18" charset="0"/>
+                            </a:rPr>
+                            <m:t>1 ∗ </m:t>
+                          </m:r>
+                          <m:r>
+                            <a:rPr lang="ko-KR" altLang="en-US" sz="3000" i="1">
+                              <a:latin typeface="Cambria Math" panose="02040503050406030204" pitchFamily="18" charset="0"/>
+                            </a:rPr>
+                            <m:t>𝑦</m:t>
+                          </m:r>
+                          <m:r>
+                            <a:rPr lang="ko-KR" altLang="en-US" sz="3000" i="0">
+                              <a:latin typeface="Cambria Math" panose="02040503050406030204" pitchFamily="18" charset="0"/>
+                            </a:rPr>
+                            <m:t>2) = 0</m:t>
+                          </m:r>
+                        </m:e>
+                      </m:d>
+                    </m:oMath>
+                  </m:oMathPara>
+                </a14:m>
+                <a:endParaRPr lang="ko-KR" altLang="en-US" sz="3000" dirty="0"/>
+              </a:p>
+            </p:txBody>
+          </p:sp>
+        </mc:Choice>
+        <mc:Fallback xmlns="">
+          <p:sp>
+            <p:nvSpPr>
+              <p:cNvPr id="3" name="직사각형 2">
+                <a:extLst>
+                  <a:ext uri="{FF2B5EF4-FFF2-40B4-BE49-F238E27FC236}">
+                    <a16:creationId xmlns:a16="http://schemas.microsoft.com/office/drawing/2014/main" id="{5D4B123E-38B5-424C-82D8-2F26CDE051A4}"/>
+                  </a:ext>
+                </a:extLst>
+              </p:cNvPr>
+              <p:cNvSpPr>
+                <a:spLocks noRot="1" noChangeAspect="1" noMove="1" noResize="1" noEditPoints="1" noAdjustHandles="1" noChangeArrowheads="1" noChangeShapeType="1" noTextEdit="1"/>
+              </p:cNvSpPr>
+              <p:nvPr/>
+            </p:nvSpPr>
+            <p:spPr>
+              <a:xfrm>
+                <a:off x="1955277" y="37520505"/>
+                <a:ext cx="10980519" cy="553998"/>
+              </a:xfrm>
+              <a:prstGeom prst="rect">
+                <a:avLst/>
+              </a:prstGeom>
+              <a:blipFill>
+                <a:blip r:embed="rId9"/>
+                <a:stretch>
+                  <a:fillRect/>
+                </a:stretch>
+              </a:blipFill>
+            </p:spPr>
+            <p:txBody>
+              <a:bodyPr/>
+              <a:lstStyle/>
+              <a:p>
+                <a:r>
+                  <a:rPr lang="ko-KR" altLang="en-US">
+                    <a:noFill/>
+                  </a:rPr>
+                  <a:t> </a:t>
+                </a:r>
+              </a:p>
+            </p:txBody>
+          </p:sp>
+        </mc:Fallback>
+      </mc:AlternateContent>
+      <mc:AlternateContent xmlns:mc="http://schemas.openxmlformats.org/markup-compatibility/2006" xmlns:a14="http://schemas.microsoft.com/office/drawing/2010/main">
+        <mc:Choice Requires="a14">
+          <p:sp>
+            <p:nvSpPr>
+              <p:cNvPr id="5" name="직사각형 4">
+                <a:extLst>
+                  <a:ext uri="{FF2B5EF4-FFF2-40B4-BE49-F238E27FC236}">
+                    <a16:creationId xmlns:a16="http://schemas.microsoft.com/office/drawing/2014/main" xmlns="" id="{AC39CB89-47CD-4EBA-91B4-DC1E2662B794}"/>
+                  </a:ext>
+                </a:extLst>
+              </p:cNvPr>
+              <p:cNvSpPr/>
+              <p:nvPr/>
+            </p:nvSpPr>
+            <p:spPr>
+              <a:xfrm>
+                <a:off x="1884515" y="38583439"/>
+                <a:ext cx="11383213" cy="1182118"/>
+              </a:xfrm>
+              <a:prstGeom prst="rect">
+                <a:avLst/>
+              </a:prstGeom>
+            </p:spPr>
+            <p:txBody>
+              <a:bodyPr wrap="square">
+                <a:spAutoFit/>
+              </a:bodyPr>
+              <a:lstStyle/>
+              <a:p>
+                <a:pPr/>
                 <a14:m>
                   <m:oMathPara xmlns:m="http://schemas.openxmlformats.org/officeDocument/2006/math">
                     <m:oMathParaPr>
@@ -6715,13 +5442,13 @@
                     </m:oMathParaPr>
                     <m:oMath xmlns:m="http://schemas.openxmlformats.org/officeDocument/2006/math">
                       <m:r>
-                        <a:rPr lang="ko-KR" altLang="en-US" sz="2400" i="1" smtClean="0">
+                        <a:rPr lang="ko-KR" altLang="en-US" sz="3000" i="1" smtClean="0">
                           <a:latin typeface="Cambria Math" panose="02040503050406030204" pitchFamily="18" charset="0"/>
                         </a:rPr>
                         <m:t>𝑑</m:t>
                       </m:r>
                       <m:r>
-                        <a:rPr lang="ko-KR" altLang="en-US" sz="2400" i="0">
+                        <a:rPr lang="ko-KR" altLang="en-US" sz="3000" i="0">
                           <a:latin typeface="Cambria Math" panose="02040503050406030204" pitchFamily="18" charset="0"/>
                         </a:rPr>
                         <m:t> = </m:t>
@@ -6729,8 +5456,8 @@
                       <m:f>
                         <m:fPr>
                           <m:ctrlPr>
-                            <a:rPr lang="ko-KR" altLang="en-US" sz="2400" i="1">
-                              <a:latin typeface="Cambria Math" panose="02040503050406030204" pitchFamily="18" charset="0"/>
+                            <a:rPr lang="ko-KR" altLang="en-US" sz="3000" i="1">
+                              <a:latin typeface="Cambria Math"/>
                             </a:rPr>
                           </m:ctrlPr>
                         </m:fPr>
@@ -6740,8 +5467,8 @@
                               <m:begChr m:val="|"/>
                               <m:endChr m:val="|"/>
                               <m:ctrlPr>
-                                <a:rPr lang="ko-KR" altLang="en-US" sz="2400" i="1">
-                                  <a:latin typeface="Cambria Math" panose="02040503050406030204" pitchFamily="18" charset="0"/>
+                                <a:rPr lang="ko-KR" altLang="en-US" sz="3000" i="1">
+                                  <a:latin typeface="Cambria Math"/>
                                 </a:rPr>
                               </m:ctrlPr>
                             </m:dPr>
@@ -6749,128 +5476,128 @@
                               <m:d>
                                 <m:dPr>
                                   <m:ctrlPr>
-                                    <a:rPr lang="ko-KR" altLang="en-US" sz="2400" i="1">
-                                      <a:latin typeface="Cambria Math" panose="02040503050406030204" pitchFamily="18" charset="0"/>
+                                    <a:rPr lang="ko-KR" altLang="en-US" sz="3000" i="1">
+                                      <a:latin typeface="Cambria Math"/>
                                     </a:rPr>
                                   </m:ctrlPr>
                                 </m:dPr>
                                 <m:e>
                                   <m:r>
-                                    <a:rPr lang="ko-KR" altLang="en-US" sz="2400" i="1">
+                                    <a:rPr lang="ko-KR" altLang="en-US" sz="3000" i="1">
                                       <a:latin typeface="Cambria Math" panose="02040503050406030204" pitchFamily="18" charset="0"/>
                                     </a:rPr>
                                     <m:t>𝑦</m:t>
                                   </m:r>
                                   <m:r>
-                                    <a:rPr lang="ko-KR" altLang="en-US" sz="2400" i="0">
+                                    <a:rPr lang="ko-KR" altLang="en-US" sz="3000" i="0">
                                       <a:latin typeface="Cambria Math" panose="02040503050406030204" pitchFamily="18" charset="0"/>
                                     </a:rPr>
                                     <m:t>2 − </m:t>
                                   </m:r>
                                   <m:r>
-                                    <a:rPr lang="ko-KR" altLang="en-US" sz="2400" i="1">
+                                    <a:rPr lang="ko-KR" altLang="en-US" sz="3000" i="1">
                                       <a:latin typeface="Cambria Math" panose="02040503050406030204" pitchFamily="18" charset="0"/>
                                     </a:rPr>
                                     <m:t>𝑦</m:t>
                                   </m:r>
                                   <m:r>
-                                    <a:rPr lang="ko-KR" altLang="en-US" sz="2400" i="0">
+                                    <a:rPr lang="ko-KR" altLang="en-US" sz="3000" i="0">
                                       <a:latin typeface="Cambria Math" panose="02040503050406030204" pitchFamily="18" charset="0"/>
                                     </a:rPr>
                                     <m:t>1) ∗ </m:t>
                                   </m:r>
                                   <m:r>
-                                    <a:rPr lang="ko-KR" altLang="en-US" sz="2400" i="1">
+                                    <a:rPr lang="ko-KR" altLang="en-US" sz="3000" i="1">
                                       <a:latin typeface="Cambria Math" panose="02040503050406030204" pitchFamily="18" charset="0"/>
                                     </a:rPr>
                                     <m:t>𝐴</m:t>
                                   </m:r>
                                   <m:r>
-                                    <a:rPr lang="ko-KR" altLang="en-US" sz="2400" i="0">
+                                    <a:rPr lang="ko-KR" altLang="en-US" sz="3000" i="0">
                                       <a:latin typeface="Cambria Math" panose="02040503050406030204" pitchFamily="18" charset="0"/>
                                     </a:rPr>
                                     <m:t> + (</m:t>
                                   </m:r>
                                   <m:r>
-                                    <a:rPr lang="ko-KR" altLang="en-US" sz="2400" i="1">
+                                    <a:rPr lang="ko-KR" altLang="en-US" sz="3000" i="1">
                                       <a:latin typeface="Cambria Math" panose="02040503050406030204" pitchFamily="18" charset="0"/>
                                     </a:rPr>
                                     <m:t>𝑥</m:t>
                                   </m:r>
                                   <m:r>
-                                    <a:rPr lang="ko-KR" altLang="en-US" sz="2400" i="0">
+                                    <a:rPr lang="ko-KR" altLang="en-US" sz="3000" i="0">
                                       <a:latin typeface="Cambria Math" panose="02040503050406030204" pitchFamily="18" charset="0"/>
                                     </a:rPr>
                                     <m:t>1 − </m:t>
                                   </m:r>
                                   <m:r>
-                                    <a:rPr lang="ko-KR" altLang="en-US" sz="2400" i="1">
+                                    <a:rPr lang="ko-KR" altLang="en-US" sz="3000" i="1">
                                       <a:latin typeface="Cambria Math" panose="02040503050406030204" pitchFamily="18" charset="0"/>
                                     </a:rPr>
                                     <m:t>𝑥</m:t>
                                   </m:r>
                                   <m:r>
-                                    <a:rPr lang="ko-KR" altLang="en-US" sz="2400" i="0">
+                                    <a:rPr lang="ko-KR" altLang="en-US" sz="3000" i="0">
                                       <a:latin typeface="Cambria Math" panose="02040503050406030204" pitchFamily="18" charset="0"/>
                                     </a:rPr>
                                     <m:t>2) ∗ </m:t>
                                   </m:r>
                                   <m:r>
-                                    <a:rPr lang="ko-KR" altLang="en-US" sz="2400" i="1">
+                                    <a:rPr lang="ko-KR" altLang="en-US" sz="3000" i="1">
                                       <a:latin typeface="Cambria Math" panose="02040503050406030204" pitchFamily="18" charset="0"/>
                                     </a:rPr>
                                     <m:t>𝐵</m:t>
                                   </m:r>
                                   <m:r>
-                                    <a:rPr lang="ko-KR" altLang="en-US" sz="2400" i="0">
+                                    <a:rPr lang="ko-KR" altLang="en-US" sz="3000" i="0">
                                       <a:latin typeface="Cambria Math" panose="02040503050406030204" pitchFamily="18" charset="0"/>
                                     </a:rPr>
                                     <m:t> + (</m:t>
                                   </m:r>
                                   <m:r>
-                                    <a:rPr lang="ko-KR" altLang="en-US" sz="2400" i="1">
+                                    <a:rPr lang="ko-KR" altLang="en-US" sz="3000" i="1">
                                       <a:latin typeface="Cambria Math" panose="02040503050406030204" pitchFamily="18" charset="0"/>
                                     </a:rPr>
                                     <m:t>𝑥</m:t>
                                   </m:r>
                                   <m:r>
-                                    <a:rPr lang="ko-KR" altLang="en-US" sz="2400" i="0">
+                                    <a:rPr lang="ko-KR" altLang="en-US" sz="3000" i="0">
                                       <a:latin typeface="Cambria Math" panose="02040503050406030204" pitchFamily="18" charset="0"/>
                                     </a:rPr>
                                     <m:t>2 ∗ </m:t>
                                   </m:r>
                                   <m:r>
-                                    <a:rPr lang="ko-KR" altLang="en-US" sz="2400" i="1">
+                                    <a:rPr lang="ko-KR" altLang="en-US" sz="3000" i="1">
                                       <a:latin typeface="Cambria Math" panose="02040503050406030204" pitchFamily="18" charset="0"/>
                                     </a:rPr>
                                     <m:t>𝑦</m:t>
                                   </m:r>
                                   <m:r>
-                                    <a:rPr lang="ko-KR" altLang="en-US" sz="2400" i="0">
+                                    <a:rPr lang="ko-KR" altLang="en-US" sz="3000" i="0">
                                       <a:latin typeface="Cambria Math" panose="02040503050406030204" pitchFamily="18" charset="0"/>
                                     </a:rPr>
                                     <m:t>1 − </m:t>
                                   </m:r>
                                   <m:r>
-                                    <a:rPr lang="ko-KR" altLang="en-US" sz="2400" i="1">
+                                    <a:rPr lang="ko-KR" altLang="en-US" sz="3000" i="1">
                                       <a:latin typeface="Cambria Math" panose="02040503050406030204" pitchFamily="18" charset="0"/>
                                     </a:rPr>
                                     <m:t>𝑥</m:t>
                                   </m:r>
                                   <m:r>
-                                    <a:rPr lang="ko-KR" altLang="en-US" sz="2400" i="0">
+                                    <a:rPr lang="ko-KR" altLang="en-US" sz="3000" i="0">
                                       <a:latin typeface="Cambria Math" panose="02040503050406030204" pitchFamily="18" charset="0"/>
                                     </a:rPr>
                                     <m:t>1 ∗ </m:t>
                                   </m:r>
                                   <m:r>
-                                    <a:rPr lang="ko-KR" altLang="en-US" sz="2400" i="1">
+                                    <a:rPr lang="ko-KR" altLang="en-US" sz="3000" i="1">
                                       <a:latin typeface="Cambria Math" panose="02040503050406030204" pitchFamily="18" charset="0"/>
                                     </a:rPr>
                                     <m:t>𝑦</m:t>
                                   </m:r>
                                   <m:r>
-                                    <a:rPr lang="ko-KR" altLang="en-US" sz="2400" i="0">
+                                    <a:rPr lang="ko-KR" altLang="en-US" sz="3000" i="0">
                                       <a:latin typeface="Cambria Math" panose="02040503050406030204" pitchFamily="18" charset="0"/>
                                     </a:rPr>
                                     <m:t>2</m:t>
@@ -6885,8 +5612,8 @@
                             <m:radPr>
                               <m:degHide m:val="on"/>
                               <m:ctrlPr>
-                                <a:rPr lang="ko-KR" altLang="en-US" sz="2400" i="1">
-                                  <a:latin typeface="Cambria Math" panose="02040503050406030204" pitchFamily="18" charset="0"/>
+                                <a:rPr lang="ko-KR" altLang="en-US" sz="3000" i="1">
+                                  <a:latin typeface="Cambria Math"/>
                                 </a:rPr>
                               </m:ctrlPr>
                             </m:radPr>
@@ -6896,32 +5623,32 @@
                                 <m:dPr>
                                   <m:endChr m:val=""/>
                                   <m:ctrlPr>
-                                    <a:rPr lang="ko-KR" altLang="en-US" sz="2400" i="1">
-                                      <a:latin typeface="Cambria Math" panose="02040503050406030204" pitchFamily="18" charset="0"/>
+                                    <a:rPr lang="ko-KR" altLang="en-US" sz="3000" i="1">
+                                      <a:latin typeface="Cambria Math"/>
                                     </a:rPr>
                                   </m:ctrlPr>
                                 </m:dPr>
                                 <m:e>
                                   <m:r>
-                                    <a:rPr lang="ko-KR" altLang="en-US" sz="2400" i="1">
+                                    <a:rPr lang="ko-KR" altLang="en-US" sz="3000" i="1">
                                       <a:latin typeface="Cambria Math" panose="02040503050406030204" pitchFamily="18" charset="0"/>
                                     </a:rPr>
                                     <m:t>𝑦</m:t>
                                   </m:r>
                                   <m:r>
-                                    <a:rPr lang="ko-KR" altLang="en-US" sz="2400" i="0">
+                                    <a:rPr lang="ko-KR" altLang="en-US" sz="3000" i="0">
                                       <a:latin typeface="Cambria Math" panose="02040503050406030204" pitchFamily="18" charset="0"/>
                                     </a:rPr>
                                     <m:t>2 − </m:t>
                                   </m:r>
                                   <m:r>
-                                    <a:rPr lang="ko-KR" altLang="en-US" sz="2400" i="1">
+                                    <a:rPr lang="ko-KR" altLang="en-US" sz="3000" i="1">
                                       <a:latin typeface="Cambria Math" panose="02040503050406030204" pitchFamily="18" charset="0"/>
                                     </a:rPr>
                                     <m:t>𝑦</m:t>
                                   </m:r>
                                   <m:r>
-                                    <a:rPr lang="ko-KR" altLang="en-US" sz="2400" i="0">
+                                    <a:rPr lang="ko-KR" altLang="en-US" sz="3000" i="0">
                                       <a:latin typeface="Cambria Math" panose="02040503050406030204" pitchFamily="18" charset="0"/>
                                     </a:rPr>
                                     <m:t>1</m:t>
@@ -6929,28 +5656,22 @@
                                   <m:sSup>
                                     <m:sSupPr>
                                       <m:ctrlPr>
-                                        <a:rPr lang="ko-KR" altLang="en-US" sz="2400" i="1">
-                                          <a:latin typeface="Cambria Math" panose="02040503050406030204" pitchFamily="18" charset="0"/>
+                                        <a:rPr lang="ko-KR" altLang="en-US" sz="3000" i="1">
+                                          <a:latin typeface="Cambria Math"/>
                                         </a:rPr>
                                       </m:ctrlPr>
                                     </m:sSupPr>
                                     <m:e>
-                                      <m:d>
-                                        <m:dPr>
-                                          <m:begChr m:val=")"/>
-                                          <m:endChr m:val=""/>
-                                          <m:ctrlPr>
-                                            <a:rPr lang="ko-KR" altLang="en-US" sz="2400" i="1">
-                                              <a:latin typeface="Cambria Math" panose="02040503050406030204" pitchFamily="18" charset="0"/>
-                                            </a:rPr>
-                                          </m:ctrlPr>
-                                        </m:dPr>
-                                        <m:e/>
-                                      </m:d>
+                                      <m:r>
+                                        <a:rPr lang="en-US" altLang="ko-KR" sz="3000" b="0" i="1" smtClean="0">
+                                          <a:latin typeface="Cambria Math" panose="02040503050406030204" pitchFamily="18" charset="0"/>
+                                        </a:rPr>
+                                        <m:t>)</m:t>
+                                      </m:r>
                                     </m:e>
                                     <m:sup>
                                       <m:r>
-                                        <a:rPr lang="ko-KR" altLang="en-US" sz="2400" i="0">
+                                        <a:rPr lang="ko-KR" altLang="en-US" sz="3000" i="0">
                                           <a:latin typeface="Cambria Math" panose="02040503050406030204" pitchFamily="18" charset="0"/>
                                         </a:rPr>
                                         <m:t>2</m:t>
@@ -6958,25 +5679,25 @@
                                     </m:sup>
                                   </m:sSup>
                                   <m:r>
-                                    <a:rPr lang="ko-KR" altLang="en-US" sz="2400" i="0">
+                                    <a:rPr lang="ko-KR" altLang="en-US" sz="3000" i="0">
                                       <a:latin typeface="Cambria Math" panose="02040503050406030204" pitchFamily="18" charset="0"/>
                                     </a:rPr>
                                     <m:t> + (</m:t>
                                   </m:r>
                                   <m:r>
-                                    <a:rPr lang="ko-KR" altLang="en-US" sz="2400" i="1">
+                                    <a:rPr lang="ko-KR" altLang="en-US" sz="3000" i="1">
                                       <a:latin typeface="Cambria Math" panose="02040503050406030204" pitchFamily="18" charset="0"/>
                                     </a:rPr>
                                     <m:t>𝑥</m:t>
                                   </m:r>
                                   <m:r>
-                                    <a:rPr lang="ko-KR" altLang="en-US" sz="2400" i="0">
+                                    <a:rPr lang="ko-KR" altLang="en-US" sz="3000" i="0">
                                       <a:latin typeface="Cambria Math" panose="02040503050406030204" pitchFamily="18" charset="0"/>
                                     </a:rPr>
                                     <m:t>1 − </m:t>
                                   </m:r>
                                   <m:r>
-                                    <a:rPr lang="ko-KR" altLang="en-US" sz="2400" i="1">
+                                    <a:rPr lang="ko-KR" altLang="en-US" sz="3000" i="1">
                                       <a:latin typeface="Cambria Math" panose="02040503050406030204" pitchFamily="18" charset="0"/>
                                     </a:rPr>
                                     <m:t>𝑥</m:t>
@@ -6986,7 +5707,7 @@
                             </m:e>
                           </m:rad>
                           <m:r>
-                            <a:rPr lang="ko-KR" altLang="en-US" sz="2400" i="0">
+                            <a:rPr lang="ko-KR" altLang="en-US" sz="3000" i="0">
                               <a:latin typeface="Cambria Math" panose="02040503050406030204" pitchFamily="18" charset="0"/>
                             </a:rPr>
                             <m:t>2</m:t>
@@ -6994,28 +5715,22 @@
                           <m:sSup>
                             <m:sSupPr>
                               <m:ctrlPr>
-                                <a:rPr lang="ko-KR" altLang="en-US" sz="2400" i="1">
-                                  <a:latin typeface="Cambria Math" panose="02040503050406030204" pitchFamily="18" charset="0"/>
+                                <a:rPr lang="ko-KR" altLang="en-US" sz="3000" i="1" smtClean="0">
+                                  <a:latin typeface="Cambria Math"/>
                                 </a:rPr>
                               </m:ctrlPr>
                             </m:sSupPr>
                             <m:e>
-                              <m:d>
-                                <m:dPr>
-                                  <m:begChr m:val=")"/>
-                                  <m:endChr m:val=""/>
-                                  <m:ctrlPr>
-                                    <a:rPr lang="ko-KR" altLang="en-US" sz="2400" i="1">
-                                      <a:latin typeface="Cambria Math" panose="02040503050406030204" pitchFamily="18" charset="0"/>
-                                    </a:rPr>
-                                  </m:ctrlPr>
-                                </m:dPr>
-                                <m:e/>
-                              </m:d>
+                              <m:r>
+                                <a:rPr lang="en-US" altLang="ko-KR" sz="3000" b="0" i="1" smtClean="0">
+                                  <a:latin typeface="Cambria Math" panose="02040503050406030204" pitchFamily="18" charset="0"/>
+                                </a:rPr>
+                                <m:t>)</m:t>
+                              </m:r>
                             </m:e>
                             <m:sup>
                               <m:r>
-                                <a:rPr lang="ko-KR" altLang="en-US" sz="2400" i="0">
+                                <a:rPr lang="ko-KR" altLang="en-US" sz="3000" i="0">
                                   <a:latin typeface="Cambria Math" panose="02040503050406030204" pitchFamily="18" charset="0"/>
                                 </a:rPr>
                                 <m:t>2</m:t>
@@ -7027,18 +5742,18 @@
                     </m:oMath>
                   </m:oMathPara>
                 </a14:m>
-                <a:endParaRPr lang="ko-KR" altLang="en-US" sz="2400" dirty="0"/>
+                <a:endParaRPr lang="ko-KR" altLang="en-US" sz="3000" dirty="0"/>
               </a:p>
             </p:txBody>
           </p:sp>
         </mc:Choice>
-        <mc:Fallback>
+        <mc:Fallback xmlns="">
           <p:sp>
             <p:nvSpPr>
-              <p:cNvPr id="3" name="직사각형 2">
+              <p:cNvPr id="5" name="직사각형 4">
                 <a:extLst>
                   <a:ext uri="{FF2B5EF4-FFF2-40B4-BE49-F238E27FC236}">
-                    <a16:creationId xmlns:a16="http://schemas.microsoft.com/office/drawing/2014/main" id="{099B2F42-EBD8-4B89-9FA3-CB3F0BE1AB40}"/>
+                    <a16:creationId xmlns:a16="http://schemas.microsoft.com/office/drawing/2014/main" id="{AC39CB89-47CD-4EBA-91B4-DC1E2662B794}"/>
                   </a:ext>
                 </a:extLst>
               </p:cNvPr>
@@ -7049,14 +5764,14 @@
             </p:nvSpPr>
             <p:spPr>
               <a:xfrm>
-                <a:off x="2088635" y="37567590"/>
-                <a:ext cx="9122800" cy="1268424"/>
+                <a:off x="1884515" y="38583439"/>
+                <a:ext cx="11383213" cy="1182118"/>
               </a:xfrm>
               <a:prstGeom prst="rect">
                 <a:avLst/>
               </a:prstGeom>
               <a:blipFill>
-                <a:blip r:embed="rId5"/>
+                <a:blip r:embed="rId10"/>
                 <a:stretch>
                   <a:fillRect/>
                 </a:stretch>
@@ -7079,10 +5794,668 @@
       </mc:AlternateContent>
       <p:sp>
         <p:nvSpPr>
-          <p:cNvPr id="45" name="Text Box 180">
+          <p:cNvPr id="51" name="Text Box 192">
             <a:extLst>
               <a:ext uri="{FF2B5EF4-FFF2-40B4-BE49-F238E27FC236}">
-                <a16:creationId xmlns:a16="http://schemas.microsoft.com/office/drawing/2014/main" id="{EABFD9C2-82F2-4A4B-87A6-6F0ECEBE1ECF}"/>
+                <a16:creationId xmlns:a16="http://schemas.microsoft.com/office/drawing/2014/main" xmlns="" id="{7A354DCB-8348-42E8-98FC-77D8E16C13B9}"/>
+              </a:ext>
+            </a:extLst>
+          </p:cNvPr>
+          <p:cNvSpPr txBox="1">
+            <a:spLocks noChangeArrowheads="1"/>
+          </p:cNvSpPr>
+          <p:nvPr/>
+        </p:nvSpPr>
+        <p:spPr bwMode="auto">
+          <a:xfrm>
+            <a:off x="15702033" y="8518324"/>
+            <a:ext cx="12801742" cy="9830795"/>
+          </a:xfrm>
+          <a:prstGeom prst="rect">
+            <a:avLst/>
+          </a:prstGeom>
+          <a:solidFill>
+            <a:schemeClr val="bg1"/>
+          </a:solidFill>
+          <a:ln w="12700">
+            <a:solidFill>
+              <a:schemeClr val="accent1">
+                <a:lumMod val="75000"/>
+              </a:schemeClr>
+            </a:solidFill>
+          </a:ln>
+          <a:effectLst/>
+        </p:spPr>
+        <p:txBody>
+          <a:bodyPr wrap="square" lIns="173940" tIns="173940" rIns="173940" bIns="173940">
+            <a:spAutoFit/>
+          </a:bodyPr>
+          <a:lstStyle>
+            <a:lvl1pPr eaLnBrk="0" hangingPunct="0">
+              <a:defRPr sz="2200">
+                <a:solidFill>
+                  <a:schemeClr val="tx1"/>
+                </a:solidFill>
+                <a:latin typeface="Arial" charset="0"/>
+              </a:defRPr>
+            </a:lvl1pPr>
+            <a:lvl2pPr marL="742950" indent="-285750" eaLnBrk="0" hangingPunct="0">
+              <a:defRPr sz="2200">
+                <a:solidFill>
+                  <a:schemeClr val="tx1"/>
+                </a:solidFill>
+                <a:latin typeface="Arial" charset="0"/>
+              </a:defRPr>
+            </a:lvl2pPr>
+            <a:lvl3pPr marL="1143000" indent="-228600" eaLnBrk="0" hangingPunct="0">
+              <a:defRPr sz="2200">
+                <a:solidFill>
+                  <a:schemeClr val="tx1"/>
+                </a:solidFill>
+                <a:latin typeface="Arial" charset="0"/>
+              </a:defRPr>
+            </a:lvl3pPr>
+            <a:lvl4pPr marL="1600200" indent="-228600" eaLnBrk="0" hangingPunct="0">
+              <a:defRPr sz="2200">
+                <a:solidFill>
+                  <a:schemeClr val="tx1"/>
+                </a:solidFill>
+                <a:latin typeface="Arial" charset="0"/>
+              </a:defRPr>
+            </a:lvl4pPr>
+            <a:lvl5pPr marL="2057400" indent="-228600" eaLnBrk="0" hangingPunct="0">
+              <a:defRPr sz="2200">
+                <a:solidFill>
+                  <a:schemeClr val="tx1"/>
+                </a:solidFill>
+                <a:latin typeface="Arial" charset="0"/>
+              </a:defRPr>
+            </a:lvl5pPr>
+            <a:lvl6pPr marL="2514600" indent="-228600" eaLnBrk="0" fontAlgn="base" hangingPunct="0">
+              <a:spcBef>
+                <a:spcPct val="0"/>
+              </a:spcBef>
+              <a:spcAft>
+                <a:spcPct val="0"/>
+              </a:spcAft>
+              <a:defRPr sz="2200">
+                <a:solidFill>
+                  <a:schemeClr val="tx1"/>
+                </a:solidFill>
+                <a:latin typeface="Arial" charset="0"/>
+              </a:defRPr>
+            </a:lvl6pPr>
+            <a:lvl7pPr marL="2971800" indent="-228600" eaLnBrk="0" fontAlgn="base" hangingPunct="0">
+              <a:spcBef>
+                <a:spcPct val="0"/>
+              </a:spcBef>
+              <a:spcAft>
+                <a:spcPct val="0"/>
+              </a:spcAft>
+              <a:defRPr sz="2200">
+                <a:solidFill>
+                  <a:schemeClr val="tx1"/>
+                </a:solidFill>
+                <a:latin typeface="Arial" charset="0"/>
+              </a:defRPr>
+            </a:lvl7pPr>
+            <a:lvl8pPr marL="3429000" indent="-228600" eaLnBrk="0" fontAlgn="base" hangingPunct="0">
+              <a:spcBef>
+                <a:spcPct val="0"/>
+              </a:spcBef>
+              <a:spcAft>
+                <a:spcPct val="0"/>
+              </a:spcAft>
+              <a:defRPr sz="2200">
+                <a:solidFill>
+                  <a:schemeClr val="tx1"/>
+                </a:solidFill>
+                <a:latin typeface="Arial" charset="0"/>
+              </a:defRPr>
+            </a:lvl8pPr>
+            <a:lvl9pPr marL="3886200" indent="-228600" eaLnBrk="0" fontAlgn="base" hangingPunct="0">
+              <a:spcBef>
+                <a:spcPct val="0"/>
+              </a:spcBef>
+              <a:spcAft>
+                <a:spcPct val="0"/>
+              </a:spcAft>
+              <a:defRPr sz="2200">
+                <a:solidFill>
+                  <a:schemeClr val="tx1"/>
+                </a:solidFill>
+                <a:latin typeface="Arial" charset="0"/>
+              </a:defRPr>
+            </a:lvl9pPr>
+          </a:lstStyle>
+          <a:p>
+            <a:pPr marL="457200" indent="-457200" eaLnBrk="1" hangingPunct="1">
+              <a:buFont typeface="Wingdings" panose="05000000000000000000" pitchFamily="2" charset="2"/>
+              <a:buChar char="§"/>
+            </a:pPr>
+            <a:r>
+              <a:rPr lang="en-US" altLang="ko-KR" sz="2800" dirty="0" err="1">
+                <a:latin typeface="+mn-ea"/>
+              </a:rPr>
+              <a:t>openCV</a:t>
+            </a:r>
+            <a:r>
+              <a:rPr lang="ko-KR" altLang="en-US" sz="2800" dirty="0">
+                <a:latin typeface="+mn-ea"/>
+              </a:rPr>
+              <a:t>를 활용하여 스트리밍 데이터를 프레임 단위로 처리한다</a:t>
+            </a:r>
+            <a:r>
+              <a:rPr lang="en-US" altLang="ko-KR" sz="2800" dirty="0">
+                <a:latin typeface="+mn-ea"/>
+              </a:rPr>
+              <a:t>. </a:t>
+            </a:r>
+            <a:r>
+              <a:rPr lang="ko-KR" altLang="en-US" sz="2800" dirty="0">
+                <a:latin typeface="+mn-ea"/>
+              </a:rPr>
+              <a:t>프레임 별로 </a:t>
+            </a:r>
+            <a:r>
+              <a:rPr lang="en-US" altLang="ko-KR" sz="2800" dirty="0" err="1">
+                <a:latin typeface="+mn-ea"/>
+              </a:rPr>
+              <a:t>Tensorflow</a:t>
+            </a:r>
+            <a:r>
+              <a:rPr lang="ko-KR" altLang="en-US" sz="2800" dirty="0">
+                <a:latin typeface="+mn-ea"/>
+              </a:rPr>
+              <a:t>의 </a:t>
+            </a:r>
+            <a:r>
+              <a:rPr lang="en-US" altLang="ko-KR" sz="2800" dirty="0">
+                <a:latin typeface="+mn-ea"/>
+              </a:rPr>
+              <a:t>Object-Detection </a:t>
+            </a:r>
+            <a:r>
+              <a:rPr lang="ko-KR" altLang="en-US" sz="2800" dirty="0">
+                <a:latin typeface="+mn-ea"/>
+              </a:rPr>
+              <a:t>기능을 활용하여 프레임 내에서 인식되는 객체 중 사람과 차량만을 추출한다</a:t>
+            </a:r>
+            <a:r>
+              <a:rPr lang="en-US" altLang="ko-KR" sz="2800" dirty="0">
+                <a:latin typeface="+mn-ea"/>
+              </a:rPr>
+              <a:t>.</a:t>
+            </a:r>
+          </a:p>
+          <a:p>
+            <a:pPr marL="457200" indent="-457200" eaLnBrk="1" hangingPunct="1">
+              <a:buFont typeface="Wingdings" panose="05000000000000000000" pitchFamily="2" charset="2"/>
+              <a:buChar char="§"/>
+            </a:pPr>
+            <a:endParaRPr lang="en-US" altLang="ko-KR" sz="2800" dirty="0">
+              <a:latin typeface="+mn-ea"/>
+            </a:endParaRPr>
+          </a:p>
+          <a:p>
+            <a:pPr marL="457200" indent="-457200" eaLnBrk="1" hangingPunct="1">
+              <a:buFont typeface="Wingdings" panose="05000000000000000000" pitchFamily="2" charset="2"/>
+              <a:buChar char="§"/>
+            </a:pPr>
+            <a:r>
+              <a:rPr lang="ko-KR" altLang="en-US" sz="2800" dirty="0">
+                <a:latin typeface="+mn-ea"/>
+              </a:rPr>
+              <a:t>객체가 사고 발생 가능 범위 내로 진입함을 인식하기 위해서</a:t>
+            </a:r>
+            <a:r>
+              <a:rPr lang="en-US" altLang="ko-KR" sz="2800" dirty="0">
+                <a:latin typeface="+mn-ea"/>
+              </a:rPr>
+              <a:t> </a:t>
+            </a:r>
+            <a:r>
+              <a:rPr lang="ko-KR" altLang="en-US" sz="2800" dirty="0">
+                <a:latin typeface="+mn-ea"/>
+              </a:rPr>
+              <a:t>사용자가 설정한 기준선에서부터 인식된 객체의 중심점까지의 이차원 평면에서의 </a:t>
+            </a:r>
+            <a:r>
+              <a:rPr lang="ko-KR" altLang="en-US" sz="2800" dirty="0" err="1">
+                <a:latin typeface="+mn-ea"/>
+              </a:rPr>
+              <a:t>유클리디안</a:t>
+            </a:r>
+            <a:r>
+              <a:rPr lang="ko-KR" altLang="en-US" sz="2800" dirty="0">
+                <a:latin typeface="+mn-ea"/>
+              </a:rPr>
+              <a:t> 거리 </a:t>
+            </a:r>
+            <a:r>
+              <a:rPr lang="en-US" altLang="ko-KR" sz="2800" dirty="0">
+                <a:latin typeface="+mn-ea"/>
+              </a:rPr>
+              <a:t>&lt;</a:t>
+            </a:r>
+            <a:r>
+              <a:rPr lang="ko-KR" altLang="en-US" sz="2800" dirty="0" smtClean="0">
+                <a:latin typeface="+mn-ea"/>
+              </a:rPr>
+              <a:t>그림 </a:t>
+            </a:r>
+            <a:r>
+              <a:rPr lang="en-US" altLang="ko-KR" sz="2800" dirty="0" smtClean="0">
+                <a:latin typeface="+mn-ea"/>
+              </a:rPr>
+              <a:t>2-2&gt;</a:t>
+            </a:r>
+            <a:r>
+              <a:rPr lang="ko-KR" altLang="en-US" sz="2800" dirty="0" smtClean="0">
+                <a:latin typeface="+mn-ea"/>
+              </a:rPr>
+              <a:t>를 </a:t>
+            </a:r>
+            <a:r>
+              <a:rPr lang="ko-KR" altLang="en-US" sz="2800" dirty="0">
+                <a:latin typeface="+mn-ea"/>
+              </a:rPr>
+              <a:t>계산하여 차이를 측정하여 </a:t>
+            </a:r>
+            <a:r>
+              <a:rPr lang="en-US" altLang="ko-KR" sz="2800" dirty="0">
+                <a:latin typeface="+mn-ea"/>
+              </a:rPr>
+              <a:t>Object–Tracking </a:t>
+            </a:r>
+            <a:r>
+              <a:rPr lang="ko-KR" altLang="en-US" sz="2800" dirty="0">
+                <a:latin typeface="+mn-ea"/>
+              </a:rPr>
+              <a:t>기능을 구현한다</a:t>
+            </a:r>
+            <a:r>
+              <a:rPr lang="en-US" altLang="ko-KR" sz="2800" dirty="0">
+                <a:latin typeface="+mn-ea"/>
+              </a:rPr>
+              <a:t>.</a:t>
+            </a:r>
+          </a:p>
+          <a:p>
+            <a:pPr marL="457200" indent="-457200" eaLnBrk="1" hangingPunct="1">
+              <a:buFont typeface="Wingdings" panose="05000000000000000000" pitchFamily="2" charset="2"/>
+              <a:buChar char="§"/>
+            </a:pPr>
+            <a:endParaRPr lang="en-US" altLang="ko-KR" sz="2800" dirty="0">
+              <a:latin typeface="+mn-ea"/>
+            </a:endParaRPr>
+          </a:p>
+          <a:p>
+            <a:pPr marL="457200" indent="-457200" eaLnBrk="1" hangingPunct="1">
+              <a:buFont typeface="Wingdings" panose="05000000000000000000" pitchFamily="2" charset="2"/>
+              <a:buChar char="§"/>
+            </a:pPr>
+            <a:r>
+              <a:rPr lang="ko-KR" altLang="en-US" sz="2800" dirty="0">
+                <a:latin typeface="+mn-ea"/>
+              </a:rPr>
+              <a:t>영상 내에서 인식된 객체별로 </a:t>
+            </a:r>
+            <a:r>
+              <a:rPr lang="en-US" altLang="ko-KR" sz="2800" dirty="0">
+                <a:latin typeface="+mn-ea"/>
+              </a:rPr>
+              <a:t>&lt;</a:t>
+            </a:r>
+            <a:r>
+              <a:rPr lang="ko-KR" altLang="en-US" sz="2800" dirty="0" smtClean="0">
+                <a:latin typeface="+mn-ea"/>
+              </a:rPr>
+              <a:t>표 </a:t>
+            </a:r>
+            <a:r>
+              <a:rPr lang="en-US" altLang="ko-KR" sz="2800" dirty="0" smtClean="0">
+                <a:latin typeface="+mn-ea"/>
+              </a:rPr>
+              <a:t>1</a:t>
+            </a:r>
+            <a:r>
+              <a:rPr lang="en-US" altLang="ko-KR" sz="2800" dirty="0">
+                <a:latin typeface="+mn-ea"/>
+              </a:rPr>
+              <a:t>&gt; </a:t>
+            </a:r>
+            <a:r>
+              <a:rPr lang="ko-KR" altLang="en-US" sz="2800" dirty="0">
+                <a:latin typeface="+mn-ea"/>
+              </a:rPr>
+              <a:t>에 해당되는 </a:t>
+            </a:r>
+            <a:r>
+              <a:rPr lang="en-US" altLang="ko-KR" sz="2800" dirty="0">
+                <a:latin typeface="+mn-ea"/>
+              </a:rPr>
+              <a:t>Value </a:t>
+            </a:r>
+            <a:r>
+              <a:rPr lang="ko-KR" altLang="en-US" sz="2800" dirty="0">
+                <a:latin typeface="+mn-ea"/>
+              </a:rPr>
+              <a:t>값을 설정한다</a:t>
+            </a:r>
+            <a:r>
+              <a:rPr lang="en-US" altLang="ko-KR" sz="2800" dirty="0">
+                <a:latin typeface="+mn-ea"/>
+              </a:rPr>
+              <a:t>. </a:t>
+            </a:r>
+            <a:r>
+              <a:rPr lang="ko-KR" altLang="en-US" sz="2800" dirty="0">
+                <a:latin typeface="+mn-ea"/>
+              </a:rPr>
+              <a:t>해당 </a:t>
+            </a:r>
+            <a:r>
+              <a:rPr lang="en-US" altLang="ko-KR" sz="2800" dirty="0">
+                <a:latin typeface="+mn-ea"/>
+              </a:rPr>
+              <a:t>Value </a:t>
+            </a:r>
+            <a:r>
+              <a:rPr lang="ko-KR" altLang="en-US" sz="2800" dirty="0">
+                <a:latin typeface="+mn-ea"/>
+              </a:rPr>
+              <a:t>값과 함께 영상을 촬영한 카메라 고유의 </a:t>
+            </a:r>
+            <a:r>
+              <a:rPr lang="en-US" altLang="ko-KR" sz="2800" dirty="0">
+                <a:latin typeface="+mn-ea"/>
+              </a:rPr>
+              <a:t>ID </a:t>
+            </a:r>
+            <a:r>
+              <a:rPr lang="ko-KR" altLang="en-US" sz="2800" dirty="0">
+                <a:latin typeface="+mn-ea"/>
+              </a:rPr>
+              <a:t>값을 </a:t>
+            </a:r>
+            <a:r>
+              <a:rPr lang="en-US" altLang="ko-KR" sz="2800" dirty="0">
+                <a:latin typeface="+mn-ea"/>
+              </a:rPr>
+              <a:t>JSON </a:t>
+            </a:r>
+            <a:r>
+              <a:rPr lang="ko-KR" altLang="en-US" sz="2800" dirty="0">
+                <a:latin typeface="+mn-ea"/>
+              </a:rPr>
+              <a:t>형식으로 데이터를 정제하여 서버로 전송한다</a:t>
+            </a:r>
+            <a:r>
+              <a:rPr lang="en-US" altLang="ko-KR" sz="2800" dirty="0">
+                <a:latin typeface="+mn-ea"/>
+              </a:rPr>
+              <a:t>.</a:t>
+            </a:r>
+          </a:p>
+          <a:p>
+            <a:pPr eaLnBrk="1" hangingPunct="1"/>
+            <a:endParaRPr lang="en-US" altLang="ko-KR" sz="2800" dirty="0">
+              <a:latin typeface="+mn-ea"/>
+            </a:endParaRPr>
+          </a:p>
+          <a:p>
+            <a:pPr marL="457200" indent="-457200" eaLnBrk="1" hangingPunct="1">
+              <a:buFont typeface="Wingdings" panose="05000000000000000000" pitchFamily="2" charset="2"/>
+              <a:buChar char="§"/>
+            </a:pPr>
+            <a:r>
+              <a:rPr lang="en-US" altLang="ko-KR" sz="2800" dirty="0" err="1">
+                <a:latin typeface="+mn-ea"/>
+              </a:rPr>
+              <a:t>Tensorflow</a:t>
+            </a:r>
+            <a:r>
+              <a:rPr lang="ko-KR" altLang="en-US" sz="2800" dirty="0">
+                <a:latin typeface="+mn-ea"/>
+              </a:rPr>
+              <a:t>의 </a:t>
+            </a:r>
+            <a:r>
+              <a:rPr lang="en-US" altLang="ko-KR" sz="2800" dirty="0">
+                <a:latin typeface="+mn-ea"/>
+              </a:rPr>
+              <a:t>Object-Detection </a:t>
+            </a:r>
+            <a:r>
+              <a:rPr lang="ko-KR" altLang="en-US" sz="2800" dirty="0">
+                <a:latin typeface="+mn-ea"/>
+              </a:rPr>
+              <a:t>기능은 모델의 성능과 환경에 따라서 인식률의 차이가 존재하기 때문에 객체를 지속적으로 인식하지 못하는 한계점이 존재한다</a:t>
+            </a:r>
+            <a:r>
+              <a:rPr lang="en-US" altLang="ko-KR" sz="2800" dirty="0">
+                <a:latin typeface="+mn-ea"/>
+              </a:rPr>
+              <a:t>. </a:t>
+            </a:r>
+            <a:r>
+              <a:rPr lang="en-US" altLang="ko-KR" sz="2800" dirty="0" smtClean="0">
+                <a:latin typeface="+mn-ea"/>
+              </a:rPr>
+              <a:t>(&lt;</a:t>
+            </a:r>
+            <a:r>
+              <a:rPr lang="ko-KR" altLang="en-US" sz="2800" dirty="0" smtClean="0">
+                <a:latin typeface="+mn-ea"/>
+              </a:rPr>
+              <a:t>그림 </a:t>
+            </a:r>
+            <a:r>
+              <a:rPr lang="en-US" altLang="ko-KR" sz="2800" dirty="0" smtClean="0">
+                <a:latin typeface="+mn-ea"/>
+              </a:rPr>
+              <a:t>3&gt;</a:t>
+            </a:r>
+            <a:r>
+              <a:rPr lang="ko-KR" altLang="en-US" sz="2800" dirty="0" smtClean="0">
+                <a:latin typeface="+mn-ea"/>
+              </a:rPr>
+              <a:t>의 </a:t>
+            </a:r>
+            <a:r>
+              <a:rPr lang="ko-KR" altLang="en-US" sz="2800" dirty="0">
+                <a:latin typeface="+mn-ea"/>
+              </a:rPr>
+              <a:t>왼쪽 그림 참고</a:t>
+            </a:r>
+            <a:r>
+              <a:rPr lang="en-US" altLang="ko-KR" sz="2800" dirty="0">
+                <a:latin typeface="+mn-ea"/>
+              </a:rPr>
+              <a:t>) </a:t>
+            </a:r>
+          </a:p>
+          <a:p>
+            <a:pPr marL="457200" indent="-457200" eaLnBrk="1" hangingPunct="1">
+              <a:buFont typeface="Wingdings" panose="05000000000000000000" pitchFamily="2" charset="2"/>
+              <a:buChar char="§"/>
+            </a:pPr>
+            <a:endParaRPr lang="en-US" altLang="ko-KR" sz="2800" dirty="0">
+              <a:latin typeface="+mn-ea"/>
+            </a:endParaRPr>
+          </a:p>
+          <a:p>
+            <a:pPr marL="457200" indent="-457200" eaLnBrk="1" hangingPunct="1">
+              <a:buFont typeface="Wingdings" panose="05000000000000000000" pitchFamily="2" charset="2"/>
+              <a:buChar char="§"/>
+            </a:pPr>
+            <a:r>
+              <a:rPr lang="ko-KR" altLang="en-US" sz="2800" dirty="0">
+                <a:latin typeface="+mn-ea"/>
+              </a:rPr>
+              <a:t>따라서 클라이언트는 </a:t>
+            </a:r>
+            <a:r>
+              <a:rPr lang="en-US" altLang="ko-KR" sz="2800" dirty="0">
+                <a:latin typeface="+mn-ea"/>
+              </a:rPr>
+              <a:t>Value </a:t>
+            </a:r>
+            <a:r>
+              <a:rPr lang="ko-KR" altLang="en-US" sz="2800" dirty="0">
+                <a:latin typeface="+mn-ea"/>
+              </a:rPr>
+              <a:t>값의 크기에 따라 우선순위를 설정하여 일정시간 내에 감지되는 우선순위가 제일 높은 </a:t>
+            </a:r>
+            <a:r>
+              <a:rPr lang="en-US" altLang="ko-KR" sz="2800" dirty="0">
+                <a:latin typeface="+mn-ea"/>
+              </a:rPr>
+              <a:t>Value </a:t>
+            </a:r>
+            <a:r>
+              <a:rPr lang="ko-KR" altLang="en-US" sz="2800" dirty="0">
+                <a:latin typeface="+mn-ea"/>
+              </a:rPr>
+              <a:t>값을 서버로 전송한다</a:t>
+            </a:r>
+            <a:r>
+              <a:rPr lang="en-US" altLang="ko-KR" sz="2800" dirty="0">
+                <a:latin typeface="+mn-ea"/>
+              </a:rPr>
+              <a:t>. </a:t>
+            </a:r>
+            <a:r>
+              <a:rPr lang="ko-KR" altLang="en-US" sz="2800" dirty="0">
+                <a:latin typeface="+mn-ea"/>
+              </a:rPr>
+              <a:t>클라이언트는 서버로 데이터를 전송하는 중에 지속적으로 영상 내의 객체를 인식하여 우선순위가 더 높은 객체가 인식될 경우 </a:t>
+            </a:r>
+            <a:r>
+              <a:rPr lang="en-US" altLang="ko-KR" sz="2800" dirty="0">
+                <a:latin typeface="+mn-ea"/>
+              </a:rPr>
+              <a:t>Value </a:t>
+            </a:r>
+            <a:r>
+              <a:rPr lang="ko-KR" altLang="en-US" sz="2800" dirty="0">
+                <a:latin typeface="+mn-ea"/>
+              </a:rPr>
+              <a:t>값을 변경하고 전송시간을 다시 초기화한다</a:t>
+            </a:r>
+            <a:r>
+              <a:rPr lang="en-US" altLang="ko-KR" sz="2800" dirty="0">
+                <a:latin typeface="+mn-ea"/>
+              </a:rPr>
+              <a:t>. </a:t>
+            </a:r>
+            <a:r>
+              <a:rPr lang="en-US" altLang="ko-KR" sz="2800" dirty="0" smtClean="0">
+                <a:latin typeface="+mn-ea"/>
+              </a:rPr>
+              <a:t>(&lt;</a:t>
+            </a:r>
+            <a:r>
+              <a:rPr lang="ko-KR" altLang="en-US" sz="2800" dirty="0" smtClean="0">
+                <a:latin typeface="+mn-ea"/>
+              </a:rPr>
+              <a:t>그림 </a:t>
+            </a:r>
+            <a:r>
+              <a:rPr lang="en-US" altLang="ko-KR" sz="2800" dirty="0" smtClean="0">
+                <a:latin typeface="+mn-ea"/>
+              </a:rPr>
+              <a:t>3&gt;</a:t>
+            </a:r>
+            <a:r>
+              <a:rPr lang="ko-KR" altLang="en-US" sz="2800" dirty="0" smtClean="0">
+                <a:latin typeface="+mn-ea"/>
+              </a:rPr>
+              <a:t>의 </a:t>
+            </a:r>
+            <a:r>
+              <a:rPr lang="ko-KR" altLang="en-US" sz="2800" dirty="0">
+                <a:latin typeface="+mn-ea"/>
+              </a:rPr>
+              <a:t>오른쪽 그림 참고</a:t>
+            </a:r>
+            <a:r>
+              <a:rPr lang="en-US" altLang="ko-KR" sz="2800" dirty="0">
+                <a:latin typeface="+mn-ea"/>
+              </a:rPr>
+              <a:t>)</a:t>
+            </a:r>
+          </a:p>
+        </p:txBody>
+      </p:sp>
+      <p:sp>
+        <p:nvSpPr>
+          <p:cNvPr id="52" name="Rectangle 33">
+            <a:extLst>
+              <a:ext uri="{FF2B5EF4-FFF2-40B4-BE49-F238E27FC236}">
+                <a16:creationId xmlns:a16="http://schemas.microsoft.com/office/drawing/2014/main" xmlns="" id="{6AED1CF4-6091-43D6-8DD9-9787721B0E73}"/>
+              </a:ext>
+            </a:extLst>
+          </p:cNvPr>
+          <p:cNvSpPr/>
+          <p:nvPr/>
+        </p:nvSpPr>
+        <p:spPr>
+          <a:xfrm>
+            <a:off x="15702033" y="5699569"/>
+            <a:ext cx="12801742" cy="766738"/>
+          </a:xfrm>
+          <a:prstGeom prst="rect">
+            <a:avLst/>
+          </a:prstGeom>
+          <a:solidFill>
+            <a:schemeClr val="accent1">
+              <a:lumMod val="75000"/>
+            </a:schemeClr>
+          </a:solidFill>
+        </p:spPr>
+        <p:style>
+          <a:lnRef idx="2">
+            <a:schemeClr val="accent1">
+              <a:shade val="50000"/>
+            </a:schemeClr>
+          </a:lnRef>
+          <a:fillRef idx="1">
+            <a:schemeClr val="accent1"/>
+          </a:fillRef>
+          <a:effectRef idx="0">
+            <a:schemeClr val="accent1"/>
+          </a:effectRef>
+          <a:fontRef idx="minor">
+            <a:schemeClr val="lt1"/>
+          </a:fontRef>
+        </p:style>
+        <p:txBody>
+          <a:bodyPr lIns="86970" tIns="43485" rIns="86970" bIns="43485" rtlCol="0" anchor="ctr"/>
+          <a:lstStyle/>
+          <a:p>
+            <a:pPr algn="ctr"/>
+            <a:r>
+              <a:rPr lang="en-US" altLang="ko-KR" sz="5400" b="1" dirty="0">
+                <a:solidFill>
+                  <a:schemeClr val="accent3">
+                    <a:lumMod val="20000"/>
+                    <a:lumOff val="80000"/>
+                  </a:schemeClr>
+                </a:solidFill>
+              </a:rPr>
+              <a:t>Client Process</a:t>
+            </a:r>
+          </a:p>
+        </p:txBody>
+      </p:sp>
+      <p:sp>
+        <p:nvSpPr>
+          <p:cNvPr id="53" name="Text Box 180">
+            <a:extLst>
+              <a:ext uri="{FF2B5EF4-FFF2-40B4-BE49-F238E27FC236}">
+                <a16:creationId xmlns:a16="http://schemas.microsoft.com/office/drawing/2014/main" xmlns="" id="{81104DDB-2C3B-4B4E-8C27-B9219D57F152}"/>
               </a:ext>
             </a:extLst>
           </p:cNvPr>
@@ -7278,10 +6651,10 @@
       </p:sp>
       <p:graphicFrame>
         <p:nvGraphicFramePr>
-          <p:cNvPr id="17" name="표 17">
+          <p:cNvPr id="54" name="표 17">
             <a:extLst>
               <a:ext uri="{FF2B5EF4-FFF2-40B4-BE49-F238E27FC236}">
-                <a16:creationId xmlns:a16="http://schemas.microsoft.com/office/drawing/2014/main" id="{A26ACCAE-B4C7-4E5C-AFA6-D430A964DD92}"/>
+                <a16:creationId xmlns:a16="http://schemas.microsoft.com/office/drawing/2014/main" xmlns="" id="{48534518-4DB8-4580-A492-AD2C4B93D626}"/>
               </a:ext>
             </a:extLst>
           </p:cNvPr>
@@ -7291,13 +6664,13 @@
           <p:nvPr>
             <p:extLst>
               <p:ext uri="{D42A27DB-BD31-4B8C-83A1-F6EECF244321}">
-                <p14:modId xmlns:p14="http://schemas.microsoft.com/office/powerpoint/2010/main" val="4077961420"/>
+                <p14:modId xmlns:p14="http://schemas.microsoft.com/office/powerpoint/2010/main" val="1249859879"/>
               </p:ext>
             </p:extLst>
           </p:nvPr>
         </p:nvGraphicFramePr>
         <p:xfrm>
-          <a:off x="15688038" y="6665217"/>
+          <a:off x="15702175" y="6670606"/>
           <a:ext cx="12801600" cy="1172622"/>
         </p:xfrm>
         <a:graphic>
@@ -7310,21 +6683,21 @@
                 <a:gridCol w="4267200">
                   <a:extLst>
                     <a:ext uri="{9D8B030D-6E8A-4147-A177-3AD203B41FA5}">
-                      <a16:colId xmlns:a16="http://schemas.microsoft.com/office/drawing/2014/main" val="2111459064"/>
+                      <a16:colId xmlns:a16="http://schemas.microsoft.com/office/drawing/2014/main" xmlns="" val="2111459064"/>
                     </a:ext>
                   </a:extLst>
                 </a:gridCol>
                 <a:gridCol w="4267200">
                   <a:extLst>
                     <a:ext uri="{9D8B030D-6E8A-4147-A177-3AD203B41FA5}">
-                      <a16:colId xmlns:a16="http://schemas.microsoft.com/office/drawing/2014/main" val="3767747850"/>
+                      <a16:colId xmlns:a16="http://schemas.microsoft.com/office/drawing/2014/main" xmlns="" val="3767747850"/>
                     </a:ext>
                   </a:extLst>
                 </a:gridCol>
                 <a:gridCol w="4267200">
                   <a:extLst>
                     <a:ext uri="{9D8B030D-6E8A-4147-A177-3AD203B41FA5}">
-                      <a16:colId xmlns:a16="http://schemas.microsoft.com/office/drawing/2014/main" val="2131450329"/>
+                      <a16:colId xmlns:a16="http://schemas.microsoft.com/office/drawing/2014/main" xmlns="" val="2131450329"/>
                     </a:ext>
                   </a:extLst>
                 </a:gridCol>
@@ -7459,7 +6832,7 @@
                 </a:tc>
                 <a:extLst>
                   <a:ext uri="{0D108BD9-81ED-4DB2-BD59-A6C34878D82A}">
-                    <a16:rowId xmlns:a16="http://schemas.microsoft.com/office/drawing/2014/main" val="590918076"/>
+                    <a16:rowId xmlns:a16="http://schemas.microsoft.com/office/drawing/2014/main" xmlns="" val="590918076"/>
                   </a:ext>
                 </a:extLst>
               </a:tr>
@@ -7631,7 +7004,7 @@
                 </a:tc>
                 <a:extLst>
                   <a:ext uri="{0D108BD9-81ED-4DB2-BD59-A6C34878D82A}">
-                    <a16:rowId xmlns:a16="http://schemas.microsoft.com/office/drawing/2014/main" val="1067371450"/>
+                    <a16:rowId xmlns:a16="http://schemas.microsoft.com/office/drawing/2014/main" xmlns="" val="1067371450"/>
                   </a:ext>
                 </a:extLst>
               </a:tr>
@@ -7639,12 +7012,675 @@
           </a:graphicData>
         </a:graphic>
       </p:graphicFrame>
+      <p:sp>
+        <p:nvSpPr>
+          <p:cNvPr id="55" name="Text Box 189">
+            <a:extLst>
+              <a:ext uri="{FF2B5EF4-FFF2-40B4-BE49-F238E27FC236}">
+                <a16:creationId xmlns:a16="http://schemas.microsoft.com/office/drawing/2014/main" xmlns="" id="{60298FBA-3536-4343-BF76-043E7B86150D}"/>
+              </a:ext>
+            </a:extLst>
+          </p:cNvPr>
+          <p:cNvSpPr txBox="1">
+            <a:spLocks noChangeArrowheads="1"/>
+          </p:cNvSpPr>
+          <p:nvPr/>
+        </p:nvSpPr>
+        <p:spPr bwMode="auto">
+          <a:xfrm>
+            <a:off x="15651676" y="29121314"/>
+            <a:ext cx="12801600" cy="6871041"/>
+          </a:xfrm>
+          <a:prstGeom prst="rect">
+            <a:avLst/>
+          </a:prstGeom>
+          <a:solidFill>
+            <a:schemeClr val="bg1"/>
+          </a:solidFill>
+          <a:ln w="12700">
+            <a:solidFill>
+              <a:schemeClr val="accent1">
+                <a:lumMod val="75000"/>
+              </a:schemeClr>
+            </a:solidFill>
+          </a:ln>
+          <a:effectLst/>
+        </p:spPr>
+        <p:txBody>
+          <a:bodyPr wrap="square" lIns="173940" tIns="173940" rIns="173940" bIns="173940">
+            <a:noAutofit/>
+          </a:bodyPr>
+          <a:lstStyle>
+            <a:lvl1pPr eaLnBrk="0" hangingPunct="0">
+              <a:defRPr sz="2200">
+                <a:solidFill>
+                  <a:schemeClr val="tx1"/>
+                </a:solidFill>
+                <a:latin typeface="Arial" charset="0"/>
+              </a:defRPr>
+            </a:lvl1pPr>
+            <a:lvl2pPr marL="742950" indent="-285750" eaLnBrk="0" hangingPunct="0">
+              <a:defRPr sz="2200">
+                <a:solidFill>
+                  <a:schemeClr val="tx1"/>
+                </a:solidFill>
+                <a:latin typeface="Arial" charset="0"/>
+              </a:defRPr>
+            </a:lvl2pPr>
+            <a:lvl3pPr marL="1143000" indent="-228600" eaLnBrk="0" hangingPunct="0">
+              <a:defRPr sz="2200">
+                <a:solidFill>
+                  <a:schemeClr val="tx1"/>
+                </a:solidFill>
+                <a:latin typeface="Arial" charset="0"/>
+              </a:defRPr>
+            </a:lvl3pPr>
+            <a:lvl4pPr marL="1600200" indent="-228600" eaLnBrk="0" hangingPunct="0">
+              <a:defRPr sz="2200">
+                <a:solidFill>
+                  <a:schemeClr val="tx1"/>
+                </a:solidFill>
+                <a:latin typeface="Arial" charset="0"/>
+              </a:defRPr>
+            </a:lvl4pPr>
+            <a:lvl5pPr marL="2057400" indent="-228600" eaLnBrk="0" hangingPunct="0">
+              <a:defRPr sz="2200">
+                <a:solidFill>
+                  <a:schemeClr val="tx1"/>
+                </a:solidFill>
+                <a:latin typeface="Arial" charset="0"/>
+              </a:defRPr>
+            </a:lvl5pPr>
+            <a:lvl6pPr marL="2514600" indent="-228600" eaLnBrk="0" fontAlgn="base" hangingPunct="0">
+              <a:spcBef>
+                <a:spcPct val="0"/>
+              </a:spcBef>
+              <a:spcAft>
+                <a:spcPct val="0"/>
+              </a:spcAft>
+              <a:defRPr sz="2200">
+                <a:solidFill>
+                  <a:schemeClr val="tx1"/>
+                </a:solidFill>
+                <a:latin typeface="Arial" charset="0"/>
+              </a:defRPr>
+            </a:lvl6pPr>
+            <a:lvl7pPr marL="2971800" indent="-228600" eaLnBrk="0" fontAlgn="base" hangingPunct="0">
+              <a:spcBef>
+                <a:spcPct val="0"/>
+              </a:spcBef>
+              <a:spcAft>
+                <a:spcPct val="0"/>
+              </a:spcAft>
+              <a:defRPr sz="2200">
+                <a:solidFill>
+                  <a:schemeClr val="tx1"/>
+                </a:solidFill>
+                <a:latin typeface="Arial" charset="0"/>
+              </a:defRPr>
+            </a:lvl7pPr>
+            <a:lvl8pPr marL="3429000" indent="-228600" eaLnBrk="0" fontAlgn="base" hangingPunct="0">
+              <a:spcBef>
+                <a:spcPct val="0"/>
+              </a:spcBef>
+              <a:spcAft>
+                <a:spcPct val="0"/>
+              </a:spcAft>
+              <a:defRPr sz="2200">
+                <a:solidFill>
+                  <a:schemeClr val="tx1"/>
+                </a:solidFill>
+                <a:latin typeface="Arial" charset="0"/>
+              </a:defRPr>
+            </a:lvl8pPr>
+            <a:lvl9pPr marL="3886200" indent="-228600" eaLnBrk="0" fontAlgn="base" hangingPunct="0">
+              <a:spcBef>
+                <a:spcPct val="0"/>
+              </a:spcBef>
+              <a:spcAft>
+                <a:spcPct val="0"/>
+              </a:spcAft>
+              <a:defRPr sz="2200">
+                <a:solidFill>
+                  <a:schemeClr val="tx1"/>
+                </a:solidFill>
+                <a:latin typeface="Arial" charset="0"/>
+              </a:defRPr>
+            </a:lvl9pPr>
+          </a:lstStyle>
+          <a:p>
+            <a:pPr marL="457200" indent="-457200" eaLnBrk="1" hangingPunct="1">
+              <a:buFont typeface="Wingdings" panose="05000000000000000000" pitchFamily="2" charset="2"/>
+              <a:buChar char="§"/>
+            </a:pPr>
+            <a:r>
+              <a:rPr lang="ko-KR" altLang="en-US" sz="2800" dirty="0">
+                <a:latin typeface="Calibri" pitchFamily="34" charset="0"/>
+              </a:rPr>
+              <a:t>서버는 </a:t>
+            </a:r>
+            <a:r>
+              <a:rPr lang="en-US" altLang="ko-KR" sz="2800" dirty="0">
+                <a:latin typeface="Calibri" pitchFamily="34" charset="0"/>
+              </a:rPr>
+              <a:t>&lt;</a:t>
+            </a:r>
+            <a:r>
+              <a:rPr lang="ko-KR" altLang="en-US" sz="2800" dirty="0">
+                <a:latin typeface="Calibri" pitchFamily="34" charset="0"/>
+              </a:rPr>
+              <a:t>표 </a:t>
+            </a:r>
+            <a:r>
+              <a:rPr lang="en-US" altLang="ko-KR" sz="2800" dirty="0">
+                <a:latin typeface="Calibri" pitchFamily="34" charset="0"/>
+              </a:rPr>
+              <a:t>1&gt;</a:t>
+            </a:r>
+            <a:r>
+              <a:rPr lang="ko-KR" altLang="en-US" sz="2800" dirty="0">
+                <a:latin typeface="Calibri" pitchFamily="34" charset="0"/>
+              </a:rPr>
+              <a:t>의 정보를 카메라 고유 </a:t>
+            </a:r>
+            <a:r>
+              <a:rPr lang="en-US" altLang="ko-KR" sz="2800" dirty="0">
+                <a:latin typeface="Calibri" pitchFamily="34" charset="0"/>
+              </a:rPr>
+              <a:t>ID</a:t>
+            </a:r>
+            <a:r>
+              <a:rPr lang="ko-KR" altLang="en-US" sz="2800" dirty="0">
+                <a:latin typeface="Calibri" pitchFamily="34" charset="0"/>
+              </a:rPr>
+              <a:t>와 함께 전달받으며 검출 데이터가 발생했을 시 이를 데이터베이스에서 대조하여 같은 구역인지 판단한다</a:t>
+            </a:r>
+            <a:r>
+              <a:rPr lang="en-US" altLang="ko-KR" sz="2800" dirty="0">
+                <a:latin typeface="Calibri" pitchFamily="34" charset="0"/>
+              </a:rPr>
+              <a:t>. </a:t>
+            </a:r>
+            <a:r>
+              <a:rPr lang="ko-KR" altLang="en-US" sz="2800" dirty="0">
+                <a:latin typeface="Calibri" pitchFamily="34" charset="0"/>
+              </a:rPr>
+              <a:t>같은 구역에서의 데이터를 </a:t>
+            </a:r>
+            <a:r>
+              <a:rPr lang="en-US" altLang="ko-KR" sz="2800" dirty="0">
+                <a:latin typeface="Calibri" pitchFamily="34" charset="0"/>
+              </a:rPr>
+              <a:t>2</a:t>
+            </a:r>
+            <a:r>
+              <a:rPr lang="ko-KR" altLang="en-US" sz="2800" dirty="0">
+                <a:latin typeface="Calibri" pitchFamily="34" charset="0"/>
+              </a:rPr>
+              <a:t>개 이상 수신하고 검출 데이터의 합이 </a:t>
+            </a:r>
+            <a:r>
+              <a:rPr lang="en-US" altLang="ko-KR" sz="2800" dirty="0">
+                <a:latin typeface="Calibri" pitchFamily="34" charset="0"/>
+              </a:rPr>
+              <a:t>1</a:t>
+            </a:r>
+            <a:r>
+              <a:rPr lang="ko-KR" altLang="en-US" sz="2800" dirty="0">
+                <a:latin typeface="Calibri" pitchFamily="34" charset="0"/>
+              </a:rPr>
+              <a:t>을 넘기게 되면 </a:t>
+            </a:r>
+            <a:r>
+              <a:rPr lang="en-US" altLang="ko-KR" sz="2800" dirty="0">
+                <a:latin typeface="Calibri" pitchFamily="34" charset="0"/>
+              </a:rPr>
+              <a:t>&lt;</a:t>
+            </a:r>
+            <a:r>
+              <a:rPr lang="ko-KR" altLang="en-US" sz="2800" dirty="0">
+                <a:latin typeface="Calibri" pitchFamily="34" charset="0"/>
+              </a:rPr>
+              <a:t>표 </a:t>
+            </a:r>
+            <a:r>
+              <a:rPr lang="en-US" altLang="ko-KR" sz="2800" dirty="0">
+                <a:latin typeface="Calibri" pitchFamily="34" charset="0"/>
+              </a:rPr>
+              <a:t>2&gt; </a:t>
+            </a:r>
+            <a:r>
+              <a:rPr lang="ko-KR" altLang="en-US" sz="2800" dirty="0">
+                <a:latin typeface="Calibri" pitchFamily="34" charset="0"/>
+              </a:rPr>
+              <a:t>와 같이 위험 상황으로 판단</a:t>
+            </a:r>
+            <a:r>
+              <a:rPr lang="en-US" altLang="ko-KR" sz="2800" dirty="0">
+                <a:latin typeface="Calibri" pitchFamily="34" charset="0"/>
+              </a:rPr>
+              <a:t>, </a:t>
+            </a:r>
+            <a:r>
+              <a:rPr lang="ko-KR" altLang="en-US" sz="2800" dirty="0">
+                <a:latin typeface="Calibri" pitchFamily="34" charset="0"/>
+              </a:rPr>
+              <a:t>해당 구역 알람에 신호를 전송한다</a:t>
+            </a:r>
+            <a:endParaRPr lang="en-US" altLang="ko-KR" sz="2800" dirty="0">
+              <a:latin typeface="Calibri" pitchFamily="34" charset="0"/>
+            </a:endParaRPr>
+          </a:p>
+          <a:p>
+            <a:pPr marL="457200" indent="-457200" eaLnBrk="1" hangingPunct="1">
+              <a:buFont typeface="Wingdings" panose="05000000000000000000" pitchFamily="2" charset="2"/>
+              <a:buChar char="§"/>
+            </a:pPr>
+            <a:endParaRPr lang="en-US" altLang="ko-KR" sz="2800" dirty="0">
+              <a:latin typeface="Calibri" pitchFamily="34" charset="0"/>
+            </a:endParaRPr>
+          </a:p>
+          <a:p>
+            <a:pPr marL="457200" indent="-457200" eaLnBrk="1" hangingPunct="1">
+              <a:buFont typeface="Wingdings" panose="05000000000000000000" pitchFamily="2" charset="2"/>
+              <a:buChar char="§"/>
+            </a:pPr>
+            <a:r>
+              <a:rPr lang="ko-KR" altLang="en-US" sz="2800" dirty="0">
+                <a:latin typeface="Calibri" pitchFamily="34" charset="0"/>
+              </a:rPr>
+              <a:t>서버와 연동된 데이터베이스는 각 카메라별 고유 </a:t>
+            </a:r>
+            <a:r>
+              <a:rPr lang="en-US" altLang="ko-KR" sz="2800" dirty="0">
+                <a:latin typeface="Calibri" pitchFamily="34" charset="0"/>
+              </a:rPr>
+              <a:t>ID </a:t>
+            </a:r>
+            <a:r>
+              <a:rPr lang="ko-KR" altLang="en-US" sz="2800" dirty="0">
+                <a:latin typeface="Calibri" pitchFamily="34" charset="0"/>
+              </a:rPr>
+              <a:t>와 구역별 </a:t>
+            </a:r>
+            <a:r>
+              <a:rPr lang="en-US" altLang="ko-KR" sz="2800" dirty="0">
+                <a:latin typeface="Calibri" pitchFamily="34" charset="0"/>
+              </a:rPr>
+              <a:t>ID, </a:t>
+            </a:r>
+            <a:r>
+              <a:rPr lang="ko-KR" altLang="en-US" sz="2800" dirty="0">
+                <a:latin typeface="Calibri" pitchFamily="34" charset="0"/>
+              </a:rPr>
+              <a:t>알람 </a:t>
+            </a:r>
+            <a:r>
+              <a:rPr lang="en-US" altLang="ko-KR" sz="2800" dirty="0">
+                <a:latin typeface="Calibri" pitchFamily="34" charset="0"/>
+              </a:rPr>
+              <a:t>LED ID </a:t>
+            </a:r>
+            <a:r>
+              <a:rPr lang="ko-KR" altLang="en-US" sz="2800" dirty="0">
+                <a:latin typeface="Calibri" pitchFamily="34" charset="0"/>
+              </a:rPr>
+              <a:t>를 관리한다</a:t>
+            </a:r>
+            <a:r>
+              <a:rPr lang="en-US" altLang="ko-KR" sz="2800" dirty="0">
+                <a:latin typeface="Calibri" pitchFamily="34" charset="0"/>
+              </a:rPr>
+              <a:t>. </a:t>
+            </a:r>
+            <a:r>
+              <a:rPr lang="ko-KR" altLang="en-US" sz="2800" dirty="0">
+                <a:latin typeface="Calibri" pitchFamily="34" charset="0"/>
+              </a:rPr>
+              <a:t>해당 데이터베이스는 </a:t>
+            </a:r>
+            <a:r>
+              <a:rPr lang="en-US" altLang="ko-KR" sz="2800" dirty="0">
+                <a:latin typeface="Calibri" pitchFamily="34" charset="0"/>
+              </a:rPr>
+              <a:t>Camera </a:t>
+            </a:r>
+            <a:r>
+              <a:rPr lang="ko-KR" altLang="en-US" sz="2800" dirty="0">
+                <a:latin typeface="Calibri" pitchFamily="34" charset="0"/>
+              </a:rPr>
+              <a:t>테이블과 </a:t>
+            </a:r>
+            <a:r>
+              <a:rPr lang="en-US" altLang="ko-KR" sz="2800" dirty="0">
+                <a:latin typeface="Calibri" pitchFamily="34" charset="0"/>
+              </a:rPr>
+              <a:t>Alarm </a:t>
+            </a:r>
+            <a:r>
+              <a:rPr lang="ko-KR" altLang="en-US" sz="2800" dirty="0">
+                <a:latin typeface="Calibri" pitchFamily="34" charset="0"/>
+              </a:rPr>
+              <a:t>테이블로 구성된다</a:t>
+            </a:r>
+            <a:r>
+              <a:rPr lang="en-US" altLang="ko-KR" sz="2800" dirty="0">
+                <a:latin typeface="Calibri" pitchFamily="34" charset="0"/>
+              </a:rPr>
+              <a:t>.</a:t>
+            </a:r>
+          </a:p>
+          <a:p>
+            <a:pPr marL="457200" indent="-457200" eaLnBrk="1" hangingPunct="1">
+              <a:buFont typeface="Wingdings" panose="05000000000000000000" pitchFamily="2" charset="2"/>
+              <a:buChar char="§"/>
+            </a:pPr>
+            <a:endParaRPr lang="en-US" altLang="ko-KR" sz="2800" dirty="0">
+              <a:latin typeface="Calibri" pitchFamily="34" charset="0"/>
+            </a:endParaRPr>
+          </a:p>
+          <a:p>
+            <a:pPr marL="457200" indent="-457200" eaLnBrk="1" hangingPunct="1">
+              <a:buFont typeface="Wingdings" panose="05000000000000000000" pitchFamily="2" charset="2"/>
+              <a:buChar char="§"/>
+            </a:pPr>
+            <a:r>
+              <a:rPr lang="en-US" altLang="ko-KR" sz="2800" dirty="0">
+                <a:latin typeface="Calibri" pitchFamily="34" charset="0"/>
+              </a:rPr>
+              <a:t>Camera </a:t>
+            </a:r>
+            <a:r>
+              <a:rPr lang="ko-KR" altLang="en-US" sz="2800" dirty="0">
+                <a:latin typeface="Calibri" pitchFamily="34" charset="0"/>
+              </a:rPr>
+              <a:t>테이블은 각 카메라 </a:t>
+            </a:r>
+            <a:r>
+              <a:rPr lang="en-US" altLang="ko-KR" sz="2800" dirty="0">
+                <a:latin typeface="Calibri" pitchFamily="34" charset="0"/>
+              </a:rPr>
+              <a:t>ID</a:t>
+            </a:r>
+            <a:r>
+              <a:rPr lang="ko-KR" altLang="en-US" sz="2800" dirty="0">
+                <a:latin typeface="Calibri" pitchFamily="34" charset="0"/>
+              </a:rPr>
+              <a:t>와 구역 </a:t>
+            </a:r>
+            <a:r>
+              <a:rPr lang="en-US" altLang="ko-KR" sz="2800" dirty="0">
+                <a:latin typeface="Calibri" pitchFamily="34" charset="0"/>
+              </a:rPr>
+              <a:t>ID</a:t>
+            </a:r>
+            <a:r>
+              <a:rPr lang="ko-KR" altLang="en-US" sz="2800" dirty="0">
+                <a:latin typeface="Calibri" pitchFamily="34" charset="0"/>
+              </a:rPr>
+              <a:t> 에 관련된 정보를 포함하고 있다</a:t>
+            </a:r>
+            <a:r>
+              <a:rPr lang="en-US" altLang="ko-KR" sz="2800" dirty="0">
+                <a:latin typeface="Calibri" pitchFamily="34" charset="0"/>
+              </a:rPr>
+              <a:t>. </a:t>
+            </a:r>
+          </a:p>
+          <a:p>
+            <a:pPr marL="457200" indent="-457200" eaLnBrk="1" hangingPunct="1">
+              <a:buFont typeface="Wingdings" panose="05000000000000000000" pitchFamily="2" charset="2"/>
+              <a:buChar char="§"/>
+            </a:pPr>
+            <a:endParaRPr lang="en-US" altLang="ko-KR" sz="2800" dirty="0">
+              <a:latin typeface="Calibri" pitchFamily="34" charset="0"/>
+            </a:endParaRPr>
+          </a:p>
+          <a:p>
+            <a:pPr marL="457200" indent="-457200" eaLnBrk="1" hangingPunct="1">
+              <a:buFont typeface="Wingdings" panose="05000000000000000000" pitchFamily="2" charset="2"/>
+              <a:buChar char="§"/>
+            </a:pPr>
+            <a:r>
+              <a:rPr lang="en-US" altLang="ko-KR" sz="2800" dirty="0">
+                <a:latin typeface="Calibri" pitchFamily="34" charset="0"/>
+              </a:rPr>
+              <a:t>Alarm </a:t>
+            </a:r>
+            <a:r>
+              <a:rPr lang="ko-KR" altLang="en-US" sz="2800" dirty="0">
+                <a:latin typeface="Calibri" pitchFamily="34" charset="0"/>
+              </a:rPr>
+              <a:t>테이블은 구역 </a:t>
+            </a:r>
+            <a:r>
+              <a:rPr lang="en-US" altLang="ko-KR" sz="2800" dirty="0">
+                <a:latin typeface="Calibri" pitchFamily="34" charset="0"/>
+              </a:rPr>
+              <a:t>ID</a:t>
+            </a:r>
+            <a:r>
+              <a:rPr lang="ko-KR" altLang="en-US" sz="2800" dirty="0">
+                <a:latin typeface="Calibri" pitchFamily="34" charset="0"/>
+              </a:rPr>
+              <a:t>와 알람 </a:t>
+            </a:r>
+            <a:r>
+              <a:rPr lang="en-US" altLang="ko-KR" sz="2800" dirty="0">
+                <a:latin typeface="Calibri" pitchFamily="34" charset="0"/>
+              </a:rPr>
+              <a:t>LED ID </a:t>
+            </a:r>
+            <a:r>
+              <a:rPr lang="ko-KR" altLang="en-US" sz="2800" dirty="0">
+                <a:latin typeface="Calibri" pitchFamily="34" charset="0"/>
+              </a:rPr>
+              <a:t>에 관련된</a:t>
+            </a:r>
+            <a:r>
+              <a:rPr lang="en-US" altLang="ko-KR" sz="2800" dirty="0">
+                <a:latin typeface="Calibri" pitchFamily="34" charset="0"/>
+              </a:rPr>
+              <a:t> </a:t>
+            </a:r>
+            <a:r>
+              <a:rPr lang="ko-KR" altLang="en-US" sz="2800" dirty="0">
+                <a:latin typeface="Calibri" pitchFamily="34" charset="0"/>
+              </a:rPr>
+              <a:t>정보를 포함하고 있다</a:t>
+            </a:r>
+            <a:r>
+              <a:rPr lang="en-US" altLang="ko-KR" sz="2800" dirty="0">
+                <a:latin typeface="Calibri" pitchFamily="34" charset="0"/>
+              </a:rPr>
+              <a:t>.</a:t>
+            </a:r>
+          </a:p>
+          <a:p>
+            <a:pPr marL="457200" indent="-457200" eaLnBrk="1" hangingPunct="1">
+              <a:buFont typeface="Wingdings" panose="05000000000000000000" pitchFamily="2" charset="2"/>
+              <a:buChar char="§"/>
+            </a:pPr>
+            <a:endParaRPr lang="en-US" altLang="ko-KR" sz="2800" dirty="0">
+              <a:latin typeface="Calibri" pitchFamily="34" charset="0"/>
+            </a:endParaRPr>
+          </a:p>
+          <a:p>
+            <a:pPr marL="457200" indent="-457200" eaLnBrk="1" hangingPunct="1">
+              <a:buFont typeface="Wingdings" panose="05000000000000000000" pitchFamily="2" charset="2"/>
+              <a:buChar char="§"/>
+            </a:pPr>
+            <a:r>
+              <a:rPr lang="ko-KR" altLang="en-US" sz="2800" dirty="0">
+                <a:latin typeface="Calibri" pitchFamily="34" charset="0"/>
+              </a:rPr>
+              <a:t>서버는 데이터베이스 내의 </a:t>
+            </a:r>
+            <a:r>
+              <a:rPr lang="en-US" altLang="ko-KR" sz="2800" dirty="0">
+                <a:latin typeface="Calibri" pitchFamily="34" charset="0"/>
+              </a:rPr>
+              <a:t>Camera </a:t>
+            </a:r>
+            <a:r>
+              <a:rPr lang="ko-KR" altLang="en-US" sz="2800" dirty="0">
+                <a:latin typeface="Calibri" pitchFamily="34" charset="0"/>
+              </a:rPr>
+              <a:t>테이블로부터 정보를 받아와서  카메라의 구역을 판단하고</a:t>
+            </a:r>
+            <a:r>
+              <a:rPr lang="en-US" altLang="ko-KR" sz="2800" dirty="0">
+                <a:latin typeface="Calibri" pitchFamily="34" charset="0"/>
+              </a:rPr>
+              <a:t>, Alarm </a:t>
+            </a:r>
+            <a:r>
+              <a:rPr lang="ko-KR" altLang="en-US" sz="2800" dirty="0">
+                <a:latin typeface="Calibri" pitchFamily="34" charset="0"/>
+              </a:rPr>
+              <a:t>테이블로부터 정보를 받아 해당 구역의 위험 알림을 전달한다</a:t>
+            </a:r>
+            <a:r>
+              <a:rPr lang="en-US" altLang="ko-KR" sz="2800" dirty="0">
+                <a:latin typeface="Calibri" pitchFamily="34" charset="0"/>
+              </a:rPr>
+              <a:t>.</a:t>
+            </a:r>
+          </a:p>
+          <a:p>
+            <a:pPr marL="457200" indent="-457200" eaLnBrk="1" hangingPunct="1">
+              <a:buFont typeface="Wingdings" panose="05000000000000000000" pitchFamily="2" charset="2"/>
+              <a:buChar char="§"/>
+            </a:pPr>
+            <a:endParaRPr lang="en-US" altLang="ko-KR" sz="2800" dirty="0">
+              <a:latin typeface="Calibri" pitchFamily="34" charset="0"/>
+            </a:endParaRPr>
+          </a:p>
+          <a:p>
+            <a:pPr marL="457200" indent="-457200" eaLnBrk="1" hangingPunct="1">
+              <a:buFont typeface="Wingdings" panose="05000000000000000000" pitchFamily="2" charset="2"/>
+              <a:buChar char="§"/>
+            </a:pPr>
+            <a:endParaRPr lang="en-US" altLang="ko-KR" sz="2800" dirty="0">
+              <a:latin typeface="Calibri" pitchFamily="34" charset="0"/>
+            </a:endParaRPr>
+          </a:p>
+        </p:txBody>
+      </p:sp>
+      <p:sp>
+        <p:nvSpPr>
+          <p:cNvPr id="56" name="Rectangle 31">
+            <a:extLst>
+              <a:ext uri="{FF2B5EF4-FFF2-40B4-BE49-F238E27FC236}">
+                <a16:creationId xmlns:a16="http://schemas.microsoft.com/office/drawing/2014/main" xmlns="" id="{A6595C4E-D66B-4453-85FE-FBCD6016E044}"/>
+              </a:ext>
+            </a:extLst>
+          </p:cNvPr>
+          <p:cNvSpPr/>
+          <p:nvPr/>
+        </p:nvSpPr>
+        <p:spPr>
+          <a:xfrm>
+            <a:off x="15631324" y="24599259"/>
+            <a:ext cx="12821951" cy="810000"/>
+          </a:xfrm>
+          <a:prstGeom prst="rect">
+            <a:avLst/>
+          </a:prstGeom>
+          <a:solidFill>
+            <a:schemeClr val="accent1">
+              <a:lumMod val="75000"/>
+            </a:schemeClr>
+          </a:solidFill>
+        </p:spPr>
+        <p:style>
+          <a:lnRef idx="2">
+            <a:schemeClr val="accent1">
+              <a:shade val="50000"/>
+            </a:schemeClr>
+          </a:lnRef>
+          <a:fillRef idx="1">
+            <a:schemeClr val="accent1"/>
+          </a:fillRef>
+          <a:effectRef idx="0">
+            <a:schemeClr val="accent1"/>
+          </a:effectRef>
+          <a:fontRef idx="minor">
+            <a:schemeClr val="lt1"/>
+          </a:fontRef>
+        </p:style>
+        <p:txBody>
+          <a:bodyPr lIns="86970" tIns="43485" rIns="86970" bIns="43485" rtlCol="0" anchor="ctr"/>
+          <a:lstStyle/>
+          <a:p>
+            <a:pPr algn="ctr"/>
+            <a:r>
+              <a:rPr lang="en-US" sz="5400" b="1" dirty="0">
+                <a:solidFill>
+                  <a:schemeClr val="accent3">
+                    <a:lumMod val="20000"/>
+                    <a:lumOff val="80000"/>
+                  </a:schemeClr>
+                </a:solidFill>
+              </a:rPr>
+              <a:t>Server Process</a:t>
+            </a:r>
+          </a:p>
+        </p:txBody>
+      </p:sp>
+      <p:pic>
+        <p:nvPicPr>
+          <p:cNvPr id="57" name="_x229746984" descr="DRW00000c706368">
+            <a:extLst>
+              <a:ext uri="{FF2B5EF4-FFF2-40B4-BE49-F238E27FC236}">
+                <a16:creationId xmlns:a16="http://schemas.microsoft.com/office/drawing/2014/main" xmlns="" id="{8A934C47-F321-41D7-A5BD-0F7239A0407C}"/>
+              </a:ext>
+            </a:extLst>
+          </p:cNvPr>
+          <p:cNvPicPr>
+            <a:picLocks noChangeAspect="1" noChangeArrowheads="1"/>
+          </p:cNvPicPr>
+          <p:nvPr/>
+        </p:nvPicPr>
+        <p:blipFill>
+          <a:blip r:embed="rId11">
+            <a:extLst>
+              <a:ext uri="{28A0092B-C50C-407E-A947-70E740481C1C}">
+                <a14:useLocalDpi xmlns:a14="http://schemas.microsoft.com/office/drawing/2010/main" val="0"/>
+              </a:ext>
+            </a:extLst>
+          </a:blip>
+          <a:srcRect/>
+          <a:stretch>
+            <a:fillRect/>
+          </a:stretch>
+        </p:blipFill>
+        <p:spPr bwMode="auto">
+          <a:xfrm>
+            <a:off x="17877083" y="32113995"/>
+            <a:ext cx="85725" cy="127000"/>
+          </a:xfrm>
+          <a:prstGeom prst="rect">
+            <a:avLst/>
+          </a:prstGeom>
+          <a:noFill/>
+          <a:extLst>
+            <a:ext uri="{909E8E84-426E-40DD-AFC4-6F175D3DCCD1}">
+              <a14:hiddenFill xmlns:a14="http://schemas.microsoft.com/office/drawing/2010/main">
+                <a:solidFill>
+                  <a:srgbClr val="FFFFFF"/>
+                </a:solidFill>
+              </a14:hiddenFill>
+            </a:ext>
+          </a:extLst>
+        </p:spPr>
+      </p:pic>
       <p:graphicFrame>
         <p:nvGraphicFramePr>
-          <p:cNvPr id="52" name="표 17">
+          <p:cNvPr id="60" name="표 17">
             <a:extLst>
               <a:ext uri="{FF2B5EF4-FFF2-40B4-BE49-F238E27FC236}">
-                <a16:creationId xmlns:a16="http://schemas.microsoft.com/office/drawing/2014/main" id="{96A974B1-B59F-4F42-A8AA-2998ACB34C55}"/>
+                <a16:creationId xmlns:a16="http://schemas.microsoft.com/office/drawing/2014/main" xmlns="" id="{3E559C87-4459-45CB-8E1F-3C2310B6F685}"/>
               </a:ext>
             </a:extLst>
           </p:cNvPr>
@@ -7654,14 +7690,14 @@
           <p:nvPr>
             <p:extLst>
               <p:ext uri="{D42A27DB-BD31-4B8C-83A1-F6EECF244321}">
-                <p14:modId xmlns:p14="http://schemas.microsoft.com/office/powerpoint/2010/main" val="4092503237"/>
+                <p14:modId xmlns:p14="http://schemas.microsoft.com/office/powerpoint/2010/main" val="2079064361"/>
               </p:ext>
             </p:extLst>
           </p:nvPr>
         </p:nvGraphicFramePr>
         <p:xfrm>
-          <a:off x="15688038" y="25575617"/>
-          <a:ext cx="12792228" cy="2727102"/>
+          <a:off x="15649934" y="25579761"/>
+          <a:ext cx="12821949" cy="2727102"/>
         </p:xfrm>
         <a:graphic>
           <a:graphicData uri="http://schemas.openxmlformats.org/drawingml/2006/table">
@@ -7670,24 +7706,24 @@
                 <a:tableStyleId>{21E4AEA4-8DFA-4A89-87EB-49C32662AFE0}</a:tableStyleId>
               </a:tblPr>
               <a:tblGrid>
-                <a:gridCol w="4264076">
+                <a:gridCol w="4273983">
                   <a:extLst>
                     <a:ext uri="{9D8B030D-6E8A-4147-A177-3AD203B41FA5}">
-                      <a16:colId xmlns:a16="http://schemas.microsoft.com/office/drawing/2014/main" val="2111459064"/>
+                      <a16:colId xmlns:a16="http://schemas.microsoft.com/office/drawing/2014/main" xmlns="" val="2111459064"/>
                     </a:ext>
                   </a:extLst>
                 </a:gridCol>
-                <a:gridCol w="4264076">
+                <a:gridCol w="4273983">
                   <a:extLst>
                     <a:ext uri="{9D8B030D-6E8A-4147-A177-3AD203B41FA5}">
-                      <a16:colId xmlns:a16="http://schemas.microsoft.com/office/drawing/2014/main" val="3767747850"/>
+                      <a16:colId xmlns:a16="http://schemas.microsoft.com/office/drawing/2014/main" xmlns="" val="3767747850"/>
                     </a:ext>
                   </a:extLst>
                 </a:gridCol>
-                <a:gridCol w="4264076">
+                <a:gridCol w="4273983">
                   <a:extLst>
                     <a:ext uri="{9D8B030D-6E8A-4147-A177-3AD203B41FA5}">
-                      <a16:colId xmlns:a16="http://schemas.microsoft.com/office/drawing/2014/main" val="2131450329"/>
+                      <a16:colId xmlns:a16="http://schemas.microsoft.com/office/drawing/2014/main" xmlns="" val="2131450329"/>
                     </a:ext>
                   </a:extLst>
                 </a:gridCol>
@@ -7823,7 +7859,7 @@
                 </a:tc>
                 <a:extLst>
                   <a:ext uri="{0D108BD9-81ED-4DB2-BD59-A6C34878D82A}">
-                    <a16:rowId xmlns:a16="http://schemas.microsoft.com/office/drawing/2014/main" val="590918076"/>
+                    <a16:rowId xmlns:a16="http://schemas.microsoft.com/office/drawing/2014/main" xmlns="" val="590918076"/>
                   </a:ext>
                 </a:extLst>
               </a:tr>
@@ -7995,7 +8031,7 @@
                 </a:tc>
                 <a:extLst>
                   <a:ext uri="{0D108BD9-81ED-4DB2-BD59-A6C34878D82A}">
-                    <a16:rowId xmlns:a16="http://schemas.microsoft.com/office/drawing/2014/main" val="1067371450"/>
+                    <a16:rowId xmlns:a16="http://schemas.microsoft.com/office/drawing/2014/main" xmlns="" val="1067371450"/>
                   </a:ext>
                 </a:extLst>
               </a:tr>
@@ -8167,7 +8203,7 @@
                 </a:tc>
                 <a:extLst>
                   <a:ext uri="{0D108BD9-81ED-4DB2-BD59-A6C34878D82A}">
-                    <a16:rowId xmlns:a16="http://schemas.microsoft.com/office/drawing/2014/main" val="2016616379"/>
+                    <a16:rowId xmlns:a16="http://schemas.microsoft.com/office/drawing/2014/main" xmlns="" val="2016616379"/>
                   </a:ext>
                 </a:extLst>
               </a:tr>
@@ -8339,7 +8375,7 @@
                 </a:tc>
                 <a:extLst>
                   <a:ext uri="{0D108BD9-81ED-4DB2-BD59-A6C34878D82A}">
-                    <a16:rowId xmlns:a16="http://schemas.microsoft.com/office/drawing/2014/main" val="4112519404"/>
+                    <a16:rowId xmlns:a16="http://schemas.microsoft.com/office/drawing/2014/main" xmlns="" val="4112519404"/>
                   </a:ext>
                 </a:extLst>
               </a:tr>
@@ -8511,7 +8547,7 @@
                 </a:tc>
                 <a:extLst>
                   <a:ext uri="{0D108BD9-81ED-4DB2-BD59-A6C34878D82A}">
-                    <a16:rowId xmlns:a16="http://schemas.microsoft.com/office/drawing/2014/main" val="1105355188"/>
+                    <a16:rowId xmlns:a16="http://schemas.microsoft.com/office/drawing/2014/main" xmlns="" val="1105355188"/>
                   </a:ext>
                 </a:extLst>
               </a:tr>
@@ -8521,10 +8557,10 @@
       </p:graphicFrame>
       <p:sp>
         <p:nvSpPr>
-          <p:cNvPr id="53" name="Text Box 180">
+          <p:cNvPr id="61" name="Text Box 180">
             <a:extLst>
               <a:ext uri="{FF2B5EF4-FFF2-40B4-BE49-F238E27FC236}">
-                <a16:creationId xmlns:a16="http://schemas.microsoft.com/office/drawing/2014/main" id="{20254F9E-8B61-446A-A973-32B4304AD3F8}"/>
+                <a16:creationId xmlns:a16="http://schemas.microsoft.com/office/drawing/2014/main" xmlns="" id="{9F7356EA-46DB-4935-B4D1-7EA9A01EB319}"/>
               </a:ext>
             </a:extLst>
           </p:cNvPr>
@@ -8720,10 +8756,10 @@
       </p:sp>
       <p:pic>
         <p:nvPicPr>
-          <p:cNvPr id="54" name="그림 53">
+          <p:cNvPr id="62" name="그림 61">
             <a:extLst>
               <a:ext uri="{FF2B5EF4-FFF2-40B4-BE49-F238E27FC236}">
-                <a16:creationId xmlns:a16="http://schemas.microsoft.com/office/drawing/2014/main" id="{3221EE41-015F-433A-8133-62A06249E2CF}"/>
+                <a16:creationId xmlns:a16="http://schemas.microsoft.com/office/drawing/2014/main" xmlns="" id="{A1C6EE59-BBCB-47A9-811B-50F385E0D67E}"/>
               </a:ext>
             </a:extLst>
           </p:cNvPr>
@@ -8731,7 +8767,7 @@
           <p:nvPr/>
         </p:nvPicPr>
         <p:blipFill>
-          <a:blip r:embed="rId6" cstate="print">
+          <a:blip r:embed="rId12" cstate="print">
             <a:extLst>
               <a:ext uri="{28A0092B-C50C-407E-A947-70E740481C1C}">
                 <a14:useLocalDpi xmlns:a14="http://schemas.microsoft.com/office/drawing/2010/main" val="0"/>
@@ -8745,8 +8781,8 @@
         </p:blipFill>
         <p:spPr bwMode="auto">
           <a:xfrm>
-            <a:off x="15678523" y="18600641"/>
-            <a:ext cx="12801742" cy="4853878"/>
+            <a:off x="15698080" y="18752915"/>
+            <a:ext cx="12755196" cy="4853878"/>
           </a:xfrm>
           <a:prstGeom prst="rect">
             <a:avLst/>
@@ -8761,10 +8797,10 @@
       </p:pic>
       <p:sp>
         <p:nvSpPr>
-          <p:cNvPr id="58" name="Text Box 180">
+          <p:cNvPr id="63" name="Text Box 180">
             <a:extLst>
               <a:ext uri="{FF2B5EF4-FFF2-40B4-BE49-F238E27FC236}">
-                <a16:creationId xmlns:a16="http://schemas.microsoft.com/office/drawing/2014/main" id="{0592C670-6D2A-482A-8F0A-4FB00C24EF50}"/>
+                <a16:creationId xmlns:a16="http://schemas.microsoft.com/office/drawing/2014/main" xmlns="" id="{4E513592-842F-4287-8F24-4B78BACAA8FE}"/>
               </a:ext>
             </a:extLst>
           </p:cNvPr>
@@ -8775,7 +8811,7 @@
         </p:nvSpPr>
         <p:spPr bwMode="auto">
           <a:xfrm>
-            <a:off x="15687896" y="23454519"/>
+            <a:off x="15687896" y="23606968"/>
             <a:ext cx="3845712" cy="457151"/>
           </a:xfrm>
           <a:prstGeom prst="rect">

--- a/논문 자료/한국정보처리학회 2020년 춘계학술발표대회/KIPS 학술발표대회 논문 포스터.pptx
+++ b/논문 자료/한국정보처리학회 2020년 춘계학술발표대회/KIPS 학술발표대회 논문 포스터.pptx
@@ -106,7 +106,7 @@
   </p:defaultTextStyle>
   <p:extLst>
     <p:ext uri="{EFAFB233-063F-42B5-8137-9DF3F51BA10A}">
-      <p15:sldGuideLst xmlns:p15="http://schemas.microsoft.com/office/powerpoint/2012/main" xmlns="">
+      <p15:sldGuideLst xmlns="" xmlns:p15="http://schemas.microsoft.com/office/powerpoint/2012/main">
         <p15:guide id="1" orient="horz" pos="13479">
           <p15:clr>
             <a:srgbClr val="A4A3A4"/>
@@ -128,7 +128,7 @@
   <p:cmAuthor id="1" name="Dohyung Kim" initials="DK" lastIdx="1" clrIdx="0">
     <p:extLst>
       <p:ext uri="{19B8F6BF-5375-455C-9EA6-DF929625EA0E}">
-        <p15:presenceInfo xmlns:p15="http://schemas.microsoft.com/office/powerpoint/2012/main" xmlns="" userId="2cc31e357a4f0f91" providerId="Windows Live"/>
+        <p15:presenceInfo xmlns="" xmlns:p15="http://schemas.microsoft.com/office/powerpoint/2012/main" userId="2cc31e357a4f0f91" providerId="Windows Live"/>
       </p:ext>
     </p:extLst>
   </p:cmAuthor>
@@ -2396,7 +2396,7 @@
           <p:cNvPr id="9" name="직사각형 8">
             <a:extLst>
               <a:ext uri="{FF2B5EF4-FFF2-40B4-BE49-F238E27FC236}">
-                <a16:creationId xmlns:a16="http://schemas.microsoft.com/office/drawing/2014/main" xmlns="" id="{9FACBAED-6384-46E0-A8B9-49DA33AD57A4}"/>
+                <a16:creationId xmlns="" xmlns:a16="http://schemas.microsoft.com/office/drawing/2014/main" id="{9FACBAED-6384-46E0-A8B9-49DA33AD57A4}"/>
               </a:ext>
             </a:extLst>
           </p:cNvPr>
@@ -3381,7 +3381,7 @@
           <p:cNvPr id="72" name="Rectangle 44">
             <a:extLst>
               <a:ext uri="{FF2B5EF4-FFF2-40B4-BE49-F238E27FC236}">
-                <a16:creationId xmlns:a16="http://schemas.microsoft.com/office/drawing/2014/main" xmlns="" id="{25F105DF-1D0B-43D6-85A7-257BEC719D92}"/>
+                <a16:creationId xmlns="" xmlns:a16="http://schemas.microsoft.com/office/drawing/2014/main" id="{25F105DF-1D0B-43D6-85A7-257BEC719D92}"/>
               </a:ext>
             </a:extLst>
           </p:cNvPr>
@@ -3442,7 +3442,7 @@
           <p:cNvPr id="2" name="그룹 1">
             <a:extLst>
               <a:ext uri="{FF2B5EF4-FFF2-40B4-BE49-F238E27FC236}">
-                <a16:creationId xmlns:a16="http://schemas.microsoft.com/office/drawing/2014/main" xmlns="" id="{0C864CFB-D452-4B1F-A21C-B5CC6A4EEEDA}"/>
+                <a16:creationId xmlns="" xmlns:a16="http://schemas.microsoft.com/office/drawing/2014/main" id="{0C864CFB-D452-4B1F-A21C-B5CC6A4EEEDA}"/>
               </a:ext>
             </a:extLst>
           </p:cNvPr>
@@ -3451,8 +3451,8 @@
         </p:nvGrpSpPr>
         <p:grpSpPr>
           <a:xfrm>
-            <a:off x="1703316" y="36889886"/>
-            <a:ext cx="14338362" cy="3816953"/>
+            <a:off x="1703316" y="36830147"/>
+            <a:ext cx="14338362" cy="4226572"/>
             <a:chOff x="15652071" y="6433983"/>
             <a:chExt cx="14216327" cy="4427908"/>
           </a:xfrm>
@@ -3462,7 +3462,7 @@
             <p:cNvPr id="14" name="그룹 13">
               <a:extLst>
                 <a:ext uri="{FF2B5EF4-FFF2-40B4-BE49-F238E27FC236}">
-                  <a16:creationId xmlns:a16="http://schemas.microsoft.com/office/drawing/2014/main" xmlns="" id="{6937A271-3FBD-45F3-9852-4D47F3B56002}"/>
+                  <a16:creationId xmlns="" xmlns:a16="http://schemas.microsoft.com/office/drawing/2014/main" id="{6937A271-3FBD-45F3-9852-4D47F3B56002}"/>
                 </a:ext>
               </a:extLst>
             </p:cNvPr>
@@ -3482,7 +3482,7 @@
               <p:cNvPr id="8" name="직사각형 7">
                 <a:extLst>
                   <a:ext uri="{FF2B5EF4-FFF2-40B4-BE49-F238E27FC236}">
-                    <a16:creationId xmlns:a16="http://schemas.microsoft.com/office/drawing/2014/main" xmlns="" id="{CC9451A3-090C-4737-B37F-968AD06AB0B4}"/>
+                    <a16:creationId xmlns="" xmlns:a16="http://schemas.microsoft.com/office/drawing/2014/main" id="{CC9451A3-090C-4737-B37F-968AD06AB0B4}"/>
                   </a:ext>
                 </a:extLst>
               </p:cNvPr>
@@ -3534,7 +3534,7 @@
               <p:cNvPr id="29" name="Text Box 180">
                 <a:extLst>
                   <a:ext uri="{FF2B5EF4-FFF2-40B4-BE49-F238E27FC236}">
-                    <a16:creationId xmlns:a16="http://schemas.microsoft.com/office/drawing/2014/main" xmlns="" id="{DF23DA32-B99D-4F00-B3A0-865A6509BDAA}"/>
+                    <a16:creationId xmlns="" xmlns:a16="http://schemas.microsoft.com/office/drawing/2014/main" id="{DF23DA32-B99D-4F00-B3A0-865A6509BDAA}"/>
                   </a:ext>
                 </a:extLst>
               </p:cNvPr>
@@ -3731,7 +3731,7 @@
             <p:cNvPr id="16" name="TextBox 15">
               <a:extLst>
                 <a:ext uri="{FF2B5EF4-FFF2-40B4-BE49-F238E27FC236}">
-                  <a16:creationId xmlns:a16="http://schemas.microsoft.com/office/drawing/2014/main" xmlns="" id="{F93FE8A5-F001-4909-AF04-54FF2E60DD6F}"/>
+                  <a16:creationId xmlns="" xmlns:a16="http://schemas.microsoft.com/office/drawing/2014/main" id="{F93FE8A5-F001-4909-AF04-54FF2E60DD6F}"/>
                 </a:ext>
               </a:extLst>
             </p:cNvPr>
@@ -3740,7 +3740,7 @@
           </p:nvSpPr>
           <p:spPr>
             <a:xfrm>
-              <a:off x="27324740" y="7128747"/>
+              <a:off x="27324740" y="7061671"/>
               <a:ext cx="2543658" cy="646331"/>
             </a:xfrm>
             <a:prstGeom prst="rect">
@@ -3767,7 +3767,7 @@
             <p:cNvPr id="33" name="TextBox 32">
               <a:extLst>
                 <a:ext uri="{FF2B5EF4-FFF2-40B4-BE49-F238E27FC236}">
-                  <a16:creationId xmlns:a16="http://schemas.microsoft.com/office/drawing/2014/main" xmlns="" id="{80CC509E-1148-4016-8052-B3D20C918AEC}"/>
+                  <a16:creationId xmlns="" xmlns:a16="http://schemas.microsoft.com/office/drawing/2014/main" id="{80CC509E-1148-4016-8052-B3D20C918AEC}"/>
                 </a:ext>
               </a:extLst>
             </p:cNvPr>
@@ -3776,7 +3776,7 @@
           </p:nvSpPr>
           <p:spPr>
             <a:xfrm>
-              <a:off x="27324739" y="8610348"/>
+              <a:off x="27324740" y="8504259"/>
               <a:ext cx="2543658" cy="646331"/>
             </a:xfrm>
             <a:prstGeom prst="rect">
@@ -3804,7 +3804,7 @@
           <p:cNvPr id="36" name="Text Box 180">
             <a:extLst>
               <a:ext uri="{FF2B5EF4-FFF2-40B4-BE49-F238E27FC236}">
-                <a16:creationId xmlns:a16="http://schemas.microsoft.com/office/drawing/2014/main" xmlns="" id="{853C4F85-5E06-455E-89B8-3238120CB897}"/>
+                <a16:creationId xmlns="" xmlns:a16="http://schemas.microsoft.com/office/drawing/2014/main" id="{853C4F85-5E06-455E-89B8-3238120CB897}"/>
               </a:ext>
             </a:extLst>
           </p:cNvPr>
@@ -4003,7 +4003,7 @@
           <p:cNvPr id="37" name="Text Box 123">
             <a:extLst>
               <a:ext uri="{FF2B5EF4-FFF2-40B4-BE49-F238E27FC236}">
-                <a16:creationId xmlns:a16="http://schemas.microsoft.com/office/drawing/2014/main" xmlns="" id="{3B44C8CF-A9EB-4798-A66F-43FDFAAFEAFA}"/>
+                <a16:creationId xmlns="" xmlns:a16="http://schemas.microsoft.com/office/drawing/2014/main" id="{3B44C8CF-A9EB-4798-A66F-43FDFAAFEAFA}"/>
               </a:ext>
             </a:extLst>
           </p:cNvPr>
@@ -4448,7 +4448,7 @@
           <p:cNvPr id="38" name="Rectangle 32">
             <a:extLst>
               <a:ext uri="{FF2B5EF4-FFF2-40B4-BE49-F238E27FC236}">
-                <a16:creationId xmlns:a16="http://schemas.microsoft.com/office/drawing/2014/main" xmlns="" id="{CBAC2898-B387-45F3-8E05-1CC7BCBA9E32}"/>
+                <a16:creationId xmlns="" xmlns:a16="http://schemas.microsoft.com/office/drawing/2014/main" id="{CBAC2898-B387-45F3-8E05-1CC7BCBA9E32}"/>
               </a:ext>
             </a:extLst>
           </p:cNvPr>
@@ -4517,7 +4517,7 @@
           <p:cNvPr id="39" name="Text Box 190">
             <a:extLst>
               <a:ext uri="{FF2B5EF4-FFF2-40B4-BE49-F238E27FC236}">
-                <a16:creationId xmlns:a16="http://schemas.microsoft.com/office/drawing/2014/main" xmlns="" id="{05F39E30-417F-4D82-AAE4-309BFAA365C6}"/>
+                <a16:creationId xmlns="" xmlns:a16="http://schemas.microsoft.com/office/drawing/2014/main" id="{05F39E30-417F-4D82-AAE4-309BFAA365C6}"/>
               </a:ext>
             </a:extLst>
           </p:cNvPr>
@@ -4738,7 +4738,7 @@
           <p:cNvPr id="47" name="Rectangle 32">
             <a:extLst>
               <a:ext uri="{FF2B5EF4-FFF2-40B4-BE49-F238E27FC236}">
-                <a16:creationId xmlns:a16="http://schemas.microsoft.com/office/drawing/2014/main" xmlns="" id="{D8487CFE-AB8B-49E2-8DB5-31771C59C4A9}"/>
+                <a16:creationId xmlns="" xmlns:a16="http://schemas.microsoft.com/office/drawing/2014/main" id="{D8487CFE-AB8B-49E2-8DB5-31771C59C4A9}"/>
               </a:ext>
             </a:extLst>
           </p:cNvPr>
@@ -4799,7 +4799,7 @@
           <p:cNvPr id="48" name="Text Box 190">
             <a:extLst>
               <a:ext uri="{FF2B5EF4-FFF2-40B4-BE49-F238E27FC236}">
-                <a16:creationId xmlns:a16="http://schemas.microsoft.com/office/drawing/2014/main" xmlns="" id="{B80F7C73-729F-4563-8921-0C232C1F4AED}"/>
+                <a16:creationId xmlns="" xmlns:a16="http://schemas.microsoft.com/office/drawing/2014/main" id="{B80F7C73-729F-4563-8921-0C232C1F4AED}"/>
               </a:ext>
             </a:extLst>
           </p:cNvPr>
@@ -5045,7 +5045,7 @@
           <p:cNvPr id="46" name="Rectangle 4">
             <a:extLst>
               <a:ext uri="{FF2B5EF4-FFF2-40B4-BE49-F238E27FC236}">
-                <a16:creationId xmlns:a16="http://schemas.microsoft.com/office/drawing/2014/main" xmlns="" id="{5D1DCC7A-20AE-4159-B0D6-D2591C7F2200}"/>
+                <a16:creationId xmlns="" xmlns:a16="http://schemas.microsoft.com/office/drawing/2014/main" id="{5D1DCC7A-20AE-4159-B0D6-D2591C7F2200}"/>
               </a:ext>
             </a:extLst>
           </p:cNvPr>
@@ -5155,7 +5155,7 @@
           <p:cNvPr id="50" name="image1.png">
             <a:extLst>
               <a:ext uri="{FF2B5EF4-FFF2-40B4-BE49-F238E27FC236}">
-                <a16:creationId xmlns:a16="http://schemas.microsoft.com/office/drawing/2014/main" xmlns="" id="{7AC2C96B-7AB8-41D3-B74D-F281E446EAD5}"/>
+                <a16:creationId xmlns="" xmlns:a16="http://schemas.microsoft.com/office/drawing/2014/main" id="{7AC2C96B-7AB8-41D3-B74D-F281E446EAD5}"/>
               </a:ext>
             </a:extLst>
           </p:cNvPr>
@@ -5184,14 +5184,14 @@
           </a:ln>
         </p:spPr>
       </p:pic>
-      <mc:AlternateContent xmlns:mc="http://schemas.openxmlformats.org/markup-compatibility/2006" xmlns:a14="http://schemas.microsoft.com/office/drawing/2010/main">
-        <mc:Choice Requires="a14">
+      <mc:AlternateContent xmlns:mc="http://schemas.openxmlformats.org/markup-compatibility/2006">
+        <mc:Choice xmlns:a14="http://schemas.microsoft.com/office/drawing/2010/main" Requires="a14">
           <p:sp>
             <p:nvSpPr>
               <p:cNvPr id="3" name="직사각형 2">
                 <a:extLst>
                   <a:ext uri="{FF2B5EF4-FFF2-40B4-BE49-F238E27FC236}">
-                    <a16:creationId xmlns:a16="http://schemas.microsoft.com/office/drawing/2014/main" xmlns="" id="{5D4B123E-38B5-424C-82D8-2F26CDE051A4}"/>
+                    <a16:creationId xmlns="" xmlns:a16="http://schemas.microsoft.com/office/drawing/2014/main" id="{5D4B123E-38B5-424C-82D8-2F26CDE051A4}"/>
                   </a:ext>
                 </a:extLst>
               </p:cNvPr>
@@ -5200,7 +5200,7 @@
             </p:nvSpPr>
             <p:spPr>
               <a:xfrm>
-                <a:off x="1955277" y="37520505"/>
+                <a:off x="1955277" y="37460766"/>
                 <a:ext cx="10980519" cy="553998"/>
               </a:xfrm>
               <a:prstGeom prst="rect">
@@ -5360,13 +5360,13 @@
             </p:txBody>
           </p:sp>
         </mc:Choice>
-        <mc:Fallback xmlns="">
+        <mc:Fallback>
           <p:sp>
             <p:nvSpPr>
               <p:cNvPr id="3" name="직사각형 2">
                 <a:extLst>
                   <a:ext uri="{FF2B5EF4-FFF2-40B4-BE49-F238E27FC236}">
-                    <a16:creationId xmlns:a16="http://schemas.microsoft.com/office/drawing/2014/main" id="{5D4B123E-38B5-424C-82D8-2F26CDE051A4}"/>
+                    <a16:creationId xmlns="" xmlns:a16="http://schemas.microsoft.com/office/drawing/2014/main" xmlns:a14="http://schemas.microsoft.com/office/drawing/2010/main" id="{5D4B123E-38B5-424C-82D8-2F26CDE051A4}"/>
                   </a:ext>
                 </a:extLst>
               </p:cNvPr>
@@ -5377,14 +5377,14 @@
             </p:nvSpPr>
             <p:spPr>
               <a:xfrm>
-                <a:off x="1955277" y="37520505"/>
+                <a:off x="1955277" y="37460766"/>
                 <a:ext cx="10980519" cy="553998"/>
               </a:xfrm>
               <a:prstGeom prst="rect">
                 <a:avLst/>
               </a:prstGeom>
-              <a:blipFill>
-                <a:blip r:embed="rId9"/>
+              <a:blipFill rotWithShape="1">
+                <a:blip r:embed="rId4"/>
                 <a:stretch>
                   <a:fillRect/>
                 </a:stretch>
@@ -5405,14 +5405,14 @@
           </p:sp>
         </mc:Fallback>
       </mc:AlternateContent>
-      <mc:AlternateContent xmlns:mc="http://schemas.openxmlformats.org/markup-compatibility/2006" xmlns:a14="http://schemas.microsoft.com/office/drawing/2010/main">
-        <mc:Choice Requires="a14">
+      <mc:AlternateContent xmlns:mc="http://schemas.openxmlformats.org/markup-compatibility/2006">
+        <mc:Choice xmlns:a14="http://schemas.microsoft.com/office/drawing/2010/main" Requires="a14">
           <p:sp>
             <p:nvSpPr>
               <p:cNvPr id="5" name="직사각형 4">
                 <a:extLst>
                   <a:ext uri="{FF2B5EF4-FFF2-40B4-BE49-F238E27FC236}">
-                    <a16:creationId xmlns:a16="http://schemas.microsoft.com/office/drawing/2014/main" xmlns="" id="{AC39CB89-47CD-4EBA-91B4-DC1E2662B794}"/>
+                    <a16:creationId xmlns="" xmlns:a16="http://schemas.microsoft.com/office/drawing/2014/main" id="{AC39CB89-47CD-4EBA-91B4-DC1E2662B794}"/>
                   </a:ext>
                 </a:extLst>
               </p:cNvPr>
@@ -5421,7 +5421,7 @@
             </p:nvSpPr>
             <p:spPr>
               <a:xfrm>
-                <a:off x="1884515" y="38583439"/>
+                <a:off x="1884515" y="38523700"/>
                 <a:ext cx="11383213" cy="1182118"/>
               </a:xfrm>
               <a:prstGeom prst="rect">
@@ -5747,13 +5747,13 @@
             </p:txBody>
           </p:sp>
         </mc:Choice>
-        <mc:Fallback xmlns="">
+        <mc:Fallback>
           <p:sp>
             <p:nvSpPr>
               <p:cNvPr id="5" name="직사각형 4">
                 <a:extLst>
                   <a:ext uri="{FF2B5EF4-FFF2-40B4-BE49-F238E27FC236}">
-                    <a16:creationId xmlns:a16="http://schemas.microsoft.com/office/drawing/2014/main" id="{AC39CB89-47CD-4EBA-91B4-DC1E2662B794}"/>
+                    <a16:creationId xmlns="" xmlns:a16="http://schemas.microsoft.com/office/drawing/2014/main" xmlns:a14="http://schemas.microsoft.com/office/drawing/2010/main" id="{AC39CB89-47CD-4EBA-91B4-DC1E2662B794}"/>
                   </a:ext>
                 </a:extLst>
               </p:cNvPr>
@@ -5764,14 +5764,14 @@
             </p:nvSpPr>
             <p:spPr>
               <a:xfrm>
-                <a:off x="1884515" y="38583439"/>
+                <a:off x="1884515" y="38523700"/>
                 <a:ext cx="11383213" cy="1182118"/>
               </a:xfrm>
               <a:prstGeom prst="rect">
                 <a:avLst/>
               </a:prstGeom>
-              <a:blipFill>
-                <a:blip r:embed="rId10"/>
+              <a:blipFill rotWithShape="1">
+                <a:blip r:embed="rId5"/>
                 <a:stretch>
                   <a:fillRect/>
                 </a:stretch>
@@ -5797,7 +5797,7 @@
           <p:cNvPr id="51" name="Text Box 192">
             <a:extLst>
               <a:ext uri="{FF2B5EF4-FFF2-40B4-BE49-F238E27FC236}">
-                <a16:creationId xmlns:a16="http://schemas.microsoft.com/office/drawing/2014/main" xmlns="" id="{7A354DCB-8348-42E8-98FC-77D8E16C13B9}"/>
+                <a16:creationId xmlns="" xmlns:a16="http://schemas.microsoft.com/office/drawing/2014/main" id="{7A354DCB-8348-42E8-98FC-77D8E16C13B9}"/>
               </a:ext>
             </a:extLst>
           </p:cNvPr>
@@ -6018,7 +6018,31 @@
               <a:rPr lang="ko-KR" altLang="en-US" sz="2800" dirty="0">
                 <a:latin typeface="+mn-ea"/>
               </a:rPr>
-              <a:t>사용자가 설정한 기준선에서부터 인식된 객체의 중심점까지의 이차원 평면에서의 </a:t>
+              <a:t>사용자가 설정한 기준선에서부터 인식된 객체의 </a:t>
+            </a:r>
+            <a:r>
+              <a:rPr lang="ko-KR" altLang="en-US" sz="2800" dirty="0" smtClean="0">
+                <a:latin typeface="+mn-ea"/>
+              </a:rPr>
+              <a:t>중심점 </a:t>
+            </a:r>
+            <a:r>
+              <a:rPr lang="en-US" altLang="ko-KR" sz="2800" dirty="0" smtClean="0">
+                <a:latin typeface="+mn-ea"/>
+              </a:rPr>
+              <a:t>(A, B)</a:t>
+            </a:r>
+            <a:r>
+              <a:rPr lang="ko-KR" altLang="en-US" sz="2800" dirty="0" smtClean="0">
+                <a:latin typeface="+mn-ea"/>
+              </a:rPr>
+              <a:t>까지의 </a:t>
+            </a:r>
+            <a:r>
+              <a:rPr lang="ko-KR" altLang="en-US" sz="2800" dirty="0">
+                <a:latin typeface="+mn-ea"/>
+              </a:rPr>
+              <a:t>이차원 평면에서의 </a:t>
             </a:r>
             <a:r>
               <a:rPr lang="ko-KR" altLang="en-US" sz="2800" dirty="0" err="1">
@@ -6394,7 +6418,7 @@
           <p:cNvPr id="52" name="Rectangle 33">
             <a:extLst>
               <a:ext uri="{FF2B5EF4-FFF2-40B4-BE49-F238E27FC236}">
-                <a16:creationId xmlns:a16="http://schemas.microsoft.com/office/drawing/2014/main" xmlns="" id="{6AED1CF4-6091-43D6-8DD9-9787721B0E73}"/>
+                <a16:creationId xmlns="" xmlns:a16="http://schemas.microsoft.com/office/drawing/2014/main" id="{6AED1CF4-6091-43D6-8DD9-9787721B0E73}"/>
               </a:ext>
             </a:extLst>
           </p:cNvPr>
@@ -6455,7 +6479,7 @@
           <p:cNvPr id="53" name="Text Box 180">
             <a:extLst>
               <a:ext uri="{FF2B5EF4-FFF2-40B4-BE49-F238E27FC236}">
-                <a16:creationId xmlns:a16="http://schemas.microsoft.com/office/drawing/2014/main" xmlns="" id="{81104DDB-2C3B-4B4E-8C27-B9219D57F152}"/>
+                <a16:creationId xmlns="" xmlns:a16="http://schemas.microsoft.com/office/drawing/2014/main" id="{81104DDB-2C3B-4B4E-8C27-B9219D57F152}"/>
               </a:ext>
             </a:extLst>
           </p:cNvPr>
@@ -6654,7 +6678,7 @@
           <p:cNvPr id="54" name="표 17">
             <a:extLst>
               <a:ext uri="{FF2B5EF4-FFF2-40B4-BE49-F238E27FC236}">
-                <a16:creationId xmlns:a16="http://schemas.microsoft.com/office/drawing/2014/main" xmlns="" id="{48534518-4DB8-4580-A492-AD2C4B93D626}"/>
+                <a16:creationId xmlns="" xmlns:a16="http://schemas.microsoft.com/office/drawing/2014/main" id="{48534518-4DB8-4580-A492-AD2C4B93D626}"/>
               </a:ext>
             </a:extLst>
           </p:cNvPr>
@@ -6683,21 +6707,21 @@
                 <a:gridCol w="4267200">
                   <a:extLst>
                     <a:ext uri="{9D8B030D-6E8A-4147-A177-3AD203B41FA5}">
-                      <a16:colId xmlns:a16="http://schemas.microsoft.com/office/drawing/2014/main" xmlns="" val="2111459064"/>
+                      <a16:colId xmlns="" xmlns:a16="http://schemas.microsoft.com/office/drawing/2014/main" val="2111459064"/>
                     </a:ext>
                   </a:extLst>
                 </a:gridCol>
                 <a:gridCol w="4267200">
                   <a:extLst>
                     <a:ext uri="{9D8B030D-6E8A-4147-A177-3AD203B41FA5}">
-                      <a16:colId xmlns:a16="http://schemas.microsoft.com/office/drawing/2014/main" xmlns="" val="3767747850"/>
+                      <a16:colId xmlns="" xmlns:a16="http://schemas.microsoft.com/office/drawing/2014/main" val="3767747850"/>
                     </a:ext>
                   </a:extLst>
                 </a:gridCol>
                 <a:gridCol w="4267200">
                   <a:extLst>
                     <a:ext uri="{9D8B030D-6E8A-4147-A177-3AD203B41FA5}">
-                      <a16:colId xmlns:a16="http://schemas.microsoft.com/office/drawing/2014/main" xmlns="" val="2131450329"/>
+                      <a16:colId xmlns="" xmlns:a16="http://schemas.microsoft.com/office/drawing/2014/main" val="2131450329"/>
                     </a:ext>
                   </a:extLst>
                 </a:gridCol>
@@ -6832,7 +6856,7 @@
                 </a:tc>
                 <a:extLst>
                   <a:ext uri="{0D108BD9-81ED-4DB2-BD59-A6C34878D82A}">
-                    <a16:rowId xmlns:a16="http://schemas.microsoft.com/office/drawing/2014/main" xmlns="" val="590918076"/>
+                    <a16:rowId xmlns="" xmlns:a16="http://schemas.microsoft.com/office/drawing/2014/main" val="590918076"/>
                   </a:ext>
                 </a:extLst>
               </a:tr>
@@ -7004,7 +7028,7 @@
                 </a:tc>
                 <a:extLst>
                   <a:ext uri="{0D108BD9-81ED-4DB2-BD59-A6C34878D82A}">
-                    <a16:rowId xmlns:a16="http://schemas.microsoft.com/office/drawing/2014/main" xmlns="" val="1067371450"/>
+                    <a16:rowId xmlns="" xmlns:a16="http://schemas.microsoft.com/office/drawing/2014/main" val="1067371450"/>
                   </a:ext>
                 </a:extLst>
               </a:tr>
@@ -7017,7 +7041,7 @@
           <p:cNvPr id="55" name="Text Box 189">
             <a:extLst>
               <a:ext uri="{FF2B5EF4-FFF2-40B4-BE49-F238E27FC236}">
-                <a16:creationId xmlns:a16="http://schemas.microsoft.com/office/drawing/2014/main" xmlns="" id="{60298FBA-3536-4343-BF76-043E7B86150D}"/>
+                <a16:creationId xmlns="" xmlns:a16="http://schemas.microsoft.com/office/drawing/2014/main" id="{60298FBA-3536-4343-BF76-043E7B86150D}"/>
               </a:ext>
             </a:extLst>
           </p:cNvPr>
@@ -7325,19 +7349,31 @@
               <a:rPr lang="ko-KR" altLang="en-US" sz="2800" dirty="0">
                 <a:latin typeface="Calibri" pitchFamily="34" charset="0"/>
               </a:rPr>
-              <a:t>를 관리한다</a:t>
-            </a:r>
-            <a:r>
-              <a:rPr lang="en-US" altLang="ko-KR" sz="2800" dirty="0">
+              <a:t>를 </a:t>
+            </a:r>
+            <a:r>
+              <a:rPr lang="ko-KR" altLang="en-US" sz="2800" dirty="0" smtClean="0">
+                <a:latin typeface="Calibri" pitchFamily="34" charset="0"/>
+              </a:rPr>
+              <a:t>관리한다</a:t>
+            </a:r>
+            <a:r>
+              <a:rPr lang="en-US" altLang="ko-KR" sz="2800" dirty="0" smtClean="0">
                 <a:latin typeface="Calibri" pitchFamily="34" charset="0"/>
               </a:rPr>
               <a:t>. </a:t>
             </a:r>
             <a:r>
+              <a:rPr lang="ko-KR" altLang="en-US" sz="2800" dirty="0" smtClean="0">
+                <a:latin typeface="Calibri" pitchFamily="34" charset="0"/>
+              </a:rPr>
+              <a:t>해당 </a:t>
+            </a:r>
+            <a:r>
               <a:rPr lang="ko-KR" altLang="en-US" sz="2800" dirty="0">
                 <a:latin typeface="Calibri" pitchFamily="34" charset="0"/>
               </a:rPr>
-              <a:t>해당 데이터베이스는 </a:t>
+              <a:t>데이터베이스는 </a:t>
             </a:r>
             <a:r>
               <a:rPr lang="en-US" altLang="ko-KR" sz="2800" dirty="0">
@@ -7572,7 +7608,7 @@
           <p:cNvPr id="56" name="Rectangle 31">
             <a:extLst>
               <a:ext uri="{FF2B5EF4-FFF2-40B4-BE49-F238E27FC236}">
-                <a16:creationId xmlns:a16="http://schemas.microsoft.com/office/drawing/2014/main" xmlns="" id="{A6595C4E-D66B-4453-85FE-FBCD6016E044}"/>
+                <a16:creationId xmlns="" xmlns:a16="http://schemas.microsoft.com/office/drawing/2014/main" id="{A6595C4E-D66B-4453-85FE-FBCD6016E044}"/>
               </a:ext>
             </a:extLst>
           </p:cNvPr>
@@ -7633,7 +7669,7 @@
           <p:cNvPr id="57" name="_x229746984" descr="DRW00000c706368">
             <a:extLst>
               <a:ext uri="{FF2B5EF4-FFF2-40B4-BE49-F238E27FC236}">
-                <a16:creationId xmlns:a16="http://schemas.microsoft.com/office/drawing/2014/main" xmlns="" id="{8A934C47-F321-41D7-A5BD-0F7239A0407C}"/>
+                <a16:creationId xmlns="" xmlns:a16="http://schemas.microsoft.com/office/drawing/2014/main" id="{8A934C47-F321-41D7-A5BD-0F7239A0407C}"/>
               </a:ext>
             </a:extLst>
           </p:cNvPr>
@@ -7643,7 +7679,7 @@
           <p:nvPr/>
         </p:nvPicPr>
         <p:blipFill>
-          <a:blip r:embed="rId11">
+          <a:blip r:embed="rId6">
             <a:extLst>
               <a:ext uri="{28A0092B-C50C-407E-A947-70E740481C1C}">
                 <a14:useLocalDpi xmlns:a14="http://schemas.microsoft.com/office/drawing/2010/main" val="0"/>
@@ -7680,7 +7716,7 @@
           <p:cNvPr id="60" name="표 17">
             <a:extLst>
               <a:ext uri="{FF2B5EF4-FFF2-40B4-BE49-F238E27FC236}">
-                <a16:creationId xmlns:a16="http://schemas.microsoft.com/office/drawing/2014/main" xmlns="" id="{3E559C87-4459-45CB-8E1F-3C2310B6F685}"/>
+                <a16:creationId xmlns="" xmlns:a16="http://schemas.microsoft.com/office/drawing/2014/main" id="{3E559C87-4459-45CB-8E1F-3C2310B6F685}"/>
               </a:ext>
             </a:extLst>
           </p:cNvPr>
@@ -7709,21 +7745,21 @@
                 <a:gridCol w="4273983">
                   <a:extLst>
                     <a:ext uri="{9D8B030D-6E8A-4147-A177-3AD203B41FA5}">
-                      <a16:colId xmlns:a16="http://schemas.microsoft.com/office/drawing/2014/main" xmlns="" val="2111459064"/>
+                      <a16:colId xmlns="" xmlns:a16="http://schemas.microsoft.com/office/drawing/2014/main" val="2111459064"/>
                     </a:ext>
                   </a:extLst>
                 </a:gridCol>
                 <a:gridCol w="4273983">
                   <a:extLst>
                     <a:ext uri="{9D8B030D-6E8A-4147-A177-3AD203B41FA5}">
-                      <a16:colId xmlns:a16="http://schemas.microsoft.com/office/drawing/2014/main" xmlns="" val="3767747850"/>
+                      <a16:colId xmlns="" xmlns:a16="http://schemas.microsoft.com/office/drawing/2014/main" val="3767747850"/>
                     </a:ext>
                   </a:extLst>
                 </a:gridCol>
                 <a:gridCol w="4273983">
                   <a:extLst>
                     <a:ext uri="{9D8B030D-6E8A-4147-A177-3AD203B41FA5}">
-                      <a16:colId xmlns:a16="http://schemas.microsoft.com/office/drawing/2014/main" xmlns="" val="2131450329"/>
+                      <a16:colId xmlns="" xmlns:a16="http://schemas.microsoft.com/office/drawing/2014/main" val="2131450329"/>
                     </a:ext>
                   </a:extLst>
                 </a:gridCol>
@@ -7859,7 +7895,7 @@
                 </a:tc>
                 <a:extLst>
                   <a:ext uri="{0D108BD9-81ED-4DB2-BD59-A6C34878D82A}">
-                    <a16:rowId xmlns:a16="http://schemas.microsoft.com/office/drawing/2014/main" xmlns="" val="590918076"/>
+                    <a16:rowId xmlns="" xmlns:a16="http://schemas.microsoft.com/office/drawing/2014/main" val="590918076"/>
                   </a:ext>
                 </a:extLst>
               </a:tr>
@@ -8031,7 +8067,7 @@
                 </a:tc>
                 <a:extLst>
                   <a:ext uri="{0D108BD9-81ED-4DB2-BD59-A6C34878D82A}">
-                    <a16:rowId xmlns:a16="http://schemas.microsoft.com/office/drawing/2014/main" xmlns="" val="1067371450"/>
+                    <a16:rowId xmlns="" xmlns:a16="http://schemas.microsoft.com/office/drawing/2014/main" val="1067371450"/>
                   </a:ext>
                 </a:extLst>
               </a:tr>
@@ -8203,7 +8239,7 @@
                 </a:tc>
                 <a:extLst>
                   <a:ext uri="{0D108BD9-81ED-4DB2-BD59-A6C34878D82A}">
-                    <a16:rowId xmlns:a16="http://schemas.microsoft.com/office/drawing/2014/main" xmlns="" val="2016616379"/>
+                    <a16:rowId xmlns="" xmlns:a16="http://schemas.microsoft.com/office/drawing/2014/main" val="2016616379"/>
                   </a:ext>
                 </a:extLst>
               </a:tr>
@@ -8375,7 +8411,7 @@
                 </a:tc>
                 <a:extLst>
                   <a:ext uri="{0D108BD9-81ED-4DB2-BD59-A6C34878D82A}">
-                    <a16:rowId xmlns:a16="http://schemas.microsoft.com/office/drawing/2014/main" xmlns="" val="4112519404"/>
+                    <a16:rowId xmlns="" xmlns:a16="http://schemas.microsoft.com/office/drawing/2014/main" val="4112519404"/>
                   </a:ext>
                 </a:extLst>
               </a:tr>
@@ -8547,7 +8583,7 @@
                 </a:tc>
                 <a:extLst>
                   <a:ext uri="{0D108BD9-81ED-4DB2-BD59-A6C34878D82A}">
-                    <a16:rowId xmlns:a16="http://schemas.microsoft.com/office/drawing/2014/main" xmlns="" val="1105355188"/>
+                    <a16:rowId xmlns="" xmlns:a16="http://schemas.microsoft.com/office/drawing/2014/main" val="1105355188"/>
                   </a:ext>
                 </a:extLst>
               </a:tr>
@@ -8560,7 +8596,7 @@
           <p:cNvPr id="61" name="Text Box 180">
             <a:extLst>
               <a:ext uri="{FF2B5EF4-FFF2-40B4-BE49-F238E27FC236}">
-                <a16:creationId xmlns:a16="http://schemas.microsoft.com/office/drawing/2014/main" xmlns="" id="{9F7356EA-46DB-4935-B4D1-7EA9A01EB319}"/>
+                <a16:creationId xmlns="" xmlns:a16="http://schemas.microsoft.com/office/drawing/2014/main" id="{9F7356EA-46DB-4935-B4D1-7EA9A01EB319}"/>
               </a:ext>
             </a:extLst>
           </p:cNvPr>
@@ -8759,7 +8795,7 @@
           <p:cNvPr id="62" name="그림 61">
             <a:extLst>
               <a:ext uri="{FF2B5EF4-FFF2-40B4-BE49-F238E27FC236}">
-                <a16:creationId xmlns:a16="http://schemas.microsoft.com/office/drawing/2014/main" xmlns="" id="{A1C6EE59-BBCB-47A9-811B-50F385E0D67E}"/>
+                <a16:creationId xmlns="" xmlns:a16="http://schemas.microsoft.com/office/drawing/2014/main" id="{A1C6EE59-BBCB-47A9-811B-50F385E0D67E}"/>
               </a:ext>
             </a:extLst>
           </p:cNvPr>
@@ -8767,7 +8803,7 @@
           <p:nvPr/>
         </p:nvPicPr>
         <p:blipFill>
-          <a:blip r:embed="rId12" cstate="print">
+          <a:blip r:embed="rId7" cstate="print">
             <a:extLst>
               <a:ext uri="{28A0092B-C50C-407E-A947-70E740481C1C}">
                 <a14:useLocalDpi xmlns:a14="http://schemas.microsoft.com/office/drawing/2010/main" val="0"/>
@@ -8800,7 +8836,7 @@
           <p:cNvPr id="63" name="Text Box 180">
             <a:extLst>
               <a:ext uri="{FF2B5EF4-FFF2-40B4-BE49-F238E27FC236}">
-                <a16:creationId xmlns:a16="http://schemas.microsoft.com/office/drawing/2014/main" xmlns="" id="{4E513592-842F-4287-8F24-4B78BACAA8FE}"/>
+                <a16:creationId xmlns="" xmlns:a16="http://schemas.microsoft.com/office/drawing/2014/main" id="{4E513592-842F-4287-8F24-4B78BACAA8FE}"/>
               </a:ext>
             </a:extLst>
           </p:cNvPr>
